--- a/assets/docs/Trimestre V/04_Manual_Usuario/cancheros manual usuario .pptx
+++ b/assets/docs/Trimestre V/04_Manual_Usuario/cancheros manual usuario .pptx
@@ -10,9 +10,14 @@
     <p:sldId id="258" r:id="rId4"/>
     <p:sldId id="259" r:id="rId5"/>
     <p:sldId id="261" r:id="rId6"/>
-    <p:sldId id="260" r:id="rId7"/>
-    <p:sldId id="262" r:id="rId8"/>
-    <p:sldId id="263" r:id="rId9"/>
+    <p:sldId id="266" r:id="rId7"/>
+    <p:sldId id="267" r:id="rId8"/>
+    <p:sldId id="265" r:id="rId9"/>
+    <p:sldId id="260" r:id="rId10"/>
+    <p:sldId id="264" r:id="rId11"/>
+    <p:sldId id="262" r:id="rId12"/>
+    <p:sldId id="269" r:id="rId13"/>
+    <p:sldId id="263" r:id="rId14"/>
   </p:sldIdLst>
   <p:sldSz cx="12192000" cy="6858000"/>
   <p:notesSz cx="6858000" cy="9144000"/>
@@ -119,6 +124,258 @@
 </p:presentation>
 </file>
 
+<file path=ppt/ink/ink1.xml><?xml version="1.0" encoding="utf-8"?>
+<inkml:ink xmlns:inkml="http://www.w3.org/2003/InkML">
+  <inkml:definitions>
+    <inkml:context xml:id="ctx0">
+      <inkml:inkSource xml:id="inkSrc0">
+        <inkml:traceFormat>
+          <inkml:channel name="X" type="integer" min="-2.14748E9" max="2.14748E9" units="cm"/>
+          <inkml:channel name="Y" type="integer" min="-2.14748E9" max="2.14748E9" units="cm"/>
+          <inkml:channel name="F" type="integer" max="32767" units="dev"/>
+        </inkml:traceFormat>
+        <inkml:channelProperties>
+          <inkml:channelProperty channel="X" name="resolution" value="1000" units="1/cm"/>
+          <inkml:channelProperty channel="Y" name="resolution" value="1000" units="1/cm"/>
+          <inkml:channelProperty channel="F" name="resolution" value="0" units="1/dev"/>
+        </inkml:channelProperties>
+      </inkml:inkSource>
+      <inkml:timestamp xml:id="ts0" timeString="2024-09-11T00:32:16.433"/>
+    </inkml:context>
+    <inkml:brush xml:id="br0">
+      <inkml:brushProperty name="width" value="0.035" units="cm"/>
+      <inkml:brushProperty name="height" value="0.035" units="cm"/>
+      <inkml:brushProperty name="color" value="#FFC114"/>
+    </inkml:brush>
+  </inkml:definitions>
+  <inkml:trace contextRef="#ctx0" brushRef="#br0">1 0 24575</inkml:trace>
+</inkml:ink>
+</file>
+
+<file path=ppt/ink/ink2.xml><?xml version="1.0" encoding="utf-8"?>
+<inkml:ink xmlns:inkml="http://www.w3.org/2003/InkML">
+  <inkml:definitions>
+    <inkml:context xml:id="ctx0">
+      <inkml:inkSource xml:id="inkSrc0">
+        <inkml:traceFormat>
+          <inkml:channel name="X" type="integer" min="-2.14748E9" max="2.14748E9" units="cm"/>
+          <inkml:channel name="Y" type="integer" min="-2.14748E9" max="2.14748E9" units="cm"/>
+          <inkml:channel name="F" type="integer" max="32767" units="dev"/>
+        </inkml:traceFormat>
+        <inkml:channelProperties>
+          <inkml:channelProperty channel="X" name="resolution" value="1000" units="1/cm"/>
+          <inkml:channelProperty channel="Y" name="resolution" value="1000" units="1/cm"/>
+          <inkml:channelProperty channel="F" name="resolution" value="0" units="1/dev"/>
+        </inkml:channelProperties>
+      </inkml:inkSource>
+      <inkml:timestamp xml:id="ts0" timeString="2024-09-11T00:32:17.057"/>
+    </inkml:context>
+    <inkml:brush xml:id="br0">
+      <inkml:brushProperty name="width" value="0.035" units="cm"/>
+      <inkml:brushProperty name="height" value="0.035" units="cm"/>
+      <inkml:brushProperty name="color" value="#FFC114"/>
+    </inkml:brush>
+  </inkml:definitions>
+  <inkml:trace contextRef="#ctx0" brushRef="#br0">1 0 24575</inkml:trace>
+</inkml:ink>
+</file>
+
+<file path=ppt/ink/ink3.xml><?xml version="1.0" encoding="utf-8"?>
+<inkml:ink xmlns:inkml="http://www.w3.org/2003/InkML">
+  <inkml:definitions>
+    <inkml:context xml:id="ctx0">
+      <inkml:inkSource xml:id="inkSrc0">
+        <inkml:traceFormat>
+          <inkml:channel name="X" type="integer" min="-2.14748E9" max="2.14748E9" units="cm"/>
+          <inkml:channel name="Y" type="integer" min="-2.14748E9" max="2.14748E9" units="cm"/>
+          <inkml:channel name="F" type="integer" max="32767" units="dev"/>
+        </inkml:traceFormat>
+        <inkml:channelProperties>
+          <inkml:channelProperty channel="X" name="resolution" value="1000" units="1/cm"/>
+          <inkml:channelProperty channel="Y" name="resolution" value="1000" units="1/cm"/>
+          <inkml:channelProperty channel="F" name="resolution" value="0" units="1/dev"/>
+        </inkml:channelProperties>
+      </inkml:inkSource>
+      <inkml:timestamp xml:id="ts0" timeString="2024-09-11T00:50:10.975"/>
+    </inkml:context>
+    <inkml:brush xml:id="br0">
+      <inkml:brushProperty name="width" value="0.1" units="cm"/>
+      <inkml:brushProperty name="height" value="0.1" units="cm"/>
+      <inkml:brushProperty name="color" value="#FFC114"/>
+    </inkml:brush>
+  </inkml:definitions>
+  <inkml:trace contextRef="#ctx0" brushRef="#br0">0 3778 24575,'0'-583'0,"2"538"0,2-1 0,1 1 0,23-86 0,56-127 0,-62 197 0,19-41 0,6 1 0,116-185 0,-140 250 0,3 2 0,0 0 0,59-54 0,105-77 0,-116 104 0,59-42 11,4 5-1,3 7 1,182-88-1,471-177-309,-518 240-242,-35 15 403,250-112 80,-16-31 94,-213 81 124,-252 158-223,2 0 0,-1 0 0,1 0 0,-1 2 0,1-1 0,0 1 0,1 1 0,10-1 0,8 1-6763</inkml:trace>
+</inkml:ink>
+</file>
+
+<file path=ppt/ink/ink4.xml><?xml version="1.0" encoding="utf-8"?>
+<inkml:ink xmlns:inkml="http://www.w3.org/2003/InkML">
+  <inkml:definitions>
+    <inkml:context xml:id="ctx0">
+      <inkml:inkSource xml:id="inkSrc0">
+        <inkml:traceFormat>
+          <inkml:channel name="X" type="integer" min="-2.14748E9" max="2.14748E9" units="cm"/>
+          <inkml:channel name="Y" type="integer" min="-2.14748E9" max="2.14748E9" units="cm"/>
+          <inkml:channel name="F" type="integer" max="32767" units="dev"/>
+        </inkml:traceFormat>
+        <inkml:channelProperties>
+          <inkml:channelProperty channel="X" name="resolution" value="1000" units="1/cm"/>
+          <inkml:channelProperty channel="Y" name="resolution" value="1000" units="1/cm"/>
+          <inkml:channelProperty channel="F" name="resolution" value="0" units="1/dev"/>
+        </inkml:channelProperties>
+      </inkml:inkSource>
+      <inkml:timestamp xml:id="ts0" timeString="2024-09-11T00:50:24.707"/>
+    </inkml:context>
+    <inkml:brush xml:id="br0">
+      <inkml:brushProperty name="width" value="0.1" units="cm"/>
+      <inkml:brushProperty name="height" value="0.1" units="cm"/>
+      <inkml:brushProperty name="color" value="#FFC114"/>
+    </inkml:brush>
+  </inkml:definitions>
+  <inkml:trace contextRef="#ctx0" brushRef="#br0">3 1 24575,'-2'132'0,"5"147"0,2-248 0,15 55 0,-7-35 0,4 10 0,-10-40 0,-1 1 0,5 37 0,-6-22 0,1-1 0,3 1 0,0-2 0,3 1 0,19 42 0,-13-27-107,-1 2-1,-3 0 1,10 83-1,-15-84-827,-2-12-5891</inkml:trace>
+</inkml:ink>
+</file>
+
+<file path=ppt/ink/ink5.xml><?xml version="1.0" encoding="utf-8"?>
+<inkml:ink xmlns:inkml="http://www.w3.org/2003/InkML">
+  <inkml:definitions>
+    <inkml:context xml:id="ctx0">
+      <inkml:inkSource xml:id="inkSrc0">
+        <inkml:traceFormat>
+          <inkml:channel name="X" type="integer" min="-2.14748E9" max="2.14748E9" units="cm"/>
+          <inkml:channel name="Y" type="integer" min="-2.14748E9" max="2.14748E9" units="cm"/>
+          <inkml:channel name="F" type="integer" max="32767" units="dev"/>
+        </inkml:traceFormat>
+        <inkml:channelProperties>
+          <inkml:channelProperty channel="X" name="resolution" value="1000" units="1/cm"/>
+          <inkml:channelProperty channel="Y" name="resolution" value="1000" units="1/cm"/>
+          <inkml:channelProperty channel="F" name="resolution" value="0" units="1/dev"/>
+        </inkml:channelProperties>
+      </inkml:inkSource>
+      <inkml:timestamp xml:id="ts0" timeString="2024-09-11T00:50:27.232"/>
+    </inkml:context>
+    <inkml:brush xml:id="br0">
+      <inkml:brushProperty name="width" value="0.1" units="cm"/>
+      <inkml:brushProperty name="height" value="0.1" units="cm"/>
+      <inkml:brushProperty name="color" value="#FFC114"/>
+    </inkml:brush>
+  </inkml:definitions>
+  <inkml:trace contextRef="#ctx0" brushRef="#br0">0 573 24575,'0'-7'0,"7"-2"0,2-14 0,0-10 0,-2-6 0,-2-3 0,-2-2 0,-1 0 0,6 0 0,1 1 0,0 0 0,4 9 0,1 2 0,5 6 0,-1 2 0,3-3 0,-1-4 0,-5 4-8191</inkml:trace>
+</inkml:ink>
+</file>
+
+<file path=ppt/ink/ink6.xml><?xml version="1.0" encoding="utf-8"?>
+<inkml:ink xmlns:inkml="http://www.w3.org/2003/InkML">
+  <inkml:definitions>
+    <inkml:context xml:id="ctx0">
+      <inkml:inkSource xml:id="inkSrc0">
+        <inkml:traceFormat>
+          <inkml:channel name="X" type="integer" min="-2.14748E9" max="2.14748E9" units="cm"/>
+          <inkml:channel name="Y" type="integer" min="-2.14748E9" max="2.14748E9" units="cm"/>
+          <inkml:channel name="F" type="integer" max="32767" units="dev"/>
+        </inkml:traceFormat>
+        <inkml:channelProperties>
+          <inkml:channelProperty channel="X" name="resolution" value="1000" units="1/cm"/>
+          <inkml:channelProperty channel="Y" name="resolution" value="1000" units="1/cm"/>
+          <inkml:channelProperty channel="F" name="resolution" value="0" units="1/dev"/>
+        </inkml:channelProperties>
+      </inkml:inkSource>
+      <inkml:timestamp xml:id="ts0" timeString="2024-09-11T00:50:33.220"/>
+    </inkml:context>
+    <inkml:brush xml:id="br0">
+      <inkml:brushProperty name="width" value="0.1" units="cm"/>
+      <inkml:brushProperty name="height" value="0.1" units="cm"/>
+      <inkml:brushProperty name="color" value="#FFC114"/>
+    </inkml:brush>
+  </inkml:definitions>
+  <inkml:trace contextRef="#ctx0" brushRef="#br0">0 0 24575,'19'2'0,"-1"1"0,0 0 0,0 1 0,-1 1 0,1 1 0,-1 0 0,0 1 0,-1 1 0,0 1 0,0 0 0,0 1 0,-2 0 0,1 2 0,-1 0 0,13 15 0,-20-20 0,0 2 0,-1-1 0,0 1 0,8 16 0,-10-17 0,0 1 0,1-1 0,1 0 0,-1 0 0,1-1 0,10 10 0,-7-9 0,-1-1 0,-1 1 0,1 1 0,-1 0 0,-1 0 0,0 0 0,0 0 0,0 1 0,4 14 0,-4-8 0,-2 0 0,0 0 0,-1 0 0,0 0 0,0 28 0,-2-17-136,-1 0-1,-1 0 1,-1 0-1,-1 0 1,-1 0-1,-2-1 1,-1 1-1,-1-2 0,-12 30 1,7-32-6690</inkml:trace>
+</inkml:ink>
+</file>
+
+<file path=ppt/ink/ink7.xml><?xml version="1.0" encoding="utf-8"?>
+<inkml:ink xmlns:inkml="http://www.w3.org/2003/InkML">
+  <inkml:definitions>
+    <inkml:context xml:id="ctx0">
+      <inkml:inkSource xml:id="inkSrc0">
+        <inkml:traceFormat>
+          <inkml:channel name="X" type="integer" min="-2.14748E9" max="2.14748E9" units="cm"/>
+          <inkml:channel name="Y" type="integer" min="-2.14748E9" max="2.14748E9" units="cm"/>
+          <inkml:channel name="F" type="integer" max="32767" units="dev"/>
+        </inkml:traceFormat>
+        <inkml:channelProperties>
+          <inkml:channelProperty channel="X" name="resolution" value="1000" units="1/cm"/>
+          <inkml:channelProperty channel="Y" name="resolution" value="1000" units="1/cm"/>
+          <inkml:channelProperty channel="F" name="resolution" value="0" units="1/dev"/>
+        </inkml:channelProperties>
+      </inkml:inkSource>
+      <inkml:timestamp xml:id="ts0" timeString="2024-09-11T01:01:40.048"/>
+    </inkml:context>
+    <inkml:brush xml:id="br0">
+      <inkml:brushProperty name="width" value="0.1" units="cm"/>
+      <inkml:brushProperty name="height" value="0.1" units="cm"/>
+      <inkml:brushProperty name="color" value="#FFC114"/>
+    </inkml:brush>
+  </inkml:definitions>
+  <inkml:trace contextRef="#ctx0" brushRef="#br0">3166 0 24575,'-1724'0'0,"1702"1"0,1 1 0,-1 1 0,1 1 0,0 1 0,0 1 0,-35 14 0,-118 66 0,91-42 0,58-31 0,0-1 0,0-1 0,-2-2 0,1 0 0,-1-2 0,0-1 0,-1-1 0,-43 3 0,-236-10 0,108-1 0,182 3-136,1-1-1,-1-1 1,0 0-1,1-2 1,0 0-1,-1 0 1,1-2-1,1 0 0,-25-13 1,14 5-6690</inkml:trace>
+</inkml:ink>
+</file>
+
+<file path=ppt/ink/ink8.xml><?xml version="1.0" encoding="utf-8"?>
+<inkml:ink xmlns:inkml="http://www.w3.org/2003/InkML">
+  <inkml:definitions>
+    <inkml:context xml:id="ctx0">
+      <inkml:inkSource xml:id="inkSrc0">
+        <inkml:traceFormat>
+          <inkml:channel name="X" type="integer" min="-2.14748E9" max="2.14748E9" units="cm"/>
+          <inkml:channel name="Y" type="integer" min="-2.14748E9" max="2.14748E9" units="cm"/>
+          <inkml:channel name="F" type="integer" max="32767" units="dev"/>
+        </inkml:traceFormat>
+        <inkml:channelProperties>
+          <inkml:channelProperty channel="X" name="resolution" value="1000" units="1/cm"/>
+          <inkml:channelProperty channel="Y" name="resolution" value="1000" units="1/cm"/>
+          <inkml:channelProperty channel="F" name="resolution" value="0" units="1/dev"/>
+        </inkml:channelProperties>
+      </inkml:inkSource>
+      <inkml:timestamp xml:id="ts0" timeString="2024-09-11T01:01:44.379"/>
+    </inkml:context>
+    <inkml:brush xml:id="br0">
+      <inkml:brushProperty name="width" value="0.1" units="cm"/>
+      <inkml:brushProperty name="height" value="0.1" units="cm"/>
+      <inkml:brushProperty name="color" value="#FFC114"/>
+    </inkml:brush>
+  </inkml:definitions>
+  <inkml:trace contextRef="#ctx0" brushRef="#br0">0 1 24575,'2296'0'-1365,"-2261"0"-5461</inkml:trace>
+</inkml:ink>
+</file>
+
+<file path=ppt/ink/ink9.xml><?xml version="1.0" encoding="utf-8"?>
+<inkml:ink xmlns:inkml="http://www.w3.org/2003/InkML">
+  <inkml:definitions>
+    <inkml:context xml:id="ctx0">
+      <inkml:inkSource xml:id="inkSrc0">
+        <inkml:traceFormat>
+          <inkml:channel name="X" type="integer" min="-2.14748E9" max="2.14748E9" units="cm"/>
+          <inkml:channel name="Y" type="integer" min="-2.14748E9" max="2.14748E9" units="cm"/>
+          <inkml:channel name="F" type="integer" max="32767" units="dev"/>
+        </inkml:traceFormat>
+        <inkml:channelProperties>
+          <inkml:channelProperty channel="X" name="resolution" value="1000" units="1/cm"/>
+          <inkml:channelProperty channel="Y" name="resolution" value="1000" units="1/cm"/>
+          <inkml:channelProperty channel="F" name="resolution" value="0" units="1/dev"/>
+        </inkml:channelProperties>
+      </inkml:inkSource>
+      <inkml:timestamp xml:id="ts0" timeString="2024-09-11T23:35:01.958"/>
+    </inkml:context>
+    <inkml:brush xml:id="br0">
+      <inkml:brushProperty name="width" value="0.1" units="cm"/>
+      <inkml:brushProperty name="height" value="0.1" units="cm"/>
+      <inkml:brushProperty name="color" value="#FFC114"/>
+    </inkml:brush>
+  </inkml:definitions>
+  <inkml:trace contextRef="#ctx0" brushRef="#br0">2 864 24575,'-2'-132'0,"5"-147"0,-2 274 0,-1 0 0,1 1 0,0-1 0,0 0 0,1 0 0,-1 0 0,1 0 0,0 1 0,0-1 0,1 1 0,0 0 0,-1 0 0,1 0 0,1 0 0,-1 0 0,0 0 0,1 1 0,0 0 0,0-1 0,0 1 0,5-3 0,7-1 0,0 0 0,0 1 0,1 1 0,31-7 0,-27 8 0,-1-2 0,26-10 0,89-34 0,-28 12 0,121-33 0,-31 11 0,-146 42 0,-1 2 0,2 3 0,60-8 0,-78 17 0,1 1 0,-1 2 0,0 2 0,1 1 0,65 13 0,36 8 0,-67-9 0,-1 4 0,102 39 0,55 16 0,-54-18 0,-131-39 0,1-2 0,0-1 0,1-3 0,0-1 0,72 5 0,-113-14 0,30-1 0,1 2 0,-1 1 0,0 1 0,0 2 0,0 0 0,46 17 0,125 48 0,-149-58 0,-28-7 0,0 2 0,27 10 0,-44-14 0,0 1 0,-1 0 0,1 0 0,-1 1 0,0 0 0,0 0 0,-1 1 0,0-1 0,1 1 0,6 10 0,101 158 0,-105-160 0,4 7 24,-2 0 0,0 0 0,-1 1 0,9 31 0,-16-42-159,0 0 0,-1 1 0,0-1 0,-1 1 0,-1 0 0,1 0 0,-2-1 0,0 1 0,0 0 0,-5 20 0,-4-5-6691</inkml:trace>
+</inkml:ink>
+</file>
+
 <file path=ppt/slideLayouts/slideLayout1.xml><?xml version="1.0" encoding="utf-8"?>
 <p:sldLayout xmlns:a="http://schemas.openxmlformats.org/drawingml/2006/main" xmlns:r="http://schemas.openxmlformats.org/officeDocument/2006/relationships" xmlns:p="http://schemas.openxmlformats.org/presentationml/2006/main" type="title" preserve="1">
   <p:cSld name="Diapositiva de título">
@@ -268,7 +525,7 @@
           <a:p>
             <a:fld id="{C79C15E1-9365-4DE8-962E-FAF14BB27C7C}" type="datetimeFigureOut">
               <a:rPr lang="es-MX" smtClean="0"/>
-              <a:t>28/08/2024</a:t>
+              <a:t>11/09/2024</a:t>
             </a:fld>
             <a:endParaRPr lang="es-MX"/>
           </a:p>
@@ -468,7 +725,7 @@
           <a:p>
             <a:fld id="{C79C15E1-9365-4DE8-962E-FAF14BB27C7C}" type="datetimeFigureOut">
               <a:rPr lang="es-MX" smtClean="0"/>
-              <a:t>28/08/2024</a:t>
+              <a:t>11/09/2024</a:t>
             </a:fld>
             <a:endParaRPr lang="es-MX"/>
           </a:p>
@@ -678,7 +935,7 @@
           <a:p>
             <a:fld id="{C79C15E1-9365-4DE8-962E-FAF14BB27C7C}" type="datetimeFigureOut">
               <a:rPr lang="es-MX" smtClean="0"/>
-              <a:t>28/08/2024</a:t>
+              <a:t>11/09/2024</a:t>
             </a:fld>
             <a:endParaRPr lang="es-MX"/>
           </a:p>
@@ -878,7 +1135,7 @@
           <a:p>
             <a:fld id="{C79C15E1-9365-4DE8-962E-FAF14BB27C7C}" type="datetimeFigureOut">
               <a:rPr lang="es-MX" smtClean="0"/>
-              <a:t>28/08/2024</a:t>
+              <a:t>11/09/2024</a:t>
             </a:fld>
             <a:endParaRPr lang="es-MX"/>
           </a:p>
@@ -1154,7 +1411,7 @@
           <a:p>
             <a:fld id="{C79C15E1-9365-4DE8-962E-FAF14BB27C7C}" type="datetimeFigureOut">
               <a:rPr lang="es-MX" smtClean="0"/>
-              <a:t>28/08/2024</a:t>
+              <a:t>11/09/2024</a:t>
             </a:fld>
             <a:endParaRPr lang="es-MX"/>
           </a:p>
@@ -1422,7 +1679,7 @@
           <a:p>
             <a:fld id="{C79C15E1-9365-4DE8-962E-FAF14BB27C7C}" type="datetimeFigureOut">
               <a:rPr lang="es-MX" smtClean="0"/>
-              <a:t>28/08/2024</a:t>
+              <a:t>11/09/2024</a:t>
             </a:fld>
             <a:endParaRPr lang="es-MX"/>
           </a:p>
@@ -1837,7 +2094,7 @@
           <a:p>
             <a:fld id="{C79C15E1-9365-4DE8-962E-FAF14BB27C7C}" type="datetimeFigureOut">
               <a:rPr lang="es-MX" smtClean="0"/>
-              <a:t>28/08/2024</a:t>
+              <a:t>11/09/2024</a:t>
             </a:fld>
             <a:endParaRPr lang="es-MX"/>
           </a:p>
@@ -1979,7 +2236,7 @@
           <a:p>
             <a:fld id="{C79C15E1-9365-4DE8-962E-FAF14BB27C7C}" type="datetimeFigureOut">
               <a:rPr lang="es-MX" smtClean="0"/>
-              <a:t>28/08/2024</a:t>
+              <a:t>11/09/2024</a:t>
             </a:fld>
             <a:endParaRPr lang="es-MX"/>
           </a:p>
@@ -2092,7 +2349,7 @@
           <a:p>
             <a:fld id="{C79C15E1-9365-4DE8-962E-FAF14BB27C7C}" type="datetimeFigureOut">
               <a:rPr lang="es-MX" smtClean="0"/>
-              <a:t>28/08/2024</a:t>
+              <a:t>11/09/2024</a:t>
             </a:fld>
             <a:endParaRPr lang="es-MX"/>
           </a:p>
@@ -2405,7 +2662,7 @@
           <a:p>
             <a:fld id="{C79C15E1-9365-4DE8-962E-FAF14BB27C7C}" type="datetimeFigureOut">
               <a:rPr lang="es-MX" smtClean="0"/>
-              <a:t>28/08/2024</a:t>
+              <a:t>11/09/2024</a:t>
             </a:fld>
             <a:endParaRPr lang="es-MX"/>
           </a:p>
@@ -2694,7 +2951,7 @@
           <a:p>
             <a:fld id="{C79C15E1-9365-4DE8-962E-FAF14BB27C7C}" type="datetimeFigureOut">
               <a:rPr lang="es-MX" smtClean="0"/>
-              <a:t>28/08/2024</a:t>
+              <a:t>11/09/2024</a:t>
             </a:fld>
             <a:endParaRPr lang="es-MX"/>
           </a:p>
@@ -2937,7 +3194,7 @@
           <a:p>
             <a:fld id="{C79C15E1-9365-4DE8-962E-FAF14BB27C7C}" type="datetimeFigureOut">
               <a:rPr lang="es-MX" smtClean="0"/>
-              <a:t>28/08/2024</a:t>
+              <a:t>11/09/2024</a:t>
             </a:fld>
             <a:endParaRPr lang="es-MX"/>
           </a:p>
@@ -4517,6 +4774,4014 @@
 </p:sld>
 </file>
 
+<file path=ppt/slides/slide10.xml><?xml version="1.0" encoding="utf-8"?>
+<p:sld xmlns:a="http://schemas.openxmlformats.org/drawingml/2006/main" xmlns:r="http://schemas.openxmlformats.org/officeDocument/2006/relationships" xmlns:p="http://schemas.openxmlformats.org/presentationml/2006/main">
+  <p:cSld>
+    <p:spTree>
+      <p:nvGrpSpPr>
+        <p:cNvPr id="1" name=""/>
+        <p:cNvGrpSpPr/>
+        <p:nvPr/>
+      </p:nvGrpSpPr>
+      <p:grpSpPr>
+        <a:xfrm>
+          <a:off x="0" y="0"/>
+          <a:ext cx="0" cy="0"/>
+          <a:chOff x="0" y="0"/>
+          <a:chExt cx="0" cy="0"/>
+        </a:xfrm>
+      </p:grpSpPr>
+      <p:sp>
+        <p:nvSpPr>
+          <p:cNvPr id="3" name="CuadroTexto 2">
+            <a:extLst>
+              <a:ext uri="{FF2B5EF4-FFF2-40B4-BE49-F238E27FC236}">
+                <a16:creationId xmlns:a16="http://schemas.microsoft.com/office/drawing/2014/main" id="{E2985033-2463-63F1-516D-F7D9BBAF700C}"/>
+              </a:ext>
+            </a:extLst>
+          </p:cNvPr>
+          <p:cNvSpPr txBox="1"/>
+          <p:nvPr/>
+        </p:nvSpPr>
+        <p:spPr>
+          <a:xfrm>
+            <a:off x="2252815" y="597968"/>
+            <a:ext cx="7776087" cy="1231106"/>
+          </a:xfrm>
+          <a:prstGeom prst="rect">
+            <a:avLst/>
+          </a:prstGeom>
+          <a:noFill/>
+        </p:spPr>
+        <p:txBody>
+          <a:bodyPr wrap="square">
+            <a:spAutoFit/>
+          </a:bodyPr>
+          <a:lstStyle/>
+          <a:p>
+            <a:r>
+              <a:rPr lang="es-MX" sz="2000" b="1" spc="-5" dirty="0">
+                <a:latin typeface="Calibri"/>
+                <a:cs typeface="Calibri"/>
+              </a:rPr>
+              <a:t>INGRESAR COMO USUARIO.</a:t>
+            </a:r>
+            <a:r>
+              <a:rPr lang="es-MX" sz="2000" b="1" spc="190" dirty="0">
+                <a:latin typeface="Calibri"/>
+                <a:cs typeface="Calibri"/>
+              </a:rPr>
+              <a:t> </a:t>
+            </a:r>
+            <a:r>
+              <a:rPr lang="es-MX" sz="1800" dirty="0">
+                <a:latin typeface="Calibri"/>
+                <a:cs typeface="Calibri"/>
+              </a:rPr>
+              <a:t>Ya al haber ingresado con nuestro usuario nos aparecerá una pestaña muy similar a la principal, pero nos dejará realizar las reservas de cancha que necesitamos, además tendrá nuestro nombre al lado de “cerrar sesión”</a:t>
+            </a:r>
+            <a:endParaRPr lang="es-MX" dirty="0"/>
+          </a:p>
+        </p:txBody>
+      </p:sp>
+      <p:grpSp>
+        <p:nvGrpSpPr>
+          <p:cNvPr id="6" name="object 14">
+            <a:extLst>
+              <a:ext uri="{FF2B5EF4-FFF2-40B4-BE49-F238E27FC236}">
+                <a16:creationId xmlns:a16="http://schemas.microsoft.com/office/drawing/2014/main" id="{50FAC9D2-BA6B-702D-4D0B-04D75B45D340}"/>
+              </a:ext>
+            </a:extLst>
+          </p:cNvPr>
+          <p:cNvGrpSpPr/>
+          <p:nvPr/>
+        </p:nvGrpSpPr>
+        <p:grpSpPr>
+          <a:xfrm>
+            <a:off x="5778705" y="6141673"/>
+            <a:ext cx="1282700" cy="343535"/>
+            <a:chOff x="3238500" y="9463405"/>
+            <a:chExt cx="1282700" cy="343535"/>
+          </a:xfrm>
+        </p:grpSpPr>
+        <p:sp>
+          <p:nvSpPr>
+            <p:cNvPr id="7" name="object 15">
+              <a:extLst>
+                <a:ext uri="{FF2B5EF4-FFF2-40B4-BE49-F238E27FC236}">
+                  <a16:creationId xmlns:a16="http://schemas.microsoft.com/office/drawing/2014/main" id="{43839337-2D44-D681-4B5B-DE032DDA0F80}"/>
+                </a:ext>
+              </a:extLst>
+            </p:cNvPr>
+            <p:cNvSpPr/>
+            <p:nvPr/>
+          </p:nvSpPr>
+          <p:spPr>
+            <a:xfrm>
+              <a:off x="3238500" y="9463405"/>
+              <a:ext cx="1282700" cy="343535"/>
+            </a:xfrm>
+            <a:custGeom>
+              <a:avLst/>
+              <a:gdLst/>
+              <a:ahLst/>
+              <a:cxnLst/>
+              <a:rect l="l" t="t" r="r" b="b"/>
+              <a:pathLst>
+                <a:path w="1282700" h="343534">
+                  <a:moveTo>
+                    <a:pt x="1282700" y="0"/>
+                  </a:moveTo>
+                  <a:lnTo>
+                    <a:pt x="1234583" y="6200"/>
+                  </a:lnTo>
+                  <a:lnTo>
+                    <a:pt x="1186472" y="11917"/>
+                  </a:lnTo>
+                  <a:lnTo>
+                    <a:pt x="1138366" y="17151"/>
+                  </a:lnTo>
+                  <a:lnTo>
+                    <a:pt x="1090263" y="21901"/>
+                  </a:lnTo>
+                  <a:lnTo>
+                    <a:pt x="1042161" y="26168"/>
+                  </a:lnTo>
+                  <a:lnTo>
+                    <a:pt x="994060" y="29952"/>
+                  </a:lnTo>
+                  <a:lnTo>
+                    <a:pt x="945957" y="33252"/>
+                  </a:lnTo>
+                  <a:lnTo>
+                    <a:pt x="897851" y="36070"/>
+                  </a:lnTo>
+                  <a:lnTo>
+                    <a:pt x="849740" y="38406"/>
+                  </a:lnTo>
+                  <a:lnTo>
+                    <a:pt x="801624" y="40259"/>
+                  </a:lnTo>
+                  <a:lnTo>
+                    <a:pt x="962025" y="75145"/>
+                  </a:lnTo>
+                  <a:lnTo>
+                    <a:pt x="912698" y="78194"/>
+                  </a:lnTo>
+                  <a:lnTo>
+                    <a:pt x="863367" y="80735"/>
+                  </a:lnTo>
+                  <a:lnTo>
+                    <a:pt x="814033" y="82768"/>
+                  </a:lnTo>
+                  <a:lnTo>
+                    <a:pt x="764696" y="84292"/>
+                  </a:lnTo>
+                  <a:lnTo>
+                    <a:pt x="715358" y="85308"/>
+                  </a:lnTo>
+                  <a:lnTo>
+                    <a:pt x="666019" y="85817"/>
+                  </a:lnTo>
+                  <a:lnTo>
+                    <a:pt x="616680" y="85817"/>
+                  </a:lnTo>
+                  <a:lnTo>
+                    <a:pt x="567341" y="85308"/>
+                  </a:lnTo>
+                  <a:lnTo>
+                    <a:pt x="518003" y="84292"/>
+                  </a:lnTo>
+                  <a:lnTo>
+                    <a:pt x="468666" y="82768"/>
+                  </a:lnTo>
+                  <a:lnTo>
+                    <a:pt x="419332" y="80735"/>
+                  </a:lnTo>
+                  <a:lnTo>
+                    <a:pt x="370001" y="78194"/>
+                  </a:lnTo>
+                  <a:lnTo>
+                    <a:pt x="320675" y="75145"/>
+                  </a:lnTo>
+                  <a:lnTo>
+                    <a:pt x="480949" y="40259"/>
+                  </a:lnTo>
+                  <a:lnTo>
+                    <a:pt x="432863" y="38406"/>
+                  </a:lnTo>
+                  <a:lnTo>
+                    <a:pt x="384771" y="36070"/>
+                  </a:lnTo>
+                  <a:lnTo>
+                    <a:pt x="336674" y="33252"/>
+                  </a:lnTo>
+                  <a:lnTo>
+                    <a:pt x="288575" y="29952"/>
+                  </a:lnTo>
+                  <a:lnTo>
+                    <a:pt x="240474" y="26168"/>
+                  </a:lnTo>
+                  <a:lnTo>
+                    <a:pt x="192373" y="21901"/>
+                  </a:lnTo>
+                  <a:lnTo>
+                    <a:pt x="144274" y="17151"/>
+                  </a:lnTo>
+                  <a:lnTo>
+                    <a:pt x="96177" y="11917"/>
+                  </a:lnTo>
+                  <a:lnTo>
+                    <a:pt x="48085" y="6200"/>
+                  </a:lnTo>
+                  <a:lnTo>
+                    <a:pt x="0" y="0"/>
+                  </a:lnTo>
+                  <a:lnTo>
+                    <a:pt x="160274" y="147612"/>
+                  </a:lnTo>
+                  <a:lnTo>
+                    <a:pt x="0" y="257657"/>
+                  </a:lnTo>
+                  <a:lnTo>
+                    <a:pt x="53457" y="264515"/>
+                  </a:lnTo>
+                  <a:lnTo>
+                    <a:pt x="106901" y="270777"/>
+                  </a:lnTo>
+                  <a:lnTo>
+                    <a:pt x="160337" y="276442"/>
+                  </a:lnTo>
+                  <a:lnTo>
+                    <a:pt x="213773" y="281511"/>
+                  </a:lnTo>
+                  <a:lnTo>
+                    <a:pt x="267217" y="285985"/>
+                  </a:lnTo>
+                  <a:lnTo>
+                    <a:pt x="320675" y="289864"/>
+                  </a:lnTo>
+                  <a:lnTo>
+                    <a:pt x="320675" y="332803"/>
+                  </a:lnTo>
+                  <a:lnTo>
+                    <a:pt x="370001" y="335852"/>
+                  </a:lnTo>
+                  <a:lnTo>
+                    <a:pt x="419332" y="338393"/>
+                  </a:lnTo>
+                  <a:lnTo>
+                    <a:pt x="468666" y="340425"/>
+                  </a:lnTo>
+                  <a:lnTo>
+                    <a:pt x="518003" y="341950"/>
+                  </a:lnTo>
+                  <a:lnTo>
+                    <a:pt x="567341" y="342966"/>
+                  </a:lnTo>
+                  <a:lnTo>
+                    <a:pt x="616680" y="343474"/>
+                  </a:lnTo>
+                  <a:lnTo>
+                    <a:pt x="666019" y="343474"/>
+                  </a:lnTo>
+                  <a:lnTo>
+                    <a:pt x="715358" y="342966"/>
+                  </a:lnTo>
+                  <a:lnTo>
+                    <a:pt x="764696" y="341950"/>
+                  </a:lnTo>
+                  <a:lnTo>
+                    <a:pt x="814033" y="340425"/>
+                  </a:lnTo>
+                  <a:lnTo>
+                    <a:pt x="863367" y="338393"/>
+                  </a:lnTo>
+                  <a:lnTo>
+                    <a:pt x="912698" y="335852"/>
+                  </a:lnTo>
+                  <a:lnTo>
+                    <a:pt x="962025" y="332803"/>
+                  </a:lnTo>
+                  <a:lnTo>
+                    <a:pt x="962025" y="289864"/>
+                  </a:lnTo>
+                  <a:lnTo>
+                    <a:pt x="1015482" y="285985"/>
+                  </a:lnTo>
+                  <a:lnTo>
+                    <a:pt x="1068926" y="281511"/>
+                  </a:lnTo>
+                  <a:lnTo>
+                    <a:pt x="1122362" y="276442"/>
+                  </a:lnTo>
+                  <a:lnTo>
+                    <a:pt x="1175798" y="270777"/>
+                  </a:lnTo>
+                  <a:lnTo>
+                    <a:pt x="1229242" y="264515"/>
+                  </a:lnTo>
+                  <a:lnTo>
+                    <a:pt x="1282700" y="257657"/>
+                  </a:lnTo>
+                  <a:lnTo>
+                    <a:pt x="1122299" y="147612"/>
+                  </a:lnTo>
+                  <a:lnTo>
+                    <a:pt x="1282700" y="0"/>
+                  </a:lnTo>
+                  <a:close/>
+                </a:path>
+              </a:pathLst>
+            </a:custGeom>
+            <a:solidFill>
+              <a:srgbClr val="7E5F00"/>
+            </a:solidFill>
+          </p:spPr>
+          <p:txBody>
+            <a:bodyPr wrap="square" lIns="0" tIns="0" rIns="0" bIns="0" rtlCol="0"/>
+            <a:lstStyle/>
+            <a:p>
+              <a:endParaRPr dirty="0"/>
+            </a:p>
+          </p:txBody>
+        </p:sp>
+        <p:sp>
+          <p:nvSpPr>
+            <p:cNvPr id="8" name="object 16">
+              <a:extLst>
+                <a:ext uri="{FF2B5EF4-FFF2-40B4-BE49-F238E27FC236}">
+                  <a16:creationId xmlns:a16="http://schemas.microsoft.com/office/drawing/2014/main" id="{C48C049E-077C-8611-26B3-BAD471D2ED9D}"/>
+                </a:ext>
+              </a:extLst>
+            </p:cNvPr>
+            <p:cNvSpPr/>
+            <p:nvPr/>
+          </p:nvSpPr>
+          <p:spPr>
+            <a:xfrm>
+              <a:off x="3559175" y="9503664"/>
+              <a:ext cx="641350" cy="45720"/>
+            </a:xfrm>
+            <a:custGeom>
+              <a:avLst/>
+              <a:gdLst/>
+              <a:ahLst/>
+              <a:cxnLst/>
+              <a:rect l="l" t="t" r="r" b="b"/>
+              <a:pathLst>
+                <a:path w="641350" h="45720">
+                  <a:moveTo>
+                    <a:pt x="332602" y="45558"/>
+                  </a:moveTo>
+                  <a:lnTo>
+                    <a:pt x="308713" y="45558"/>
+                  </a:lnTo>
+                  <a:lnTo>
+                    <a:pt x="320659" y="45624"/>
+                  </a:lnTo>
+                  <a:lnTo>
+                    <a:pt x="332602" y="45558"/>
+                  </a:lnTo>
+                  <a:close/>
+                </a:path>
+                <a:path w="641350" h="45720">
+                  <a:moveTo>
+                    <a:pt x="280960" y="45403"/>
+                  </a:moveTo>
+                  <a:lnTo>
+                    <a:pt x="296005" y="45558"/>
+                  </a:lnTo>
+                  <a:lnTo>
+                    <a:pt x="308713" y="45558"/>
+                  </a:lnTo>
+                  <a:lnTo>
+                    <a:pt x="280960" y="45403"/>
+                  </a:lnTo>
+                  <a:close/>
+                </a:path>
+                <a:path w="641350" h="45720">
+                  <a:moveTo>
+                    <a:pt x="360436" y="45402"/>
+                  </a:moveTo>
+                  <a:lnTo>
+                    <a:pt x="332602" y="45558"/>
+                  </a:lnTo>
+                  <a:lnTo>
+                    <a:pt x="345344" y="45558"/>
+                  </a:lnTo>
+                  <a:lnTo>
+                    <a:pt x="360436" y="45402"/>
+                  </a:lnTo>
+                  <a:close/>
+                </a:path>
+                <a:path w="641350" h="45720">
+                  <a:moveTo>
+                    <a:pt x="257141" y="45157"/>
+                  </a:moveTo>
+                  <a:lnTo>
+                    <a:pt x="267203" y="45326"/>
+                  </a:lnTo>
+                  <a:lnTo>
+                    <a:pt x="280960" y="45403"/>
+                  </a:lnTo>
+                  <a:lnTo>
+                    <a:pt x="257141" y="45157"/>
+                  </a:lnTo>
+                  <a:close/>
+                </a:path>
+                <a:path w="641350" h="45720">
+                  <a:moveTo>
+                    <a:pt x="384083" y="45159"/>
+                  </a:moveTo>
+                  <a:lnTo>
+                    <a:pt x="360436" y="45402"/>
+                  </a:lnTo>
+                  <a:lnTo>
+                    <a:pt x="374104" y="45326"/>
+                  </a:lnTo>
+                  <a:lnTo>
+                    <a:pt x="384083" y="45159"/>
+                  </a:lnTo>
+                  <a:close/>
+                </a:path>
+                <a:path w="641350" h="45720">
+                  <a:moveTo>
+                    <a:pt x="412503" y="44682"/>
+                  </a:moveTo>
+                  <a:lnTo>
+                    <a:pt x="384083" y="45159"/>
+                  </a:lnTo>
+                  <a:lnTo>
+                    <a:pt x="394683" y="45049"/>
+                  </a:lnTo>
+                  <a:lnTo>
+                    <a:pt x="412503" y="44682"/>
+                  </a:lnTo>
+                  <a:close/>
+                </a:path>
+                <a:path w="641350" h="45720">
+                  <a:moveTo>
+                    <a:pt x="229129" y="44688"/>
+                  </a:moveTo>
+                  <a:lnTo>
+                    <a:pt x="246666" y="45049"/>
+                  </a:lnTo>
+                  <a:lnTo>
+                    <a:pt x="257141" y="45157"/>
+                  </a:lnTo>
+                  <a:lnTo>
+                    <a:pt x="229129" y="44688"/>
+                  </a:lnTo>
+                  <a:close/>
+                </a:path>
+                <a:path w="641350" h="45720">
+                  <a:moveTo>
+                    <a:pt x="205633" y="44204"/>
+                  </a:moveTo>
+                  <a:lnTo>
+                    <a:pt x="213740" y="44430"/>
+                  </a:lnTo>
+                  <a:lnTo>
+                    <a:pt x="229129" y="44688"/>
+                  </a:lnTo>
+                  <a:lnTo>
+                    <a:pt x="205633" y="44204"/>
+                  </a:lnTo>
+                  <a:close/>
+                </a:path>
+                <a:path w="641350" h="45720">
+                  <a:moveTo>
+                    <a:pt x="435403" y="44211"/>
+                  </a:moveTo>
+                  <a:lnTo>
+                    <a:pt x="412503" y="44682"/>
+                  </a:lnTo>
+                  <a:lnTo>
+                    <a:pt x="427535" y="44430"/>
+                  </a:lnTo>
+                  <a:lnTo>
+                    <a:pt x="435403" y="44211"/>
+                  </a:lnTo>
+                  <a:close/>
+                </a:path>
+                <a:path w="641350" h="45720">
+                  <a:moveTo>
+                    <a:pt x="465379" y="43373"/>
+                  </a:moveTo>
+                  <a:lnTo>
+                    <a:pt x="435403" y="44211"/>
+                  </a:lnTo>
+                  <a:lnTo>
+                    <a:pt x="444021" y="44033"/>
+                  </a:lnTo>
+                  <a:lnTo>
+                    <a:pt x="465379" y="43373"/>
+                  </a:lnTo>
+                  <a:close/>
+                </a:path>
+                <a:path w="641350" h="45720">
+                  <a:moveTo>
+                    <a:pt x="177012" y="43405"/>
+                  </a:moveTo>
+                  <a:lnTo>
+                    <a:pt x="197328" y="44033"/>
+                  </a:lnTo>
+                  <a:lnTo>
+                    <a:pt x="205633" y="44204"/>
+                  </a:lnTo>
+                  <a:lnTo>
+                    <a:pt x="177012" y="43405"/>
+                  </a:lnTo>
+                  <a:close/>
+                </a:path>
+                <a:path w="641350" h="45720">
+                  <a:moveTo>
+                    <a:pt x="160274" y="42888"/>
+                  </a:moveTo>
+                  <a:lnTo>
+                    <a:pt x="177012" y="43405"/>
+                  </a:lnTo>
+                  <a:lnTo>
+                    <a:pt x="160274" y="42888"/>
+                  </a:lnTo>
+                  <a:close/>
+                </a:path>
+                <a:path w="641350" h="45720">
+                  <a:moveTo>
+                    <a:pt x="480949" y="42892"/>
+                  </a:moveTo>
+                  <a:lnTo>
+                    <a:pt x="465379" y="43373"/>
+                  </a:lnTo>
+                  <a:lnTo>
+                    <a:pt x="480949" y="42938"/>
+                  </a:lnTo>
+                  <a:close/>
+                </a:path>
+                <a:path w="641350" h="45720">
+                  <a:moveTo>
+                    <a:pt x="480949" y="0"/>
+                  </a:moveTo>
+                  <a:lnTo>
+                    <a:pt x="480949" y="42892"/>
+                  </a:lnTo>
+                  <a:lnTo>
+                    <a:pt x="493358" y="42509"/>
+                  </a:lnTo>
+                  <a:lnTo>
+                    <a:pt x="542692" y="40476"/>
+                  </a:lnTo>
+                  <a:lnTo>
+                    <a:pt x="592023" y="37935"/>
+                  </a:lnTo>
+                  <a:lnTo>
+                    <a:pt x="641350" y="34886"/>
+                  </a:lnTo>
+                  <a:lnTo>
+                    <a:pt x="480949" y="0"/>
+                  </a:lnTo>
+                  <a:close/>
+                </a:path>
+                <a:path w="641350" h="45720">
+                  <a:moveTo>
+                    <a:pt x="160274" y="0"/>
+                  </a:moveTo>
+                  <a:lnTo>
+                    <a:pt x="0" y="34886"/>
+                  </a:lnTo>
+                  <a:lnTo>
+                    <a:pt x="49326" y="37935"/>
+                  </a:lnTo>
+                  <a:lnTo>
+                    <a:pt x="98657" y="40476"/>
+                  </a:lnTo>
+                  <a:lnTo>
+                    <a:pt x="147991" y="42509"/>
+                  </a:lnTo>
+                  <a:lnTo>
+                    <a:pt x="160274" y="42888"/>
+                  </a:lnTo>
+                  <a:lnTo>
+                    <a:pt x="160274" y="0"/>
+                  </a:lnTo>
+                  <a:close/>
+                </a:path>
+              </a:pathLst>
+            </a:custGeom>
+            <a:solidFill>
+              <a:srgbClr val="664D00"/>
+            </a:solidFill>
+          </p:spPr>
+          <p:txBody>
+            <a:bodyPr wrap="square" lIns="0" tIns="0" rIns="0" bIns="0" rtlCol="0"/>
+            <a:lstStyle/>
+            <a:p>
+              <a:endParaRPr/>
+            </a:p>
+          </p:txBody>
+        </p:sp>
+        <p:sp>
+          <p:nvSpPr>
+            <p:cNvPr id="9" name="object 17">
+              <a:extLst>
+                <a:ext uri="{FF2B5EF4-FFF2-40B4-BE49-F238E27FC236}">
+                  <a16:creationId xmlns:a16="http://schemas.microsoft.com/office/drawing/2014/main" id="{B20152E7-60FB-0504-ED39-EB0106D6D9A4}"/>
+                </a:ext>
+              </a:extLst>
+            </p:cNvPr>
+            <p:cNvSpPr/>
+            <p:nvPr/>
+          </p:nvSpPr>
+          <p:spPr>
+            <a:xfrm>
+              <a:off x="3238500" y="9463405"/>
+              <a:ext cx="1282700" cy="343535"/>
+            </a:xfrm>
+            <a:custGeom>
+              <a:avLst/>
+              <a:gdLst/>
+              <a:ahLst/>
+              <a:cxnLst/>
+              <a:rect l="l" t="t" r="r" b="b"/>
+              <a:pathLst>
+                <a:path w="1282700" h="343534">
+                  <a:moveTo>
+                    <a:pt x="0" y="0"/>
+                  </a:moveTo>
+                  <a:lnTo>
+                    <a:pt x="48085" y="6200"/>
+                  </a:lnTo>
+                  <a:lnTo>
+                    <a:pt x="96177" y="11917"/>
+                  </a:lnTo>
+                  <a:lnTo>
+                    <a:pt x="144274" y="17151"/>
+                  </a:lnTo>
+                  <a:lnTo>
+                    <a:pt x="192373" y="21901"/>
+                  </a:lnTo>
+                  <a:lnTo>
+                    <a:pt x="240474" y="26168"/>
+                  </a:lnTo>
+                  <a:lnTo>
+                    <a:pt x="288575" y="29952"/>
+                  </a:lnTo>
+                  <a:lnTo>
+                    <a:pt x="336674" y="33252"/>
+                  </a:lnTo>
+                  <a:lnTo>
+                    <a:pt x="384771" y="36070"/>
+                  </a:lnTo>
+                  <a:lnTo>
+                    <a:pt x="432863" y="38406"/>
+                  </a:lnTo>
+                  <a:lnTo>
+                    <a:pt x="480949" y="40259"/>
+                  </a:lnTo>
+                  <a:lnTo>
+                    <a:pt x="320675" y="75145"/>
+                  </a:lnTo>
+                  <a:lnTo>
+                    <a:pt x="370001" y="78194"/>
+                  </a:lnTo>
+                  <a:lnTo>
+                    <a:pt x="419332" y="80735"/>
+                  </a:lnTo>
+                  <a:lnTo>
+                    <a:pt x="468666" y="82768"/>
+                  </a:lnTo>
+                  <a:lnTo>
+                    <a:pt x="518003" y="84292"/>
+                  </a:lnTo>
+                  <a:lnTo>
+                    <a:pt x="567341" y="85308"/>
+                  </a:lnTo>
+                  <a:lnTo>
+                    <a:pt x="616680" y="85817"/>
+                  </a:lnTo>
+                  <a:lnTo>
+                    <a:pt x="666019" y="85817"/>
+                  </a:lnTo>
+                  <a:lnTo>
+                    <a:pt x="715358" y="85308"/>
+                  </a:lnTo>
+                  <a:lnTo>
+                    <a:pt x="764696" y="84292"/>
+                  </a:lnTo>
+                  <a:lnTo>
+                    <a:pt x="814033" y="82768"/>
+                  </a:lnTo>
+                  <a:lnTo>
+                    <a:pt x="863367" y="80735"/>
+                  </a:lnTo>
+                  <a:lnTo>
+                    <a:pt x="912698" y="78194"/>
+                  </a:lnTo>
+                  <a:lnTo>
+                    <a:pt x="962025" y="75145"/>
+                  </a:lnTo>
+                  <a:lnTo>
+                    <a:pt x="801624" y="40259"/>
+                  </a:lnTo>
+                  <a:lnTo>
+                    <a:pt x="849740" y="38406"/>
+                  </a:lnTo>
+                  <a:lnTo>
+                    <a:pt x="897851" y="36070"/>
+                  </a:lnTo>
+                  <a:lnTo>
+                    <a:pt x="945957" y="33252"/>
+                  </a:lnTo>
+                  <a:lnTo>
+                    <a:pt x="994060" y="29952"/>
+                  </a:lnTo>
+                  <a:lnTo>
+                    <a:pt x="1042161" y="26168"/>
+                  </a:lnTo>
+                  <a:lnTo>
+                    <a:pt x="1090263" y="21901"/>
+                  </a:lnTo>
+                  <a:lnTo>
+                    <a:pt x="1138366" y="17151"/>
+                  </a:lnTo>
+                  <a:lnTo>
+                    <a:pt x="1186472" y="11917"/>
+                  </a:lnTo>
+                  <a:lnTo>
+                    <a:pt x="1234583" y="6200"/>
+                  </a:lnTo>
+                  <a:lnTo>
+                    <a:pt x="1282700" y="0"/>
+                  </a:lnTo>
+                  <a:lnTo>
+                    <a:pt x="1122299" y="147612"/>
+                  </a:lnTo>
+                  <a:lnTo>
+                    <a:pt x="1282700" y="257657"/>
+                  </a:lnTo>
+                  <a:lnTo>
+                    <a:pt x="1229242" y="264515"/>
+                  </a:lnTo>
+                  <a:lnTo>
+                    <a:pt x="1175798" y="270777"/>
+                  </a:lnTo>
+                  <a:lnTo>
+                    <a:pt x="1122362" y="276442"/>
+                  </a:lnTo>
+                  <a:lnTo>
+                    <a:pt x="1068926" y="281511"/>
+                  </a:lnTo>
+                  <a:lnTo>
+                    <a:pt x="1015482" y="285985"/>
+                  </a:lnTo>
+                  <a:lnTo>
+                    <a:pt x="962025" y="289864"/>
+                  </a:lnTo>
+                  <a:lnTo>
+                    <a:pt x="962025" y="332803"/>
+                  </a:lnTo>
+                  <a:lnTo>
+                    <a:pt x="912698" y="335852"/>
+                  </a:lnTo>
+                  <a:lnTo>
+                    <a:pt x="863367" y="338393"/>
+                  </a:lnTo>
+                  <a:lnTo>
+                    <a:pt x="814033" y="340425"/>
+                  </a:lnTo>
+                  <a:lnTo>
+                    <a:pt x="764696" y="341950"/>
+                  </a:lnTo>
+                  <a:lnTo>
+                    <a:pt x="715358" y="342966"/>
+                  </a:lnTo>
+                  <a:lnTo>
+                    <a:pt x="666019" y="343474"/>
+                  </a:lnTo>
+                  <a:lnTo>
+                    <a:pt x="616680" y="343474"/>
+                  </a:lnTo>
+                  <a:lnTo>
+                    <a:pt x="567341" y="342966"/>
+                  </a:lnTo>
+                  <a:lnTo>
+                    <a:pt x="518003" y="341950"/>
+                  </a:lnTo>
+                  <a:lnTo>
+                    <a:pt x="468666" y="340425"/>
+                  </a:lnTo>
+                  <a:lnTo>
+                    <a:pt x="419332" y="338393"/>
+                  </a:lnTo>
+                  <a:lnTo>
+                    <a:pt x="370001" y="335852"/>
+                  </a:lnTo>
+                  <a:lnTo>
+                    <a:pt x="320675" y="332803"/>
+                  </a:lnTo>
+                  <a:lnTo>
+                    <a:pt x="320675" y="289864"/>
+                  </a:lnTo>
+                  <a:lnTo>
+                    <a:pt x="267217" y="285985"/>
+                  </a:lnTo>
+                  <a:lnTo>
+                    <a:pt x="213773" y="281511"/>
+                  </a:lnTo>
+                  <a:lnTo>
+                    <a:pt x="160337" y="276442"/>
+                  </a:lnTo>
+                  <a:lnTo>
+                    <a:pt x="106901" y="270777"/>
+                  </a:lnTo>
+                  <a:lnTo>
+                    <a:pt x="53457" y="264515"/>
+                  </a:lnTo>
+                  <a:lnTo>
+                    <a:pt x="0" y="257657"/>
+                  </a:lnTo>
+                  <a:lnTo>
+                    <a:pt x="160274" y="147612"/>
+                  </a:lnTo>
+                  <a:lnTo>
+                    <a:pt x="0" y="0"/>
+                  </a:lnTo>
+                  <a:close/>
+                </a:path>
+                <a:path w="1282700" h="343534">
+                  <a:moveTo>
+                    <a:pt x="320675" y="289864"/>
+                  </a:moveTo>
+                  <a:lnTo>
+                    <a:pt x="320675" y="75145"/>
+                  </a:lnTo>
+                </a:path>
+                <a:path w="1282700" h="343534">
+                  <a:moveTo>
+                    <a:pt x="962025" y="75145"/>
+                  </a:moveTo>
+                  <a:lnTo>
+                    <a:pt x="962025" y="289864"/>
+                  </a:lnTo>
+                </a:path>
+                <a:path w="1282700" h="343534">
+                  <a:moveTo>
+                    <a:pt x="480949" y="40259"/>
+                  </a:moveTo>
+                  <a:lnTo>
+                    <a:pt x="480949" y="83197"/>
+                  </a:lnTo>
+                </a:path>
+                <a:path w="1282700" h="343534">
+                  <a:moveTo>
+                    <a:pt x="801624" y="83197"/>
+                  </a:moveTo>
+                  <a:lnTo>
+                    <a:pt x="801624" y="40259"/>
+                  </a:lnTo>
+                </a:path>
+              </a:pathLst>
+            </a:custGeom>
+            <a:ln w="9525">
+              <a:solidFill>
+                <a:srgbClr val="FFC000"/>
+              </a:solidFill>
+            </a:ln>
+          </p:spPr>
+          <p:txBody>
+            <a:bodyPr wrap="square" lIns="0" tIns="0" rIns="0" bIns="0" rtlCol="0"/>
+            <a:lstStyle/>
+            <a:p>
+              <a:endParaRPr dirty="0"/>
+            </a:p>
+          </p:txBody>
+        </p:sp>
+      </p:grpSp>
+      <p:sp>
+        <p:nvSpPr>
+          <p:cNvPr id="10" name="CuadroTexto 9">
+            <a:extLst>
+              <a:ext uri="{FF2B5EF4-FFF2-40B4-BE49-F238E27FC236}">
+                <a16:creationId xmlns:a16="http://schemas.microsoft.com/office/drawing/2014/main" id="{9C1C8AC1-A569-C1FD-5C31-29C61A443DA0}"/>
+              </a:ext>
+            </a:extLst>
+          </p:cNvPr>
+          <p:cNvSpPr txBox="1"/>
+          <p:nvPr/>
+        </p:nvSpPr>
+        <p:spPr>
+          <a:xfrm>
+            <a:off x="6092823" y="6190755"/>
+            <a:ext cx="654464" cy="369332"/>
+          </a:xfrm>
+          <a:prstGeom prst="rect">
+            <a:avLst/>
+          </a:prstGeom>
+          <a:noFill/>
+        </p:spPr>
+        <p:txBody>
+          <a:bodyPr wrap="square" rtlCol="0">
+            <a:spAutoFit/>
+          </a:bodyPr>
+          <a:lstStyle/>
+          <a:p>
+            <a:pPr algn="ctr"/>
+            <a:r>
+              <a:rPr lang="es-MX" dirty="0">
+                <a:solidFill>
+                  <a:schemeClr val="bg1"/>
+                </a:solidFill>
+              </a:rPr>
+              <a:t>10</a:t>
+            </a:r>
+          </a:p>
+        </p:txBody>
+      </p:sp>
+      <p:pic>
+        <p:nvPicPr>
+          <p:cNvPr id="4" name="Imagen 3" descr="Interfaz de usuario gráfica, Sitio web&#10;&#10;Descripción generada automáticamente">
+            <a:extLst>
+              <a:ext uri="{FF2B5EF4-FFF2-40B4-BE49-F238E27FC236}">
+                <a16:creationId xmlns:a16="http://schemas.microsoft.com/office/drawing/2014/main" id="{6FA8A5D1-81BE-AD22-B28A-4279EF24CEEE}"/>
+              </a:ext>
+            </a:extLst>
+          </p:cNvPr>
+          <p:cNvPicPr>
+            <a:picLocks noChangeAspect="1"/>
+          </p:cNvPicPr>
+          <p:nvPr/>
+        </p:nvPicPr>
+        <p:blipFill>
+          <a:blip r:embed="rId2">
+            <a:extLst>
+              <a:ext uri="{28A0092B-C50C-407E-A947-70E740481C1C}">
+                <a14:useLocalDpi xmlns:a14="http://schemas.microsoft.com/office/drawing/2010/main" val="0"/>
+              </a:ext>
+            </a:extLst>
+          </a:blip>
+          <a:stretch>
+            <a:fillRect/>
+          </a:stretch>
+        </p:blipFill>
+        <p:spPr>
+          <a:xfrm>
+            <a:off x="1854625" y="1878156"/>
+            <a:ext cx="8572466" cy="4007628"/>
+          </a:xfrm>
+          <a:prstGeom prst="rect">
+            <a:avLst/>
+          </a:prstGeom>
+        </p:spPr>
+      </p:pic>
+      <mc:AlternateContent xmlns:mc="http://schemas.openxmlformats.org/markup-compatibility/2006" xmlns:p14="http://schemas.microsoft.com/office/powerpoint/2010/main">
+        <mc:Choice Requires="p14">
+          <p:contentPart p14:bwMode="auto" r:id="rId3">
+            <p14:nvContentPartPr>
+              <p14:cNvPr id="5" name="Entrada de lápiz 4">
+                <a:extLst>
+                  <a:ext uri="{FF2B5EF4-FFF2-40B4-BE49-F238E27FC236}">
+                    <a16:creationId xmlns:a16="http://schemas.microsoft.com/office/drawing/2014/main" id="{4D3267CA-8697-2FCD-75E5-738312AE32E8}"/>
+                  </a:ext>
+                </a:extLst>
+              </p14:cNvPr>
+              <p14:cNvContentPartPr/>
+              <p14:nvPr/>
+            </p14:nvContentPartPr>
+            <p14:xfrm>
+              <a:off x="1986480" y="2506819"/>
+              <a:ext cx="1139760" cy="90360"/>
+            </p14:xfrm>
+          </p:contentPart>
+        </mc:Choice>
+        <mc:Fallback xmlns="">
+          <p:pic>
+            <p:nvPicPr>
+              <p:cNvPr id="5" name="Entrada de lápiz 4">
+                <a:extLst>
+                  <a:ext uri="{FF2B5EF4-FFF2-40B4-BE49-F238E27FC236}">
+                    <a16:creationId xmlns:a16="http://schemas.microsoft.com/office/drawing/2014/main" id="{4D3267CA-8697-2FCD-75E5-738312AE32E8}"/>
+                  </a:ext>
+                </a:extLst>
+              </p:cNvPr>
+              <p:cNvPicPr/>
+              <p:nvPr/>
+            </p:nvPicPr>
+            <p:blipFill>
+              <a:blip r:embed="rId4"/>
+              <a:stretch>
+                <a:fillRect/>
+              </a:stretch>
+            </p:blipFill>
+            <p:spPr>
+              <a:xfrm>
+                <a:off x="1968840" y="2488819"/>
+                <a:ext cx="1175400" cy="126000"/>
+              </a:xfrm>
+              <a:prstGeom prst="rect">
+                <a:avLst/>
+              </a:prstGeom>
+            </p:spPr>
+          </p:pic>
+        </mc:Fallback>
+      </mc:AlternateContent>
+      <mc:AlternateContent xmlns:mc="http://schemas.openxmlformats.org/markup-compatibility/2006" xmlns:p14="http://schemas.microsoft.com/office/powerpoint/2010/main">
+        <mc:Choice Requires="p14">
+          <p:contentPart p14:bwMode="auto" r:id="rId5">
+            <p14:nvContentPartPr>
+              <p14:cNvPr id="11" name="Entrada de lápiz 10">
+                <a:extLst>
+                  <a:ext uri="{FF2B5EF4-FFF2-40B4-BE49-F238E27FC236}">
+                    <a16:creationId xmlns:a16="http://schemas.microsoft.com/office/drawing/2014/main" id="{8A8CC5C5-29C6-7D8F-2C7A-05E6E624C62D}"/>
+                  </a:ext>
+                </a:extLst>
+              </p14:cNvPr>
+              <p14:cNvContentPartPr/>
+              <p14:nvPr/>
+            </p14:nvContentPartPr>
+            <p14:xfrm>
+              <a:off x="8524080" y="2255899"/>
+              <a:ext cx="839520" cy="360"/>
+            </p14:xfrm>
+          </p:contentPart>
+        </mc:Choice>
+        <mc:Fallback xmlns="">
+          <p:pic>
+            <p:nvPicPr>
+              <p:cNvPr id="11" name="Entrada de lápiz 10">
+                <a:extLst>
+                  <a:ext uri="{FF2B5EF4-FFF2-40B4-BE49-F238E27FC236}">
+                    <a16:creationId xmlns:a16="http://schemas.microsoft.com/office/drawing/2014/main" id="{8A8CC5C5-29C6-7D8F-2C7A-05E6E624C62D}"/>
+                  </a:ext>
+                </a:extLst>
+              </p:cNvPr>
+              <p:cNvPicPr/>
+              <p:nvPr/>
+            </p:nvPicPr>
+            <p:blipFill>
+              <a:blip r:embed="rId6"/>
+              <a:stretch>
+                <a:fillRect/>
+              </a:stretch>
+            </p:blipFill>
+            <p:spPr>
+              <a:xfrm>
+                <a:off x="8506080" y="2238259"/>
+                <a:ext cx="875160" cy="36000"/>
+              </a:xfrm>
+              <a:prstGeom prst="rect">
+                <a:avLst/>
+              </a:prstGeom>
+            </p:spPr>
+          </p:pic>
+        </mc:Fallback>
+      </mc:AlternateContent>
+    </p:spTree>
+    <p:extLst>
+      <p:ext uri="{BB962C8B-B14F-4D97-AF65-F5344CB8AC3E}">
+        <p14:creationId xmlns:p14="http://schemas.microsoft.com/office/powerpoint/2010/main" val="4015076011"/>
+      </p:ext>
+    </p:extLst>
+  </p:cSld>
+  <p:clrMapOvr>
+    <a:masterClrMapping/>
+  </p:clrMapOvr>
+</p:sld>
+</file>
+
+<file path=ppt/slides/slide11.xml><?xml version="1.0" encoding="utf-8"?>
+<p:sld xmlns:a="http://schemas.openxmlformats.org/drawingml/2006/main" xmlns:r="http://schemas.openxmlformats.org/officeDocument/2006/relationships" xmlns:p="http://schemas.openxmlformats.org/presentationml/2006/main">
+  <p:cSld>
+    <p:spTree>
+      <p:nvGrpSpPr>
+        <p:cNvPr id="1" name=""/>
+        <p:cNvGrpSpPr/>
+        <p:nvPr/>
+      </p:nvGrpSpPr>
+      <p:grpSpPr>
+        <a:xfrm>
+          <a:off x="0" y="0"/>
+          <a:ext cx="0" cy="0"/>
+          <a:chOff x="0" y="0"/>
+          <a:chExt cx="0" cy="0"/>
+        </a:xfrm>
+      </p:grpSpPr>
+      <p:sp>
+        <p:nvSpPr>
+          <p:cNvPr id="3" name="CuadroTexto 2">
+            <a:extLst>
+              <a:ext uri="{FF2B5EF4-FFF2-40B4-BE49-F238E27FC236}">
+                <a16:creationId xmlns:a16="http://schemas.microsoft.com/office/drawing/2014/main" id="{E2985033-2463-63F1-516D-F7D9BBAF700C}"/>
+              </a:ext>
+            </a:extLst>
+          </p:cNvPr>
+          <p:cNvSpPr txBox="1"/>
+          <p:nvPr/>
+        </p:nvSpPr>
+        <p:spPr>
+          <a:xfrm>
+            <a:off x="2037939" y="620915"/>
+            <a:ext cx="8764230" cy="677108"/>
+          </a:xfrm>
+          <a:prstGeom prst="rect">
+            <a:avLst/>
+          </a:prstGeom>
+          <a:noFill/>
+        </p:spPr>
+        <p:txBody>
+          <a:bodyPr wrap="square">
+            <a:spAutoFit/>
+          </a:bodyPr>
+          <a:lstStyle/>
+          <a:p>
+            <a:r>
+              <a:rPr lang="es-MX" sz="2000" b="1" spc="-5" dirty="0">
+                <a:latin typeface="Calibri"/>
+                <a:cs typeface="Calibri"/>
+              </a:rPr>
+              <a:t>REALIZAR RESERVA.</a:t>
+            </a:r>
+            <a:r>
+              <a:rPr lang="es-MX" sz="2000" b="1" spc="190" dirty="0">
+                <a:latin typeface="Calibri"/>
+                <a:cs typeface="Calibri"/>
+              </a:rPr>
+              <a:t> </a:t>
+            </a:r>
+            <a:r>
+              <a:rPr lang="es-MX" sz="1800" dirty="0">
+                <a:latin typeface="Calibri"/>
+                <a:cs typeface="Calibri"/>
+              </a:rPr>
+              <a:t>Para</a:t>
+            </a:r>
+            <a:r>
+              <a:rPr lang="es-MX" sz="1800" spc="235" dirty="0">
+                <a:latin typeface="Calibri"/>
+                <a:cs typeface="Calibri"/>
+              </a:rPr>
+              <a:t> </a:t>
+            </a:r>
+            <a:r>
+              <a:rPr lang="es-MX" spc="-5" dirty="0">
+                <a:latin typeface="Calibri"/>
+                <a:cs typeface="Calibri"/>
+              </a:rPr>
+              <a:t>poder realizar la reserva volvemos al menú en la parte donde nos dice “realiza tu reserva”.</a:t>
+            </a:r>
+            <a:endParaRPr lang="es-MX" dirty="0"/>
+          </a:p>
+        </p:txBody>
+      </p:sp>
+      <p:grpSp>
+        <p:nvGrpSpPr>
+          <p:cNvPr id="6" name="object 14">
+            <a:extLst>
+              <a:ext uri="{FF2B5EF4-FFF2-40B4-BE49-F238E27FC236}">
+                <a16:creationId xmlns:a16="http://schemas.microsoft.com/office/drawing/2014/main" id="{50FAC9D2-BA6B-702D-4D0B-04D75B45D340}"/>
+              </a:ext>
+            </a:extLst>
+          </p:cNvPr>
+          <p:cNvGrpSpPr/>
+          <p:nvPr/>
+        </p:nvGrpSpPr>
+        <p:grpSpPr>
+          <a:xfrm>
+            <a:off x="5778705" y="6141673"/>
+            <a:ext cx="1282700" cy="343535"/>
+            <a:chOff x="3238500" y="9463405"/>
+            <a:chExt cx="1282700" cy="343535"/>
+          </a:xfrm>
+        </p:grpSpPr>
+        <p:sp>
+          <p:nvSpPr>
+            <p:cNvPr id="7" name="object 15">
+              <a:extLst>
+                <a:ext uri="{FF2B5EF4-FFF2-40B4-BE49-F238E27FC236}">
+                  <a16:creationId xmlns:a16="http://schemas.microsoft.com/office/drawing/2014/main" id="{43839337-2D44-D681-4B5B-DE032DDA0F80}"/>
+                </a:ext>
+              </a:extLst>
+            </p:cNvPr>
+            <p:cNvSpPr/>
+            <p:nvPr/>
+          </p:nvSpPr>
+          <p:spPr>
+            <a:xfrm>
+              <a:off x="3238500" y="9463405"/>
+              <a:ext cx="1282700" cy="343535"/>
+            </a:xfrm>
+            <a:custGeom>
+              <a:avLst/>
+              <a:gdLst/>
+              <a:ahLst/>
+              <a:cxnLst/>
+              <a:rect l="l" t="t" r="r" b="b"/>
+              <a:pathLst>
+                <a:path w="1282700" h="343534">
+                  <a:moveTo>
+                    <a:pt x="1282700" y="0"/>
+                  </a:moveTo>
+                  <a:lnTo>
+                    <a:pt x="1234583" y="6200"/>
+                  </a:lnTo>
+                  <a:lnTo>
+                    <a:pt x="1186472" y="11917"/>
+                  </a:lnTo>
+                  <a:lnTo>
+                    <a:pt x="1138366" y="17151"/>
+                  </a:lnTo>
+                  <a:lnTo>
+                    <a:pt x="1090263" y="21901"/>
+                  </a:lnTo>
+                  <a:lnTo>
+                    <a:pt x="1042161" y="26168"/>
+                  </a:lnTo>
+                  <a:lnTo>
+                    <a:pt x="994060" y="29952"/>
+                  </a:lnTo>
+                  <a:lnTo>
+                    <a:pt x="945957" y="33252"/>
+                  </a:lnTo>
+                  <a:lnTo>
+                    <a:pt x="897851" y="36070"/>
+                  </a:lnTo>
+                  <a:lnTo>
+                    <a:pt x="849740" y="38406"/>
+                  </a:lnTo>
+                  <a:lnTo>
+                    <a:pt x="801624" y="40259"/>
+                  </a:lnTo>
+                  <a:lnTo>
+                    <a:pt x="962025" y="75145"/>
+                  </a:lnTo>
+                  <a:lnTo>
+                    <a:pt x="912698" y="78194"/>
+                  </a:lnTo>
+                  <a:lnTo>
+                    <a:pt x="863367" y="80735"/>
+                  </a:lnTo>
+                  <a:lnTo>
+                    <a:pt x="814033" y="82768"/>
+                  </a:lnTo>
+                  <a:lnTo>
+                    <a:pt x="764696" y="84292"/>
+                  </a:lnTo>
+                  <a:lnTo>
+                    <a:pt x="715358" y="85308"/>
+                  </a:lnTo>
+                  <a:lnTo>
+                    <a:pt x="666019" y="85817"/>
+                  </a:lnTo>
+                  <a:lnTo>
+                    <a:pt x="616680" y="85817"/>
+                  </a:lnTo>
+                  <a:lnTo>
+                    <a:pt x="567341" y="85308"/>
+                  </a:lnTo>
+                  <a:lnTo>
+                    <a:pt x="518003" y="84292"/>
+                  </a:lnTo>
+                  <a:lnTo>
+                    <a:pt x="468666" y="82768"/>
+                  </a:lnTo>
+                  <a:lnTo>
+                    <a:pt x="419332" y="80735"/>
+                  </a:lnTo>
+                  <a:lnTo>
+                    <a:pt x="370001" y="78194"/>
+                  </a:lnTo>
+                  <a:lnTo>
+                    <a:pt x="320675" y="75145"/>
+                  </a:lnTo>
+                  <a:lnTo>
+                    <a:pt x="480949" y="40259"/>
+                  </a:lnTo>
+                  <a:lnTo>
+                    <a:pt x="432863" y="38406"/>
+                  </a:lnTo>
+                  <a:lnTo>
+                    <a:pt x="384771" y="36070"/>
+                  </a:lnTo>
+                  <a:lnTo>
+                    <a:pt x="336674" y="33252"/>
+                  </a:lnTo>
+                  <a:lnTo>
+                    <a:pt x="288575" y="29952"/>
+                  </a:lnTo>
+                  <a:lnTo>
+                    <a:pt x="240474" y="26168"/>
+                  </a:lnTo>
+                  <a:lnTo>
+                    <a:pt x="192373" y="21901"/>
+                  </a:lnTo>
+                  <a:lnTo>
+                    <a:pt x="144274" y="17151"/>
+                  </a:lnTo>
+                  <a:lnTo>
+                    <a:pt x="96177" y="11917"/>
+                  </a:lnTo>
+                  <a:lnTo>
+                    <a:pt x="48085" y="6200"/>
+                  </a:lnTo>
+                  <a:lnTo>
+                    <a:pt x="0" y="0"/>
+                  </a:lnTo>
+                  <a:lnTo>
+                    <a:pt x="160274" y="147612"/>
+                  </a:lnTo>
+                  <a:lnTo>
+                    <a:pt x="0" y="257657"/>
+                  </a:lnTo>
+                  <a:lnTo>
+                    <a:pt x="53457" y="264515"/>
+                  </a:lnTo>
+                  <a:lnTo>
+                    <a:pt x="106901" y="270777"/>
+                  </a:lnTo>
+                  <a:lnTo>
+                    <a:pt x="160337" y="276442"/>
+                  </a:lnTo>
+                  <a:lnTo>
+                    <a:pt x="213773" y="281511"/>
+                  </a:lnTo>
+                  <a:lnTo>
+                    <a:pt x="267217" y="285985"/>
+                  </a:lnTo>
+                  <a:lnTo>
+                    <a:pt x="320675" y="289864"/>
+                  </a:lnTo>
+                  <a:lnTo>
+                    <a:pt x="320675" y="332803"/>
+                  </a:lnTo>
+                  <a:lnTo>
+                    <a:pt x="370001" y="335852"/>
+                  </a:lnTo>
+                  <a:lnTo>
+                    <a:pt x="419332" y="338393"/>
+                  </a:lnTo>
+                  <a:lnTo>
+                    <a:pt x="468666" y="340425"/>
+                  </a:lnTo>
+                  <a:lnTo>
+                    <a:pt x="518003" y="341950"/>
+                  </a:lnTo>
+                  <a:lnTo>
+                    <a:pt x="567341" y="342966"/>
+                  </a:lnTo>
+                  <a:lnTo>
+                    <a:pt x="616680" y="343474"/>
+                  </a:lnTo>
+                  <a:lnTo>
+                    <a:pt x="666019" y="343474"/>
+                  </a:lnTo>
+                  <a:lnTo>
+                    <a:pt x="715358" y="342966"/>
+                  </a:lnTo>
+                  <a:lnTo>
+                    <a:pt x="764696" y="341950"/>
+                  </a:lnTo>
+                  <a:lnTo>
+                    <a:pt x="814033" y="340425"/>
+                  </a:lnTo>
+                  <a:lnTo>
+                    <a:pt x="863367" y="338393"/>
+                  </a:lnTo>
+                  <a:lnTo>
+                    <a:pt x="912698" y="335852"/>
+                  </a:lnTo>
+                  <a:lnTo>
+                    <a:pt x="962025" y="332803"/>
+                  </a:lnTo>
+                  <a:lnTo>
+                    <a:pt x="962025" y="289864"/>
+                  </a:lnTo>
+                  <a:lnTo>
+                    <a:pt x="1015482" y="285985"/>
+                  </a:lnTo>
+                  <a:lnTo>
+                    <a:pt x="1068926" y="281511"/>
+                  </a:lnTo>
+                  <a:lnTo>
+                    <a:pt x="1122362" y="276442"/>
+                  </a:lnTo>
+                  <a:lnTo>
+                    <a:pt x="1175798" y="270777"/>
+                  </a:lnTo>
+                  <a:lnTo>
+                    <a:pt x="1229242" y="264515"/>
+                  </a:lnTo>
+                  <a:lnTo>
+                    <a:pt x="1282700" y="257657"/>
+                  </a:lnTo>
+                  <a:lnTo>
+                    <a:pt x="1122299" y="147612"/>
+                  </a:lnTo>
+                  <a:lnTo>
+                    <a:pt x="1282700" y="0"/>
+                  </a:lnTo>
+                  <a:close/>
+                </a:path>
+              </a:pathLst>
+            </a:custGeom>
+            <a:solidFill>
+              <a:srgbClr val="7E5F00"/>
+            </a:solidFill>
+          </p:spPr>
+          <p:txBody>
+            <a:bodyPr wrap="square" lIns="0" tIns="0" rIns="0" bIns="0" rtlCol="0"/>
+            <a:lstStyle/>
+            <a:p>
+              <a:endParaRPr dirty="0"/>
+            </a:p>
+          </p:txBody>
+        </p:sp>
+        <p:sp>
+          <p:nvSpPr>
+            <p:cNvPr id="8" name="object 16">
+              <a:extLst>
+                <a:ext uri="{FF2B5EF4-FFF2-40B4-BE49-F238E27FC236}">
+                  <a16:creationId xmlns:a16="http://schemas.microsoft.com/office/drawing/2014/main" id="{C48C049E-077C-8611-26B3-BAD471D2ED9D}"/>
+                </a:ext>
+              </a:extLst>
+            </p:cNvPr>
+            <p:cNvSpPr/>
+            <p:nvPr/>
+          </p:nvSpPr>
+          <p:spPr>
+            <a:xfrm>
+              <a:off x="3559175" y="9503664"/>
+              <a:ext cx="641350" cy="45720"/>
+            </a:xfrm>
+            <a:custGeom>
+              <a:avLst/>
+              <a:gdLst/>
+              <a:ahLst/>
+              <a:cxnLst/>
+              <a:rect l="l" t="t" r="r" b="b"/>
+              <a:pathLst>
+                <a:path w="641350" h="45720">
+                  <a:moveTo>
+                    <a:pt x="332602" y="45558"/>
+                  </a:moveTo>
+                  <a:lnTo>
+                    <a:pt x="308713" y="45558"/>
+                  </a:lnTo>
+                  <a:lnTo>
+                    <a:pt x="320659" y="45624"/>
+                  </a:lnTo>
+                  <a:lnTo>
+                    <a:pt x="332602" y="45558"/>
+                  </a:lnTo>
+                  <a:close/>
+                </a:path>
+                <a:path w="641350" h="45720">
+                  <a:moveTo>
+                    <a:pt x="280960" y="45403"/>
+                  </a:moveTo>
+                  <a:lnTo>
+                    <a:pt x="296005" y="45558"/>
+                  </a:lnTo>
+                  <a:lnTo>
+                    <a:pt x="308713" y="45558"/>
+                  </a:lnTo>
+                  <a:lnTo>
+                    <a:pt x="280960" y="45403"/>
+                  </a:lnTo>
+                  <a:close/>
+                </a:path>
+                <a:path w="641350" h="45720">
+                  <a:moveTo>
+                    <a:pt x="360436" y="45402"/>
+                  </a:moveTo>
+                  <a:lnTo>
+                    <a:pt x="332602" y="45558"/>
+                  </a:lnTo>
+                  <a:lnTo>
+                    <a:pt x="345344" y="45558"/>
+                  </a:lnTo>
+                  <a:lnTo>
+                    <a:pt x="360436" y="45402"/>
+                  </a:lnTo>
+                  <a:close/>
+                </a:path>
+                <a:path w="641350" h="45720">
+                  <a:moveTo>
+                    <a:pt x="257141" y="45157"/>
+                  </a:moveTo>
+                  <a:lnTo>
+                    <a:pt x="267203" y="45326"/>
+                  </a:lnTo>
+                  <a:lnTo>
+                    <a:pt x="280960" y="45403"/>
+                  </a:lnTo>
+                  <a:lnTo>
+                    <a:pt x="257141" y="45157"/>
+                  </a:lnTo>
+                  <a:close/>
+                </a:path>
+                <a:path w="641350" h="45720">
+                  <a:moveTo>
+                    <a:pt x="384083" y="45159"/>
+                  </a:moveTo>
+                  <a:lnTo>
+                    <a:pt x="360436" y="45402"/>
+                  </a:lnTo>
+                  <a:lnTo>
+                    <a:pt x="374104" y="45326"/>
+                  </a:lnTo>
+                  <a:lnTo>
+                    <a:pt x="384083" y="45159"/>
+                  </a:lnTo>
+                  <a:close/>
+                </a:path>
+                <a:path w="641350" h="45720">
+                  <a:moveTo>
+                    <a:pt x="412503" y="44682"/>
+                  </a:moveTo>
+                  <a:lnTo>
+                    <a:pt x="384083" y="45159"/>
+                  </a:lnTo>
+                  <a:lnTo>
+                    <a:pt x="394683" y="45049"/>
+                  </a:lnTo>
+                  <a:lnTo>
+                    <a:pt x="412503" y="44682"/>
+                  </a:lnTo>
+                  <a:close/>
+                </a:path>
+                <a:path w="641350" h="45720">
+                  <a:moveTo>
+                    <a:pt x="229129" y="44688"/>
+                  </a:moveTo>
+                  <a:lnTo>
+                    <a:pt x="246666" y="45049"/>
+                  </a:lnTo>
+                  <a:lnTo>
+                    <a:pt x="257141" y="45157"/>
+                  </a:lnTo>
+                  <a:lnTo>
+                    <a:pt x="229129" y="44688"/>
+                  </a:lnTo>
+                  <a:close/>
+                </a:path>
+                <a:path w="641350" h="45720">
+                  <a:moveTo>
+                    <a:pt x="205633" y="44204"/>
+                  </a:moveTo>
+                  <a:lnTo>
+                    <a:pt x="213740" y="44430"/>
+                  </a:lnTo>
+                  <a:lnTo>
+                    <a:pt x="229129" y="44688"/>
+                  </a:lnTo>
+                  <a:lnTo>
+                    <a:pt x="205633" y="44204"/>
+                  </a:lnTo>
+                  <a:close/>
+                </a:path>
+                <a:path w="641350" h="45720">
+                  <a:moveTo>
+                    <a:pt x="435403" y="44211"/>
+                  </a:moveTo>
+                  <a:lnTo>
+                    <a:pt x="412503" y="44682"/>
+                  </a:lnTo>
+                  <a:lnTo>
+                    <a:pt x="427535" y="44430"/>
+                  </a:lnTo>
+                  <a:lnTo>
+                    <a:pt x="435403" y="44211"/>
+                  </a:lnTo>
+                  <a:close/>
+                </a:path>
+                <a:path w="641350" h="45720">
+                  <a:moveTo>
+                    <a:pt x="465379" y="43373"/>
+                  </a:moveTo>
+                  <a:lnTo>
+                    <a:pt x="435403" y="44211"/>
+                  </a:lnTo>
+                  <a:lnTo>
+                    <a:pt x="444021" y="44033"/>
+                  </a:lnTo>
+                  <a:lnTo>
+                    <a:pt x="465379" y="43373"/>
+                  </a:lnTo>
+                  <a:close/>
+                </a:path>
+                <a:path w="641350" h="45720">
+                  <a:moveTo>
+                    <a:pt x="177012" y="43405"/>
+                  </a:moveTo>
+                  <a:lnTo>
+                    <a:pt x="197328" y="44033"/>
+                  </a:lnTo>
+                  <a:lnTo>
+                    <a:pt x="205633" y="44204"/>
+                  </a:lnTo>
+                  <a:lnTo>
+                    <a:pt x="177012" y="43405"/>
+                  </a:lnTo>
+                  <a:close/>
+                </a:path>
+                <a:path w="641350" h="45720">
+                  <a:moveTo>
+                    <a:pt x="160274" y="42888"/>
+                  </a:moveTo>
+                  <a:lnTo>
+                    <a:pt x="177012" y="43405"/>
+                  </a:lnTo>
+                  <a:lnTo>
+                    <a:pt x="160274" y="42888"/>
+                  </a:lnTo>
+                  <a:close/>
+                </a:path>
+                <a:path w="641350" h="45720">
+                  <a:moveTo>
+                    <a:pt x="480949" y="42892"/>
+                  </a:moveTo>
+                  <a:lnTo>
+                    <a:pt x="465379" y="43373"/>
+                  </a:lnTo>
+                  <a:lnTo>
+                    <a:pt x="480949" y="42938"/>
+                  </a:lnTo>
+                  <a:close/>
+                </a:path>
+                <a:path w="641350" h="45720">
+                  <a:moveTo>
+                    <a:pt x="480949" y="0"/>
+                  </a:moveTo>
+                  <a:lnTo>
+                    <a:pt x="480949" y="42892"/>
+                  </a:lnTo>
+                  <a:lnTo>
+                    <a:pt x="493358" y="42509"/>
+                  </a:lnTo>
+                  <a:lnTo>
+                    <a:pt x="542692" y="40476"/>
+                  </a:lnTo>
+                  <a:lnTo>
+                    <a:pt x="592023" y="37935"/>
+                  </a:lnTo>
+                  <a:lnTo>
+                    <a:pt x="641350" y="34886"/>
+                  </a:lnTo>
+                  <a:lnTo>
+                    <a:pt x="480949" y="0"/>
+                  </a:lnTo>
+                  <a:close/>
+                </a:path>
+                <a:path w="641350" h="45720">
+                  <a:moveTo>
+                    <a:pt x="160274" y="0"/>
+                  </a:moveTo>
+                  <a:lnTo>
+                    <a:pt x="0" y="34886"/>
+                  </a:lnTo>
+                  <a:lnTo>
+                    <a:pt x="49326" y="37935"/>
+                  </a:lnTo>
+                  <a:lnTo>
+                    <a:pt x="98657" y="40476"/>
+                  </a:lnTo>
+                  <a:lnTo>
+                    <a:pt x="147991" y="42509"/>
+                  </a:lnTo>
+                  <a:lnTo>
+                    <a:pt x="160274" y="42888"/>
+                  </a:lnTo>
+                  <a:lnTo>
+                    <a:pt x="160274" y="0"/>
+                  </a:lnTo>
+                  <a:close/>
+                </a:path>
+              </a:pathLst>
+            </a:custGeom>
+            <a:solidFill>
+              <a:srgbClr val="664D00"/>
+            </a:solidFill>
+          </p:spPr>
+          <p:txBody>
+            <a:bodyPr wrap="square" lIns="0" tIns="0" rIns="0" bIns="0" rtlCol="0"/>
+            <a:lstStyle/>
+            <a:p>
+              <a:endParaRPr/>
+            </a:p>
+          </p:txBody>
+        </p:sp>
+        <p:sp>
+          <p:nvSpPr>
+            <p:cNvPr id="9" name="object 17">
+              <a:extLst>
+                <a:ext uri="{FF2B5EF4-FFF2-40B4-BE49-F238E27FC236}">
+                  <a16:creationId xmlns:a16="http://schemas.microsoft.com/office/drawing/2014/main" id="{B20152E7-60FB-0504-ED39-EB0106D6D9A4}"/>
+                </a:ext>
+              </a:extLst>
+            </p:cNvPr>
+            <p:cNvSpPr/>
+            <p:nvPr/>
+          </p:nvSpPr>
+          <p:spPr>
+            <a:xfrm>
+              <a:off x="3238500" y="9463405"/>
+              <a:ext cx="1282700" cy="343535"/>
+            </a:xfrm>
+            <a:custGeom>
+              <a:avLst/>
+              <a:gdLst/>
+              <a:ahLst/>
+              <a:cxnLst/>
+              <a:rect l="l" t="t" r="r" b="b"/>
+              <a:pathLst>
+                <a:path w="1282700" h="343534">
+                  <a:moveTo>
+                    <a:pt x="0" y="0"/>
+                  </a:moveTo>
+                  <a:lnTo>
+                    <a:pt x="48085" y="6200"/>
+                  </a:lnTo>
+                  <a:lnTo>
+                    <a:pt x="96177" y="11917"/>
+                  </a:lnTo>
+                  <a:lnTo>
+                    <a:pt x="144274" y="17151"/>
+                  </a:lnTo>
+                  <a:lnTo>
+                    <a:pt x="192373" y="21901"/>
+                  </a:lnTo>
+                  <a:lnTo>
+                    <a:pt x="240474" y="26168"/>
+                  </a:lnTo>
+                  <a:lnTo>
+                    <a:pt x="288575" y="29952"/>
+                  </a:lnTo>
+                  <a:lnTo>
+                    <a:pt x="336674" y="33252"/>
+                  </a:lnTo>
+                  <a:lnTo>
+                    <a:pt x="384771" y="36070"/>
+                  </a:lnTo>
+                  <a:lnTo>
+                    <a:pt x="432863" y="38406"/>
+                  </a:lnTo>
+                  <a:lnTo>
+                    <a:pt x="480949" y="40259"/>
+                  </a:lnTo>
+                  <a:lnTo>
+                    <a:pt x="320675" y="75145"/>
+                  </a:lnTo>
+                  <a:lnTo>
+                    <a:pt x="370001" y="78194"/>
+                  </a:lnTo>
+                  <a:lnTo>
+                    <a:pt x="419332" y="80735"/>
+                  </a:lnTo>
+                  <a:lnTo>
+                    <a:pt x="468666" y="82768"/>
+                  </a:lnTo>
+                  <a:lnTo>
+                    <a:pt x="518003" y="84292"/>
+                  </a:lnTo>
+                  <a:lnTo>
+                    <a:pt x="567341" y="85308"/>
+                  </a:lnTo>
+                  <a:lnTo>
+                    <a:pt x="616680" y="85817"/>
+                  </a:lnTo>
+                  <a:lnTo>
+                    <a:pt x="666019" y="85817"/>
+                  </a:lnTo>
+                  <a:lnTo>
+                    <a:pt x="715358" y="85308"/>
+                  </a:lnTo>
+                  <a:lnTo>
+                    <a:pt x="764696" y="84292"/>
+                  </a:lnTo>
+                  <a:lnTo>
+                    <a:pt x="814033" y="82768"/>
+                  </a:lnTo>
+                  <a:lnTo>
+                    <a:pt x="863367" y="80735"/>
+                  </a:lnTo>
+                  <a:lnTo>
+                    <a:pt x="912698" y="78194"/>
+                  </a:lnTo>
+                  <a:lnTo>
+                    <a:pt x="962025" y="75145"/>
+                  </a:lnTo>
+                  <a:lnTo>
+                    <a:pt x="801624" y="40259"/>
+                  </a:lnTo>
+                  <a:lnTo>
+                    <a:pt x="849740" y="38406"/>
+                  </a:lnTo>
+                  <a:lnTo>
+                    <a:pt x="897851" y="36070"/>
+                  </a:lnTo>
+                  <a:lnTo>
+                    <a:pt x="945957" y="33252"/>
+                  </a:lnTo>
+                  <a:lnTo>
+                    <a:pt x="994060" y="29952"/>
+                  </a:lnTo>
+                  <a:lnTo>
+                    <a:pt x="1042161" y="26168"/>
+                  </a:lnTo>
+                  <a:lnTo>
+                    <a:pt x="1090263" y="21901"/>
+                  </a:lnTo>
+                  <a:lnTo>
+                    <a:pt x="1138366" y="17151"/>
+                  </a:lnTo>
+                  <a:lnTo>
+                    <a:pt x="1186472" y="11917"/>
+                  </a:lnTo>
+                  <a:lnTo>
+                    <a:pt x="1234583" y="6200"/>
+                  </a:lnTo>
+                  <a:lnTo>
+                    <a:pt x="1282700" y="0"/>
+                  </a:lnTo>
+                  <a:lnTo>
+                    <a:pt x="1122299" y="147612"/>
+                  </a:lnTo>
+                  <a:lnTo>
+                    <a:pt x="1282700" y="257657"/>
+                  </a:lnTo>
+                  <a:lnTo>
+                    <a:pt x="1229242" y="264515"/>
+                  </a:lnTo>
+                  <a:lnTo>
+                    <a:pt x="1175798" y="270777"/>
+                  </a:lnTo>
+                  <a:lnTo>
+                    <a:pt x="1122362" y="276442"/>
+                  </a:lnTo>
+                  <a:lnTo>
+                    <a:pt x="1068926" y="281511"/>
+                  </a:lnTo>
+                  <a:lnTo>
+                    <a:pt x="1015482" y="285985"/>
+                  </a:lnTo>
+                  <a:lnTo>
+                    <a:pt x="962025" y="289864"/>
+                  </a:lnTo>
+                  <a:lnTo>
+                    <a:pt x="962025" y="332803"/>
+                  </a:lnTo>
+                  <a:lnTo>
+                    <a:pt x="912698" y="335852"/>
+                  </a:lnTo>
+                  <a:lnTo>
+                    <a:pt x="863367" y="338393"/>
+                  </a:lnTo>
+                  <a:lnTo>
+                    <a:pt x="814033" y="340425"/>
+                  </a:lnTo>
+                  <a:lnTo>
+                    <a:pt x="764696" y="341950"/>
+                  </a:lnTo>
+                  <a:lnTo>
+                    <a:pt x="715358" y="342966"/>
+                  </a:lnTo>
+                  <a:lnTo>
+                    <a:pt x="666019" y="343474"/>
+                  </a:lnTo>
+                  <a:lnTo>
+                    <a:pt x="616680" y="343474"/>
+                  </a:lnTo>
+                  <a:lnTo>
+                    <a:pt x="567341" y="342966"/>
+                  </a:lnTo>
+                  <a:lnTo>
+                    <a:pt x="518003" y="341950"/>
+                  </a:lnTo>
+                  <a:lnTo>
+                    <a:pt x="468666" y="340425"/>
+                  </a:lnTo>
+                  <a:lnTo>
+                    <a:pt x="419332" y="338393"/>
+                  </a:lnTo>
+                  <a:lnTo>
+                    <a:pt x="370001" y="335852"/>
+                  </a:lnTo>
+                  <a:lnTo>
+                    <a:pt x="320675" y="332803"/>
+                  </a:lnTo>
+                  <a:lnTo>
+                    <a:pt x="320675" y="289864"/>
+                  </a:lnTo>
+                  <a:lnTo>
+                    <a:pt x="267217" y="285985"/>
+                  </a:lnTo>
+                  <a:lnTo>
+                    <a:pt x="213773" y="281511"/>
+                  </a:lnTo>
+                  <a:lnTo>
+                    <a:pt x="160337" y="276442"/>
+                  </a:lnTo>
+                  <a:lnTo>
+                    <a:pt x="106901" y="270777"/>
+                  </a:lnTo>
+                  <a:lnTo>
+                    <a:pt x="53457" y="264515"/>
+                  </a:lnTo>
+                  <a:lnTo>
+                    <a:pt x="0" y="257657"/>
+                  </a:lnTo>
+                  <a:lnTo>
+                    <a:pt x="160274" y="147612"/>
+                  </a:lnTo>
+                  <a:lnTo>
+                    <a:pt x="0" y="0"/>
+                  </a:lnTo>
+                  <a:close/>
+                </a:path>
+                <a:path w="1282700" h="343534">
+                  <a:moveTo>
+                    <a:pt x="320675" y="289864"/>
+                  </a:moveTo>
+                  <a:lnTo>
+                    <a:pt x="320675" y="75145"/>
+                  </a:lnTo>
+                </a:path>
+                <a:path w="1282700" h="343534">
+                  <a:moveTo>
+                    <a:pt x="962025" y="75145"/>
+                  </a:moveTo>
+                  <a:lnTo>
+                    <a:pt x="962025" y="289864"/>
+                  </a:lnTo>
+                </a:path>
+                <a:path w="1282700" h="343534">
+                  <a:moveTo>
+                    <a:pt x="480949" y="40259"/>
+                  </a:moveTo>
+                  <a:lnTo>
+                    <a:pt x="480949" y="83197"/>
+                  </a:lnTo>
+                </a:path>
+                <a:path w="1282700" h="343534">
+                  <a:moveTo>
+                    <a:pt x="801624" y="83197"/>
+                  </a:moveTo>
+                  <a:lnTo>
+                    <a:pt x="801624" y="40259"/>
+                  </a:lnTo>
+                </a:path>
+              </a:pathLst>
+            </a:custGeom>
+            <a:ln w="9525">
+              <a:solidFill>
+                <a:srgbClr val="FFC000"/>
+              </a:solidFill>
+            </a:ln>
+          </p:spPr>
+          <p:txBody>
+            <a:bodyPr wrap="square" lIns="0" tIns="0" rIns="0" bIns="0" rtlCol="0"/>
+            <a:lstStyle/>
+            <a:p>
+              <a:endParaRPr dirty="0"/>
+            </a:p>
+          </p:txBody>
+        </p:sp>
+      </p:grpSp>
+      <p:sp>
+        <p:nvSpPr>
+          <p:cNvPr id="10" name="CuadroTexto 9">
+            <a:extLst>
+              <a:ext uri="{FF2B5EF4-FFF2-40B4-BE49-F238E27FC236}">
+                <a16:creationId xmlns:a16="http://schemas.microsoft.com/office/drawing/2014/main" id="{9C1C8AC1-A569-C1FD-5C31-29C61A443DA0}"/>
+              </a:ext>
+            </a:extLst>
+          </p:cNvPr>
+          <p:cNvSpPr txBox="1"/>
+          <p:nvPr/>
+        </p:nvSpPr>
+        <p:spPr>
+          <a:xfrm>
+            <a:off x="6092823" y="6190755"/>
+            <a:ext cx="654464" cy="369332"/>
+          </a:xfrm>
+          <a:prstGeom prst="rect">
+            <a:avLst/>
+          </a:prstGeom>
+          <a:noFill/>
+        </p:spPr>
+        <p:txBody>
+          <a:bodyPr wrap="square" rtlCol="0">
+            <a:spAutoFit/>
+          </a:bodyPr>
+          <a:lstStyle/>
+          <a:p>
+            <a:pPr algn="ctr"/>
+            <a:r>
+              <a:rPr lang="es-MX" dirty="0">
+                <a:solidFill>
+                  <a:schemeClr val="bg1"/>
+                </a:solidFill>
+              </a:rPr>
+              <a:t>11</a:t>
+            </a:r>
+          </a:p>
+        </p:txBody>
+      </p:sp>
+      <p:pic>
+        <p:nvPicPr>
+          <p:cNvPr id="5" name="Imagen 4" descr="Interfaz de usuario gráfica, Sitio web&#10;&#10;Descripción generada automáticamente">
+            <a:extLst>
+              <a:ext uri="{FF2B5EF4-FFF2-40B4-BE49-F238E27FC236}">
+                <a16:creationId xmlns:a16="http://schemas.microsoft.com/office/drawing/2014/main" id="{C583BA2B-2C8C-A00D-1349-8054927CBE13}"/>
+              </a:ext>
+            </a:extLst>
+          </p:cNvPr>
+          <p:cNvPicPr>
+            <a:picLocks noChangeAspect="1"/>
+          </p:cNvPicPr>
+          <p:nvPr/>
+        </p:nvPicPr>
+        <p:blipFill>
+          <a:blip r:embed="rId2">
+            <a:extLst>
+              <a:ext uri="{28A0092B-C50C-407E-A947-70E740481C1C}">
+                <a14:useLocalDpi xmlns:a14="http://schemas.microsoft.com/office/drawing/2010/main" val="0"/>
+              </a:ext>
+            </a:extLst>
+          </a:blip>
+          <a:stretch>
+            <a:fillRect/>
+          </a:stretch>
+        </p:blipFill>
+        <p:spPr>
+          <a:xfrm>
+            <a:off x="1502455" y="1709285"/>
+            <a:ext cx="9193850" cy="4298125"/>
+          </a:xfrm>
+          <a:prstGeom prst="rect">
+            <a:avLst/>
+          </a:prstGeom>
+        </p:spPr>
+      </p:pic>
+      <mc:AlternateContent xmlns:mc="http://schemas.openxmlformats.org/markup-compatibility/2006" xmlns:p14="http://schemas.microsoft.com/office/powerpoint/2010/main">
+        <mc:Choice Requires="p14">
+          <p:contentPart p14:bwMode="auto" r:id="rId3">
+            <p14:nvContentPartPr>
+              <p14:cNvPr id="13" name="Entrada de lápiz 12">
+                <a:extLst>
+                  <a:ext uri="{FF2B5EF4-FFF2-40B4-BE49-F238E27FC236}">
+                    <a16:creationId xmlns:a16="http://schemas.microsoft.com/office/drawing/2014/main" id="{B4DAF528-C9E9-9439-B9F4-E64C77F93B91}"/>
+                  </a:ext>
+                </a:extLst>
+              </p14:cNvPr>
+              <p14:cNvContentPartPr/>
+              <p14:nvPr/>
+            </p14:nvContentPartPr>
+            <p14:xfrm>
+              <a:off x="1621440" y="1930459"/>
+              <a:ext cx="1271160" cy="376560"/>
+            </p14:xfrm>
+          </p:contentPart>
+        </mc:Choice>
+        <mc:Fallback xmlns="">
+          <p:pic>
+            <p:nvPicPr>
+              <p:cNvPr id="13" name="Entrada de lápiz 12">
+                <a:extLst>
+                  <a:ext uri="{FF2B5EF4-FFF2-40B4-BE49-F238E27FC236}">
+                    <a16:creationId xmlns:a16="http://schemas.microsoft.com/office/drawing/2014/main" id="{B4DAF528-C9E9-9439-B9F4-E64C77F93B91}"/>
+                  </a:ext>
+                </a:extLst>
+              </p:cNvPr>
+              <p:cNvPicPr/>
+              <p:nvPr/>
+            </p:nvPicPr>
+            <p:blipFill>
+              <a:blip r:embed="rId4"/>
+              <a:stretch>
+                <a:fillRect/>
+              </a:stretch>
+            </p:blipFill>
+            <p:spPr>
+              <a:xfrm>
+                <a:off x="1603440" y="1912459"/>
+                <a:ext cx="1306800" cy="412200"/>
+              </a:xfrm>
+              <a:prstGeom prst="rect">
+                <a:avLst/>
+              </a:prstGeom>
+            </p:spPr>
+          </p:pic>
+        </mc:Fallback>
+      </mc:AlternateContent>
+    </p:spTree>
+    <p:extLst>
+      <p:ext uri="{BB962C8B-B14F-4D97-AF65-F5344CB8AC3E}">
+        <p14:creationId xmlns:p14="http://schemas.microsoft.com/office/powerpoint/2010/main" val="2793795998"/>
+      </p:ext>
+    </p:extLst>
+  </p:cSld>
+  <p:clrMapOvr>
+    <a:masterClrMapping/>
+  </p:clrMapOvr>
+</p:sld>
+</file>
+
+<file path=ppt/slides/slide12.xml><?xml version="1.0" encoding="utf-8"?>
+<p:sld xmlns:a="http://schemas.openxmlformats.org/drawingml/2006/main" xmlns:r="http://schemas.openxmlformats.org/officeDocument/2006/relationships" xmlns:p="http://schemas.openxmlformats.org/presentationml/2006/main">
+  <p:cSld>
+    <p:spTree>
+      <p:nvGrpSpPr>
+        <p:cNvPr id="1" name=""/>
+        <p:cNvGrpSpPr/>
+        <p:nvPr/>
+      </p:nvGrpSpPr>
+      <p:grpSpPr>
+        <a:xfrm>
+          <a:off x="0" y="0"/>
+          <a:ext cx="0" cy="0"/>
+          <a:chOff x="0" y="0"/>
+          <a:chExt cx="0" cy="0"/>
+        </a:xfrm>
+      </p:grpSpPr>
+      <p:sp>
+        <p:nvSpPr>
+          <p:cNvPr id="3" name="CuadroTexto 2">
+            <a:extLst>
+              <a:ext uri="{FF2B5EF4-FFF2-40B4-BE49-F238E27FC236}">
+                <a16:creationId xmlns:a16="http://schemas.microsoft.com/office/drawing/2014/main" id="{E2985033-2463-63F1-516D-F7D9BBAF700C}"/>
+              </a:ext>
+            </a:extLst>
+          </p:cNvPr>
+          <p:cNvSpPr txBox="1"/>
+          <p:nvPr/>
+        </p:nvSpPr>
+        <p:spPr>
+          <a:xfrm>
+            <a:off x="2037939" y="620915"/>
+            <a:ext cx="8764230" cy="400110"/>
+          </a:xfrm>
+          <a:prstGeom prst="rect">
+            <a:avLst/>
+          </a:prstGeom>
+          <a:noFill/>
+        </p:spPr>
+        <p:txBody>
+          <a:bodyPr wrap="square">
+            <a:spAutoFit/>
+          </a:bodyPr>
+          <a:lstStyle/>
+          <a:p>
+            <a:r>
+              <a:rPr lang="es-MX" sz="2000" b="1" spc="-5" dirty="0">
+                <a:latin typeface="Calibri"/>
+                <a:cs typeface="Calibri"/>
+              </a:rPr>
+              <a:t>REALIZAR RESERVA.</a:t>
+            </a:r>
+            <a:r>
+              <a:rPr lang="es-MX" sz="2000" b="1" spc="190" dirty="0">
+                <a:latin typeface="Calibri"/>
+                <a:cs typeface="Calibri"/>
+              </a:rPr>
+              <a:t> </a:t>
+            </a:r>
+            <a:r>
+              <a:rPr lang="es-MX" sz="1800" dirty="0">
+                <a:latin typeface="Calibri"/>
+                <a:cs typeface="Calibri"/>
+              </a:rPr>
+              <a:t>Despué</a:t>
+            </a:r>
+            <a:r>
+              <a:rPr lang="es-MX" dirty="0">
+                <a:latin typeface="Calibri"/>
+                <a:cs typeface="Calibri"/>
+              </a:rPr>
+              <a:t>s diligenciaremos el formulario que nos aparece.</a:t>
+            </a:r>
+            <a:endParaRPr lang="es-MX" dirty="0"/>
+          </a:p>
+        </p:txBody>
+      </p:sp>
+      <p:grpSp>
+        <p:nvGrpSpPr>
+          <p:cNvPr id="6" name="object 14">
+            <a:extLst>
+              <a:ext uri="{FF2B5EF4-FFF2-40B4-BE49-F238E27FC236}">
+                <a16:creationId xmlns:a16="http://schemas.microsoft.com/office/drawing/2014/main" id="{50FAC9D2-BA6B-702D-4D0B-04D75B45D340}"/>
+              </a:ext>
+            </a:extLst>
+          </p:cNvPr>
+          <p:cNvGrpSpPr/>
+          <p:nvPr/>
+        </p:nvGrpSpPr>
+        <p:grpSpPr>
+          <a:xfrm>
+            <a:off x="5778705" y="6141673"/>
+            <a:ext cx="1282700" cy="343535"/>
+            <a:chOff x="3238500" y="9463405"/>
+            <a:chExt cx="1282700" cy="343535"/>
+          </a:xfrm>
+        </p:grpSpPr>
+        <p:sp>
+          <p:nvSpPr>
+            <p:cNvPr id="7" name="object 15">
+              <a:extLst>
+                <a:ext uri="{FF2B5EF4-FFF2-40B4-BE49-F238E27FC236}">
+                  <a16:creationId xmlns:a16="http://schemas.microsoft.com/office/drawing/2014/main" id="{43839337-2D44-D681-4B5B-DE032DDA0F80}"/>
+                </a:ext>
+              </a:extLst>
+            </p:cNvPr>
+            <p:cNvSpPr/>
+            <p:nvPr/>
+          </p:nvSpPr>
+          <p:spPr>
+            <a:xfrm>
+              <a:off x="3238500" y="9463405"/>
+              <a:ext cx="1282700" cy="343535"/>
+            </a:xfrm>
+            <a:custGeom>
+              <a:avLst/>
+              <a:gdLst/>
+              <a:ahLst/>
+              <a:cxnLst/>
+              <a:rect l="l" t="t" r="r" b="b"/>
+              <a:pathLst>
+                <a:path w="1282700" h="343534">
+                  <a:moveTo>
+                    <a:pt x="1282700" y="0"/>
+                  </a:moveTo>
+                  <a:lnTo>
+                    <a:pt x="1234583" y="6200"/>
+                  </a:lnTo>
+                  <a:lnTo>
+                    <a:pt x="1186472" y="11917"/>
+                  </a:lnTo>
+                  <a:lnTo>
+                    <a:pt x="1138366" y="17151"/>
+                  </a:lnTo>
+                  <a:lnTo>
+                    <a:pt x="1090263" y="21901"/>
+                  </a:lnTo>
+                  <a:lnTo>
+                    <a:pt x="1042161" y="26168"/>
+                  </a:lnTo>
+                  <a:lnTo>
+                    <a:pt x="994060" y="29952"/>
+                  </a:lnTo>
+                  <a:lnTo>
+                    <a:pt x="945957" y="33252"/>
+                  </a:lnTo>
+                  <a:lnTo>
+                    <a:pt x="897851" y="36070"/>
+                  </a:lnTo>
+                  <a:lnTo>
+                    <a:pt x="849740" y="38406"/>
+                  </a:lnTo>
+                  <a:lnTo>
+                    <a:pt x="801624" y="40259"/>
+                  </a:lnTo>
+                  <a:lnTo>
+                    <a:pt x="962025" y="75145"/>
+                  </a:lnTo>
+                  <a:lnTo>
+                    <a:pt x="912698" y="78194"/>
+                  </a:lnTo>
+                  <a:lnTo>
+                    <a:pt x="863367" y="80735"/>
+                  </a:lnTo>
+                  <a:lnTo>
+                    <a:pt x="814033" y="82768"/>
+                  </a:lnTo>
+                  <a:lnTo>
+                    <a:pt x="764696" y="84292"/>
+                  </a:lnTo>
+                  <a:lnTo>
+                    <a:pt x="715358" y="85308"/>
+                  </a:lnTo>
+                  <a:lnTo>
+                    <a:pt x="666019" y="85817"/>
+                  </a:lnTo>
+                  <a:lnTo>
+                    <a:pt x="616680" y="85817"/>
+                  </a:lnTo>
+                  <a:lnTo>
+                    <a:pt x="567341" y="85308"/>
+                  </a:lnTo>
+                  <a:lnTo>
+                    <a:pt x="518003" y="84292"/>
+                  </a:lnTo>
+                  <a:lnTo>
+                    <a:pt x="468666" y="82768"/>
+                  </a:lnTo>
+                  <a:lnTo>
+                    <a:pt x="419332" y="80735"/>
+                  </a:lnTo>
+                  <a:lnTo>
+                    <a:pt x="370001" y="78194"/>
+                  </a:lnTo>
+                  <a:lnTo>
+                    <a:pt x="320675" y="75145"/>
+                  </a:lnTo>
+                  <a:lnTo>
+                    <a:pt x="480949" y="40259"/>
+                  </a:lnTo>
+                  <a:lnTo>
+                    <a:pt x="432863" y="38406"/>
+                  </a:lnTo>
+                  <a:lnTo>
+                    <a:pt x="384771" y="36070"/>
+                  </a:lnTo>
+                  <a:lnTo>
+                    <a:pt x="336674" y="33252"/>
+                  </a:lnTo>
+                  <a:lnTo>
+                    <a:pt x="288575" y="29952"/>
+                  </a:lnTo>
+                  <a:lnTo>
+                    <a:pt x="240474" y="26168"/>
+                  </a:lnTo>
+                  <a:lnTo>
+                    <a:pt x="192373" y="21901"/>
+                  </a:lnTo>
+                  <a:lnTo>
+                    <a:pt x="144274" y="17151"/>
+                  </a:lnTo>
+                  <a:lnTo>
+                    <a:pt x="96177" y="11917"/>
+                  </a:lnTo>
+                  <a:lnTo>
+                    <a:pt x="48085" y="6200"/>
+                  </a:lnTo>
+                  <a:lnTo>
+                    <a:pt x="0" y="0"/>
+                  </a:lnTo>
+                  <a:lnTo>
+                    <a:pt x="160274" y="147612"/>
+                  </a:lnTo>
+                  <a:lnTo>
+                    <a:pt x="0" y="257657"/>
+                  </a:lnTo>
+                  <a:lnTo>
+                    <a:pt x="53457" y="264515"/>
+                  </a:lnTo>
+                  <a:lnTo>
+                    <a:pt x="106901" y="270777"/>
+                  </a:lnTo>
+                  <a:lnTo>
+                    <a:pt x="160337" y="276442"/>
+                  </a:lnTo>
+                  <a:lnTo>
+                    <a:pt x="213773" y="281511"/>
+                  </a:lnTo>
+                  <a:lnTo>
+                    <a:pt x="267217" y="285985"/>
+                  </a:lnTo>
+                  <a:lnTo>
+                    <a:pt x="320675" y="289864"/>
+                  </a:lnTo>
+                  <a:lnTo>
+                    <a:pt x="320675" y="332803"/>
+                  </a:lnTo>
+                  <a:lnTo>
+                    <a:pt x="370001" y="335852"/>
+                  </a:lnTo>
+                  <a:lnTo>
+                    <a:pt x="419332" y="338393"/>
+                  </a:lnTo>
+                  <a:lnTo>
+                    <a:pt x="468666" y="340425"/>
+                  </a:lnTo>
+                  <a:lnTo>
+                    <a:pt x="518003" y="341950"/>
+                  </a:lnTo>
+                  <a:lnTo>
+                    <a:pt x="567341" y="342966"/>
+                  </a:lnTo>
+                  <a:lnTo>
+                    <a:pt x="616680" y="343474"/>
+                  </a:lnTo>
+                  <a:lnTo>
+                    <a:pt x="666019" y="343474"/>
+                  </a:lnTo>
+                  <a:lnTo>
+                    <a:pt x="715358" y="342966"/>
+                  </a:lnTo>
+                  <a:lnTo>
+                    <a:pt x="764696" y="341950"/>
+                  </a:lnTo>
+                  <a:lnTo>
+                    <a:pt x="814033" y="340425"/>
+                  </a:lnTo>
+                  <a:lnTo>
+                    <a:pt x="863367" y="338393"/>
+                  </a:lnTo>
+                  <a:lnTo>
+                    <a:pt x="912698" y="335852"/>
+                  </a:lnTo>
+                  <a:lnTo>
+                    <a:pt x="962025" y="332803"/>
+                  </a:lnTo>
+                  <a:lnTo>
+                    <a:pt x="962025" y="289864"/>
+                  </a:lnTo>
+                  <a:lnTo>
+                    <a:pt x="1015482" y="285985"/>
+                  </a:lnTo>
+                  <a:lnTo>
+                    <a:pt x="1068926" y="281511"/>
+                  </a:lnTo>
+                  <a:lnTo>
+                    <a:pt x="1122362" y="276442"/>
+                  </a:lnTo>
+                  <a:lnTo>
+                    <a:pt x="1175798" y="270777"/>
+                  </a:lnTo>
+                  <a:lnTo>
+                    <a:pt x="1229242" y="264515"/>
+                  </a:lnTo>
+                  <a:lnTo>
+                    <a:pt x="1282700" y="257657"/>
+                  </a:lnTo>
+                  <a:lnTo>
+                    <a:pt x="1122299" y="147612"/>
+                  </a:lnTo>
+                  <a:lnTo>
+                    <a:pt x="1282700" y="0"/>
+                  </a:lnTo>
+                  <a:close/>
+                </a:path>
+              </a:pathLst>
+            </a:custGeom>
+            <a:solidFill>
+              <a:srgbClr val="7E5F00"/>
+            </a:solidFill>
+          </p:spPr>
+          <p:txBody>
+            <a:bodyPr wrap="square" lIns="0" tIns="0" rIns="0" bIns="0" rtlCol="0"/>
+            <a:lstStyle/>
+            <a:p>
+              <a:endParaRPr dirty="0"/>
+            </a:p>
+          </p:txBody>
+        </p:sp>
+        <p:sp>
+          <p:nvSpPr>
+            <p:cNvPr id="8" name="object 16">
+              <a:extLst>
+                <a:ext uri="{FF2B5EF4-FFF2-40B4-BE49-F238E27FC236}">
+                  <a16:creationId xmlns:a16="http://schemas.microsoft.com/office/drawing/2014/main" id="{C48C049E-077C-8611-26B3-BAD471D2ED9D}"/>
+                </a:ext>
+              </a:extLst>
+            </p:cNvPr>
+            <p:cNvSpPr/>
+            <p:nvPr/>
+          </p:nvSpPr>
+          <p:spPr>
+            <a:xfrm>
+              <a:off x="3559175" y="9503664"/>
+              <a:ext cx="641350" cy="45720"/>
+            </a:xfrm>
+            <a:custGeom>
+              <a:avLst/>
+              <a:gdLst/>
+              <a:ahLst/>
+              <a:cxnLst/>
+              <a:rect l="l" t="t" r="r" b="b"/>
+              <a:pathLst>
+                <a:path w="641350" h="45720">
+                  <a:moveTo>
+                    <a:pt x="332602" y="45558"/>
+                  </a:moveTo>
+                  <a:lnTo>
+                    <a:pt x="308713" y="45558"/>
+                  </a:lnTo>
+                  <a:lnTo>
+                    <a:pt x="320659" y="45624"/>
+                  </a:lnTo>
+                  <a:lnTo>
+                    <a:pt x="332602" y="45558"/>
+                  </a:lnTo>
+                  <a:close/>
+                </a:path>
+                <a:path w="641350" h="45720">
+                  <a:moveTo>
+                    <a:pt x="280960" y="45403"/>
+                  </a:moveTo>
+                  <a:lnTo>
+                    <a:pt x="296005" y="45558"/>
+                  </a:lnTo>
+                  <a:lnTo>
+                    <a:pt x="308713" y="45558"/>
+                  </a:lnTo>
+                  <a:lnTo>
+                    <a:pt x="280960" y="45403"/>
+                  </a:lnTo>
+                  <a:close/>
+                </a:path>
+                <a:path w="641350" h="45720">
+                  <a:moveTo>
+                    <a:pt x="360436" y="45402"/>
+                  </a:moveTo>
+                  <a:lnTo>
+                    <a:pt x="332602" y="45558"/>
+                  </a:lnTo>
+                  <a:lnTo>
+                    <a:pt x="345344" y="45558"/>
+                  </a:lnTo>
+                  <a:lnTo>
+                    <a:pt x="360436" y="45402"/>
+                  </a:lnTo>
+                  <a:close/>
+                </a:path>
+                <a:path w="641350" h="45720">
+                  <a:moveTo>
+                    <a:pt x="257141" y="45157"/>
+                  </a:moveTo>
+                  <a:lnTo>
+                    <a:pt x="267203" y="45326"/>
+                  </a:lnTo>
+                  <a:lnTo>
+                    <a:pt x="280960" y="45403"/>
+                  </a:lnTo>
+                  <a:lnTo>
+                    <a:pt x="257141" y="45157"/>
+                  </a:lnTo>
+                  <a:close/>
+                </a:path>
+                <a:path w="641350" h="45720">
+                  <a:moveTo>
+                    <a:pt x="384083" y="45159"/>
+                  </a:moveTo>
+                  <a:lnTo>
+                    <a:pt x="360436" y="45402"/>
+                  </a:lnTo>
+                  <a:lnTo>
+                    <a:pt x="374104" y="45326"/>
+                  </a:lnTo>
+                  <a:lnTo>
+                    <a:pt x="384083" y="45159"/>
+                  </a:lnTo>
+                  <a:close/>
+                </a:path>
+                <a:path w="641350" h="45720">
+                  <a:moveTo>
+                    <a:pt x="412503" y="44682"/>
+                  </a:moveTo>
+                  <a:lnTo>
+                    <a:pt x="384083" y="45159"/>
+                  </a:lnTo>
+                  <a:lnTo>
+                    <a:pt x="394683" y="45049"/>
+                  </a:lnTo>
+                  <a:lnTo>
+                    <a:pt x="412503" y="44682"/>
+                  </a:lnTo>
+                  <a:close/>
+                </a:path>
+                <a:path w="641350" h="45720">
+                  <a:moveTo>
+                    <a:pt x="229129" y="44688"/>
+                  </a:moveTo>
+                  <a:lnTo>
+                    <a:pt x="246666" y="45049"/>
+                  </a:lnTo>
+                  <a:lnTo>
+                    <a:pt x="257141" y="45157"/>
+                  </a:lnTo>
+                  <a:lnTo>
+                    <a:pt x="229129" y="44688"/>
+                  </a:lnTo>
+                  <a:close/>
+                </a:path>
+                <a:path w="641350" h="45720">
+                  <a:moveTo>
+                    <a:pt x="205633" y="44204"/>
+                  </a:moveTo>
+                  <a:lnTo>
+                    <a:pt x="213740" y="44430"/>
+                  </a:lnTo>
+                  <a:lnTo>
+                    <a:pt x="229129" y="44688"/>
+                  </a:lnTo>
+                  <a:lnTo>
+                    <a:pt x="205633" y="44204"/>
+                  </a:lnTo>
+                  <a:close/>
+                </a:path>
+                <a:path w="641350" h="45720">
+                  <a:moveTo>
+                    <a:pt x="435403" y="44211"/>
+                  </a:moveTo>
+                  <a:lnTo>
+                    <a:pt x="412503" y="44682"/>
+                  </a:lnTo>
+                  <a:lnTo>
+                    <a:pt x="427535" y="44430"/>
+                  </a:lnTo>
+                  <a:lnTo>
+                    <a:pt x="435403" y="44211"/>
+                  </a:lnTo>
+                  <a:close/>
+                </a:path>
+                <a:path w="641350" h="45720">
+                  <a:moveTo>
+                    <a:pt x="465379" y="43373"/>
+                  </a:moveTo>
+                  <a:lnTo>
+                    <a:pt x="435403" y="44211"/>
+                  </a:lnTo>
+                  <a:lnTo>
+                    <a:pt x="444021" y="44033"/>
+                  </a:lnTo>
+                  <a:lnTo>
+                    <a:pt x="465379" y="43373"/>
+                  </a:lnTo>
+                  <a:close/>
+                </a:path>
+                <a:path w="641350" h="45720">
+                  <a:moveTo>
+                    <a:pt x="177012" y="43405"/>
+                  </a:moveTo>
+                  <a:lnTo>
+                    <a:pt x="197328" y="44033"/>
+                  </a:lnTo>
+                  <a:lnTo>
+                    <a:pt x="205633" y="44204"/>
+                  </a:lnTo>
+                  <a:lnTo>
+                    <a:pt x="177012" y="43405"/>
+                  </a:lnTo>
+                  <a:close/>
+                </a:path>
+                <a:path w="641350" h="45720">
+                  <a:moveTo>
+                    <a:pt x="160274" y="42888"/>
+                  </a:moveTo>
+                  <a:lnTo>
+                    <a:pt x="177012" y="43405"/>
+                  </a:lnTo>
+                  <a:lnTo>
+                    <a:pt x="160274" y="42888"/>
+                  </a:lnTo>
+                  <a:close/>
+                </a:path>
+                <a:path w="641350" h="45720">
+                  <a:moveTo>
+                    <a:pt x="480949" y="42892"/>
+                  </a:moveTo>
+                  <a:lnTo>
+                    <a:pt x="465379" y="43373"/>
+                  </a:lnTo>
+                  <a:lnTo>
+                    <a:pt x="480949" y="42938"/>
+                  </a:lnTo>
+                  <a:close/>
+                </a:path>
+                <a:path w="641350" h="45720">
+                  <a:moveTo>
+                    <a:pt x="480949" y="0"/>
+                  </a:moveTo>
+                  <a:lnTo>
+                    <a:pt x="480949" y="42892"/>
+                  </a:lnTo>
+                  <a:lnTo>
+                    <a:pt x="493358" y="42509"/>
+                  </a:lnTo>
+                  <a:lnTo>
+                    <a:pt x="542692" y="40476"/>
+                  </a:lnTo>
+                  <a:lnTo>
+                    <a:pt x="592023" y="37935"/>
+                  </a:lnTo>
+                  <a:lnTo>
+                    <a:pt x="641350" y="34886"/>
+                  </a:lnTo>
+                  <a:lnTo>
+                    <a:pt x="480949" y="0"/>
+                  </a:lnTo>
+                  <a:close/>
+                </a:path>
+                <a:path w="641350" h="45720">
+                  <a:moveTo>
+                    <a:pt x="160274" y="0"/>
+                  </a:moveTo>
+                  <a:lnTo>
+                    <a:pt x="0" y="34886"/>
+                  </a:lnTo>
+                  <a:lnTo>
+                    <a:pt x="49326" y="37935"/>
+                  </a:lnTo>
+                  <a:lnTo>
+                    <a:pt x="98657" y="40476"/>
+                  </a:lnTo>
+                  <a:lnTo>
+                    <a:pt x="147991" y="42509"/>
+                  </a:lnTo>
+                  <a:lnTo>
+                    <a:pt x="160274" y="42888"/>
+                  </a:lnTo>
+                  <a:lnTo>
+                    <a:pt x="160274" y="0"/>
+                  </a:lnTo>
+                  <a:close/>
+                </a:path>
+              </a:pathLst>
+            </a:custGeom>
+            <a:solidFill>
+              <a:srgbClr val="664D00"/>
+            </a:solidFill>
+          </p:spPr>
+          <p:txBody>
+            <a:bodyPr wrap="square" lIns="0" tIns="0" rIns="0" bIns="0" rtlCol="0"/>
+            <a:lstStyle/>
+            <a:p>
+              <a:endParaRPr/>
+            </a:p>
+          </p:txBody>
+        </p:sp>
+        <p:sp>
+          <p:nvSpPr>
+            <p:cNvPr id="9" name="object 17">
+              <a:extLst>
+                <a:ext uri="{FF2B5EF4-FFF2-40B4-BE49-F238E27FC236}">
+                  <a16:creationId xmlns:a16="http://schemas.microsoft.com/office/drawing/2014/main" id="{B20152E7-60FB-0504-ED39-EB0106D6D9A4}"/>
+                </a:ext>
+              </a:extLst>
+            </p:cNvPr>
+            <p:cNvSpPr/>
+            <p:nvPr/>
+          </p:nvSpPr>
+          <p:spPr>
+            <a:xfrm>
+              <a:off x="3238500" y="9463405"/>
+              <a:ext cx="1282700" cy="343535"/>
+            </a:xfrm>
+            <a:custGeom>
+              <a:avLst/>
+              <a:gdLst/>
+              <a:ahLst/>
+              <a:cxnLst/>
+              <a:rect l="l" t="t" r="r" b="b"/>
+              <a:pathLst>
+                <a:path w="1282700" h="343534">
+                  <a:moveTo>
+                    <a:pt x="0" y="0"/>
+                  </a:moveTo>
+                  <a:lnTo>
+                    <a:pt x="48085" y="6200"/>
+                  </a:lnTo>
+                  <a:lnTo>
+                    <a:pt x="96177" y="11917"/>
+                  </a:lnTo>
+                  <a:lnTo>
+                    <a:pt x="144274" y="17151"/>
+                  </a:lnTo>
+                  <a:lnTo>
+                    <a:pt x="192373" y="21901"/>
+                  </a:lnTo>
+                  <a:lnTo>
+                    <a:pt x="240474" y="26168"/>
+                  </a:lnTo>
+                  <a:lnTo>
+                    <a:pt x="288575" y="29952"/>
+                  </a:lnTo>
+                  <a:lnTo>
+                    <a:pt x="336674" y="33252"/>
+                  </a:lnTo>
+                  <a:lnTo>
+                    <a:pt x="384771" y="36070"/>
+                  </a:lnTo>
+                  <a:lnTo>
+                    <a:pt x="432863" y="38406"/>
+                  </a:lnTo>
+                  <a:lnTo>
+                    <a:pt x="480949" y="40259"/>
+                  </a:lnTo>
+                  <a:lnTo>
+                    <a:pt x="320675" y="75145"/>
+                  </a:lnTo>
+                  <a:lnTo>
+                    <a:pt x="370001" y="78194"/>
+                  </a:lnTo>
+                  <a:lnTo>
+                    <a:pt x="419332" y="80735"/>
+                  </a:lnTo>
+                  <a:lnTo>
+                    <a:pt x="468666" y="82768"/>
+                  </a:lnTo>
+                  <a:lnTo>
+                    <a:pt x="518003" y="84292"/>
+                  </a:lnTo>
+                  <a:lnTo>
+                    <a:pt x="567341" y="85308"/>
+                  </a:lnTo>
+                  <a:lnTo>
+                    <a:pt x="616680" y="85817"/>
+                  </a:lnTo>
+                  <a:lnTo>
+                    <a:pt x="666019" y="85817"/>
+                  </a:lnTo>
+                  <a:lnTo>
+                    <a:pt x="715358" y="85308"/>
+                  </a:lnTo>
+                  <a:lnTo>
+                    <a:pt x="764696" y="84292"/>
+                  </a:lnTo>
+                  <a:lnTo>
+                    <a:pt x="814033" y="82768"/>
+                  </a:lnTo>
+                  <a:lnTo>
+                    <a:pt x="863367" y="80735"/>
+                  </a:lnTo>
+                  <a:lnTo>
+                    <a:pt x="912698" y="78194"/>
+                  </a:lnTo>
+                  <a:lnTo>
+                    <a:pt x="962025" y="75145"/>
+                  </a:lnTo>
+                  <a:lnTo>
+                    <a:pt x="801624" y="40259"/>
+                  </a:lnTo>
+                  <a:lnTo>
+                    <a:pt x="849740" y="38406"/>
+                  </a:lnTo>
+                  <a:lnTo>
+                    <a:pt x="897851" y="36070"/>
+                  </a:lnTo>
+                  <a:lnTo>
+                    <a:pt x="945957" y="33252"/>
+                  </a:lnTo>
+                  <a:lnTo>
+                    <a:pt x="994060" y="29952"/>
+                  </a:lnTo>
+                  <a:lnTo>
+                    <a:pt x="1042161" y="26168"/>
+                  </a:lnTo>
+                  <a:lnTo>
+                    <a:pt x="1090263" y="21901"/>
+                  </a:lnTo>
+                  <a:lnTo>
+                    <a:pt x="1138366" y="17151"/>
+                  </a:lnTo>
+                  <a:lnTo>
+                    <a:pt x="1186472" y="11917"/>
+                  </a:lnTo>
+                  <a:lnTo>
+                    <a:pt x="1234583" y="6200"/>
+                  </a:lnTo>
+                  <a:lnTo>
+                    <a:pt x="1282700" y="0"/>
+                  </a:lnTo>
+                  <a:lnTo>
+                    <a:pt x="1122299" y="147612"/>
+                  </a:lnTo>
+                  <a:lnTo>
+                    <a:pt x="1282700" y="257657"/>
+                  </a:lnTo>
+                  <a:lnTo>
+                    <a:pt x="1229242" y="264515"/>
+                  </a:lnTo>
+                  <a:lnTo>
+                    <a:pt x="1175798" y="270777"/>
+                  </a:lnTo>
+                  <a:lnTo>
+                    <a:pt x="1122362" y="276442"/>
+                  </a:lnTo>
+                  <a:lnTo>
+                    <a:pt x="1068926" y="281511"/>
+                  </a:lnTo>
+                  <a:lnTo>
+                    <a:pt x="1015482" y="285985"/>
+                  </a:lnTo>
+                  <a:lnTo>
+                    <a:pt x="962025" y="289864"/>
+                  </a:lnTo>
+                  <a:lnTo>
+                    <a:pt x="962025" y="332803"/>
+                  </a:lnTo>
+                  <a:lnTo>
+                    <a:pt x="912698" y="335852"/>
+                  </a:lnTo>
+                  <a:lnTo>
+                    <a:pt x="863367" y="338393"/>
+                  </a:lnTo>
+                  <a:lnTo>
+                    <a:pt x="814033" y="340425"/>
+                  </a:lnTo>
+                  <a:lnTo>
+                    <a:pt x="764696" y="341950"/>
+                  </a:lnTo>
+                  <a:lnTo>
+                    <a:pt x="715358" y="342966"/>
+                  </a:lnTo>
+                  <a:lnTo>
+                    <a:pt x="666019" y="343474"/>
+                  </a:lnTo>
+                  <a:lnTo>
+                    <a:pt x="616680" y="343474"/>
+                  </a:lnTo>
+                  <a:lnTo>
+                    <a:pt x="567341" y="342966"/>
+                  </a:lnTo>
+                  <a:lnTo>
+                    <a:pt x="518003" y="341950"/>
+                  </a:lnTo>
+                  <a:lnTo>
+                    <a:pt x="468666" y="340425"/>
+                  </a:lnTo>
+                  <a:lnTo>
+                    <a:pt x="419332" y="338393"/>
+                  </a:lnTo>
+                  <a:lnTo>
+                    <a:pt x="370001" y="335852"/>
+                  </a:lnTo>
+                  <a:lnTo>
+                    <a:pt x="320675" y="332803"/>
+                  </a:lnTo>
+                  <a:lnTo>
+                    <a:pt x="320675" y="289864"/>
+                  </a:lnTo>
+                  <a:lnTo>
+                    <a:pt x="267217" y="285985"/>
+                  </a:lnTo>
+                  <a:lnTo>
+                    <a:pt x="213773" y="281511"/>
+                  </a:lnTo>
+                  <a:lnTo>
+                    <a:pt x="160337" y="276442"/>
+                  </a:lnTo>
+                  <a:lnTo>
+                    <a:pt x="106901" y="270777"/>
+                  </a:lnTo>
+                  <a:lnTo>
+                    <a:pt x="53457" y="264515"/>
+                  </a:lnTo>
+                  <a:lnTo>
+                    <a:pt x="0" y="257657"/>
+                  </a:lnTo>
+                  <a:lnTo>
+                    <a:pt x="160274" y="147612"/>
+                  </a:lnTo>
+                  <a:lnTo>
+                    <a:pt x="0" y="0"/>
+                  </a:lnTo>
+                  <a:close/>
+                </a:path>
+                <a:path w="1282700" h="343534">
+                  <a:moveTo>
+                    <a:pt x="320675" y="289864"/>
+                  </a:moveTo>
+                  <a:lnTo>
+                    <a:pt x="320675" y="75145"/>
+                  </a:lnTo>
+                </a:path>
+                <a:path w="1282700" h="343534">
+                  <a:moveTo>
+                    <a:pt x="962025" y="75145"/>
+                  </a:moveTo>
+                  <a:lnTo>
+                    <a:pt x="962025" y="289864"/>
+                  </a:lnTo>
+                </a:path>
+                <a:path w="1282700" h="343534">
+                  <a:moveTo>
+                    <a:pt x="480949" y="40259"/>
+                  </a:moveTo>
+                  <a:lnTo>
+                    <a:pt x="480949" y="83197"/>
+                  </a:lnTo>
+                </a:path>
+                <a:path w="1282700" h="343534">
+                  <a:moveTo>
+                    <a:pt x="801624" y="83197"/>
+                  </a:moveTo>
+                  <a:lnTo>
+                    <a:pt x="801624" y="40259"/>
+                  </a:lnTo>
+                </a:path>
+              </a:pathLst>
+            </a:custGeom>
+            <a:ln w="9525">
+              <a:solidFill>
+                <a:srgbClr val="FFC000"/>
+              </a:solidFill>
+            </a:ln>
+          </p:spPr>
+          <p:txBody>
+            <a:bodyPr wrap="square" lIns="0" tIns="0" rIns="0" bIns="0" rtlCol="0"/>
+            <a:lstStyle/>
+            <a:p>
+              <a:endParaRPr dirty="0"/>
+            </a:p>
+          </p:txBody>
+        </p:sp>
+      </p:grpSp>
+      <p:sp>
+        <p:nvSpPr>
+          <p:cNvPr id="10" name="CuadroTexto 9">
+            <a:extLst>
+              <a:ext uri="{FF2B5EF4-FFF2-40B4-BE49-F238E27FC236}">
+                <a16:creationId xmlns:a16="http://schemas.microsoft.com/office/drawing/2014/main" id="{9C1C8AC1-A569-C1FD-5C31-29C61A443DA0}"/>
+              </a:ext>
+            </a:extLst>
+          </p:cNvPr>
+          <p:cNvSpPr txBox="1"/>
+          <p:nvPr/>
+        </p:nvSpPr>
+        <p:spPr>
+          <a:xfrm>
+            <a:off x="6092823" y="6190755"/>
+            <a:ext cx="654464" cy="369332"/>
+          </a:xfrm>
+          <a:prstGeom prst="rect">
+            <a:avLst/>
+          </a:prstGeom>
+          <a:noFill/>
+        </p:spPr>
+        <p:txBody>
+          <a:bodyPr wrap="square" rtlCol="0">
+            <a:spAutoFit/>
+          </a:bodyPr>
+          <a:lstStyle/>
+          <a:p>
+            <a:pPr algn="ctr"/>
+            <a:r>
+              <a:rPr lang="es-MX" dirty="0">
+                <a:solidFill>
+                  <a:schemeClr val="bg1"/>
+                </a:solidFill>
+              </a:rPr>
+              <a:t>11</a:t>
+            </a:r>
+          </a:p>
+        </p:txBody>
+      </p:sp>
+    </p:spTree>
+    <p:extLst>
+      <p:ext uri="{BB962C8B-B14F-4D97-AF65-F5344CB8AC3E}">
+        <p14:creationId xmlns:p14="http://schemas.microsoft.com/office/powerpoint/2010/main" val="3311531480"/>
+      </p:ext>
+    </p:extLst>
+  </p:cSld>
+  <p:clrMapOvr>
+    <a:masterClrMapping/>
+  </p:clrMapOvr>
+</p:sld>
+</file>
+
+<file path=ppt/slides/slide13.xml><?xml version="1.0" encoding="utf-8"?>
+<p:sld xmlns:a="http://schemas.openxmlformats.org/drawingml/2006/main" xmlns:r="http://schemas.openxmlformats.org/officeDocument/2006/relationships" xmlns:p="http://schemas.openxmlformats.org/presentationml/2006/main">
+  <p:cSld>
+    <p:spTree>
+      <p:nvGrpSpPr>
+        <p:cNvPr id="1" name=""/>
+        <p:cNvGrpSpPr/>
+        <p:nvPr/>
+      </p:nvGrpSpPr>
+      <p:grpSpPr>
+        <a:xfrm>
+          <a:off x="0" y="0"/>
+          <a:ext cx="0" cy="0"/>
+          <a:chOff x="0" y="0"/>
+          <a:chExt cx="0" cy="0"/>
+        </a:xfrm>
+      </p:grpSpPr>
+      <p:sp>
+        <p:nvSpPr>
+          <p:cNvPr id="3" name="CuadroTexto 2">
+            <a:extLst>
+              <a:ext uri="{FF2B5EF4-FFF2-40B4-BE49-F238E27FC236}">
+                <a16:creationId xmlns:a16="http://schemas.microsoft.com/office/drawing/2014/main" id="{E2985033-2463-63F1-516D-F7D9BBAF700C}"/>
+              </a:ext>
+            </a:extLst>
+          </p:cNvPr>
+          <p:cNvSpPr txBox="1"/>
+          <p:nvPr/>
+        </p:nvSpPr>
+        <p:spPr>
+          <a:xfrm>
+            <a:off x="2252815" y="597968"/>
+            <a:ext cx="7776087" cy="1231106"/>
+          </a:xfrm>
+          <a:prstGeom prst="rect">
+            <a:avLst/>
+          </a:prstGeom>
+          <a:noFill/>
+        </p:spPr>
+        <p:txBody>
+          <a:bodyPr wrap="square">
+            <a:spAutoFit/>
+          </a:bodyPr>
+          <a:lstStyle/>
+          <a:p>
+            <a:r>
+              <a:rPr lang="es-MX" sz="2000" b="1" spc="-5" dirty="0">
+                <a:latin typeface="Calibri"/>
+                <a:cs typeface="Calibri"/>
+              </a:rPr>
+              <a:t>CANCELAR RESERVA.</a:t>
+            </a:r>
+            <a:r>
+              <a:rPr lang="es-MX" sz="2000" b="1" spc="190" dirty="0">
+                <a:latin typeface="Calibri"/>
+                <a:cs typeface="Calibri"/>
+              </a:rPr>
+              <a:t> </a:t>
+            </a:r>
+            <a:r>
+              <a:rPr lang="es-MX" sz="1800" dirty="0">
+                <a:latin typeface="Calibri"/>
+                <a:cs typeface="Calibri"/>
+              </a:rPr>
+              <a:t>Para cancelar </a:t>
+            </a:r>
+            <a:r>
+              <a:rPr lang="es-MX" dirty="0">
+                <a:latin typeface="Calibri"/>
+                <a:cs typeface="Calibri"/>
+              </a:rPr>
+              <a:t>la reserva realizada</a:t>
+            </a:r>
+            <a:r>
+              <a:rPr lang="es-MX" spc="-5" dirty="0">
+                <a:latin typeface="Calibri"/>
+                <a:cs typeface="Calibri"/>
+              </a:rPr>
+              <a:t> volvemos al menú en la parte donde nos dice “Cancelar tu reserva” damos clic y nos arrojara una tabla donde estarán nuestras reservas, le daremos clic en eliminar y nos arrojara a una vista que nos indicara la cancelación de esta. </a:t>
+            </a:r>
+            <a:endParaRPr lang="es-MX" dirty="0"/>
+          </a:p>
+        </p:txBody>
+      </p:sp>
+      <p:grpSp>
+        <p:nvGrpSpPr>
+          <p:cNvPr id="6" name="object 14">
+            <a:extLst>
+              <a:ext uri="{FF2B5EF4-FFF2-40B4-BE49-F238E27FC236}">
+                <a16:creationId xmlns:a16="http://schemas.microsoft.com/office/drawing/2014/main" id="{50FAC9D2-BA6B-702D-4D0B-04D75B45D340}"/>
+              </a:ext>
+            </a:extLst>
+          </p:cNvPr>
+          <p:cNvGrpSpPr/>
+          <p:nvPr/>
+        </p:nvGrpSpPr>
+        <p:grpSpPr>
+          <a:xfrm>
+            <a:off x="5778705" y="6141673"/>
+            <a:ext cx="1282700" cy="343535"/>
+            <a:chOff x="3238500" y="9463405"/>
+            <a:chExt cx="1282700" cy="343535"/>
+          </a:xfrm>
+        </p:grpSpPr>
+        <p:sp>
+          <p:nvSpPr>
+            <p:cNvPr id="7" name="object 15">
+              <a:extLst>
+                <a:ext uri="{FF2B5EF4-FFF2-40B4-BE49-F238E27FC236}">
+                  <a16:creationId xmlns:a16="http://schemas.microsoft.com/office/drawing/2014/main" id="{43839337-2D44-D681-4B5B-DE032DDA0F80}"/>
+                </a:ext>
+              </a:extLst>
+            </p:cNvPr>
+            <p:cNvSpPr/>
+            <p:nvPr/>
+          </p:nvSpPr>
+          <p:spPr>
+            <a:xfrm>
+              <a:off x="3238500" y="9463405"/>
+              <a:ext cx="1282700" cy="343535"/>
+            </a:xfrm>
+            <a:custGeom>
+              <a:avLst/>
+              <a:gdLst/>
+              <a:ahLst/>
+              <a:cxnLst/>
+              <a:rect l="l" t="t" r="r" b="b"/>
+              <a:pathLst>
+                <a:path w="1282700" h="343534">
+                  <a:moveTo>
+                    <a:pt x="1282700" y="0"/>
+                  </a:moveTo>
+                  <a:lnTo>
+                    <a:pt x="1234583" y="6200"/>
+                  </a:lnTo>
+                  <a:lnTo>
+                    <a:pt x="1186472" y="11917"/>
+                  </a:lnTo>
+                  <a:lnTo>
+                    <a:pt x="1138366" y="17151"/>
+                  </a:lnTo>
+                  <a:lnTo>
+                    <a:pt x="1090263" y="21901"/>
+                  </a:lnTo>
+                  <a:lnTo>
+                    <a:pt x="1042161" y="26168"/>
+                  </a:lnTo>
+                  <a:lnTo>
+                    <a:pt x="994060" y="29952"/>
+                  </a:lnTo>
+                  <a:lnTo>
+                    <a:pt x="945957" y="33252"/>
+                  </a:lnTo>
+                  <a:lnTo>
+                    <a:pt x="897851" y="36070"/>
+                  </a:lnTo>
+                  <a:lnTo>
+                    <a:pt x="849740" y="38406"/>
+                  </a:lnTo>
+                  <a:lnTo>
+                    <a:pt x="801624" y="40259"/>
+                  </a:lnTo>
+                  <a:lnTo>
+                    <a:pt x="962025" y="75145"/>
+                  </a:lnTo>
+                  <a:lnTo>
+                    <a:pt x="912698" y="78194"/>
+                  </a:lnTo>
+                  <a:lnTo>
+                    <a:pt x="863367" y="80735"/>
+                  </a:lnTo>
+                  <a:lnTo>
+                    <a:pt x="814033" y="82768"/>
+                  </a:lnTo>
+                  <a:lnTo>
+                    <a:pt x="764696" y="84292"/>
+                  </a:lnTo>
+                  <a:lnTo>
+                    <a:pt x="715358" y="85308"/>
+                  </a:lnTo>
+                  <a:lnTo>
+                    <a:pt x="666019" y="85817"/>
+                  </a:lnTo>
+                  <a:lnTo>
+                    <a:pt x="616680" y="85817"/>
+                  </a:lnTo>
+                  <a:lnTo>
+                    <a:pt x="567341" y="85308"/>
+                  </a:lnTo>
+                  <a:lnTo>
+                    <a:pt x="518003" y="84292"/>
+                  </a:lnTo>
+                  <a:lnTo>
+                    <a:pt x="468666" y="82768"/>
+                  </a:lnTo>
+                  <a:lnTo>
+                    <a:pt x="419332" y="80735"/>
+                  </a:lnTo>
+                  <a:lnTo>
+                    <a:pt x="370001" y="78194"/>
+                  </a:lnTo>
+                  <a:lnTo>
+                    <a:pt x="320675" y="75145"/>
+                  </a:lnTo>
+                  <a:lnTo>
+                    <a:pt x="480949" y="40259"/>
+                  </a:lnTo>
+                  <a:lnTo>
+                    <a:pt x="432863" y="38406"/>
+                  </a:lnTo>
+                  <a:lnTo>
+                    <a:pt x="384771" y="36070"/>
+                  </a:lnTo>
+                  <a:lnTo>
+                    <a:pt x="336674" y="33252"/>
+                  </a:lnTo>
+                  <a:lnTo>
+                    <a:pt x="288575" y="29952"/>
+                  </a:lnTo>
+                  <a:lnTo>
+                    <a:pt x="240474" y="26168"/>
+                  </a:lnTo>
+                  <a:lnTo>
+                    <a:pt x="192373" y="21901"/>
+                  </a:lnTo>
+                  <a:lnTo>
+                    <a:pt x="144274" y="17151"/>
+                  </a:lnTo>
+                  <a:lnTo>
+                    <a:pt x="96177" y="11917"/>
+                  </a:lnTo>
+                  <a:lnTo>
+                    <a:pt x="48085" y="6200"/>
+                  </a:lnTo>
+                  <a:lnTo>
+                    <a:pt x="0" y="0"/>
+                  </a:lnTo>
+                  <a:lnTo>
+                    <a:pt x="160274" y="147612"/>
+                  </a:lnTo>
+                  <a:lnTo>
+                    <a:pt x="0" y="257657"/>
+                  </a:lnTo>
+                  <a:lnTo>
+                    <a:pt x="53457" y="264515"/>
+                  </a:lnTo>
+                  <a:lnTo>
+                    <a:pt x="106901" y="270777"/>
+                  </a:lnTo>
+                  <a:lnTo>
+                    <a:pt x="160337" y="276442"/>
+                  </a:lnTo>
+                  <a:lnTo>
+                    <a:pt x="213773" y="281511"/>
+                  </a:lnTo>
+                  <a:lnTo>
+                    <a:pt x="267217" y="285985"/>
+                  </a:lnTo>
+                  <a:lnTo>
+                    <a:pt x="320675" y="289864"/>
+                  </a:lnTo>
+                  <a:lnTo>
+                    <a:pt x="320675" y="332803"/>
+                  </a:lnTo>
+                  <a:lnTo>
+                    <a:pt x="370001" y="335852"/>
+                  </a:lnTo>
+                  <a:lnTo>
+                    <a:pt x="419332" y="338393"/>
+                  </a:lnTo>
+                  <a:lnTo>
+                    <a:pt x="468666" y="340425"/>
+                  </a:lnTo>
+                  <a:lnTo>
+                    <a:pt x="518003" y="341950"/>
+                  </a:lnTo>
+                  <a:lnTo>
+                    <a:pt x="567341" y="342966"/>
+                  </a:lnTo>
+                  <a:lnTo>
+                    <a:pt x="616680" y="343474"/>
+                  </a:lnTo>
+                  <a:lnTo>
+                    <a:pt x="666019" y="343474"/>
+                  </a:lnTo>
+                  <a:lnTo>
+                    <a:pt x="715358" y="342966"/>
+                  </a:lnTo>
+                  <a:lnTo>
+                    <a:pt x="764696" y="341950"/>
+                  </a:lnTo>
+                  <a:lnTo>
+                    <a:pt x="814033" y="340425"/>
+                  </a:lnTo>
+                  <a:lnTo>
+                    <a:pt x="863367" y="338393"/>
+                  </a:lnTo>
+                  <a:lnTo>
+                    <a:pt x="912698" y="335852"/>
+                  </a:lnTo>
+                  <a:lnTo>
+                    <a:pt x="962025" y="332803"/>
+                  </a:lnTo>
+                  <a:lnTo>
+                    <a:pt x="962025" y="289864"/>
+                  </a:lnTo>
+                  <a:lnTo>
+                    <a:pt x="1015482" y="285985"/>
+                  </a:lnTo>
+                  <a:lnTo>
+                    <a:pt x="1068926" y="281511"/>
+                  </a:lnTo>
+                  <a:lnTo>
+                    <a:pt x="1122362" y="276442"/>
+                  </a:lnTo>
+                  <a:lnTo>
+                    <a:pt x="1175798" y="270777"/>
+                  </a:lnTo>
+                  <a:lnTo>
+                    <a:pt x="1229242" y="264515"/>
+                  </a:lnTo>
+                  <a:lnTo>
+                    <a:pt x="1282700" y="257657"/>
+                  </a:lnTo>
+                  <a:lnTo>
+                    <a:pt x="1122299" y="147612"/>
+                  </a:lnTo>
+                  <a:lnTo>
+                    <a:pt x="1282700" y="0"/>
+                  </a:lnTo>
+                  <a:close/>
+                </a:path>
+              </a:pathLst>
+            </a:custGeom>
+            <a:solidFill>
+              <a:srgbClr val="7E5F00"/>
+            </a:solidFill>
+          </p:spPr>
+          <p:txBody>
+            <a:bodyPr wrap="square" lIns="0" tIns="0" rIns="0" bIns="0" rtlCol="0"/>
+            <a:lstStyle/>
+            <a:p>
+              <a:endParaRPr dirty="0"/>
+            </a:p>
+          </p:txBody>
+        </p:sp>
+        <p:sp>
+          <p:nvSpPr>
+            <p:cNvPr id="8" name="object 16">
+              <a:extLst>
+                <a:ext uri="{FF2B5EF4-FFF2-40B4-BE49-F238E27FC236}">
+                  <a16:creationId xmlns:a16="http://schemas.microsoft.com/office/drawing/2014/main" id="{C48C049E-077C-8611-26B3-BAD471D2ED9D}"/>
+                </a:ext>
+              </a:extLst>
+            </p:cNvPr>
+            <p:cNvSpPr/>
+            <p:nvPr/>
+          </p:nvSpPr>
+          <p:spPr>
+            <a:xfrm>
+              <a:off x="3559175" y="9503664"/>
+              <a:ext cx="641350" cy="45720"/>
+            </a:xfrm>
+            <a:custGeom>
+              <a:avLst/>
+              <a:gdLst/>
+              <a:ahLst/>
+              <a:cxnLst/>
+              <a:rect l="l" t="t" r="r" b="b"/>
+              <a:pathLst>
+                <a:path w="641350" h="45720">
+                  <a:moveTo>
+                    <a:pt x="332602" y="45558"/>
+                  </a:moveTo>
+                  <a:lnTo>
+                    <a:pt x="308713" y="45558"/>
+                  </a:lnTo>
+                  <a:lnTo>
+                    <a:pt x="320659" y="45624"/>
+                  </a:lnTo>
+                  <a:lnTo>
+                    <a:pt x="332602" y="45558"/>
+                  </a:lnTo>
+                  <a:close/>
+                </a:path>
+                <a:path w="641350" h="45720">
+                  <a:moveTo>
+                    <a:pt x="280960" y="45403"/>
+                  </a:moveTo>
+                  <a:lnTo>
+                    <a:pt x="296005" y="45558"/>
+                  </a:lnTo>
+                  <a:lnTo>
+                    <a:pt x="308713" y="45558"/>
+                  </a:lnTo>
+                  <a:lnTo>
+                    <a:pt x="280960" y="45403"/>
+                  </a:lnTo>
+                  <a:close/>
+                </a:path>
+                <a:path w="641350" h="45720">
+                  <a:moveTo>
+                    <a:pt x="360436" y="45402"/>
+                  </a:moveTo>
+                  <a:lnTo>
+                    <a:pt x="332602" y="45558"/>
+                  </a:lnTo>
+                  <a:lnTo>
+                    <a:pt x="345344" y="45558"/>
+                  </a:lnTo>
+                  <a:lnTo>
+                    <a:pt x="360436" y="45402"/>
+                  </a:lnTo>
+                  <a:close/>
+                </a:path>
+                <a:path w="641350" h="45720">
+                  <a:moveTo>
+                    <a:pt x="257141" y="45157"/>
+                  </a:moveTo>
+                  <a:lnTo>
+                    <a:pt x="267203" y="45326"/>
+                  </a:lnTo>
+                  <a:lnTo>
+                    <a:pt x="280960" y="45403"/>
+                  </a:lnTo>
+                  <a:lnTo>
+                    <a:pt x="257141" y="45157"/>
+                  </a:lnTo>
+                  <a:close/>
+                </a:path>
+                <a:path w="641350" h="45720">
+                  <a:moveTo>
+                    <a:pt x="384083" y="45159"/>
+                  </a:moveTo>
+                  <a:lnTo>
+                    <a:pt x="360436" y="45402"/>
+                  </a:lnTo>
+                  <a:lnTo>
+                    <a:pt x="374104" y="45326"/>
+                  </a:lnTo>
+                  <a:lnTo>
+                    <a:pt x="384083" y="45159"/>
+                  </a:lnTo>
+                  <a:close/>
+                </a:path>
+                <a:path w="641350" h="45720">
+                  <a:moveTo>
+                    <a:pt x="412503" y="44682"/>
+                  </a:moveTo>
+                  <a:lnTo>
+                    <a:pt x="384083" y="45159"/>
+                  </a:lnTo>
+                  <a:lnTo>
+                    <a:pt x="394683" y="45049"/>
+                  </a:lnTo>
+                  <a:lnTo>
+                    <a:pt x="412503" y="44682"/>
+                  </a:lnTo>
+                  <a:close/>
+                </a:path>
+                <a:path w="641350" h="45720">
+                  <a:moveTo>
+                    <a:pt x="229129" y="44688"/>
+                  </a:moveTo>
+                  <a:lnTo>
+                    <a:pt x="246666" y="45049"/>
+                  </a:lnTo>
+                  <a:lnTo>
+                    <a:pt x="257141" y="45157"/>
+                  </a:lnTo>
+                  <a:lnTo>
+                    <a:pt x="229129" y="44688"/>
+                  </a:lnTo>
+                  <a:close/>
+                </a:path>
+                <a:path w="641350" h="45720">
+                  <a:moveTo>
+                    <a:pt x="205633" y="44204"/>
+                  </a:moveTo>
+                  <a:lnTo>
+                    <a:pt x="213740" y="44430"/>
+                  </a:lnTo>
+                  <a:lnTo>
+                    <a:pt x="229129" y="44688"/>
+                  </a:lnTo>
+                  <a:lnTo>
+                    <a:pt x="205633" y="44204"/>
+                  </a:lnTo>
+                  <a:close/>
+                </a:path>
+                <a:path w="641350" h="45720">
+                  <a:moveTo>
+                    <a:pt x="435403" y="44211"/>
+                  </a:moveTo>
+                  <a:lnTo>
+                    <a:pt x="412503" y="44682"/>
+                  </a:lnTo>
+                  <a:lnTo>
+                    <a:pt x="427535" y="44430"/>
+                  </a:lnTo>
+                  <a:lnTo>
+                    <a:pt x="435403" y="44211"/>
+                  </a:lnTo>
+                  <a:close/>
+                </a:path>
+                <a:path w="641350" h="45720">
+                  <a:moveTo>
+                    <a:pt x="465379" y="43373"/>
+                  </a:moveTo>
+                  <a:lnTo>
+                    <a:pt x="435403" y="44211"/>
+                  </a:lnTo>
+                  <a:lnTo>
+                    <a:pt x="444021" y="44033"/>
+                  </a:lnTo>
+                  <a:lnTo>
+                    <a:pt x="465379" y="43373"/>
+                  </a:lnTo>
+                  <a:close/>
+                </a:path>
+                <a:path w="641350" h="45720">
+                  <a:moveTo>
+                    <a:pt x="177012" y="43405"/>
+                  </a:moveTo>
+                  <a:lnTo>
+                    <a:pt x="197328" y="44033"/>
+                  </a:lnTo>
+                  <a:lnTo>
+                    <a:pt x="205633" y="44204"/>
+                  </a:lnTo>
+                  <a:lnTo>
+                    <a:pt x="177012" y="43405"/>
+                  </a:lnTo>
+                  <a:close/>
+                </a:path>
+                <a:path w="641350" h="45720">
+                  <a:moveTo>
+                    <a:pt x="160274" y="42888"/>
+                  </a:moveTo>
+                  <a:lnTo>
+                    <a:pt x="177012" y="43405"/>
+                  </a:lnTo>
+                  <a:lnTo>
+                    <a:pt x="160274" y="42888"/>
+                  </a:lnTo>
+                  <a:close/>
+                </a:path>
+                <a:path w="641350" h="45720">
+                  <a:moveTo>
+                    <a:pt x="480949" y="42892"/>
+                  </a:moveTo>
+                  <a:lnTo>
+                    <a:pt x="465379" y="43373"/>
+                  </a:lnTo>
+                  <a:lnTo>
+                    <a:pt x="480949" y="42938"/>
+                  </a:lnTo>
+                  <a:close/>
+                </a:path>
+                <a:path w="641350" h="45720">
+                  <a:moveTo>
+                    <a:pt x="480949" y="0"/>
+                  </a:moveTo>
+                  <a:lnTo>
+                    <a:pt x="480949" y="42892"/>
+                  </a:lnTo>
+                  <a:lnTo>
+                    <a:pt x="493358" y="42509"/>
+                  </a:lnTo>
+                  <a:lnTo>
+                    <a:pt x="542692" y="40476"/>
+                  </a:lnTo>
+                  <a:lnTo>
+                    <a:pt x="592023" y="37935"/>
+                  </a:lnTo>
+                  <a:lnTo>
+                    <a:pt x="641350" y="34886"/>
+                  </a:lnTo>
+                  <a:lnTo>
+                    <a:pt x="480949" y="0"/>
+                  </a:lnTo>
+                  <a:close/>
+                </a:path>
+                <a:path w="641350" h="45720">
+                  <a:moveTo>
+                    <a:pt x="160274" y="0"/>
+                  </a:moveTo>
+                  <a:lnTo>
+                    <a:pt x="0" y="34886"/>
+                  </a:lnTo>
+                  <a:lnTo>
+                    <a:pt x="49326" y="37935"/>
+                  </a:lnTo>
+                  <a:lnTo>
+                    <a:pt x="98657" y="40476"/>
+                  </a:lnTo>
+                  <a:lnTo>
+                    <a:pt x="147991" y="42509"/>
+                  </a:lnTo>
+                  <a:lnTo>
+                    <a:pt x="160274" y="42888"/>
+                  </a:lnTo>
+                  <a:lnTo>
+                    <a:pt x="160274" y="0"/>
+                  </a:lnTo>
+                  <a:close/>
+                </a:path>
+              </a:pathLst>
+            </a:custGeom>
+            <a:solidFill>
+              <a:srgbClr val="664D00"/>
+            </a:solidFill>
+          </p:spPr>
+          <p:txBody>
+            <a:bodyPr wrap="square" lIns="0" tIns="0" rIns="0" bIns="0" rtlCol="0"/>
+            <a:lstStyle/>
+            <a:p>
+              <a:endParaRPr/>
+            </a:p>
+          </p:txBody>
+        </p:sp>
+        <p:sp>
+          <p:nvSpPr>
+            <p:cNvPr id="9" name="object 17">
+              <a:extLst>
+                <a:ext uri="{FF2B5EF4-FFF2-40B4-BE49-F238E27FC236}">
+                  <a16:creationId xmlns:a16="http://schemas.microsoft.com/office/drawing/2014/main" id="{B20152E7-60FB-0504-ED39-EB0106D6D9A4}"/>
+                </a:ext>
+              </a:extLst>
+            </p:cNvPr>
+            <p:cNvSpPr/>
+            <p:nvPr/>
+          </p:nvSpPr>
+          <p:spPr>
+            <a:xfrm>
+              <a:off x="3238500" y="9463405"/>
+              <a:ext cx="1282700" cy="343535"/>
+            </a:xfrm>
+            <a:custGeom>
+              <a:avLst/>
+              <a:gdLst/>
+              <a:ahLst/>
+              <a:cxnLst/>
+              <a:rect l="l" t="t" r="r" b="b"/>
+              <a:pathLst>
+                <a:path w="1282700" h="343534">
+                  <a:moveTo>
+                    <a:pt x="0" y="0"/>
+                  </a:moveTo>
+                  <a:lnTo>
+                    <a:pt x="48085" y="6200"/>
+                  </a:lnTo>
+                  <a:lnTo>
+                    <a:pt x="96177" y="11917"/>
+                  </a:lnTo>
+                  <a:lnTo>
+                    <a:pt x="144274" y="17151"/>
+                  </a:lnTo>
+                  <a:lnTo>
+                    <a:pt x="192373" y="21901"/>
+                  </a:lnTo>
+                  <a:lnTo>
+                    <a:pt x="240474" y="26168"/>
+                  </a:lnTo>
+                  <a:lnTo>
+                    <a:pt x="288575" y="29952"/>
+                  </a:lnTo>
+                  <a:lnTo>
+                    <a:pt x="336674" y="33252"/>
+                  </a:lnTo>
+                  <a:lnTo>
+                    <a:pt x="384771" y="36070"/>
+                  </a:lnTo>
+                  <a:lnTo>
+                    <a:pt x="432863" y="38406"/>
+                  </a:lnTo>
+                  <a:lnTo>
+                    <a:pt x="480949" y="40259"/>
+                  </a:lnTo>
+                  <a:lnTo>
+                    <a:pt x="320675" y="75145"/>
+                  </a:lnTo>
+                  <a:lnTo>
+                    <a:pt x="370001" y="78194"/>
+                  </a:lnTo>
+                  <a:lnTo>
+                    <a:pt x="419332" y="80735"/>
+                  </a:lnTo>
+                  <a:lnTo>
+                    <a:pt x="468666" y="82768"/>
+                  </a:lnTo>
+                  <a:lnTo>
+                    <a:pt x="518003" y="84292"/>
+                  </a:lnTo>
+                  <a:lnTo>
+                    <a:pt x="567341" y="85308"/>
+                  </a:lnTo>
+                  <a:lnTo>
+                    <a:pt x="616680" y="85817"/>
+                  </a:lnTo>
+                  <a:lnTo>
+                    <a:pt x="666019" y="85817"/>
+                  </a:lnTo>
+                  <a:lnTo>
+                    <a:pt x="715358" y="85308"/>
+                  </a:lnTo>
+                  <a:lnTo>
+                    <a:pt x="764696" y="84292"/>
+                  </a:lnTo>
+                  <a:lnTo>
+                    <a:pt x="814033" y="82768"/>
+                  </a:lnTo>
+                  <a:lnTo>
+                    <a:pt x="863367" y="80735"/>
+                  </a:lnTo>
+                  <a:lnTo>
+                    <a:pt x="912698" y="78194"/>
+                  </a:lnTo>
+                  <a:lnTo>
+                    <a:pt x="962025" y="75145"/>
+                  </a:lnTo>
+                  <a:lnTo>
+                    <a:pt x="801624" y="40259"/>
+                  </a:lnTo>
+                  <a:lnTo>
+                    <a:pt x="849740" y="38406"/>
+                  </a:lnTo>
+                  <a:lnTo>
+                    <a:pt x="897851" y="36070"/>
+                  </a:lnTo>
+                  <a:lnTo>
+                    <a:pt x="945957" y="33252"/>
+                  </a:lnTo>
+                  <a:lnTo>
+                    <a:pt x="994060" y="29952"/>
+                  </a:lnTo>
+                  <a:lnTo>
+                    <a:pt x="1042161" y="26168"/>
+                  </a:lnTo>
+                  <a:lnTo>
+                    <a:pt x="1090263" y="21901"/>
+                  </a:lnTo>
+                  <a:lnTo>
+                    <a:pt x="1138366" y="17151"/>
+                  </a:lnTo>
+                  <a:lnTo>
+                    <a:pt x="1186472" y="11917"/>
+                  </a:lnTo>
+                  <a:lnTo>
+                    <a:pt x="1234583" y="6200"/>
+                  </a:lnTo>
+                  <a:lnTo>
+                    <a:pt x="1282700" y="0"/>
+                  </a:lnTo>
+                  <a:lnTo>
+                    <a:pt x="1122299" y="147612"/>
+                  </a:lnTo>
+                  <a:lnTo>
+                    <a:pt x="1282700" y="257657"/>
+                  </a:lnTo>
+                  <a:lnTo>
+                    <a:pt x="1229242" y="264515"/>
+                  </a:lnTo>
+                  <a:lnTo>
+                    <a:pt x="1175798" y="270777"/>
+                  </a:lnTo>
+                  <a:lnTo>
+                    <a:pt x="1122362" y="276442"/>
+                  </a:lnTo>
+                  <a:lnTo>
+                    <a:pt x="1068926" y="281511"/>
+                  </a:lnTo>
+                  <a:lnTo>
+                    <a:pt x="1015482" y="285985"/>
+                  </a:lnTo>
+                  <a:lnTo>
+                    <a:pt x="962025" y="289864"/>
+                  </a:lnTo>
+                  <a:lnTo>
+                    <a:pt x="962025" y="332803"/>
+                  </a:lnTo>
+                  <a:lnTo>
+                    <a:pt x="912698" y="335852"/>
+                  </a:lnTo>
+                  <a:lnTo>
+                    <a:pt x="863367" y="338393"/>
+                  </a:lnTo>
+                  <a:lnTo>
+                    <a:pt x="814033" y="340425"/>
+                  </a:lnTo>
+                  <a:lnTo>
+                    <a:pt x="764696" y="341950"/>
+                  </a:lnTo>
+                  <a:lnTo>
+                    <a:pt x="715358" y="342966"/>
+                  </a:lnTo>
+                  <a:lnTo>
+                    <a:pt x="666019" y="343474"/>
+                  </a:lnTo>
+                  <a:lnTo>
+                    <a:pt x="616680" y="343474"/>
+                  </a:lnTo>
+                  <a:lnTo>
+                    <a:pt x="567341" y="342966"/>
+                  </a:lnTo>
+                  <a:lnTo>
+                    <a:pt x="518003" y="341950"/>
+                  </a:lnTo>
+                  <a:lnTo>
+                    <a:pt x="468666" y="340425"/>
+                  </a:lnTo>
+                  <a:lnTo>
+                    <a:pt x="419332" y="338393"/>
+                  </a:lnTo>
+                  <a:lnTo>
+                    <a:pt x="370001" y="335852"/>
+                  </a:lnTo>
+                  <a:lnTo>
+                    <a:pt x="320675" y="332803"/>
+                  </a:lnTo>
+                  <a:lnTo>
+                    <a:pt x="320675" y="289864"/>
+                  </a:lnTo>
+                  <a:lnTo>
+                    <a:pt x="267217" y="285985"/>
+                  </a:lnTo>
+                  <a:lnTo>
+                    <a:pt x="213773" y="281511"/>
+                  </a:lnTo>
+                  <a:lnTo>
+                    <a:pt x="160337" y="276442"/>
+                  </a:lnTo>
+                  <a:lnTo>
+                    <a:pt x="106901" y="270777"/>
+                  </a:lnTo>
+                  <a:lnTo>
+                    <a:pt x="53457" y="264515"/>
+                  </a:lnTo>
+                  <a:lnTo>
+                    <a:pt x="0" y="257657"/>
+                  </a:lnTo>
+                  <a:lnTo>
+                    <a:pt x="160274" y="147612"/>
+                  </a:lnTo>
+                  <a:lnTo>
+                    <a:pt x="0" y="0"/>
+                  </a:lnTo>
+                  <a:close/>
+                </a:path>
+                <a:path w="1282700" h="343534">
+                  <a:moveTo>
+                    <a:pt x="320675" y="289864"/>
+                  </a:moveTo>
+                  <a:lnTo>
+                    <a:pt x="320675" y="75145"/>
+                  </a:lnTo>
+                </a:path>
+                <a:path w="1282700" h="343534">
+                  <a:moveTo>
+                    <a:pt x="962025" y="75145"/>
+                  </a:moveTo>
+                  <a:lnTo>
+                    <a:pt x="962025" y="289864"/>
+                  </a:lnTo>
+                </a:path>
+                <a:path w="1282700" h="343534">
+                  <a:moveTo>
+                    <a:pt x="480949" y="40259"/>
+                  </a:moveTo>
+                  <a:lnTo>
+                    <a:pt x="480949" y="83197"/>
+                  </a:lnTo>
+                </a:path>
+                <a:path w="1282700" h="343534">
+                  <a:moveTo>
+                    <a:pt x="801624" y="83197"/>
+                  </a:moveTo>
+                  <a:lnTo>
+                    <a:pt x="801624" y="40259"/>
+                  </a:lnTo>
+                </a:path>
+              </a:pathLst>
+            </a:custGeom>
+            <a:ln w="9525">
+              <a:solidFill>
+                <a:srgbClr val="FFC000"/>
+              </a:solidFill>
+            </a:ln>
+          </p:spPr>
+          <p:txBody>
+            <a:bodyPr wrap="square" lIns="0" tIns="0" rIns="0" bIns="0" rtlCol="0"/>
+            <a:lstStyle/>
+            <a:p>
+              <a:endParaRPr dirty="0"/>
+            </a:p>
+          </p:txBody>
+        </p:sp>
+      </p:grpSp>
+      <p:sp>
+        <p:nvSpPr>
+          <p:cNvPr id="10" name="CuadroTexto 9">
+            <a:extLst>
+              <a:ext uri="{FF2B5EF4-FFF2-40B4-BE49-F238E27FC236}">
+                <a16:creationId xmlns:a16="http://schemas.microsoft.com/office/drawing/2014/main" id="{9C1C8AC1-A569-C1FD-5C31-29C61A443DA0}"/>
+              </a:ext>
+            </a:extLst>
+          </p:cNvPr>
+          <p:cNvSpPr txBox="1"/>
+          <p:nvPr/>
+        </p:nvSpPr>
+        <p:spPr>
+          <a:xfrm>
+            <a:off x="6092823" y="6190755"/>
+            <a:ext cx="654464" cy="369332"/>
+          </a:xfrm>
+          <a:prstGeom prst="rect">
+            <a:avLst/>
+          </a:prstGeom>
+          <a:noFill/>
+        </p:spPr>
+        <p:txBody>
+          <a:bodyPr wrap="square" rtlCol="0">
+            <a:spAutoFit/>
+          </a:bodyPr>
+          <a:lstStyle/>
+          <a:p>
+            <a:pPr algn="ctr"/>
+            <a:r>
+              <a:rPr lang="es-MX" dirty="0">
+                <a:solidFill>
+                  <a:schemeClr val="bg1"/>
+                </a:solidFill>
+              </a:rPr>
+              <a:t>12</a:t>
+            </a:r>
+          </a:p>
+        </p:txBody>
+      </p:sp>
+    </p:spTree>
+    <p:extLst>
+      <p:ext uri="{BB962C8B-B14F-4D97-AF65-F5344CB8AC3E}">
+        <p14:creationId xmlns:p14="http://schemas.microsoft.com/office/powerpoint/2010/main" val="4289330406"/>
+      </p:ext>
+    </p:extLst>
+  </p:cSld>
+  <p:clrMapOvr>
+    <a:masterClrMapping/>
+  </p:clrMapOvr>
+</p:sld>
+</file>
+
 <file path=ppt/slides/slide2.xml><?xml version="1.0" encoding="utf-8"?>
 <p:sld xmlns:a="http://schemas.openxmlformats.org/drawingml/2006/main" xmlns:r="http://schemas.openxmlformats.org/officeDocument/2006/relationships" xmlns:p="http://schemas.openxmlformats.org/presentationml/2006/main">
   <p:cSld>
@@ -8231,7 +12496,7 @@
         </p:blipFill>
         <p:spPr>
           <a:xfrm>
-            <a:off x="2969341" y="1028581"/>
+            <a:off x="2966165" y="1692258"/>
             <a:ext cx="6253316" cy="5294671"/>
           </a:xfrm>
           <a:prstGeom prst="rect">
@@ -9240,62 +13505,12 @@
                 <a:latin typeface="Calibri"/>
                 <a:cs typeface="Calibri"/>
               </a:rPr>
-              <a:t>un nuevo usuario se puede de forma autónoma o puede ser creado directamente desde la plataforma del administrador. Desde la parte superior izquierda le damos clic en “</a:t>
-            </a:r>
-            <a:r>
-              <a:rPr lang="es-MX" sz="1800" spc="-5" dirty="0" err="1">
-                <a:latin typeface="Calibri"/>
-                <a:cs typeface="Calibri"/>
-              </a:rPr>
-              <a:t>Menu</a:t>
-            </a:r>
-            <a:r>
-              <a:rPr lang="es-MX" sz="1800" spc="-5" dirty="0">
-                <a:latin typeface="Calibri"/>
-                <a:cs typeface="Calibri"/>
-              </a:rPr>
-              <a:t>”. </a:t>
+              <a:t>un nuevo usuario se puede de forma autónoma o puede ser creado directamente desde la plataforma del administrador. Desde la parte superior izquierda le damos clic en “Menú”. </a:t>
             </a:r>
             <a:endParaRPr lang="es-MX" dirty="0"/>
           </a:p>
         </p:txBody>
       </p:sp>
-      <p:pic>
-        <p:nvPicPr>
-          <p:cNvPr id="5" name="Imagen 4">
-            <a:extLst>
-              <a:ext uri="{FF2B5EF4-FFF2-40B4-BE49-F238E27FC236}">
-                <a16:creationId xmlns:a16="http://schemas.microsoft.com/office/drawing/2014/main" id="{10D4415E-031B-06E9-7F10-563CF2FACB38}"/>
-              </a:ext>
-            </a:extLst>
-          </p:cNvPr>
-          <p:cNvPicPr>
-            <a:picLocks noChangeAspect="1"/>
-          </p:cNvPicPr>
-          <p:nvPr/>
-        </p:nvPicPr>
-        <p:blipFill>
-          <a:blip r:embed="rId2">
-            <a:extLst>
-              <a:ext uri="{28A0092B-C50C-407E-A947-70E740481C1C}">
-                <a14:useLocalDpi xmlns:a14="http://schemas.microsoft.com/office/drawing/2010/main" val="0"/>
-              </a:ext>
-            </a:extLst>
-          </a:blip>
-          <a:stretch>
-            <a:fillRect/>
-          </a:stretch>
-        </p:blipFill>
-        <p:spPr>
-          <a:xfrm>
-            <a:off x="1516626" y="1663703"/>
-            <a:ext cx="9158748" cy="4260673"/>
-          </a:xfrm>
-          <a:prstGeom prst="rect">
-            <a:avLst/>
-          </a:prstGeom>
-        </p:spPr>
-      </p:pic>
       <p:grpSp>
         <p:nvGrpSpPr>
           <p:cNvPr id="19" name="object 14">
@@ -10150,6 +14365,165 @@
           </a:p>
         </p:txBody>
       </p:sp>
+      <p:pic>
+        <p:nvPicPr>
+          <p:cNvPr id="4" name="Imagen 3" descr="Interfaz de usuario gráfica, Sitio web&#10;&#10;Descripción generada automáticamente">
+            <a:extLst>
+              <a:ext uri="{FF2B5EF4-FFF2-40B4-BE49-F238E27FC236}">
+                <a16:creationId xmlns:a16="http://schemas.microsoft.com/office/drawing/2014/main" id="{A395A89F-DF64-E595-690F-C06614B2BD77}"/>
+              </a:ext>
+            </a:extLst>
+          </p:cNvPr>
+          <p:cNvPicPr>
+            <a:picLocks noChangeAspect="1"/>
+          </p:cNvPicPr>
+          <p:nvPr/>
+        </p:nvPicPr>
+        <p:blipFill>
+          <a:blip r:embed="rId2">
+            <a:extLst>
+              <a:ext uri="{28A0092B-C50C-407E-A947-70E740481C1C}">
+                <a14:useLocalDpi xmlns:a14="http://schemas.microsoft.com/office/drawing/2010/main" val="0"/>
+              </a:ext>
+            </a:extLst>
+          </a:blip>
+          <a:stretch>
+            <a:fillRect/>
+          </a:stretch>
+        </p:blipFill>
+        <p:spPr>
+          <a:xfrm>
+            <a:off x="1297858" y="1610372"/>
+            <a:ext cx="9021097" cy="4273745"/>
+          </a:xfrm>
+          <a:prstGeom prst="rect">
+            <a:avLst/>
+          </a:prstGeom>
+        </p:spPr>
+      </p:pic>
+      <p:grpSp>
+        <p:nvGrpSpPr>
+          <p:cNvPr id="18" name="Grupo 17">
+            <a:extLst>
+              <a:ext uri="{FF2B5EF4-FFF2-40B4-BE49-F238E27FC236}">
+                <a16:creationId xmlns:a16="http://schemas.microsoft.com/office/drawing/2014/main" id="{1A3F7D38-8A5B-FBC3-9A6E-CE595F732657}"/>
+              </a:ext>
+            </a:extLst>
+          </p:cNvPr>
+          <p:cNvGrpSpPr/>
+          <p:nvPr/>
+        </p:nvGrpSpPr>
+        <p:grpSpPr>
+          <a:xfrm>
+            <a:off x="5411880" y="3333019"/>
+            <a:ext cx="360" cy="360"/>
+            <a:chOff x="5411880" y="3333019"/>
+            <a:chExt cx="360" cy="360"/>
+          </a:xfrm>
+        </p:grpSpPr>
+        <mc:AlternateContent xmlns:mc="http://schemas.openxmlformats.org/markup-compatibility/2006" xmlns:p14="http://schemas.microsoft.com/office/powerpoint/2010/main">
+          <mc:Choice Requires="p14">
+            <p:contentPart p14:bwMode="auto" r:id="rId3">
+              <p14:nvContentPartPr>
+                <p14:cNvPr id="16" name="Entrada de lápiz 15">
+                  <a:extLst>
+                    <a:ext uri="{FF2B5EF4-FFF2-40B4-BE49-F238E27FC236}">
+                      <a16:creationId xmlns:a16="http://schemas.microsoft.com/office/drawing/2014/main" id="{9945513B-6C9A-C5A0-8BAC-BA04D33B17A7}"/>
+                    </a:ext>
+                  </a:extLst>
+                </p14:cNvPr>
+                <p14:cNvContentPartPr/>
+                <p14:nvPr/>
+              </p14:nvContentPartPr>
+              <p14:xfrm>
+                <a:off x="5411880" y="3333019"/>
+                <a:ext cx="360" cy="360"/>
+              </p14:xfrm>
+            </p:contentPart>
+          </mc:Choice>
+          <mc:Fallback xmlns="">
+            <p:pic>
+              <p:nvPicPr>
+                <p:cNvPr id="16" name="Entrada de lápiz 15">
+                  <a:extLst>
+                    <a:ext uri="{FF2B5EF4-FFF2-40B4-BE49-F238E27FC236}">
+                      <a16:creationId xmlns:a16="http://schemas.microsoft.com/office/drawing/2014/main" id="{9945513B-6C9A-C5A0-8BAC-BA04D33B17A7}"/>
+                    </a:ext>
+                  </a:extLst>
+                </p:cNvPr>
+                <p:cNvPicPr/>
+                <p:nvPr/>
+              </p:nvPicPr>
+              <p:blipFill>
+                <a:blip r:embed="rId4"/>
+                <a:stretch>
+                  <a:fillRect/>
+                </a:stretch>
+              </p:blipFill>
+              <p:spPr>
+                <a:xfrm>
+                  <a:off x="5405760" y="3326899"/>
+                  <a:ext cx="12600" cy="12600"/>
+                </a:xfrm>
+                <a:prstGeom prst="rect">
+                  <a:avLst/>
+                </a:prstGeom>
+              </p:spPr>
+            </p:pic>
+          </mc:Fallback>
+        </mc:AlternateContent>
+        <mc:AlternateContent xmlns:mc="http://schemas.openxmlformats.org/markup-compatibility/2006" xmlns:p14="http://schemas.microsoft.com/office/powerpoint/2010/main">
+          <mc:Choice Requires="p14">
+            <p:contentPart p14:bwMode="auto" r:id="rId5">
+              <p14:nvContentPartPr>
+                <p14:cNvPr id="17" name="Entrada de lápiz 16">
+                  <a:extLst>
+                    <a:ext uri="{FF2B5EF4-FFF2-40B4-BE49-F238E27FC236}">
+                      <a16:creationId xmlns:a16="http://schemas.microsoft.com/office/drawing/2014/main" id="{AD3A3C0F-EF49-1968-C4CF-D6497FC8AA25}"/>
+                    </a:ext>
+                  </a:extLst>
+                </p14:cNvPr>
+                <p14:cNvContentPartPr/>
+                <p14:nvPr/>
+              </p14:nvContentPartPr>
+              <p14:xfrm>
+                <a:off x="5411880" y="3333019"/>
+                <a:ext cx="360" cy="360"/>
+              </p14:xfrm>
+            </p:contentPart>
+          </mc:Choice>
+          <mc:Fallback xmlns="">
+            <p:pic>
+              <p:nvPicPr>
+                <p:cNvPr id="17" name="Entrada de lápiz 16">
+                  <a:extLst>
+                    <a:ext uri="{FF2B5EF4-FFF2-40B4-BE49-F238E27FC236}">
+                      <a16:creationId xmlns:a16="http://schemas.microsoft.com/office/drawing/2014/main" id="{AD3A3C0F-EF49-1968-C4CF-D6497FC8AA25}"/>
+                    </a:ext>
+                  </a:extLst>
+                </p:cNvPr>
+                <p:cNvPicPr/>
+                <p:nvPr/>
+              </p:nvPicPr>
+              <p:blipFill>
+                <a:blip r:embed="rId4"/>
+                <a:stretch>
+                  <a:fillRect/>
+                </a:stretch>
+              </p:blipFill>
+              <p:spPr>
+                <a:xfrm>
+                  <a:off x="5405760" y="3326899"/>
+                  <a:ext cx="12600" cy="12600"/>
+                </a:xfrm>
+                <a:prstGeom prst="rect">
+                  <a:avLst/>
+                </a:prstGeom>
+              </p:spPr>
+            </p:pic>
+          </mc:Fallback>
+        </mc:AlternateContent>
+      </p:grpSp>
     </p:spTree>
     <p:extLst>
       <p:ext uri="{BB962C8B-B14F-4D97-AF65-F5344CB8AC3E}">
@@ -10195,7 +14569,7 @@
         <p:spPr>
           <a:xfrm>
             <a:off x="1297858" y="479981"/>
-            <a:ext cx="9291483" cy="677108"/>
+            <a:ext cx="9291483" cy="400110"/>
           </a:xfrm>
           <a:prstGeom prst="rect">
             <a:avLst/>
@@ -10209,192 +14583,72 @@
           <a:lstStyle/>
           <a:p>
             <a:r>
-              <a:rPr lang="es-MX" sz="2000" b="1" spc="-5">
+              <a:rPr lang="es-MX" sz="2000" b="1" spc="-5" dirty="0">
                 <a:latin typeface="Calibri"/>
                 <a:cs typeface="Calibri"/>
               </a:rPr>
               <a:t>CREAR</a:t>
             </a:r>
             <a:r>
-              <a:rPr lang="es-MX" sz="2000" b="1" spc="245">
+              <a:rPr lang="es-MX" sz="2000" b="1" spc="245" dirty="0">
                 <a:latin typeface="Calibri"/>
                 <a:cs typeface="Calibri"/>
               </a:rPr>
               <a:t> </a:t>
             </a:r>
             <a:r>
-              <a:rPr lang="es-MX" sz="2000" b="1">
+              <a:rPr lang="es-MX" sz="2000" b="1" dirty="0">
                 <a:latin typeface="Calibri"/>
                 <a:cs typeface="Calibri"/>
               </a:rPr>
               <a:t>UN</a:t>
             </a:r>
             <a:r>
-              <a:rPr lang="es-MX" sz="2000" b="1" spc="250">
+              <a:rPr lang="es-MX" sz="2000" b="1" spc="250" dirty="0">
                 <a:latin typeface="Calibri"/>
                 <a:cs typeface="Calibri"/>
               </a:rPr>
               <a:t> </a:t>
             </a:r>
             <a:r>
-              <a:rPr lang="es-MX" sz="2000" b="1" spc="-5">
+              <a:rPr lang="es-MX" sz="2000" b="1" spc="-5" dirty="0">
                 <a:latin typeface="Calibri"/>
                 <a:cs typeface="Calibri"/>
               </a:rPr>
               <a:t>NUEVO</a:t>
             </a:r>
             <a:r>
-              <a:rPr lang="es-MX" sz="2000" b="1" spc="240">
+              <a:rPr lang="es-MX" sz="2000" b="1" spc="240" dirty="0">
                 <a:latin typeface="Calibri"/>
                 <a:cs typeface="Calibri"/>
               </a:rPr>
               <a:t> </a:t>
             </a:r>
             <a:r>
-              <a:rPr lang="es-MX" sz="2000" b="1" spc="-5">
+              <a:rPr lang="es-MX" sz="2000" b="1" spc="-5" dirty="0">
                 <a:latin typeface="Calibri"/>
                 <a:cs typeface="Calibri"/>
               </a:rPr>
               <a:t>USUARIO.</a:t>
             </a:r>
             <a:r>
-              <a:rPr lang="es-MX" sz="2000" b="1" spc="190">
+              <a:rPr lang="es-MX" sz="2000" b="1" spc="190" dirty="0">
                 <a:latin typeface="Calibri"/>
                 <a:cs typeface="Calibri"/>
               </a:rPr>
               <a:t> </a:t>
             </a:r>
             <a:r>
-              <a:rPr lang="es-MX" sz="1800">
-                <a:latin typeface="Calibri"/>
-                <a:cs typeface="Calibri"/>
-              </a:rPr>
-              <a:t>Después daremos clic donde dice “Registrar usuario” </a:t>
-            </a:r>
-            <a:r>
-              <a:rPr lang="es-MX">
-                <a:latin typeface="Calibri"/>
-                <a:cs typeface="Calibri"/>
-              </a:rPr>
-              <a:t>e</a:t>
-            </a:r>
-            <a:r>
-              <a:rPr lang="es-MX" sz="1800">
-                <a:latin typeface="Calibri"/>
-                <a:cs typeface="Calibri"/>
-              </a:rPr>
-              <a:t> iniciaremos con el proceso de registrar un nuevo usuario.</a:t>
+              <a:rPr lang="es-MX" sz="1800" dirty="0">
+                <a:latin typeface="Calibri"/>
+                <a:cs typeface="Calibri"/>
+              </a:rPr>
+              <a:t>Después daremos clic donde dice “Registrar usuario”.</a:t>
             </a:r>
             <a:endParaRPr lang="es-MX" dirty="0"/>
           </a:p>
         </p:txBody>
       </p:sp>
-      <p:pic>
-        <p:nvPicPr>
-          <p:cNvPr id="4" name="Imagen 3">
-            <a:extLst>
-              <a:ext uri="{FF2B5EF4-FFF2-40B4-BE49-F238E27FC236}">
-                <a16:creationId xmlns:a16="http://schemas.microsoft.com/office/drawing/2014/main" id="{DCA0704C-EA59-D510-4E18-318E3C00E380}"/>
-              </a:ext>
-            </a:extLst>
-          </p:cNvPr>
-          <p:cNvPicPr>
-            <a:picLocks noChangeAspect="1"/>
-          </p:cNvPicPr>
-          <p:nvPr/>
-        </p:nvPicPr>
-        <p:blipFill rotWithShape="1">
-          <a:blip r:embed="rId2">
-            <a:extLst>
-              <a:ext uri="{28A0092B-C50C-407E-A947-70E740481C1C}">
-                <a14:useLocalDpi xmlns:a14="http://schemas.microsoft.com/office/drawing/2010/main" val="0"/>
-              </a:ext>
-            </a:extLst>
-          </a:blip>
-          <a:srcRect r="73750"/>
-          <a:stretch/>
-        </p:blipFill>
-        <p:spPr>
-          <a:xfrm>
-            <a:off x="176980" y="1228324"/>
-            <a:ext cx="3200400" cy="5149695"/>
-          </a:xfrm>
-          <a:prstGeom prst="rect">
-            <a:avLst/>
-          </a:prstGeom>
-        </p:spPr>
-      </p:pic>
-      <p:pic>
-        <p:nvPicPr>
-          <p:cNvPr id="7" name="Imagen 6">
-            <a:extLst>
-              <a:ext uri="{FF2B5EF4-FFF2-40B4-BE49-F238E27FC236}">
-                <a16:creationId xmlns:a16="http://schemas.microsoft.com/office/drawing/2014/main" id="{1E624EF7-E5C2-31D6-21EB-36017AE60530}"/>
-              </a:ext>
-            </a:extLst>
-          </p:cNvPr>
-          <p:cNvPicPr>
-            <a:picLocks noChangeAspect="1"/>
-          </p:cNvPicPr>
-          <p:nvPr/>
-        </p:nvPicPr>
-        <p:blipFill>
-          <a:blip r:embed="rId3">
-            <a:extLst>
-              <a:ext uri="{28A0092B-C50C-407E-A947-70E740481C1C}">
-                <a14:useLocalDpi xmlns:a14="http://schemas.microsoft.com/office/drawing/2010/main" val="0"/>
-              </a:ext>
-            </a:extLst>
-          </a:blip>
-          <a:stretch>
-            <a:fillRect/>
-          </a:stretch>
-        </p:blipFill>
-        <p:spPr>
-          <a:xfrm>
-            <a:off x="3672348" y="1228325"/>
-            <a:ext cx="7905136" cy="3402670"/>
-          </a:xfrm>
-          <a:prstGeom prst="rect">
-            <a:avLst/>
-          </a:prstGeom>
-        </p:spPr>
-      </p:pic>
-      <p:pic>
-        <p:nvPicPr>
-          <p:cNvPr id="9" name="Imagen 8">
-            <a:extLst>
-              <a:ext uri="{FF2B5EF4-FFF2-40B4-BE49-F238E27FC236}">
-                <a16:creationId xmlns:a16="http://schemas.microsoft.com/office/drawing/2014/main" id="{80FFD25E-9AA9-A86E-582B-E9E165BC5380}"/>
-              </a:ext>
-            </a:extLst>
-          </p:cNvPr>
-          <p:cNvPicPr>
-            <a:picLocks noChangeAspect="1"/>
-          </p:cNvPicPr>
-          <p:nvPr/>
-        </p:nvPicPr>
-        <p:blipFill rotWithShape="1">
-          <a:blip r:embed="rId4">
-            <a:extLst>
-              <a:ext uri="{28A0092B-C50C-407E-A947-70E740481C1C}">
-                <a14:useLocalDpi xmlns:a14="http://schemas.microsoft.com/office/drawing/2010/main" val="0"/>
-              </a:ext>
-            </a:extLst>
-          </a:blip>
-          <a:srcRect r="1451" b="63940"/>
-          <a:stretch/>
-        </p:blipFill>
-        <p:spPr>
-          <a:xfrm>
-            <a:off x="3510116" y="4761947"/>
-            <a:ext cx="8229600" cy="949598"/>
-          </a:xfrm>
-          <a:prstGeom prst="rect">
-            <a:avLst/>
-          </a:prstGeom>
-        </p:spPr>
-      </p:pic>
       <p:grpSp>
         <p:nvGrpSpPr>
           <p:cNvPr id="10" name="object 14">
@@ -11249,6 +15503,42 @@
           </a:p>
         </p:txBody>
       </p:sp>
+      <p:pic>
+        <p:nvPicPr>
+          <p:cNvPr id="5" name="Imagen 4" descr="Interfaz de usuario gráfica, Aplicación, Sitio web&#10;&#10;Descripción generada automáticamente">
+            <a:extLst>
+              <a:ext uri="{FF2B5EF4-FFF2-40B4-BE49-F238E27FC236}">
+                <a16:creationId xmlns:a16="http://schemas.microsoft.com/office/drawing/2014/main" id="{C752EBB8-3DFF-A0AA-FBCE-1B2A248D934E}"/>
+              </a:ext>
+            </a:extLst>
+          </p:cNvPr>
+          <p:cNvPicPr>
+            <a:picLocks noChangeAspect="1"/>
+          </p:cNvPicPr>
+          <p:nvPr/>
+        </p:nvPicPr>
+        <p:blipFill>
+          <a:blip r:embed="rId2">
+            <a:extLst>
+              <a:ext uri="{28A0092B-C50C-407E-A947-70E740481C1C}">
+                <a14:useLocalDpi xmlns:a14="http://schemas.microsoft.com/office/drawing/2010/main" val="0"/>
+              </a:ext>
+            </a:extLst>
+          </a:blip>
+          <a:stretch>
+            <a:fillRect/>
+          </a:stretch>
+        </p:blipFill>
+        <p:spPr>
+          <a:xfrm>
+            <a:off x="3967316" y="1268361"/>
+            <a:ext cx="4630994" cy="4662949"/>
+          </a:xfrm>
+          <a:prstGeom prst="rect">
+            <a:avLst/>
+          </a:prstGeom>
+        </p:spPr>
+      </p:pic>
     </p:spTree>
     <p:extLst>
       <p:ext uri="{BB962C8B-B14F-4D97-AF65-F5344CB8AC3E}">
@@ -11284,7 +15574,7 @@
           <p:cNvPr id="3" name="CuadroTexto 2">
             <a:extLst>
               <a:ext uri="{FF2B5EF4-FFF2-40B4-BE49-F238E27FC236}">
-                <a16:creationId xmlns:a16="http://schemas.microsoft.com/office/drawing/2014/main" id="{E2985033-2463-63F1-516D-F7D9BBAF700C}"/>
+                <a16:creationId xmlns:a16="http://schemas.microsoft.com/office/drawing/2014/main" id="{6976C950-CA12-FDC4-8ACC-853C99D09FA0}"/>
               </a:ext>
             </a:extLst>
           </p:cNvPr>
@@ -11293,8 +15583,8 @@
         </p:nvSpPr>
         <p:spPr>
           <a:xfrm>
-            <a:off x="2252815" y="597968"/>
-            <a:ext cx="7776087" cy="677108"/>
+            <a:off x="1297858" y="479981"/>
+            <a:ext cx="9291483" cy="954107"/>
           </a:xfrm>
           <a:prstGeom prst="rect">
             <a:avLst/>
@@ -11312,7 +15602,49 @@
                 <a:latin typeface="Calibri"/>
                 <a:cs typeface="Calibri"/>
               </a:rPr>
-              <a:t>INGRESAR COMO USUARIO.</a:t>
+              <a:t>CREAR</a:t>
+            </a:r>
+            <a:r>
+              <a:rPr lang="es-MX" sz="2000" b="1" spc="245" dirty="0">
+                <a:latin typeface="Calibri"/>
+                <a:cs typeface="Calibri"/>
+              </a:rPr>
+              <a:t> </a:t>
+            </a:r>
+            <a:r>
+              <a:rPr lang="es-MX" sz="2000" b="1" dirty="0">
+                <a:latin typeface="Calibri"/>
+                <a:cs typeface="Calibri"/>
+              </a:rPr>
+              <a:t>UN</a:t>
+            </a:r>
+            <a:r>
+              <a:rPr lang="es-MX" sz="2000" b="1" spc="250" dirty="0">
+                <a:latin typeface="Calibri"/>
+                <a:cs typeface="Calibri"/>
+              </a:rPr>
+              <a:t> </a:t>
+            </a:r>
+            <a:r>
+              <a:rPr lang="es-MX" sz="2000" b="1" spc="-5" dirty="0">
+                <a:latin typeface="Calibri"/>
+                <a:cs typeface="Calibri"/>
+              </a:rPr>
+              <a:t>NUEVO</a:t>
+            </a:r>
+            <a:r>
+              <a:rPr lang="es-MX" sz="2000" b="1" spc="240" dirty="0">
+                <a:latin typeface="Calibri"/>
+                <a:cs typeface="Calibri"/>
+              </a:rPr>
+              <a:t> </a:t>
+            </a:r>
+            <a:r>
+              <a:rPr lang="es-MX" sz="2000" b="1" spc="-5" dirty="0">
+                <a:latin typeface="Calibri"/>
+                <a:cs typeface="Calibri"/>
+              </a:rPr>
+              <a:t>USUARIO.</a:t>
             </a:r>
             <a:r>
               <a:rPr lang="es-MX" sz="2000" b="1" spc="190" dirty="0">
@@ -11326,32 +15658,881 @@
                 <a:latin typeface="Calibri"/>
                 <a:cs typeface="Calibri"/>
               </a:rPr>
-              <a:t>Para</a:t>
-            </a:r>
-            <a:r>
-              <a:rPr lang="es-MX" sz="1800" spc="235" dirty="0">
-                <a:latin typeface="Calibri"/>
-                <a:cs typeface="Calibri"/>
-              </a:rPr>
-              <a:t> </a:t>
-            </a:r>
-            <a:r>
-              <a:rPr lang="es-MX" spc="-5" dirty="0">
-                <a:latin typeface="Calibri"/>
-                <a:cs typeface="Calibri"/>
-              </a:rPr>
-              <a:t>ingresar como un usuario y poder realizar la reserva , en la parte superior derechas le damos clic en “iniciar sesión”. </a:t>
-            </a:r>
+              <a:t>Se evidencia el formulario</a:t>
+            </a:r>
+            <a:r>
+              <a:rPr lang="es-MX" dirty="0">
+                <a:latin typeface="Calibri"/>
+                <a:cs typeface="Calibri"/>
+              </a:rPr>
+              <a:t> de registro el cual llenara con sus datos.</a:t>
+            </a:r>
+          </a:p>
+          <a:p>
             <a:endParaRPr lang="es-MX" dirty="0"/>
+          </a:p>
+        </p:txBody>
+      </p:sp>
+      <p:grpSp>
+        <p:nvGrpSpPr>
+          <p:cNvPr id="10" name="object 14">
+            <a:extLst>
+              <a:ext uri="{FF2B5EF4-FFF2-40B4-BE49-F238E27FC236}">
+                <a16:creationId xmlns:a16="http://schemas.microsoft.com/office/drawing/2014/main" id="{C05C07C2-72DD-375C-5214-D73E89283F99}"/>
+              </a:ext>
+            </a:extLst>
+          </p:cNvPr>
+          <p:cNvGrpSpPr/>
+          <p:nvPr/>
+        </p:nvGrpSpPr>
+        <p:grpSpPr>
+          <a:xfrm>
+            <a:off x="5778705" y="6141673"/>
+            <a:ext cx="1282700" cy="343535"/>
+            <a:chOff x="3238500" y="9463405"/>
+            <a:chExt cx="1282700" cy="343535"/>
+          </a:xfrm>
+        </p:grpSpPr>
+        <p:sp>
+          <p:nvSpPr>
+            <p:cNvPr id="11" name="object 15">
+              <a:extLst>
+                <a:ext uri="{FF2B5EF4-FFF2-40B4-BE49-F238E27FC236}">
+                  <a16:creationId xmlns:a16="http://schemas.microsoft.com/office/drawing/2014/main" id="{886D5FF8-7C7E-E28A-6ED7-9D6CA1D624C3}"/>
+                </a:ext>
+              </a:extLst>
+            </p:cNvPr>
+            <p:cNvSpPr/>
+            <p:nvPr/>
+          </p:nvSpPr>
+          <p:spPr>
+            <a:xfrm>
+              <a:off x="3238500" y="9463405"/>
+              <a:ext cx="1282700" cy="343535"/>
+            </a:xfrm>
+            <a:custGeom>
+              <a:avLst/>
+              <a:gdLst/>
+              <a:ahLst/>
+              <a:cxnLst/>
+              <a:rect l="l" t="t" r="r" b="b"/>
+              <a:pathLst>
+                <a:path w="1282700" h="343534">
+                  <a:moveTo>
+                    <a:pt x="1282700" y="0"/>
+                  </a:moveTo>
+                  <a:lnTo>
+                    <a:pt x="1234583" y="6200"/>
+                  </a:lnTo>
+                  <a:lnTo>
+                    <a:pt x="1186472" y="11917"/>
+                  </a:lnTo>
+                  <a:lnTo>
+                    <a:pt x="1138366" y="17151"/>
+                  </a:lnTo>
+                  <a:lnTo>
+                    <a:pt x="1090263" y="21901"/>
+                  </a:lnTo>
+                  <a:lnTo>
+                    <a:pt x="1042161" y="26168"/>
+                  </a:lnTo>
+                  <a:lnTo>
+                    <a:pt x="994060" y="29952"/>
+                  </a:lnTo>
+                  <a:lnTo>
+                    <a:pt x="945957" y="33252"/>
+                  </a:lnTo>
+                  <a:lnTo>
+                    <a:pt x="897851" y="36070"/>
+                  </a:lnTo>
+                  <a:lnTo>
+                    <a:pt x="849740" y="38406"/>
+                  </a:lnTo>
+                  <a:lnTo>
+                    <a:pt x="801624" y="40259"/>
+                  </a:lnTo>
+                  <a:lnTo>
+                    <a:pt x="962025" y="75145"/>
+                  </a:lnTo>
+                  <a:lnTo>
+                    <a:pt x="912698" y="78194"/>
+                  </a:lnTo>
+                  <a:lnTo>
+                    <a:pt x="863367" y="80735"/>
+                  </a:lnTo>
+                  <a:lnTo>
+                    <a:pt x="814033" y="82768"/>
+                  </a:lnTo>
+                  <a:lnTo>
+                    <a:pt x="764696" y="84292"/>
+                  </a:lnTo>
+                  <a:lnTo>
+                    <a:pt x="715358" y="85308"/>
+                  </a:lnTo>
+                  <a:lnTo>
+                    <a:pt x="666019" y="85817"/>
+                  </a:lnTo>
+                  <a:lnTo>
+                    <a:pt x="616680" y="85817"/>
+                  </a:lnTo>
+                  <a:lnTo>
+                    <a:pt x="567341" y="85308"/>
+                  </a:lnTo>
+                  <a:lnTo>
+                    <a:pt x="518003" y="84292"/>
+                  </a:lnTo>
+                  <a:lnTo>
+                    <a:pt x="468666" y="82768"/>
+                  </a:lnTo>
+                  <a:lnTo>
+                    <a:pt x="419332" y="80735"/>
+                  </a:lnTo>
+                  <a:lnTo>
+                    <a:pt x="370001" y="78194"/>
+                  </a:lnTo>
+                  <a:lnTo>
+                    <a:pt x="320675" y="75145"/>
+                  </a:lnTo>
+                  <a:lnTo>
+                    <a:pt x="480949" y="40259"/>
+                  </a:lnTo>
+                  <a:lnTo>
+                    <a:pt x="432863" y="38406"/>
+                  </a:lnTo>
+                  <a:lnTo>
+                    <a:pt x="384771" y="36070"/>
+                  </a:lnTo>
+                  <a:lnTo>
+                    <a:pt x="336674" y="33252"/>
+                  </a:lnTo>
+                  <a:lnTo>
+                    <a:pt x="288575" y="29952"/>
+                  </a:lnTo>
+                  <a:lnTo>
+                    <a:pt x="240474" y="26168"/>
+                  </a:lnTo>
+                  <a:lnTo>
+                    <a:pt x="192373" y="21901"/>
+                  </a:lnTo>
+                  <a:lnTo>
+                    <a:pt x="144274" y="17151"/>
+                  </a:lnTo>
+                  <a:lnTo>
+                    <a:pt x="96177" y="11917"/>
+                  </a:lnTo>
+                  <a:lnTo>
+                    <a:pt x="48085" y="6200"/>
+                  </a:lnTo>
+                  <a:lnTo>
+                    <a:pt x="0" y="0"/>
+                  </a:lnTo>
+                  <a:lnTo>
+                    <a:pt x="160274" y="147612"/>
+                  </a:lnTo>
+                  <a:lnTo>
+                    <a:pt x="0" y="257657"/>
+                  </a:lnTo>
+                  <a:lnTo>
+                    <a:pt x="53457" y="264515"/>
+                  </a:lnTo>
+                  <a:lnTo>
+                    <a:pt x="106901" y="270777"/>
+                  </a:lnTo>
+                  <a:lnTo>
+                    <a:pt x="160337" y="276442"/>
+                  </a:lnTo>
+                  <a:lnTo>
+                    <a:pt x="213773" y="281511"/>
+                  </a:lnTo>
+                  <a:lnTo>
+                    <a:pt x="267217" y="285985"/>
+                  </a:lnTo>
+                  <a:lnTo>
+                    <a:pt x="320675" y="289864"/>
+                  </a:lnTo>
+                  <a:lnTo>
+                    <a:pt x="320675" y="332803"/>
+                  </a:lnTo>
+                  <a:lnTo>
+                    <a:pt x="370001" y="335852"/>
+                  </a:lnTo>
+                  <a:lnTo>
+                    <a:pt x="419332" y="338393"/>
+                  </a:lnTo>
+                  <a:lnTo>
+                    <a:pt x="468666" y="340425"/>
+                  </a:lnTo>
+                  <a:lnTo>
+                    <a:pt x="518003" y="341950"/>
+                  </a:lnTo>
+                  <a:lnTo>
+                    <a:pt x="567341" y="342966"/>
+                  </a:lnTo>
+                  <a:lnTo>
+                    <a:pt x="616680" y="343474"/>
+                  </a:lnTo>
+                  <a:lnTo>
+                    <a:pt x="666019" y="343474"/>
+                  </a:lnTo>
+                  <a:lnTo>
+                    <a:pt x="715358" y="342966"/>
+                  </a:lnTo>
+                  <a:lnTo>
+                    <a:pt x="764696" y="341950"/>
+                  </a:lnTo>
+                  <a:lnTo>
+                    <a:pt x="814033" y="340425"/>
+                  </a:lnTo>
+                  <a:lnTo>
+                    <a:pt x="863367" y="338393"/>
+                  </a:lnTo>
+                  <a:lnTo>
+                    <a:pt x="912698" y="335852"/>
+                  </a:lnTo>
+                  <a:lnTo>
+                    <a:pt x="962025" y="332803"/>
+                  </a:lnTo>
+                  <a:lnTo>
+                    <a:pt x="962025" y="289864"/>
+                  </a:lnTo>
+                  <a:lnTo>
+                    <a:pt x="1015482" y="285985"/>
+                  </a:lnTo>
+                  <a:lnTo>
+                    <a:pt x="1068926" y="281511"/>
+                  </a:lnTo>
+                  <a:lnTo>
+                    <a:pt x="1122362" y="276442"/>
+                  </a:lnTo>
+                  <a:lnTo>
+                    <a:pt x="1175798" y="270777"/>
+                  </a:lnTo>
+                  <a:lnTo>
+                    <a:pt x="1229242" y="264515"/>
+                  </a:lnTo>
+                  <a:lnTo>
+                    <a:pt x="1282700" y="257657"/>
+                  </a:lnTo>
+                  <a:lnTo>
+                    <a:pt x="1122299" y="147612"/>
+                  </a:lnTo>
+                  <a:lnTo>
+                    <a:pt x="1282700" y="0"/>
+                  </a:lnTo>
+                  <a:close/>
+                </a:path>
+              </a:pathLst>
+            </a:custGeom>
+            <a:solidFill>
+              <a:srgbClr val="7E5F00"/>
+            </a:solidFill>
+          </p:spPr>
+          <p:txBody>
+            <a:bodyPr wrap="square" lIns="0" tIns="0" rIns="0" bIns="0" rtlCol="0"/>
+            <a:lstStyle/>
+            <a:p>
+              <a:endParaRPr dirty="0"/>
+            </a:p>
+          </p:txBody>
+        </p:sp>
+        <p:sp>
+          <p:nvSpPr>
+            <p:cNvPr id="12" name="object 16">
+              <a:extLst>
+                <a:ext uri="{FF2B5EF4-FFF2-40B4-BE49-F238E27FC236}">
+                  <a16:creationId xmlns:a16="http://schemas.microsoft.com/office/drawing/2014/main" id="{8C3ECA4E-0D27-7A70-F9A6-1D68E3E7EC3A}"/>
+                </a:ext>
+              </a:extLst>
+            </p:cNvPr>
+            <p:cNvSpPr/>
+            <p:nvPr/>
+          </p:nvSpPr>
+          <p:spPr>
+            <a:xfrm>
+              <a:off x="3559175" y="9503664"/>
+              <a:ext cx="641350" cy="45720"/>
+            </a:xfrm>
+            <a:custGeom>
+              <a:avLst/>
+              <a:gdLst/>
+              <a:ahLst/>
+              <a:cxnLst/>
+              <a:rect l="l" t="t" r="r" b="b"/>
+              <a:pathLst>
+                <a:path w="641350" h="45720">
+                  <a:moveTo>
+                    <a:pt x="332602" y="45558"/>
+                  </a:moveTo>
+                  <a:lnTo>
+                    <a:pt x="308713" y="45558"/>
+                  </a:lnTo>
+                  <a:lnTo>
+                    <a:pt x="320659" y="45624"/>
+                  </a:lnTo>
+                  <a:lnTo>
+                    <a:pt x="332602" y="45558"/>
+                  </a:lnTo>
+                  <a:close/>
+                </a:path>
+                <a:path w="641350" h="45720">
+                  <a:moveTo>
+                    <a:pt x="280960" y="45403"/>
+                  </a:moveTo>
+                  <a:lnTo>
+                    <a:pt x="296005" y="45558"/>
+                  </a:lnTo>
+                  <a:lnTo>
+                    <a:pt x="308713" y="45558"/>
+                  </a:lnTo>
+                  <a:lnTo>
+                    <a:pt x="280960" y="45403"/>
+                  </a:lnTo>
+                  <a:close/>
+                </a:path>
+                <a:path w="641350" h="45720">
+                  <a:moveTo>
+                    <a:pt x="360436" y="45402"/>
+                  </a:moveTo>
+                  <a:lnTo>
+                    <a:pt x="332602" y="45558"/>
+                  </a:lnTo>
+                  <a:lnTo>
+                    <a:pt x="345344" y="45558"/>
+                  </a:lnTo>
+                  <a:lnTo>
+                    <a:pt x="360436" y="45402"/>
+                  </a:lnTo>
+                  <a:close/>
+                </a:path>
+                <a:path w="641350" h="45720">
+                  <a:moveTo>
+                    <a:pt x="257141" y="45157"/>
+                  </a:moveTo>
+                  <a:lnTo>
+                    <a:pt x="267203" y="45326"/>
+                  </a:lnTo>
+                  <a:lnTo>
+                    <a:pt x="280960" y="45403"/>
+                  </a:lnTo>
+                  <a:lnTo>
+                    <a:pt x="257141" y="45157"/>
+                  </a:lnTo>
+                  <a:close/>
+                </a:path>
+                <a:path w="641350" h="45720">
+                  <a:moveTo>
+                    <a:pt x="384083" y="45159"/>
+                  </a:moveTo>
+                  <a:lnTo>
+                    <a:pt x="360436" y="45402"/>
+                  </a:lnTo>
+                  <a:lnTo>
+                    <a:pt x="374104" y="45326"/>
+                  </a:lnTo>
+                  <a:lnTo>
+                    <a:pt x="384083" y="45159"/>
+                  </a:lnTo>
+                  <a:close/>
+                </a:path>
+                <a:path w="641350" h="45720">
+                  <a:moveTo>
+                    <a:pt x="412503" y="44682"/>
+                  </a:moveTo>
+                  <a:lnTo>
+                    <a:pt x="384083" y="45159"/>
+                  </a:lnTo>
+                  <a:lnTo>
+                    <a:pt x="394683" y="45049"/>
+                  </a:lnTo>
+                  <a:lnTo>
+                    <a:pt x="412503" y="44682"/>
+                  </a:lnTo>
+                  <a:close/>
+                </a:path>
+                <a:path w="641350" h="45720">
+                  <a:moveTo>
+                    <a:pt x="229129" y="44688"/>
+                  </a:moveTo>
+                  <a:lnTo>
+                    <a:pt x="246666" y="45049"/>
+                  </a:lnTo>
+                  <a:lnTo>
+                    <a:pt x="257141" y="45157"/>
+                  </a:lnTo>
+                  <a:lnTo>
+                    <a:pt x="229129" y="44688"/>
+                  </a:lnTo>
+                  <a:close/>
+                </a:path>
+                <a:path w="641350" h="45720">
+                  <a:moveTo>
+                    <a:pt x="205633" y="44204"/>
+                  </a:moveTo>
+                  <a:lnTo>
+                    <a:pt x="213740" y="44430"/>
+                  </a:lnTo>
+                  <a:lnTo>
+                    <a:pt x="229129" y="44688"/>
+                  </a:lnTo>
+                  <a:lnTo>
+                    <a:pt x="205633" y="44204"/>
+                  </a:lnTo>
+                  <a:close/>
+                </a:path>
+                <a:path w="641350" h="45720">
+                  <a:moveTo>
+                    <a:pt x="435403" y="44211"/>
+                  </a:moveTo>
+                  <a:lnTo>
+                    <a:pt x="412503" y="44682"/>
+                  </a:lnTo>
+                  <a:lnTo>
+                    <a:pt x="427535" y="44430"/>
+                  </a:lnTo>
+                  <a:lnTo>
+                    <a:pt x="435403" y="44211"/>
+                  </a:lnTo>
+                  <a:close/>
+                </a:path>
+                <a:path w="641350" h="45720">
+                  <a:moveTo>
+                    <a:pt x="465379" y="43373"/>
+                  </a:moveTo>
+                  <a:lnTo>
+                    <a:pt x="435403" y="44211"/>
+                  </a:lnTo>
+                  <a:lnTo>
+                    <a:pt x="444021" y="44033"/>
+                  </a:lnTo>
+                  <a:lnTo>
+                    <a:pt x="465379" y="43373"/>
+                  </a:lnTo>
+                  <a:close/>
+                </a:path>
+                <a:path w="641350" h="45720">
+                  <a:moveTo>
+                    <a:pt x="177012" y="43405"/>
+                  </a:moveTo>
+                  <a:lnTo>
+                    <a:pt x="197328" y="44033"/>
+                  </a:lnTo>
+                  <a:lnTo>
+                    <a:pt x="205633" y="44204"/>
+                  </a:lnTo>
+                  <a:lnTo>
+                    <a:pt x="177012" y="43405"/>
+                  </a:lnTo>
+                  <a:close/>
+                </a:path>
+                <a:path w="641350" h="45720">
+                  <a:moveTo>
+                    <a:pt x="160274" y="42888"/>
+                  </a:moveTo>
+                  <a:lnTo>
+                    <a:pt x="177012" y="43405"/>
+                  </a:lnTo>
+                  <a:lnTo>
+                    <a:pt x="160274" y="42888"/>
+                  </a:lnTo>
+                  <a:close/>
+                </a:path>
+                <a:path w="641350" h="45720">
+                  <a:moveTo>
+                    <a:pt x="480949" y="42892"/>
+                  </a:moveTo>
+                  <a:lnTo>
+                    <a:pt x="465379" y="43373"/>
+                  </a:lnTo>
+                  <a:lnTo>
+                    <a:pt x="480949" y="42938"/>
+                  </a:lnTo>
+                  <a:close/>
+                </a:path>
+                <a:path w="641350" h="45720">
+                  <a:moveTo>
+                    <a:pt x="480949" y="0"/>
+                  </a:moveTo>
+                  <a:lnTo>
+                    <a:pt x="480949" y="42892"/>
+                  </a:lnTo>
+                  <a:lnTo>
+                    <a:pt x="493358" y="42509"/>
+                  </a:lnTo>
+                  <a:lnTo>
+                    <a:pt x="542692" y="40476"/>
+                  </a:lnTo>
+                  <a:lnTo>
+                    <a:pt x="592023" y="37935"/>
+                  </a:lnTo>
+                  <a:lnTo>
+                    <a:pt x="641350" y="34886"/>
+                  </a:lnTo>
+                  <a:lnTo>
+                    <a:pt x="480949" y="0"/>
+                  </a:lnTo>
+                  <a:close/>
+                </a:path>
+                <a:path w="641350" h="45720">
+                  <a:moveTo>
+                    <a:pt x="160274" y="0"/>
+                  </a:moveTo>
+                  <a:lnTo>
+                    <a:pt x="0" y="34886"/>
+                  </a:lnTo>
+                  <a:lnTo>
+                    <a:pt x="49326" y="37935"/>
+                  </a:lnTo>
+                  <a:lnTo>
+                    <a:pt x="98657" y="40476"/>
+                  </a:lnTo>
+                  <a:lnTo>
+                    <a:pt x="147991" y="42509"/>
+                  </a:lnTo>
+                  <a:lnTo>
+                    <a:pt x="160274" y="42888"/>
+                  </a:lnTo>
+                  <a:lnTo>
+                    <a:pt x="160274" y="0"/>
+                  </a:lnTo>
+                  <a:close/>
+                </a:path>
+              </a:pathLst>
+            </a:custGeom>
+            <a:solidFill>
+              <a:srgbClr val="664D00"/>
+            </a:solidFill>
+          </p:spPr>
+          <p:txBody>
+            <a:bodyPr wrap="square" lIns="0" tIns="0" rIns="0" bIns="0" rtlCol="0"/>
+            <a:lstStyle/>
+            <a:p>
+              <a:endParaRPr/>
+            </a:p>
+          </p:txBody>
+        </p:sp>
+        <p:sp>
+          <p:nvSpPr>
+            <p:cNvPr id="13" name="object 17">
+              <a:extLst>
+                <a:ext uri="{FF2B5EF4-FFF2-40B4-BE49-F238E27FC236}">
+                  <a16:creationId xmlns:a16="http://schemas.microsoft.com/office/drawing/2014/main" id="{3397D6C7-83F6-EBEA-55D1-9FC0D0A81235}"/>
+                </a:ext>
+              </a:extLst>
+            </p:cNvPr>
+            <p:cNvSpPr/>
+            <p:nvPr/>
+          </p:nvSpPr>
+          <p:spPr>
+            <a:xfrm>
+              <a:off x="3238500" y="9463405"/>
+              <a:ext cx="1282700" cy="343535"/>
+            </a:xfrm>
+            <a:custGeom>
+              <a:avLst/>
+              <a:gdLst/>
+              <a:ahLst/>
+              <a:cxnLst/>
+              <a:rect l="l" t="t" r="r" b="b"/>
+              <a:pathLst>
+                <a:path w="1282700" h="343534">
+                  <a:moveTo>
+                    <a:pt x="0" y="0"/>
+                  </a:moveTo>
+                  <a:lnTo>
+                    <a:pt x="48085" y="6200"/>
+                  </a:lnTo>
+                  <a:lnTo>
+                    <a:pt x="96177" y="11917"/>
+                  </a:lnTo>
+                  <a:lnTo>
+                    <a:pt x="144274" y="17151"/>
+                  </a:lnTo>
+                  <a:lnTo>
+                    <a:pt x="192373" y="21901"/>
+                  </a:lnTo>
+                  <a:lnTo>
+                    <a:pt x="240474" y="26168"/>
+                  </a:lnTo>
+                  <a:lnTo>
+                    <a:pt x="288575" y="29952"/>
+                  </a:lnTo>
+                  <a:lnTo>
+                    <a:pt x="336674" y="33252"/>
+                  </a:lnTo>
+                  <a:lnTo>
+                    <a:pt x="384771" y="36070"/>
+                  </a:lnTo>
+                  <a:lnTo>
+                    <a:pt x="432863" y="38406"/>
+                  </a:lnTo>
+                  <a:lnTo>
+                    <a:pt x="480949" y="40259"/>
+                  </a:lnTo>
+                  <a:lnTo>
+                    <a:pt x="320675" y="75145"/>
+                  </a:lnTo>
+                  <a:lnTo>
+                    <a:pt x="370001" y="78194"/>
+                  </a:lnTo>
+                  <a:lnTo>
+                    <a:pt x="419332" y="80735"/>
+                  </a:lnTo>
+                  <a:lnTo>
+                    <a:pt x="468666" y="82768"/>
+                  </a:lnTo>
+                  <a:lnTo>
+                    <a:pt x="518003" y="84292"/>
+                  </a:lnTo>
+                  <a:lnTo>
+                    <a:pt x="567341" y="85308"/>
+                  </a:lnTo>
+                  <a:lnTo>
+                    <a:pt x="616680" y="85817"/>
+                  </a:lnTo>
+                  <a:lnTo>
+                    <a:pt x="666019" y="85817"/>
+                  </a:lnTo>
+                  <a:lnTo>
+                    <a:pt x="715358" y="85308"/>
+                  </a:lnTo>
+                  <a:lnTo>
+                    <a:pt x="764696" y="84292"/>
+                  </a:lnTo>
+                  <a:lnTo>
+                    <a:pt x="814033" y="82768"/>
+                  </a:lnTo>
+                  <a:lnTo>
+                    <a:pt x="863367" y="80735"/>
+                  </a:lnTo>
+                  <a:lnTo>
+                    <a:pt x="912698" y="78194"/>
+                  </a:lnTo>
+                  <a:lnTo>
+                    <a:pt x="962025" y="75145"/>
+                  </a:lnTo>
+                  <a:lnTo>
+                    <a:pt x="801624" y="40259"/>
+                  </a:lnTo>
+                  <a:lnTo>
+                    <a:pt x="849740" y="38406"/>
+                  </a:lnTo>
+                  <a:lnTo>
+                    <a:pt x="897851" y="36070"/>
+                  </a:lnTo>
+                  <a:lnTo>
+                    <a:pt x="945957" y="33252"/>
+                  </a:lnTo>
+                  <a:lnTo>
+                    <a:pt x="994060" y="29952"/>
+                  </a:lnTo>
+                  <a:lnTo>
+                    <a:pt x="1042161" y="26168"/>
+                  </a:lnTo>
+                  <a:lnTo>
+                    <a:pt x="1090263" y="21901"/>
+                  </a:lnTo>
+                  <a:lnTo>
+                    <a:pt x="1138366" y="17151"/>
+                  </a:lnTo>
+                  <a:lnTo>
+                    <a:pt x="1186472" y="11917"/>
+                  </a:lnTo>
+                  <a:lnTo>
+                    <a:pt x="1234583" y="6200"/>
+                  </a:lnTo>
+                  <a:lnTo>
+                    <a:pt x="1282700" y="0"/>
+                  </a:lnTo>
+                  <a:lnTo>
+                    <a:pt x="1122299" y="147612"/>
+                  </a:lnTo>
+                  <a:lnTo>
+                    <a:pt x="1282700" y="257657"/>
+                  </a:lnTo>
+                  <a:lnTo>
+                    <a:pt x="1229242" y="264515"/>
+                  </a:lnTo>
+                  <a:lnTo>
+                    <a:pt x="1175798" y="270777"/>
+                  </a:lnTo>
+                  <a:lnTo>
+                    <a:pt x="1122362" y="276442"/>
+                  </a:lnTo>
+                  <a:lnTo>
+                    <a:pt x="1068926" y="281511"/>
+                  </a:lnTo>
+                  <a:lnTo>
+                    <a:pt x="1015482" y="285985"/>
+                  </a:lnTo>
+                  <a:lnTo>
+                    <a:pt x="962025" y="289864"/>
+                  </a:lnTo>
+                  <a:lnTo>
+                    <a:pt x="962025" y="332803"/>
+                  </a:lnTo>
+                  <a:lnTo>
+                    <a:pt x="912698" y="335852"/>
+                  </a:lnTo>
+                  <a:lnTo>
+                    <a:pt x="863367" y="338393"/>
+                  </a:lnTo>
+                  <a:lnTo>
+                    <a:pt x="814033" y="340425"/>
+                  </a:lnTo>
+                  <a:lnTo>
+                    <a:pt x="764696" y="341950"/>
+                  </a:lnTo>
+                  <a:lnTo>
+                    <a:pt x="715358" y="342966"/>
+                  </a:lnTo>
+                  <a:lnTo>
+                    <a:pt x="666019" y="343474"/>
+                  </a:lnTo>
+                  <a:lnTo>
+                    <a:pt x="616680" y="343474"/>
+                  </a:lnTo>
+                  <a:lnTo>
+                    <a:pt x="567341" y="342966"/>
+                  </a:lnTo>
+                  <a:lnTo>
+                    <a:pt x="518003" y="341950"/>
+                  </a:lnTo>
+                  <a:lnTo>
+                    <a:pt x="468666" y="340425"/>
+                  </a:lnTo>
+                  <a:lnTo>
+                    <a:pt x="419332" y="338393"/>
+                  </a:lnTo>
+                  <a:lnTo>
+                    <a:pt x="370001" y="335852"/>
+                  </a:lnTo>
+                  <a:lnTo>
+                    <a:pt x="320675" y="332803"/>
+                  </a:lnTo>
+                  <a:lnTo>
+                    <a:pt x="320675" y="289864"/>
+                  </a:lnTo>
+                  <a:lnTo>
+                    <a:pt x="267217" y="285985"/>
+                  </a:lnTo>
+                  <a:lnTo>
+                    <a:pt x="213773" y="281511"/>
+                  </a:lnTo>
+                  <a:lnTo>
+                    <a:pt x="160337" y="276442"/>
+                  </a:lnTo>
+                  <a:lnTo>
+                    <a:pt x="106901" y="270777"/>
+                  </a:lnTo>
+                  <a:lnTo>
+                    <a:pt x="53457" y="264515"/>
+                  </a:lnTo>
+                  <a:lnTo>
+                    <a:pt x="0" y="257657"/>
+                  </a:lnTo>
+                  <a:lnTo>
+                    <a:pt x="160274" y="147612"/>
+                  </a:lnTo>
+                  <a:lnTo>
+                    <a:pt x="0" y="0"/>
+                  </a:lnTo>
+                  <a:close/>
+                </a:path>
+                <a:path w="1282700" h="343534">
+                  <a:moveTo>
+                    <a:pt x="320675" y="289864"/>
+                  </a:moveTo>
+                  <a:lnTo>
+                    <a:pt x="320675" y="75145"/>
+                  </a:lnTo>
+                </a:path>
+                <a:path w="1282700" h="343534">
+                  <a:moveTo>
+                    <a:pt x="962025" y="75145"/>
+                  </a:moveTo>
+                  <a:lnTo>
+                    <a:pt x="962025" y="289864"/>
+                  </a:lnTo>
+                </a:path>
+                <a:path w="1282700" h="343534">
+                  <a:moveTo>
+                    <a:pt x="480949" y="40259"/>
+                  </a:moveTo>
+                  <a:lnTo>
+                    <a:pt x="480949" y="83197"/>
+                  </a:lnTo>
+                </a:path>
+                <a:path w="1282700" h="343534">
+                  <a:moveTo>
+                    <a:pt x="801624" y="83197"/>
+                  </a:moveTo>
+                  <a:lnTo>
+                    <a:pt x="801624" y="40259"/>
+                  </a:lnTo>
+                </a:path>
+              </a:pathLst>
+            </a:custGeom>
+            <a:ln w="9525">
+              <a:solidFill>
+                <a:srgbClr val="FFC000"/>
+              </a:solidFill>
+            </a:ln>
+          </p:spPr>
+          <p:txBody>
+            <a:bodyPr wrap="square" lIns="0" tIns="0" rIns="0" bIns="0" rtlCol="0"/>
+            <a:lstStyle/>
+            <a:p>
+              <a:endParaRPr dirty="0"/>
+            </a:p>
+          </p:txBody>
+        </p:sp>
+      </p:grpSp>
+      <p:sp>
+        <p:nvSpPr>
+          <p:cNvPr id="15" name="CuadroTexto 14">
+            <a:extLst>
+              <a:ext uri="{FF2B5EF4-FFF2-40B4-BE49-F238E27FC236}">
+                <a16:creationId xmlns:a16="http://schemas.microsoft.com/office/drawing/2014/main" id="{D27E308F-4511-2792-929A-AF2B20496D1D}"/>
+              </a:ext>
+            </a:extLst>
+          </p:cNvPr>
+          <p:cNvSpPr txBox="1"/>
+          <p:nvPr/>
+        </p:nvSpPr>
+        <p:spPr>
+          <a:xfrm>
+            <a:off x="6092823" y="6190755"/>
+            <a:ext cx="654464" cy="369332"/>
+          </a:xfrm>
+          <a:prstGeom prst="rect">
+            <a:avLst/>
+          </a:prstGeom>
+          <a:noFill/>
+        </p:spPr>
+        <p:txBody>
+          <a:bodyPr wrap="square" rtlCol="0">
+            <a:spAutoFit/>
+          </a:bodyPr>
+          <a:lstStyle/>
+          <a:p>
+            <a:pPr algn="ctr"/>
+            <a:r>
+              <a:rPr lang="es-MX" dirty="0">
+                <a:solidFill>
+                  <a:schemeClr val="bg1"/>
+                </a:solidFill>
+              </a:rPr>
+              <a:t>6</a:t>
+            </a:r>
           </a:p>
         </p:txBody>
       </p:sp>
       <p:pic>
         <p:nvPicPr>
-          <p:cNvPr id="5" name="Imagen 4">
+          <p:cNvPr id="4" name="Imagen 3" descr="Interfaz de usuario gráfica&#10;&#10;Descripción generada automáticamente">
             <a:extLst>
               <a:ext uri="{FF2B5EF4-FFF2-40B4-BE49-F238E27FC236}">
-                <a16:creationId xmlns:a16="http://schemas.microsoft.com/office/drawing/2014/main" id="{4A997203-B51B-A08A-8E13-E5E7E739149E}"/>
+                <a16:creationId xmlns:a16="http://schemas.microsoft.com/office/drawing/2014/main" id="{433AD0BF-DBBF-CCDD-AF98-4A73537B19CA}"/>
               </a:ext>
             </a:extLst>
           </p:cNvPr>
@@ -11374,14 +16555,1400 @@
         </p:blipFill>
         <p:spPr>
           <a:xfrm>
-            <a:off x="1946787" y="1878387"/>
-            <a:ext cx="8298426" cy="3953114"/>
+            <a:off x="804106" y="1264662"/>
+            <a:ext cx="4697043" cy="4605443"/>
           </a:xfrm>
           <a:prstGeom prst="rect">
             <a:avLst/>
           </a:prstGeom>
         </p:spPr>
       </p:pic>
+      <p:pic>
+        <p:nvPicPr>
+          <p:cNvPr id="7" name="Imagen 6" descr="Interfaz de usuario gráfica, Texto, Aplicación, Chat o mensaje de texto&#10;&#10;Descripción generada automáticamente">
+            <a:extLst>
+              <a:ext uri="{FF2B5EF4-FFF2-40B4-BE49-F238E27FC236}">
+                <a16:creationId xmlns:a16="http://schemas.microsoft.com/office/drawing/2014/main" id="{72DDC65D-3060-FFAB-28F3-AC0250BCA074}"/>
+              </a:ext>
+            </a:extLst>
+          </p:cNvPr>
+          <p:cNvPicPr>
+            <a:picLocks noChangeAspect="1"/>
+          </p:cNvPicPr>
+          <p:nvPr/>
+        </p:nvPicPr>
+        <p:blipFill>
+          <a:blip r:embed="rId3">
+            <a:extLst>
+              <a:ext uri="{28A0092B-C50C-407E-A947-70E740481C1C}">
+                <a14:useLocalDpi xmlns:a14="http://schemas.microsoft.com/office/drawing/2010/main" val="0"/>
+              </a:ext>
+            </a:extLst>
+          </a:blip>
+          <a:stretch>
+            <a:fillRect/>
+          </a:stretch>
+        </p:blipFill>
+        <p:spPr>
+          <a:xfrm>
+            <a:off x="6371303" y="1276512"/>
+            <a:ext cx="5256425" cy="4593592"/>
+          </a:xfrm>
+          <a:prstGeom prst="rect">
+            <a:avLst/>
+          </a:prstGeom>
+        </p:spPr>
+      </p:pic>
+    </p:spTree>
+    <p:extLst>
+      <p:ext uri="{BB962C8B-B14F-4D97-AF65-F5344CB8AC3E}">
+        <p14:creationId xmlns:p14="http://schemas.microsoft.com/office/powerpoint/2010/main" val="219888488"/>
+      </p:ext>
+    </p:extLst>
+  </p:cSld>
+  <p:clrMapOvr>
+    <a:masterClrMapping/>
+  </p:clrMapOvr>
+</p:sld>
+</file>
+
+<file path=ppt/slides/slide7.xml><?xml version="1.0" encoding="utf-8"?>
+<p:sld xmlns:a="http://schemas.openxmlformats.org/drawingml/2006/main" xmlns:r="http://schemas.openxmlformats.org/officeDocument/2006/relationships" xmlns:p="http://schemas.openxmlformats.org/presentationml/2006/main">
+  <p:cSld>
+    <p:spTree>
+      <p:nvGrpSpPr>
+        <p:cNvPr id="1" name=""/>
+        <p:cNvGrpSpPr/>
+        <p:nvPr/>
+      </p:nvGrpSpPr>
+      <p:grpSpPr>
+        <a:xfrm>
+          <a:off x="0" y="0"/>
+          <a:ext cx="0" cy="0"/>
+          <a:chOff x="0" y="0"/>
+          <a:chExt cx="0" cy="0"/>
+        </a:xfrm>
+      </p:grpSpPr>
+      <p:sp>
+        <p:nvSpPr>
+          <p:cNvPr id="3" name="CuadroTexto 2">
+            <a:extLst>
+              <a:ext uri="{FF2B5EF4-FFF2-40B4-BE49-F238E27FC236}">
+                <a16:creationId xmlns:a16="http://schemas.microsoft.com/office/drawing/2014/main" id="{6976C950-CA12-FDC4-8ACC-853C99D09FA0}"/>
+              </a:ext>
+            </a:extLst>
+          </p:cNvPr>
+          <p:cNvSpPr txBox="1"/>
+          <p:nvPr/>
+        </p:nvSpPr>
+        <p:spPr>
+          <a:xfrm>
+            <a:off x="1297858" y="479981"/>
+            <a:ext cx="9291483" cy="677108"/>
+          </a:xfrm>
+          <a:prstGeom prst="rect">
+            <a:avLst/>
+          </a:prstGeom>
+          <a:noFill/>
+        </p:spPr>
+        <p:txBody>
+          <a:bodyPr wrap="square">
+            <a:spAutoFit/>
+          </a:bodyPr>
+          <a:lstStyle/>
+          <a:p>
+            <a:r>
+              <a:rPr lang="es-MX" sz="2000" b="1" spc="-5" dirty="0">
+                <a:latin typeface="Calibri"/>
+                <a:cs typeface="Calibri"/>
+              </a:rPr>
+              <a:t>CREAR</a:t>
+            </a:r>
+            <a:r>
+              <a:rPr lang="es-MX" sz="2000" b="1" spc="245" dirty="0">
+                <a:latin typeface="Calibri"/>
+                <a:cs typeface="Calibri"/>
+              </a:rPr>
+              <a:t> </a:t>
+            </a:r>
+            <a:r>
+              <a:rPr lang="es-MX" sz="2000" b="1" dirty="0">
+                <a:latin typeface="Calibri"/>
+                <a:cs typeface="Calibri"/>
+              </a:rPr>
+              <a:t>UN</a:t>
+            </a:r>
+            <a:r>
+              <a:rPr lang="es-MX" sz="2000" b="1" spc="250" dirty="0">
+                <a:latin typeface="Calibri"/>
+                <a:cs typeface="Calibri"/>
+              </a:rPr>
+              <a:t> </a:t>
+            </a:r>
+            <a:r>
+              <a:rPr lang="es-MX" sz="2000" b="1" spc="-5" dirty="0">
+                <a:latin typeface="Calibri"/>
+                <a:cs typeface="Calibri"/>
+              </a:rPr>
+              <a:t>NUEVO</a:t>
+            </a:r>
+            <a:r>
+              <a:rPr lang="es-MX" sz="2000" b="1" spc="240" dirty="0">
+                <a:latin typeface="Calibri"/>
+                <a:cs typeface="Calibri"/>
+              </a:rPr>
+              <a:t> </a:t>
+            </a:r>
+            <a:r>
+              <a:rPr lang="es-MX" sz="2000" b="1" spc="-5" dirty="0">
+                <a:latin typeface="Calibri"/>
+                <a:cs typeface="Calibri"/>
+              </a:rPr>
+              <a:t>USUARIO.</a:t>
+            </a:r>
+            <a:r>
+              <a:rPr lang="es-MX" sz="2000" b="1" spc="190" dirty="0">
+                <a:latin typeface="Calibri"/>
+                <a:cs typeface="Calibri"/>
+              </a:rPr>
+              <a:t> </a:t>
+            </a:r>
+            <a:r>
+              <a:rPr lang="es-MX" sz="1800" dirty="0">
+                <a:latin typeface="Calibri"/>
+                <a:cs typeface="Calibri"/>
+              </a:rPr>
+              <a:t>Saldrá un mensaje de alerta que indique que el usuario se registró con éxito y dar clic en “iniciar sesión “</a:t>
+            </a:r>
+            <a:endParaRPr lang="es-MX" dirty="0"/>
+          </a:p>
+        </p:txBody>
+      </p:sp>
+      <p:grpSp>
+        <p:nvGrpSpPr>
+          <p:cNvPr id="10" name="object 14">
+            <a:extLst>
+              <a:ext uri="{FF2B5EF4-FFF2-40B4-BE49-F238E27FC236}">
+                <a16:creationId xmlns:a16="http://schemas.microsoft.com/office/drawing/2014/main" id="{C05C07C2-72DD-375C-5214-D73E89283F99}"/>
+              </a:ext>
+            </a:extLst>
+          </p:cNvPr>
+          <p:cNvGrpSpPr/>
+          <p:nvPr/>
+        </p:nvGrpSpPr>
+        <p:grpSpPr>
+          <a:xfrm>
+            <a:off x="5778705" y="6141673"/>
+            <a:ext cx="1282700" cy="343535"/>
+            <a:chOff x="3238500" y="9463405"/>
+            <a:chExt cx="1282700" cy="343535"/>
+          </a:xfrm>
+        </p:grpSpPr>
+        <p:sp>
+          <p:nvSpPr>
+            <p:cNvPr id="11" name="object 15">
+              <a:extLst>
+                <a:ext uri="{FF2B5EF4-FFF2-40B4-BE49-F238E27FC236}">
+                  <a16:creationId xmlns:a16="http://schemas.microsoft.com/office/drawing/2014/main" id="{886D5FF8-7C7E-E28A-6ED7-9D6CA1D624C3}"/>
+                </a:ext>
+              </a:extLst>
+            </p:cNvPr>
+            <p:cNvSpPr/>
+            <p:nvPr/>
+          </p:nvSpPr>
+          <p:spPr>
+            <a:xfrm>
+              <a:off x="3238500" y="9463405"/>
+              <a:ext cx="1282700" cy="343535"/>
+            </a:xfrm>
+            <a:custGeom>
+              <a:avLst/>
+              <a:gdLst/>
+              <a:ahLst/>
+              <a:cxnLst/>
+              <a:rect l="l" t="t" r="r" b="b"/>
+              <a:pathLst>
+                <a:path w="1282700" h="343534">
+                  <a:moveTo>
+                    <a:pt x="1282700" y="0"/>
+                  </a:moveTo>
+                  <a:lnTo>
+                    <a:pt x="1234583" y="6200"/>
+                  </a:lnTo>
+                  <a:lnTo>
+                    <a:pt x="1186472" y="11917"/>
+                  </a:lnTo>
+                  <a:lnTo>
+                    <a:pt x="1138366" y="17151"/>
+                  </a:lnTo>
+                  <a:lnTo>
+                    <a:pt x="1090263" y="21901"/>
+                  </a:lnTo>
+                  <a:lnTo>
+                    <a:pt x="1042161" y="26168"/>
+                  </a:lnTo>
+                  <a:lnTo>
+                    <a:pt x="994060" y="29952"/>
+                  </a:lnTo>
+                  <a:lnTo>
+                    <a:pt x="945957" y="33252"/>
+                  </a:lnTo>
+                  <a:lnTo>
+                    <a:pt x="897851" y="36070"/>
+                  </a:lnTo>
+                  <a:lnTo>
+                    <a:pt x="849740" y="38406"/>
+                  </a:lnTo>
+                  <a:lnTo>
+                    <a:pt x="801624" y="40259"/>
+                  </a:lnTo>
+                  <a:lnTo>
+                    <a:pt x="962025" y="75145"/>
+                  </a:lnTo>
+                  <a:lnTo>
+                    <a:pt x="912698" y="78194"/>
+                  </a:lnTo>
+                  <a:lnTo>
+                    <a:pt x="863367" y="80735"/>
+                  </a:lnTo>
+                  <a:lnTo>
+                    <a:pt x="814033" y="82768"/>
+                  </a:lnTo>
+                  <a:lnTo>
+                    <a:pt x="764696" y="84292"/>
+                  </a:lnTo>
+                  <a:lnTo>
+                    <a:pt x="715358" y="85308"/>
+                  </a:lnTo>
+                  <a:lnTo>
+                    <a:pt x="666019" y="85817"/>
+                  </a:lnTo>
+                  <a:lnTo>
+                    <a:pt x="616680" y="85817"/>
+                  </a:lnTo>
+                  <a:lnTo>
+                    <a:pt x="567341" y="85308"/>
+                  </a:lnTo>
+                  <a:lnTo>
+                    <a:pt x="518003" y="84292"/>
+                  </a:lnTo>
+                  <a:lnTo>
+                    <a:pt x="468666" y="82768"/>
+                  </a:lnTo>
+                  <a:lnTo>
+                    <a:pt x="419332" y="80735"/>
+                  </a:lnTo>
+                  <a:lnTo>
+                    <a:pt x="370001" y="78194"/>
+                  </a:lnTo>
+                  <a:lnTo>
+                    <a:pt x="320675" y="75145"/>
+                  </a:lnTo>
+                  <a:lnTo>
+                    <a:pt x="480949" y="40259"/>
+                  </a:lnTo>
+                  <a:lnTo>
+                    <a:pt x="432863" y="38406"/>
+                  </a:lnTo>
+                  <a:lnTo>
+                    <a:pt x="384771" y="36070"/>
+                  </a:lnTo>
+                  <a:lnTo>
+                    <a:pt x="336674" y="33252"/>
+                  </a:lnTo>
+                  <a:lnTo>
+                    <a:pt x="288575" y="29952"/>
+                  </a:lnTo>
+                  <a:lnTo>
+                    <a:pt x="240474" y="26168"/>
+                  </a:lnTo>
+                  <a:lnTo>
+                    <a:pt x="192373" y="21901"/>
+                  </a:lnTo>
+                  <a:lnTo>
+                    <a:pt x="144274" y="17151"/>
+                  </a:lnTo>
+                  <a:lnTo>
+                    <a:pt x="96177" y="11917"/>
+                  </a:lnTo>
+                  <a:lnTo>
+                    <a:pt x="48085" y="6200"/>
+                  </a:lnTo>
+                  <a:lnTo>
+                    <a:pt x="0" y="0"/>
+                  </a:lnTo>
+                  <a:lnTo>
+                    <a:pt x="160274" y="147612"/>
+                  </a:lnTo>
+                  <a:lnTo>
+                    <a:pt x="0" y="257657"/>
+                  </a:lnTo>
+                  <a:lnTo>
+                    <a:pt x="53457" y="264515"/>
+                  </a:lnTo>
+                  <a:lnTo>
+                    <a:pt x="106901" y="270777"/>
+                  </a:lnTo>
+                  <a:lnTo>
+                    <a:pt x="160337" y="276442"/>
+                  </a:lnTo>
+                  <a:lnTo>
+                    <a:pt x="213773" y="281511"/>
+                  </a:lnTo>
+                  <a:lnTo>
+                    <a:pt x="267217" y="285985"/>
+                  </a:lnTo>
+                  <a:lnTo>
+                    <a:pt x="320675" y="289864"/>
+                  </a:lnTo>
+                  <a:lnTo>
+                    <a:pt x="320675" y="332803"/>
+                  </a:lnTo>
+                  <a:lnTo>
+                    <a:pt x="370001" y="335852"/>
+                  </a:lnTo>
+                  <a:lnTo>
+                    <a:pt x="419332" y="338393"/>
+                  </a:lnTo>
+                  <a:lnTo>
+                    <a:pt x="468666" y="340425"/>
+                  </a:lnTo>
+                  <a:lnTo>
+                    <a:pt x="518003" y="341950"/>
+                  </a:lnTo>
+                  <a:lnTo>
+                    <a:pt x="567341" y="342966"/>
+                  </a:lnTo>
+                  <a:lnTo>
+                    <a:pt x="616680" y="343474"/>
+                  </a:lnTo>
+                  <a:lnTo>
+                    <a:pt x="666019" y="343474"/>
+                  </a:lnTo>
+                  <a:lnTo>
+                    <a:pt x="715358" y="342966"/>
+                  </a:lnTo>
+                  <a:lnTo>
+                    <a:pt x="764696" y="341950"/>
+                  </a:lnTo>
+                  <a:lnTo>
+                    <a:pt x="814033" y="340425"/>
+                  </a:lnTo>
+                  <a:lnTo>
+                    <a:pt x="863367" y="338393"/>
+                  </a:lnTo>
+                  <a:lnTo>
+                    <a:pt x="912698" y="335852"/>
+                  </a:lnTo>
+                  <a:lnTo>
+                    <a:pt x="962025" y="332803"/>
+                  </a:lnTo>
+                  <a:lnTo>
+                    <a:pt x="962025" y="289864"/>
+                  </a:lnTo>
+                  <a:lnTo>
+                    <a:pt x="1015482" y="285985"/>
+                  </a:lnTo>
+                  <a:lnTo>
+                    <a:pt x="1068926" y="281511"/>
+                  </a:lnTo>
+                  <a:lnTo>
+                    <a:pt x="1122362" y="276442"/>
+                  </a:lnTo>
+                  <a:lnTo>
+                    <a:pt x="1175798" y="270777"/>
+                  </a:lnTo>
+                  <a:lnTo>
+                    <a:pt x="1229242" y="264515"/>
+                  </a:lnTo>
+                  <a:lnTo>
+                    <a:pt x="1282700" y="257657"/>
+                  </a:lnTo>
+                  <a:lnTo>
+                    <a:pt x="1122299" y="147612"/>
+                  </a:lnTo>
+                  <a:lnTo>
+                    <a:pt x="1282700" y="0"/>
+                  </a:lnTo>
+                  <a:close/>
+                </a:path>
+              </a:pathLst>
+            </a:custGeom>
+            <a:solidFill>
+              <a:srgbClr val="7E5F00"/>
+            </a:solidFill>
+          </p:spPr>
+          <p:txBody>
+            <a:bodyPr wrap="square" lIns="0" tIns="0" rIns="0" bIns="0" rtlCol="0"/>
+            <a:lstStyle/>
+            <a:p>
+              <a:endParaRPr dirty="0"/>
+            </a:p>
+          </p:txBody>
+        </p:sp>
+        <p:sp>
+          <p:nvSpPr>
+            <p:cNvPr id="12" name="object 16">
+              <a:extLst>
+                <a:ext uri="{FF2B5EF4-FFF2-40B4-BE49-F238E27FC236}">
+                  <a16:creationId xmlns:a16="http://schemas.microsoft.com/office/drawing/2014/main" id="{8C3ECA4E-0D27-7A70-F9A6-1D68E3E7EC3A}"/>
+                </a:ext>
+              </a:extLst>
+            </p:cNvPr>
+            <p:cNvSpPr/>
+            <p:nvPr/>
+          </p:nvSpPr>
+          <p:spPr>
+            <a:xfrm>
+              <a:off x="3559175" y="9503664"/>
+              <a:ext cx="641350" cy="45720"/>
+            </a:xfrm>
+            <a:custGeom>
+              <a:avLst/>
+              <a:gdLst/>
+              <a:ahLst/>
+              <a:cxnLst/>
+              <a:rect l="l" t="t" r="r" b="b"/>
+              <a:pathLst>
+                <a:path w="641350" h="45720">
+                  <a:moveTo>
+                    <a:pt x="332602" y="45558"/>
+                  </a:moveTo>
+                  <a:lnTo>
+                    <a:pt x="308713" y="45558"/>
+                  </a:lnTo>
+                  <a:lnTo>
+                    <a:pt x="320659" y="45624"/>
+                  </a:lnTo>
+                  <a:lnTo>
+                    <a:pt x="332602" y="45558"/>
+                  </a:lnTo>
+                  <a:close/>
+                </a:path>
+                <a:path w="641350" h="45720">
+                  <a:moveTo>
+                    <a:pt x="280960" y="45403"/>
+                  </a:moveTo>
+                  <a:lnTo>
+                    <a:pt x="296005" y="45558"/>
+                  </a:lnTo>
+                  <a:lnTo>
+                    <a:pt x="308713" y="45558"/>
+                  </a:lnTo>
+                  <a:lnTo>
+                    <a:pt x="280960" y="45403"/>
+                  </a:lnTo>
+                  <a:close/>
+                </a:path>
+                <a:path w="641350" h="45720">
+                  <a:moveTo>
+                    <a:pt x="360436" y="45402"/>
+                  </a:moveTo>
+                  <a:lnTo>
+                    <a:pt x="332602" y="45558"/>
+                  </a:lnTo>
+                  <a:lnTo>
+                    <a:pt x="345344" y="45558"/>
+                  </a:lnTo>
+                  <a:lnTo>
+                    <a:pt x="360436" y="45402"/>
+                  </a:lnTo>
+                  <a:close/>
+                </a:path>
+                <a:path w="641350" h="45720">
+                  <a:moveTo>
+                    <a:pt x="257141" y="45157"/>
+                  </a:moveTo>
+                  <a:lnTo>
+                    <a:pt x="267203" y="45326"/>
+                  </a:lnTo>
+                  <a:lnTo>
+                    <a:pt x="280960" y="45403"/>
+                  </a:lnTo>
+                  <a:lnTo>
+                    <a:pt x="257141" y="45157"/>
+                  </a:lnTo>
+                  <a:close/>
+                </a:path>
+                <a:path w="641350" h="45720">
+                  <a:moveTo>
+                    <a:pt x="384083" y="45159"/>
+                  </a:moveTo>
+                  <a:lnTo>
+                    <a:pt x="360436" y="45402"/>
+                  </a:lnTo>
+                  <a:lnTo>
+                    <a:pt x="374104" y="45326"/>
+                  </a:lnTo>
+                  <a:lnTo>
+                    <a:pt x="384083" y="45159"/>
+                  </a:lnTo>
+                  <a:close/>
+                </a:path>
+                <a:path w="641350" h="45720">
+                  <a:moveTo>
+                    <a:pt x="412503" y="44682"/>
+                  </a:moveTo>
+                  <a:lnTo>
+                    <a:pt x="384083" y="45159"/>
+                  </a:lnTo>
+                  <a:lnTo>
+                    <a:pt x="394683" y="45049"/>
+                  </a:lnTo>
+                  <a:lnTo>
+                    <a:pt x="412503" y="44682"/>
+                  </a:lnTo>
+                  <a:close/>
+                </a:path>
+                <a:path w="641350" h="45720">
+                  <a:moveTo>
+                    <a:pt x="229129" y="44688"/>
+                  </a:moveTo>
+                  <a:lnTo>
+                    <a:pt x="246666" y="45049"/>
+                  </a:lnTo>
+                  <a:lnTo>
+                    <a:pt x="257141" y="45157"/>
+                  </a:lnTo>
+                  <a:lnTo>
+                    <a:pt x="229129" y="44688"/>
+                  </a:lnTo>
+                  <a:close/>
+                </a:path>
+                <a:path w="641350" h="45720">
+                  <a:moveTo>
+                    <a:pt x="205633" y="44204"/>
+                  </a:moveTo>
+                  <a:lnTo>
+                    <a:pt x="213740" y="44430"/>
+                  </a:lnTo>
+                  <a:lnTo>
+                    <a:pt x="229129" y="44688"/>
+                  </a:lnTo>
+                  <a:lnTo>
+                    <a:pt x="205633" y="44204"/>
+                  </a:lnTo>
+                  <a:close/>
+                </a:path>
+                <a:path w="641350" h="45720">
+                  <a:moveTo>
+                    <a:pt x="435403" y="44211"/>
+                  </a:moveTo>
+                  <a:lnTo>
+                    <a:pt x="412503" y="44682"/>
+                  </a:lnTo>
+                  <a:lnTo>
+                    <a:pt x="427535" y="44430"/>
+                  </a:lnTo>
+                  <a:lnTo>
+                    <a:pt x="435403" y="44211"/>
+                  </a:lnTo>
+                  <a:close/>
+                </a:path>
+                <a:path w="641350" h="45720">
+                  <a:moveTo>
+                    <a:pt x="465379" y="43373"/>
+                  </a:moveTo>
+                  <a:lnTo>
+                    <a:pt x="435403" y="44211"/>
+                  </a:lnTo>
+                  <a:lnTo>
+                    <a:pt x="444021" y="44033"/>
+                  </a:lnTo>
+                  <a:lnTo>
+                    <a:pt x="465379" y="43373"/>
+                  </a:lnTo>
+                  <a:close/>
+                </a:path>
+                <a:path w="641350" h="45720">
+                  <a:moveTo>
+                    <a:pt x="177012" y="43405"/>
+                  </a:moveTo>
+                  <a:lnTo>
+                    <a:pt x="197328" y="44033"/>
+                  </a:lnTo>
+                  <a:lnTo>
+                    <a:pt x="205633" y="44204"/>
+                  </a:lnTo>
+                  <a:lnTo>
+                    <a:pt x="177012" y="43405"/>
+                  </a:lnTo>
+                  <a:close/>
+                </a:path>
+                <a:path w="641350" h="45720">
+                  <a:moveTo>
+                    <a:pt x="160274" y="42888"/>
+                  </a:moveTo>
+                  <a:lnTo>
+                    <a:pt x="177012" y="43405"/>
+                  </a:lnTo>
+                  <a:lnTo>
+                    <a:pt x="160274" y="42888"/>
+                  </a:lnTo>
+                  <a:close/>
+                </a:path>
+                <a:path w="641350" h="45720">
+                  <a:moveTo>
+                    <a:pt x="480949" y="42892"/>
+                  </a:moveTo>
+                  <a:lnTo>
+                    <a:pt x="465379" y="43373"/>
+                  </a:lnTo>
+                  <a:lnTo>
+                    <a:pt x="480949" y="42938"/>
+                  </a:lnTo>
+                  <a:close/>
+                </a:path>
+                <a:path w="641350" h="45720">
+                  <a:moveTo>
+                    <a:pt x="480949" y="0"/>
+                  </a:moveTo>
+                  <a:lnTo>
+                    <a:pt x="480949" y="42892"/>
+                  </a:lnTo>
+                  <a:lnTo>
+                    <a:pt x="493358" y="42509"/>
+                  </a:lnTo>
+                  <a:lnTo>
+                    <a:pt x="542692" y="40476"/>
+                  </a:lnTo>
+                  <a:lnTo>
+                    <a:pt x="592023" y="37935"/>
+                  </a:lnTo>
+                  <a:lnTo>
+                    <a:pt x="641350" y="34886"/>
+                  </a:lnTo>
+                  <a:lnTo>
+                    <a:pt x="480949" y="0"/>
+                  </a:lnTo>
+                  <a:close/>
+                </a:path>
+                <a:path w="641350" h="45720">
+                  <a:moveTo>
+                    <a:pt x="160274" y="0"/>
+                  </a:moveTo>
+                  <a:lnTo>
+                    <a:pt x="0" y="34886"/>
+                  </a:lnTo>
+                  <a:lnTo>
+                    <a:pt x="49326" y="37935"/>
+                  </a:lnTo>
+                  <a:lnTo>
+                    <a:pt x="98657" y="40476"/>
+                  </a:lnTo>
+                  <a:lnTo>
+                    <a:pt x="147991" y="42509"/>
+                  </a:lnTo>
+                  <a:lnTo>
+                    <a:pt x="160274" y="42888"/>
+                  </a:lnTo>
+                  <a:lnTo>
+                    <a:pt x="160274" y="0"/>
+                  </a:lnTo>
+                  <a:close/>
+                </a:path>
+              </a:pathLst>
+            </a:custGeom>
+            <a:solidFill>
+              <a:srgbClr val="664D00"/>
+            </a:solidFill>
+          </p:spPr>
+          <p:txBody>
+            <a:bodyPr wrap="square" lIns="0" tIns="0" rIns="0" bIns="0" rtlCol="0"/>
+            <a:lstStyle/>
+            <a:p>
+              <a:endParaRPr/>
+            </a:p>
+          </p:txBody>
+        </p:sp>
+        <p:sp>
+          <p:nvSpPr>
+            <p:cNvPr id="13" name="object 17">
+              <a:extLst>
+                <a:ext uri="{FF2B5EF4-FFF2-40B4-BE49-F238E27FC236}">
+                  <a16:creationId xmlns:a16="http://schemas.microsoft.com/office/drawing/2014/main" id="{3397D6C7-83F6-EBEA-55D1-9FC0D0A81235}"/>
+                </a:ext>
+              </a:extLst>
+            </p:cNvPr>
+            <p:cNvSpPr/>
+            <p:nvPr/>
+          </p:nvSpPr>
+          <p:spPr>
+            <a:xfrm>
+              <a:off x="3238500" y="9463405"/>
+              <a:ext cx="1282700" cy="343535"/>
+            </a:xfrm>
+            <a:custGeom>
+              <a:avLst/>
+              <a:gdLst/>
+              <a:ahLst/>
+              <a:cxnLst/>
+              <a:rect l="l" t="t" r="r" b="b"/>
+              <a:pathLst>
+                <a:path w="1282700" h="343534">
+                  <a:moveTo>
+                    <a:pt x="0" y="0"/>
+                  </a:moveTo>
+                  <a:lnTo>
+                    <a:pt x="48085" y="6200"/>
+                  </a:lnTo>
+                  <a:lnTo>
+                    <a:pt x="96177" y="11917"/>
+                  </a:lnTo>
+                  <a:lnTo>
+                    <a:pt x="144274" y="17151"/>
+                  </a:lnTo>
+                  <a:lnTo>
+                    <a:pt x="192373" y="21901"/>
+                  </a:lnTo>
+                  <a:lnTo>
+                    <a:pt x="240474" y="26168"/>
+                  </a:lnTo>
+                  <a:lnTo>
+                    <a:pt x="288575" y="29952"/>
+                  </a:lnTo>
+                  <a:lnTo>
+                    <a:pt x="336674" y="33252"/>
+                  </a:lnTo>
+                  <a:lnTo>
+                    <a:pt x="384771" y="36070"/>
+                  </a:lnTo>
+                  <a:lnTo>
+                    <a:pt x="432863" y="38406"/>
+                  </a:lnTo>
+                  <a:lnTo>
+                    <a:pt x="480949" y="40259"/>
+                  </a:lnTo>
+                  <a:lnTo>
+                    <a:pt x="320675" y="75145"/>
+                  </a:lnTo>
+                  <a:lnTo>
+                    <a:pt x="370001" y="78194"/>
+                  </a:lnTo>
+                  <a:lnTo>
+                    <a:pt x="419332" y="80735"/>
+                  </a:lnTo>
+                  <a:lnTo>
+                    <a:pt x="468666" y="82768"/>
+                  </a:lnTo>
+                  <a:lnTo>
+                    <a:pt x="518003" y="84292"/>
+                  </a:lnTo>
+                  <a:lnTo>
+                    <a:pt x="567341" y="85308"/>
+                  </a:lnTo>
+                  <a:lnTo>
+                    <a:pt x="616680" y="85817"/>
+                  </a:lnTo>
+                  <a:lnTo>
+                    <a:pt x="666019" y="85817"/>
+                  </a:lnTo>
+                  <a:lnTo>
+                    <a:pt x="715358" y="85308"/>
+                  </a:lnTo>
+                  <a:lnTo>
+                    <a:pt x="764696" y="84292"/>
+                  </a:lnTo>
+                  <a:lnTo>
+                    <a:pt x="814033" y="82768"/>
+                  </a:lnTo>
+                  <a:lnTo>
+                    <a:pt x="863367" y="80735"/>
+                  </a:lnTo>
+                  <a:lnTo>
+                    <a:pt x="912698" y="78194"/>
+                  </a:lnTo>
+                  <a:lnTo>
+                    <a:pt x="962025" y="75145"/>
+                  </a:lnTo>
+                  <a:lnTo>
+                    <a:pt x="801624" y="40259"/>
+                  </a:lnTo>
+                  <a:lnTo>
+                    <a:pt x="849740" y="38406"/>
+                  </a:lnTo>
+                  <a:lnTo>
+                    <a:pt x="897851" y="36070"/>
+                  </a:lnTo>
+                  <a:lnTo>
+                    <a:pt x="945957" y="33252"/>
+                  </a:lnTo>
+                  <a:lnTo>
+                    <a:pt x="994060" y="29952"/>
+                  </a:lnTo>
+                  <a:lnTo>
+                    <a:pt x="1042161" y="26168"/>
+                  </a:lnTo>
+                  <a:lnTo>
+                    <a:pt x="1090263" y="21901"/>
+                  </a:lnTo>
+                  <a:lnTo>
+                    <a:pt x="1138366" y="17151"/>
+                  </a:lnTo>
+                  <a:lnTo>
+                    <a:pt x="1186472" y="11917"/>
+                  </a:lnTo>
+                  <a:lnTo>
+                    <a:pt x="1234583" y="6200"/>
+                  </a:lnTo>
+                  <a:lnTo>
+                    <a:pt x="1282700" y="0"/>
+                  </a:lnTo>
+                  <a:lnTo>
+                    <a:pt x="1122299" y="147612"/>
+                  </a:lnTo>
+                  <a:lnTo>
+                    <a:pt x="1282700" y="257657"/>
+                  </a:lnTo>
+                  <a:lnTo>
+                    <a:pt x="1229242" y="264515"/>
+                  </a:lnTo>
+                  <a:lnTo>
+                    <a:pt x="1175798" y="270777"/>
+                  </a:lnTo>
+                  <a:lnTo>
+                    <a:pt x="1122362" y="276442"/>
+                  </a:lnTo>
+                  <a:lnTo>
+                    <a:pt x="1068926" y="281511"/>
+                  </a:lnTo>
+                  <a:lnTo>
+                    <a:pt x="1015482" y="285985"/>
+                  </a:lnTo>
+                  <a:lnTo>
+                    <a:pt x="962025" y="289864"/>
+                  </a:lnTo>
+                  <a:lnTo>
+                    <a:pt x="962025" y="332803"/>
+                  </a:lnTo>
+                  <a:lnTo>
+                    <a:pt x="912698" y="335852"/>
+                  </a:lnTo>
+                  <a:lnTo>
+                    <a:pt x="863367" y="338393"/>
+                  </a:lnTo>
+                  <a:lnTo>
+                    <a:pt x="814033" y="340425"/>
+                  </a:lnTo>
+                  <a:lnTo>
+                    <a:pt x="764696" y="341950"/>
+                  </a:lnTo>
+                  <a:lnTo>
+                    <a:pt x="715358" y="342966"/>
+                  </a:lnTo>
+                  <a:lnTo>
+                    <a:pt x="666019" y="343474"/>
+                  </a:lnTo>
+                  <a:lnTo>
+                    <a:pt x="616680" y="343474"/>
+                  </a:lnTo>
+                  <a:lnTo>
+                    <a:pt x="567341" y="342966"/>
+                  </a:lnTo>
+                  <a:lnTo>
+                    <a:pt x="518003" y="341950"/>
+                  </a:lnTo>
+                  <a:lnTo>
+                    <a:pt x="468666" y="340425"/>
+                  </a:lnTo>
+                  <a:lnTo>
+                    <a:pt x="419332" y="338393"/>
+                  </a:lnTo>
+                  <a:lnTo>
+                    <a:pt x="370001" y="335852"/>
+                  </a:lnTo>
+                  <a:lnTo>
+                    <a:pt x="320675" y="332803"/>
+                  </a:lnTo>
+                  <a:lnTo>
+                    <a:pt x="320675" y="289864"/>
+                  </a:lnTo>
+                  <a:lnTo>
+                    <a:pt x="267217" y="285985"/>
+                  </a:lnTo>
+                  <a:lnTo>
+                    <a:pt x="213773" y="281511"/>
+                  </a:lnTo>
+                  <a:lnTo>
+                    <a:pt x="160337" y="276442"/>
+                  </a:lnTo>
+                  <a:lnTo>
+                    <a:pt x="106901" y="270777"/>
+                  </a:lnTo>
+                  <a:lnTo>
+                    <a:pt x="53457" y="264515"/>
+                  </a:lnTo>
+                  <a:lnTo>
+                    <a:pt x="0" y="257657"/>
+                  </a:lnTo>
+                  <a:lnTo>
+                    <a:pt x="160274" y="147612"/>
+                  </a:lnTo>
+                  <a:lnTo>
+                    <a:pt x="0" y="0"/>
+                  </a:lnTo>
+                  <a:close/>
+                </a:path>
+                <a:path w="1282700" h="343534">
+                  <a:moveTo>
+                    <a:pt x="320675" y="289864"/>
+                  </a:moveTo>
+                  <a:lnTo>
+                    <a:pt x="320675" y="75145"/>
+                  </a:lnTo>
+                </a:path>
+                <a:path w="1282700" h="343534">
+                  <a:moveTo>
+                    <a:pt x="962025" y="75145"/>
+                  </a:moveTo>
+                  <a:lnTo>
+                    <a:pt x="962025" y="289864"/>
+                  </a:lnTo>
+                </a:path>
+                <a:path w="1282700" h="343534">
+                  <a:moveTo>
+                    <a:pt x="480949" y="40259"/>
+                  </a:moveTo>
+                  <a:lnTo>
+                    <a:pt x="480949" y="83197"/>
+                  </a:lnTo>
+                </a:path>
+                <a:path w="1282700" h="343534">
+                  <a:moveTo>
+                    <a:pt x="801624" y="83197"/>
+                  </a:moveTo>
+                  <a:lnTo>
+                    <a:pt x="801624" y="40259"/>
+                  </a:lnTo>
+                </a:path>
+              </a:pathLst>
+            </a:custGeom>
+            <a:ln w="9525">
+              <a:solidFill>
+                <a:srgbClr val="FFC000"/>
+              </a:solidFill>
+            </a:ln>
+          </p:spPr>
+          <p:txBody>
+            <a:bodyPr wrap="square" lIns="0" tIns="0" rIns="0" bIns="0" rtlCol="0"/>
+            <a:lstStyle/>
+            <a:p>
+              <a:endParaRPr dirty="0"/>
+            </a:p>
+          </p:txBody>
+        </p:sp>
+      </p:grpSp>
+      <p:sp>
+        <p:nvSpPr>
+          <p:cNvPr id="15" name="CuadroTexto 14">
+            <a:extLst>
+              <a:ext uri="{FF2B5EF4-FFF2-40B4-BE49-F238E27FC236}">
+                <a16:creationId xmlns:a16="http://schemas.microsoft.com/office/drawing/2014/main" id="{D27E308F-4511-2792-929A-AF2B20496D1D}"/>
+              </a:ext>
+            </a:extLst>
+          </p:cNvPr>
+          <p:cNvSpPr txBox="1"/>
+          <p:nvPr/>
+        </p:nvSpPr>
+        <p:spPr>
+          <a:xfrm>
+            <a:off x="6092823" y="6190755"/>
+            <a:ext cx="654464" cy="369332"/>
+          </a:xfrm>
+          <a:prstGeom prst="rect">
+            <a:avLst/>
+          </a:prstGeom>
+          <a:noFill/>
+        </p:spPr>
+        <p:txBody>
+          <a:bodyPr wrap="square" rtlCol="0">
+            <a:spAutoFit/>
+          </a:bodyPr>
+          <a:lstStyle/>
+          <a:p>
+            <a:pPr algn="ctr"/>
+            <a:r>
+              <a:rPr lang="es-MX" dirty="0">
+                <a:solidFill>
+                  <a:schemeClr val="bg1"/>
+                </a:solidFill>
+              </a:rPr>
+              <a:t>7</a:t>
+            </a:r>
+          </a:p>
+        </p:txBody>
+      </p:sp>
+      <p:pic>
+        <p:nvPicPr>
+          <p:cNvPr id="7" name="Imagen 6" descr="Texto&#10;&#10;Descripción generada automáticamente">
+            <a:extLst>
+              <a:ext uri="{FF2B5EF4-FFF2-40B4-BE49-F238E27FC236}">
+                <a16:creationId xmlns:a16="http://schemas.microsoft.com/office/drawing/2014/main" id="{AAA8756A-6858-D28C-B61A-C2A10398A2C6}"/>
+              </a:ext>
+            </a:extLst>
+          </p:cNvPr>
+          <p:cNvPicPr>
+            <a:picLocks noChangeAspect="1"/>
+          </p:cNvPicPr>
+          <p:nvPr/>
+        </p:nvPicPr>
+        <p:blipFill>
+          <a:blip r:embed="rId2">
+            <a:extLst>
+              <a:ext uri="{28A0092B-C50C-407E-A947-70E740481C1C}">
+                <a14:useLocalDpi xmlns:a14="http://schemas.microsoft.com/office/drawing/2010/main" val="0"/>
+              </a:ext>
+            </a:extLst>
+          </a:blip>
+          <a:stretch>
+            <a:fillRect/>
+          </a:stretch>
+        </p:blipFill>
+        <p:spPr>
+          <a:xfrm>
+            <a:off x="1297858" y="1239261"/>
+            <a:ext cx="9867605" cy="4600771"/>
+          </a:xfrm>
+          <a:prstGeom prst="rect">
+            <a:avLst/>
+          </a:prstGeom>
+        </p:spPr>
+      </p:pic>
+      <mc:AlternateContent xmlns:mc="http://schemas.openxmlformats.org/markup-compatibility/2006" xmlns:p14="http://schemas.microsoft.com/office/powerpoint/2010/main">
+        <mc:Choice Requires="p14">
+          <p:contentPart p14:bwMode="auto" r:id="rId3">
+            <p14:nvContentPartPr>
+              <p14:cNvPr id="24" name="Entrada de lápiz 23">
+                <a:extLst>
+                  <a:ext uri="{FF2B5EF4-FFF2-40B4-BE49-F238E27FC236}">
+                    <a16:creationId xmlns:a16="http://schemas.microsoft.com/office/drawing/2014/main" id="{CDA73666-7358-137F-2622-7ED760AC087F}"/>
+                  </a:ext>
+                </a:extLst>
+              </p14:cNvPr>
+              <p14:cNvContentPartPr/>
+              <p14:nvPr/>
+            </p14:nvContentPartPr>
+            <p14:xfrm>
+              <a:off x="8111160" y="1574419"/>
+              <a:ext cx="1520280" cy="1360080"/>
+            </p14:xfrm>
+          </p:contentPart>
+        </mc:Choice>
+        <mc:Fallback xmlns="">
+          <p:pic>
+            <p:nvPicPr>
+              <p:cNvPr id="24" name="Entrada de lápiz 23">
+                <a:extLst>
+                  <a:ext uri="{FF2B5EF4-FFF2-40B4-BE49-F238E27FC236}">
+                    <a16:creationId xmlns:a16="http://schemas.microsoft.com/office/drawing/2014/main" id="{CDA73666-7358-137F-2622-7ED760AC087F}"/>
+                  </a:ext>
+                </a:extLst>
+              </p:cNvPr>
+              <p:cNvPicPr/>
+              <p:nvPr/>
+            </p:nvPicPr>
+            <p:blipFill>
+              <a:blip r:embed="rId4"/>
+              <a:stretch>
+                <a:fillRect/>
+              </a:stretch>
+            </p:blipFill>
+            <p:spPr>
+              <a:xfrm>
+                <a:off x="8093160" y="1556779"/>
+                <a:ext cx="1555920" cy="1395720"/>
+              </a:xfrm>
+              <a:prstGeom prst="rect">
+                <a:avLst/>
+              </a:prstGeom>
+            </p:spPr>
+          </p:pic>
+        </mc:Fallback>
+      </mc:AlternateContent>
+      <p:grpSp>
+        <p:nvGrpSpPr>
+          <p:cNvPr id="32" name="Grupo 31">
+            <a:extLst>
+              <a:ext uri="{FF2B5EF4-FFF2-40B4-BE49-F238E27FC236}">
+                <a16:creationId xmlns:a16="http://schemas.microsoft.com/office/drawing/2014/main" id="{08145E87-AE4F-D134-9D5F-32BB70CDF032}"/>
+              </a:ext>
+            </a:extLst>
+          </p:cNvPr>
+          <p:cNvGrpSpPr/>
+          <p:nvPr/>
+        </p:nvGrpSpPr>
+        <p:grpSpPr>
+          <a:xfrm>
+            <a:off x="9614520" y="1415299"/>
+            <a:ext cx="210600" cy="499320"/>
+            <a:chOff x="9614520" y="1415299"/>
+            <a:chExt cx="210600" cy="499320"/>
+          </a:xfrm>
+        </p:grpSpPr>
+        <mc:AlternateContent xmlns:mc="http://schemas.openxmlformats.org/markup-compatibility/2006" xmlns:p14="http://schemas.microsoft.com/office/powerpoint/2010/main">
+          <mc:Choice Requires="p14">
+            <p:contentPart p14:bwMode="auto" r:id="rId5">
+              <p14:nvContentPartPr>
+                <p14:cNvPr id="28" name="Entrada de lápiz 27">
+                  <a:extLst>
+                    <a:ext uri="{FF2B5EF4-FFF2-40B4-BE49-F238E27FC236}">
+                      <a16:creationId xmlns:a16="http://schemas.microsoft.com/office/drawing/2014/main" id="{3970FD97-A65E-D7AA-9CE6-8D329E5A11F5}"/>
+                    </a:ext>
+                  </a:extLst>
+                </p14:cNvPr>
+                <p14:cNvContentPartPr/>
+                <p14:nvPr/>
+              </p14:nvContentPartPr>
+              <p14:xfrm>
+                <a:off x="9614520" y="1415299"/>
+                <a:ext cx="87840" cy="499320"/>
+              </p14:xfrm>
+            </p:contentPart>
+          </mc:Choice>
+          <mc:Fallback xmlns="">
+            <p:pic>
+              <p:nvPicPr>
+                <p:cNvPr id="28" name="Entrada de lápiz 27">
+                  <a:extLst>
+                    <a:ext uri="{FF2B5EF4-FFF2-40B4-BE49-F238E27FC236}">
+                      <a16:creationId xmlns:a16="http://schemas.microsoft.com/office/drawing/2014/main" id="{3970FD97-A65E-D7AA-9CE6-8D329E5A11F5}"/>
+                    </a:ext>
+                  </a:extLst>
+                </p:cNvPr>
+                <p:cNvPicPr/>
+                <p:nvPr/>
+              </p:nvPicPr>
+              <p:blipFill>
+                <a:blip r:embed="rId6"/>
+                <a:stretch>
+                  <a:fillRect/>
+                </a:stretch>
+              </p:blipFill>
+              <p:spPr>
+                <a:xfrm>
+                  <a:off x="9596880" y="1397659"/>
+                  <a:ext cx="123480" cy="534960"/>
+                </a:xfrm>
+                <a:prstGeom prst="rect">
+                  <a:avLst/>
+                </a:prstGeom>
+              </p:spPr>
+            </p:pic>
+          </mc:Fallback>
+        </mc:AlternateContent>
+        <mc:AlternateContent xmlns:mc="http://schemas.openxmlformats.org/markup-compatibility/2006" xmlns:p14="http://schemas.microsoft.com/office/powerpoint/2010/main">
+          <mc:Choice Requires="p14">
+            <p:contentPart p14:bwMode="auto" r:id="rId7">
+              <p14:nvContentPartPr>
+                <p14:cNvPr id="29" name="Entrada de lápiz 28">
+                  <a:extLst>
+                    <a:ext uri="{FF2B5EF4-FFF2-40B4-BE49-F238E27FC236}">
+                      <a16:creationId xmlns:a16="http://schemas.microsoft.com/office/drawing/2014/main" id="{0FB974AE-83E6-CE0B-9C08-496ACE9FA55B}"/>
+                    </a:ext>
+                  </a:extLst>
+                </p14:cNvPr>
+                <p14:cNvContentPartPr/>
+                <p14:nvPr/>
+              </p14:nvContentPartPr>
+              <p14:xfrm>
+                <a:off x="9733680" y="1651819"/>
+                <a:ext cx="68040" cy="206280"/>
+              </p14:xfrm>
+            </p:contentPart>
+          </mc:Choice>
+          <mc:Fallback xmlns="">
+            <p:pic>
+              <p:nvPicPr>
+                <p:cNvPr id="29" name="Entrada de lápiz 28">
+                  <a:extLst>
+                    <a:ext uri="{FF2B5EF4-FFF2-40B4-BE49-F238E27FC236}">
+                      <a16:creationId xmlns:a16="http://schemas.microsoft.com/office/drawing/2014/main" id="{0FB974AE-83E6-CE0B-9C08-496ACE9FA55B}"/>
+                    </a:ext>
+                  </a:extLst>
+                </p:cNvPr>
+                <p:cNvPicPr/>
+                <p:nvPr/>
+              </p:nvPicPr>
+              <p:blipFill>
+                <a:blip r:embed="rId8"/>
+                <a:stretch>
+                  <a:fillRect/>
+                </a:stretch>
+              </p:blipFill>
+              <p:spPr>
+                <a:xfrm>
+                  <a:off x="9715680" y="1634179"/>
+                  <a:ext cx="103680" cy="241920"/>
+                </a:xfrm>
+                <a:prstGeom prst="rect">
+                  <a:avLst/>
+                </a:prstGeom>
+              </p:spPr>
+            </p:pic>
+          </mc:Fallback>
+        </mc:AlternateContent>
+        <mc:AlternateContent xmlns:mc="http://schemas.openxmlformats.org/markup-compatibility/2006" xmlns:p14="http://schemas.microsoft.com/office/powerpoint/2010/main">
+          <mc:Choice Requires="p14">
+            <p:contentPart p14:bwMode="auto" r:id="rId9">
+              <p14:nvContentPartPr>
+                <p14:cNvPr id="31" name="Entrada de lápiz 30">
+                  <a:extLst>
+                    <a:ext uri="{FF2B5EF4-FFF2-40B4-BE49-F238E27FC236}">
+                      <a16:creationId xmlns:a16="http://schemas.microsoft.com/office/drawing/2014/main" id="{81514836-AA1A-939E-436F-DBF35B00DB1C}"/>
+                    </a:ext>
+                  </a:extLst>
+                </p14:cNvPr>
+                <p14:cNvContentPartPr/>
+                <p14:nvPr/>
+              </p14:nvContentPartPr>
+              <p14:xfrm>
+                <a:off x="9659520" y="1430419"/>
+                <a:ext cx="165600" cy="288000"/>
+              </p14:xfrm>
+            </p:contentPart>
+          </mc:Choice>
+          <mc:Fallback xmlns="">
+            <p:pic>
+              <p:nvPicPr>
+                <p:cNvPr id="31" name="Entrada de lápiz 30">
+                  <a:extLst>
+                    <a:ext uri="{FF2B5EF4-FFF2-40B4-BE49-F238E27FC236}">
+                      <a16:creationId xmlns:a16="http://schemas.microsoft.com/office/drawing/2014/main" id="{81514836-AA1A-939E-436F-DBF35B00DB1C}"/>
+                    </a:ext>
+                  </a:extLst>
+                </p:cNvPr>
+                <p:cNvPicPr/>
+                <p:nvPr/>
+              </p:nvPicPr>
+              <p:blipFill>
+                <a:blip r:embed="rId10"/>
+                <a:stretch>
+                  <a:fillRect/>
+                </a:stretch>
+              </p:blipFill>
+              <p:spPr>
+                <a:xfrm>
+                  <a:off x="9641520" y="1412419"/>
+                  <a:ext cx="201240" cy="323640"/>
+                </a:xfrm>
+                <a:prstGeom prst="rect">
+                  <a:avLst/>
+                </a:prstGeom>
+              </p:spPr>
+            </p:pic>
+          </mc:Fallback>
+        </mc:AlternateContent>
+      </p:grpSp>
+    </p:spTree>
+    <p:extLst>
+      <p:ext uri="{BB962C8B-B14F-4D97-AF65-F5344CB8AC3E}">
+        <p14:creationId xmlns:p14="http://schemas.microsoft.com/office/powerpoint/2010/main" val="3643464608"/>
+      </p:ext>
+    </p:extLst>
+  </p:cSld>
+  <p:clrMapOvr>
+    <a:masterClrMapping/>
+  </p:clrMapOvr>
+</p:sld>
+</file>
+
+<file path=ppt/slides/slide8.xml><?xml version="1.0" encoding="utf-8"?>
+<p:sld xmlns:a="http://schemas.openxmlformats.org/drawingml/2006/main" xmlns:r="http://schemas.openxmlformats.org/officeDocument/2006/relationships" xmlns:p="http://schemas.openxmlformats.org/presentationml/2006/main">
+  <p:cSld>
+    <p:spTree>
+      <p:nvGrpSpPr>
+        <p:cNvPr id="1" name=""/>
+        <p:cNvGrpSpPr/>
+        <p:nvPr/>
+      </p:nvGrpSpPr>
+      <p:grpSpPr>
+        <a:xfrm>
+          <a:off x="0" y="0"/>
+          <a:ext cx="0" cy="0"/>
+          <a:chOff x="0" y="0"/>
+          <a:chExt cx="0" cy="0"/>
+        </a:xfrm>
+      </p:grpSpPr>
+      <p:sp>
+        <p:nvSpPr>
+          <p:cNvPr id="3" name="CuadroTexto 2">
+            <a:extLst>
+              <a:ext uri="{FF2B5EF4-FFF2-40B4-BE49-F238E27FC236}">
+                <a16:creationId xmlns:a16="http://schemas.microsoft.com/office/drawing/2014/main" id="{E2985033-2463-63F1-516D-F7D9BBAF700C}"/>
+              </a:ext>
+            </a:extLst>
+          </p:cNvPr>
+          <p:cNvSpPr txBox="1"/>
+          <p:nvPr/>
+        </p:nvSpPr>
+        <p:spPr>
+          <a:xfrm>
+            <a:off x="2252815" y="597968"/>
+            <a:ext cx="7776087" cy="954107"/>
+          </a:xfrm>
+          <a:prstGeom prst="rect">
+            <a:avLst/>
+          </a:prstGeom>
+          <a:noFill/>
+        </p:spPr>
+        <p:txBody>
+          <a:bodyPr wrap="square">
+            <a:spAutoFit/>
+          </a:bodyPr>
+          <a:lstStyle/>
+          <a:p>
+            <a:r>
+              <a:rPr lang="es-MX" sz="2000" b="1" spc="-5" dirty="0">
+                <a:latin typeface="Calibri"/>
+                <a:cs typeface="Calibri"/>
+              </a:rPr>
+              <a:t>INGRESAR COMO USUARIO.</a:t>
+            </a:r>
+            <a:r>
+              <a:rPr lang="es-MX" sz="2000" b="1" spc="190" dirty="0">
+                <a:latin typeface="Calibri"/>
+                <a:cs typeface="Calibri"/>
+              </a:rPr>
+              <a:t> </a:t>
+            </a:r>
+            <a:r>
+              <a:rPr lang="es-MX" sz="1800" dirty="0">
+                <a:latin typeface="Calibri"/>
+                <a:cs typeface="Calibri"/>
+              </a:rPr>
+              <a:t>Para</a:t>
+            </a:r>
+            <a:r>
+              <a:rPr lang="es-MX" sz="1800" spc="235" dirty="0">
+                <a:latin typeface="Calibri"/>
+                <a:cs typeface="Calibri"/>
+              </a:rPr>
+              <a:t> </a:t>
+            </a:r>
+            <a:r>
+              <a:rPr lang="es-MX" spc="-5" dirty="0">
+                <a:latin typeface="Calibri"/>
+                <a:cs typeface="Calibri"/>
+              </a:rPr>
+              <a:t>ingresar como un usuario y poder realizar la reserva , en la parte superior derechas le damos clic en “iniciar sesión” y podremos ingresar nuestro </a:t>
+            </a:r>
+            <a:r>
+              <a:rPr lang="es-MX" spc="-5" dirty="0" err="1">
+                <a:latin typeface="Calibri"/>
+                <a:cs typeface="Calibri"/>
+              </a:rPr>
+              <a:t>Login</a:t>
+            </a:r>
+            <a:r>
+              <a:rPr lang="es-MX" spc="-5" dirty="0">
+                <a:latin typeface="Calibri"/>
+                <a:cs typeface="Calibri"/>
+              </a:rPr>
+              <a:t>.</a:t>
+            </a:r>
+          </a:p>
+        </p:txBody>
+      </p:sp>
       <p:grpSp>
         <p:nvGrpSpPr>
           <p:cNvPr id="6" name="object 14">
@@ -12231,15 +18798,51 @@
                   <a:schemeClr val="bg1"/>
                 </a:solidFill>
               </a:rPr>
-              <a:t>6</a:t>
+              <a:t>8</a:t>
             </a:r>
           </a:p>
         </p:txBody>
       </p:sp>
+      <p:pic>
+        <p:nvPicPr>
+          <p:cNvPr id="4" name="Imagen 3" descr="Interfaz de usuario gráfica, Diagrama&#10;&#10;Descripción generada automáticamente">
+            <a:extLst>
+              <a:ext uri="{FF2B5EF4-FFF2-40B4-BE49-F238E27FC236}">
+                <a16:creationId xmlns:a16="http://schemas.microsoft.com/office/drawing/2014/main" id="{11D8C4DC-8CE2-DC4C-7154-4188A727A907}"/>
+              </a:ext>
+            </a:extLst>
+          </p:cNvPr>
+          <p:cNvPicPr>
+            <a:picLocks noChangeAspect="1"/>
+          </p:cNvPicPr>
+          <p:nvPr/>
+        </p:nvPicPr>
+        <p:blipFill>
+          <a:blip r:embed="rId2">
+            <a:extLst>
+              <a:ext uri="{28A0092B-C50C-407E-A947-70E740481C1C}">
+                <a14:useLocalDpi xmlns:a14="http://schemas.microsoft.com/office/drawing/2010/main" val="0"/>
+              </a:ext>
+            </a:extLst>
+          </a:blip>
+          <a:stretch>
+            <a:fillRect/>
+          </a:stretch>
+        </p:blipFill>
+        <p:spPr>
+          <a:xfrm>
+            <a:off x="2964426" y="1592334"/>
+            <a:ext cx="6705252" cy="4363814"/>
+          </a:xfrm>
+          <a:prstGeom prst="rect">
+            <a:avLst/>
+          </a:prstGeom>
+        </p:spPr>
+      </p:pic>
     </p:spTree>
     <p:extLst>
       <p:ext uri="{BB962C8B-B14F-4D97-AF65-F5344CB8AC3E}">
-        <p14:creationId xmlns:p14="http://schemas.microsoft.com/office/powerpoint/2010/main" val="1910739831"/>
+        <p14:creationId xmlns:p14="http://schemas.microsoft.com/office/powerpoint/2010/main" val="1136977150"/>
       </p:ext>
     </p:extLst>
   </p:cSld>
@@ -12249,7 +18852,7 @@
 </p:sld>
 </file>
 
-<file path=ppt/slides/slide7.xml><?xml version="1.0" encoding="utf-8"?>
+<file path=ppt/slides/slide9.xml><?xml version="1.0" encoding="utf-8"?>
 <p:sld xmlns:a="http://schemas.openxmlformats.org/drawingml/2006/main" xmlns:r="http://schemas.openxmlformats.org/officeDocument/2006/relationships" xmlns:p="http://schemas.openxmlformats.org/presentationml/2006/main">
   <p:cSld>
     <p:spTree>
@@ -12281,7 +18884,7 @@
         <p:spPr>
           <a:xfrm>
             <a:off x="2252815" y="597968"/>
-            <a:ext cx="7776087" cy="1231106"/>
+            <a:ext cx="7776087" cy="677108"/>
           </a:xfrm>
           <a:prstGeom prst="rect">
             <a:avLst/>
@@ -12299,7 +18902,7 @@
                 <a:latin typeface="Calibri"/>
                 <a:cs typeface="Calibri"/>
               </a:rPr>
-              <a:t>REALIZAR RESERVA.</a:t>
+              <a:t>INGRESAR COMO USUARIO.</a:t>
             </a:r>
             <a:r>
               <a:rPr lang="es-MX" sz="2000" b="1" spc="190" dirty="0">
@@ -12313,21 +18916,7 @@
                 <a:latin typeface="Calibri"/>
                 <a:cs typeface="Calibri"/>
               </a:rPr>
-              <a:t>Para</a:t>
-            </a:r>
-            <a:r>
-              <a:rPr lang="es-MX" sz="1800" spc="235" dirty="0">
-                <a:latin typeface="Calibri"/>
-                <a:cs typeface="Calibri"/>
-              </a:rPr>
-              <a:t> </a:t>
-            </a:r>
-            <a:r>
-              <a:rPr lang="es-MX" spc="-5" dirty="0">
-                <a:latin typeface="Calibri"/>
-                <a:cs typeface="Calibri"/>
-              </a:rPr>
-              <a:t>poder realizar la reserva volvemos al menú en la parte donde nos dice “realiza tu reserva” damos clic y nos arrojara un formulario para poder realizar la reserva, una vez guardada nos indicara que se realizó con éxito. </a:t>
+              <a:t>Después de ingresar nuestras credenciales daremos clic en entrar, si no colocamos bien las credenciales arrojara un error.</a:t>
             </a:r>
             <a:endParaRPr lang="es-MX" dirty="0"/>
           </a:p>
@@ -13182,17 +19771,17 @@
                   <a:schemeClr val="bg1"/>
                 </a:solidFill>
               </a:rPr>
-              <a:t>7</a:t>
+              <a:t>9</a:t>
             </a:r>
           </a:p>
         </p:txBody>
       </p:sp>
       <p:pic>
         <p:nvPicPr>
-          <p:cNvPr id="4" name="Imagen 3">
+          <p:cNvPr id="4" name="Imagen 3" descr="Interfaz de usuario gráfica, Sitio web&#10;&#10;Descripción generada automáticamente">
             <a:extLst>
               <a:ext uri="{FF2B5EF4-FFF2-40B4-BE49-F238E27FC236}">
-                <a16:creationId xmlns:a16="http://schemas.microsoft.com/office/drawing/2014/main" id="{6EB2808C-D623-2020-4F0A-D51EA3038EC0}"/>
+                <a16:creationId xmlns:a16="http://schemas.microsoft.com/office/drawing/2014/main" id="{77BCEDBA-F21E-28D9-BA00-9DF1B9E12A41}"/>
               </a:ext>
             </a:extLst>
           </p:cNvPr>
@@ -13201,7 +19790,7 @@
           </p:cNvPicPr>
           <p:nvPr/>
         </p:nvPicPr>
-        <p:blipFill rotWithShape="1">
+        <p:blipFill>
           <a:blip r:embed="rId2">
             <a:extLst>
               <a:ext uri="{28A0092B-C50C-407E-A947-70E740481C1C}">
@@ -13209,48 +19798,14 @@
               </a:ext>
             </a:extLst>
           </a:blip>
-          <a:srcRect l="30217" r="32721"/>
-          <a:stretch/>
+          <a:stretch>
+            <a:fillRect/>
+          </a:stretch>
         </p:blipFill>
         <p:spPr>
           <a:xfrm>
-            <a:off x="526027" y="1829074"/>
-            <a:ext cx="3274142" cy="4283087"/>
-          </a:xfrm>
-          <a:prstGeom prst="rect">
-            <a:avLst/>
-          </a:prstGeom>
-        </p:spPr>
-      </p:pic>
-      <p:pic>
-        <p:nvPicPr>
-          <p:cNvPr id="12" name="Imagen 11">
-            <a:extLst>
-              <a:ext uri="{FF2B5EF4-FFF2-40B4-BE49-F238E27FC236}">
-                <a16:creationId xmlns:a16="http://schemas.microsoft.com/office/drawing/2014/main" id="{1CAAC52B-350F-404D-0F9B-5BA8AF2DC5FF}"/>
-              </a:ext>
-            </a:extLst>
-          </p:cNvPr>
-          <p:cNvPicPr>
-            <a:picLocks noChangeAspect="1"/>
-          </p:cNvPicPr>
-          <p:nvPr/>
-        </p:nvPicPr>
-        <p:blipFill rotWithShape="1">
-          <a:blip r:embed="rId3">
-            <a:extLst>
-              <a:ext uri="{28A0092B-C50C-407E-A947-70E740481C1C}">
-                <a14:useLocalDpi xmlns:a14="http://schemas.microsoft.com/office/drawing/2010/main" val="0"/>
-              </a:ext>
-            </a:extLst>
-          </a:blip>
-          <a:srcRect b="46846"/>
-          <a:stretch/>
-        </p:blipFill>
-        <p:spPr>
-          <a:xfrm>
-            <a:off x="3889886" y="2435860"/>
-            <a:ext cx="8165690" cy="1986279"/>
+            <a:off x="2694464" y="1464034"/>
+            <a:ext cx="6892787" cy="4488681"/>
           </a:xfrm>
           <a:prstGeom prst="rect">
             <a:avLst/>
@@ -13260,958 +19815,7 @@
     </p:spTree>
     <p:extLst>
       <p:ext uri="{BB962C8B-B14F-4D97-AF65-F5344CB8AC3E}">
-        <p14:creationId xmlns:p14="http://schemas.microsoft.com/office/powerpoint/2010/main" val="2793795998"/>
-      </p:ext>
-    </p:extLst>
-  </p:cSld>
-  <p:clrMapOvr>
-    <a:masterClrMapping/>
-  </p:clrMapOvr>
-</p:sld>
-</file>
-
-<file path=ppt/slides/slide8.xml><?xml version="1.0" encoding="utf-8"?>
-<p:sld xmlns:a="http://schemas.openxmlformats.org/drawingml/2006/main" xmlns:r="http://schemas.openxmlformats.org/officeDocument/2006/relationships" xmlns:p="http://schemas.openxmlformats.org/presentationml/2006/main">
-  <p:cSld>
-    <p:spTree>
-      <p:nvGrpSpPr>
-        <p:cNvPr id="1" name=""/>
-        <p:cNvGrpSpPr/>
-        <p:nvPr/>
-      </p:nvGrpSpPr>
-      <p:grpSpPr>
-        <a:xfrm>
-          <a:off x="0" y="0"/>
-          <a:ext cx="0" cy="0"/>
-          <a:chOff x="0" y="0"/>
-          <a:chExt cx="0" cy="0"/>
-        </a:xfrm>
-      </p:grpSpPr>
-      <p:sp>
-        <p:nvSpPr>
-          <p:cNvPr id="3" name="CuadroTexto 2">
-            <a:extLst>
-              <a:ext uri="{FF2B5EF4-FFF2-40B4-BE49-F238E27FC236}">
-                <a16:creationId xmlns:a16="http://schemas.microsoft.com/office/drawing/2014/main" id="{E2985033-2463-63F1-516D-F7D9BBAF700C}"/>
-              </a:ext>
-            </a:extLst>
-          </p:cNvPr>
-          <p:cNvSpPr txBox="1"/>
-          <p:nvPr/>
-        </p:nvSpPr>
-        <p:spPr>
-          <a:xfrm>
-            <a:off x="2252815" y="597968"/>
-            <a:ext cx="7776087" cy="1231106"/>
-          </a:xfrm>
-          <a:prstGeom prst="rect">
-            <a:avLst/>
-          </a:prstGeom>
-          <a:noFill/>
-        </p:spPr>
-        <p:txBody>
-          <a:bodyPr wrap="square">
-            <a:spAutoFit/>
-          </a:bodyPr>
-          <a:lstStyle/>
-          <a:p>
-            <a:r>
-              <a:rPr lang="es-MX" sz="2000" b="1" spc="-5" dirty="0">
-                <a:latin typeface="Calibri"/>
-                <a:cs typeface="Calibri"/>
-              </a:rPr>
-              <a:t>CANCELAR RESERVA.</a:t>
-            </a:r>
-            <a:r>
-              <a:rPr lang="es-MX" sz="2000" b="1" spc="190" dirty="0">
-                <a:latin typeface="Calibri"/>
-                <a:cs typeface="Calibri"/>
-              </a:rPr>
-              <a:t> </a:t>
-            </a:r>
-            <a:r>
-              <a:rPr lang="es-MX" sz="1800" dirty="0">
-                <a:latin typeface="Calibri"/>
-                <a:cs typeface="Calibri"/>
-              </a:rPr>
-              <a:t>Para cancelar </a:t>
-            </a:r>
-            <a:r>
-              <a:rPr lang="es-MX" dirty="0">
-                <a:latin typeface="Calibri"/>
-                <a:cs typeface="Calibri"/>
-              </a:rPr>
-              <a:t>la reserva realizada</a:t>
-            </a:r>
-            <a:r>
-              <a:rPr lang="es-MX" spc="-5" dirty="0">
-                <a:latin typeface="Calibri"/>
-                <a:cs typeface="Calibri"/>
-              </a:rPr>
-              <a:t> volvemos al menú en la parte donde nos dice “Cancelar tu reserva” damos clic y nos arrojara una tabla donde estarán nuestras reservas, le daremos clic en eliminar y nos arrojara a una vista que nos indicara la cancelación de esta. </a:t>
-            </a:r>
-            <a:endParaRPr lang="es-MX" dirty="0"/>
-          </a:p>
-        </p:txBody>
-      </p:sp>
-      <p:grpSp>
-        <p:nvGrpSpPr>
-          <p:cNvPr id="6" name="object 14">
-            <a:extLst>
-              <a:ext uri="{FF2B5EF4-FFF2-40B4-BE49-F238E27FC236}">
-                <a16:creationId xmlns:a16="http://schemas.microsoft.com/office/drawing/2014/main" id="{50FAC9D2-BA6B-702D-4D0B-04D75B45D340}"/>
-              </a:ext>
-            </a:extLst>
-          </p:cNvPr>
-          <p:cNvGrpSpPr/>
-          <p:nvPr/>
-        </p:nvGrpSpPr>
-        <p:grpSpPr>
-          <a:xfrm>
-            <a:off x="5778705" y="6141673"/>
-            <a:ext cx="1282700" cy="343535"/>
-            <a:chOff x="3238500" y="9463405"/>
-            <a:chExt cx="1282700" cy="343535"/>
-          </a:xfrm>
-        </p:grpSpPr>
-        <p:sp>
-          <p:nvSpPr>
-            <p:cNvPr id="7" name="object 15">
-              <a:extLst>
-                <a:ext uri="{FF2B5EF4-FFF2-40B4-BE49-F238E27FC236}">
-                  <a16:creationId xmlns:a16="http://schemas.microsoft.com/office/drawing/2014/main" id="{43839337-2D44-D681-4B5B-DE032DDA0F80}"/>
-                </a:ext>
-              </a:extLst>
-            </p:cNvPr>
-            <p:cNvSpPr/>
-            <p:nvPr/>
-          </p:nvSpPr>
-          <p:spPr>
-            <a:xfrm>
-              <a:off x="3238500" y="9463405"/>
-              <a:ext cx="1282700" cy="343535"/>
-            </a:xfrm>
-            <a:custGeom>
-              <a:avLst/>
-              <a:gdLst/>
-              <a:ahLst/>
-              <a:cxnLst/>
-              <a:rect l="l" t="t" r="r" b="b"/>
-              <a:pathLst>
-                <a:path w="1282700" h="343534">
-                  <a:moveTo>
-                    <a:pt x="1282700" y="0"/>
-                  </a:moveTo>
-                  <a:lnTo>
-                    <a:pt x="1234583" y="6200"/>
-                  </a:lnTo>
-                  <a:lnTo>
-                    <a:pt x="1186472" y="11917"/>
-                  </a:lnTo>
-                  <a:lnTo>
-                    <a:pt x="1138366" y="17151"/>
-                  </a:lnTo>
-                  <a:lnTo>
-                    <a:pt x="1090263" y="21901"/>
-                  </a:lnTo>
-                  <a:lnTo>
-                    <a:pt x="1042161" y="26168"/>
-                  </a:lnTo>
-                  <a:lnTo>
-                    <a:pt x="994060" y="29952"/>
-                  </a:lnTo>
-                  <a:lnTo>
-                    <a:pt x="945957" y="33252"/>
-                  </a:lnTo>
-                  <a:lnTo>
-                    <a:pt x="897851" y="36070"/>
-                  </a:lnTo>
-                  <a:lnTo>
-                    <a:pt x="849740" y="38406"/>
-                  </a:lnTo>
-                  <a:lnTo>
-                    <a:pt x="801624" y="40259"/>
-                  </a:lnTo>
-                  <a:lnTo>
-                    <a:pt x="962025" y="75145"/>
-                  </a:lnTo>
-                  <a:lnTo>
-                    <a:pt x="912698" y="78194"/>
-                  </a:lnTo>
-                  <a:lnTo>
-                    <a:pt x="863367" y="80735"/>
-                  </a:lnTo>
-                  <a:lnTo>
-                    <a:pt x="814033" y="82768"/>
-                  </a:lnTo>
-                  <a:lnTo>
-                    <a:pt x="764696" y="84292"/>
-                  </a:lnTo>
-                  <a:lnTo>
-                    <a:pt x="715358" y="85308"/>
-                  </a:lnTo>
-                  <a:lnTo>
-                    <a:pt x="666019" y="85817"/>
-                  </a:lnTo>
-                  <a:lnTo>
-                    <a:pt x="616680" y="85817"/>
-                  </a:lnTo>
-                  <a:lnTo>
-                    <a:pt x="567341" y="85308"/>
-                  </a:lnTo>
-                  <a:lnTo>
-                    <a:pt x="518003" y="84292"/>
-                  </a:lnTo>
-                  <a:lnTo>
-                    <a:pt x="468666" y="82768"/>
-                  </a:lnTo>
-                  <a:lnTo>
-                    <a:pt x="419332" y="80735"/>
-                  </a:lnTo>
-                  <a:lnTo>
-                    <a:pt x="370001" y="78194"/>
-                  </a:lnTo>
-                  <a:lnTo>
-                    <a:pt x="320675" y="75145"/>
-                  </a:lnTo>
-                  <a:lnTo>
-                    <a:pt x="480949" y="40259"/>
-                  </a:lnTo>
-                  <a:lnTo>
-                    <a:pt x="432863" y="38406"/>
-                  </a:lnTo>
-                  <a:lnTo>
-                    <a:pt x="384771" y="36070"/>
-                  </a:lnTo>
-                  <a:lnTo>
-                    <a:pt x="336674" y="33252"/>
-                  </a:lnTo>
-                  <a:lnTo>
-                    <a:pt x="288575" y="29952"/>
-                  </a:lnTo>
-                  <a:lnTo>
-                    <a:pt x="240474" y="26168"/>
-                  </a:lnTo>
-                  <a:lnTo>
-                    <a:pt x="192373" y="21901"/>
-                  </a:lnTo>
-                  <a:lnTo>
-                    <a:pt x="144274" y="17151"/>
-                  </a:lnTo>
-                  <a:lnTo>
-                    <a:pt x="96177" y="11917"/>
-                  </a:lnTo>
-                  <a:lnTo>
-                    <a:pt x="48085" y="6200"/>
-                  </a:lnTo>
-                  <a:lnTo>
-                    <a:pt x="0" y="0"/>
-                  </a:lnTo>
-                  <a:lnTo>
-                    <a:pt x="160274" y="147612"/>
-                  </a:lnTo>
-                  <a:lnTo>
-                    <a:pt x="0" y="257657"/>
-                  </a:lnTo>
-                  <a:lnTo>
-                    <a:pt x="53457" y="264515"/>
-                  </a:lnTo>
-                  <a:lnTo>
-                    <a:pt x="106901" y="270777"/>
-                  </a:lnTo>
-                  <a:lnTo>
-                    <a:pt x="160337" y="276442"/>
-                  </a:lnTo>
-                  <a:lnTo>
-                    <a:pt x="213773" y="281511"/>
-                  </a:lnTo>
-                  <a:lnTo>
-                    <a:pt x="267217" y="285985"/>
-                  </a:lnTo>
-                  <a:lnTo>
-                    <a:pt x="320675" y="289864"/>
-                  </a:lnTo>
-                  <a:lnTo>
-                    <a:pt x="320675" y="332803"/>
-                  </a:lnTo>
-                  <a:lnTo>
-                    <a:pt x="370001" y="335852"/>
-                  </a:lnTo>
-                  <a:lnTo>
-                    <a:pt x="419332" y="338393"/>
-                  </a:lnTo>
-                  <a:lnTo>
-                    <a:pt x="468666" y="340425"/>
-                  </a:lnTo>
-                  <a:lnTo>
-                    <a:pt x="518003" y="341950"/>
-                  </a:lnTo>
-                  <a:lnTo>
-                    <a:pt x="567341" y="342966"/>
-                  </a:lnTo>
-                  <a:lnTo>
-                    <a:pt x="616680" y="343474"/>
-                  </a:lnTo>
-                  <a:lnTo>
-                    <a:pt x="666019" y="343474"/>
-                  </a:lnTo>
-                  <a:lnTo>
-                    <a:pt x="715358" y="342966"/>
-                  </a:lnTo>
-                  <a:lnTo>
-                    <a:pt x="764696" y="341950"/>
-                  </a:lnTo>
-                  <a:lnTo>
-                    <a:pt x="814033" y="340425"/>
-                  </a:lnTo>
-                  <a:lnTo>
-                    <a:pt x="863367" y="338393"/>
-                  </a:lnTo>
-                  <a:lnTo>
-                    <a:pt x="912698" y="335852"/>
-                  </a:lnTo>
-                  <a:lnTo>
-                    <a:pt x="962025" y="332803"/>
-                  </a:lnTo>
-                  <a:lnTo>
-                    <a:pt x="962025" y="289864"/>
-                  </a:lnTo>
-                  <a:lnTo>
-                    <a:pt x="1015482" y="285985"/>
-                  </a:lnTo>
-                  <a:lnTo>
-                    <a:pt x="1068926" y="281511"/>
-                  </a:lnTo>
-                  <a:lnTo>
-                    <a:pt x="1122362" y="276442"/>
-                  </a:lnTo>
-                  <a:lnTo>
-                    <a:pt x="1175798" y="270777"/>
-                  </a:lnTo>
-                  <a:lnTo>
-                    <a:pt x="1229242" y="264515"/>
-                  </a:lnTo>
-                  <a:lnTo>
-                    <a:pt x="1282700" y="257657"/>
-                  </a:lnTo>
-                  <a:lnTo>
-                    <a:pt x="1122299" y="147612"/>
-                  </a:lnTo>
-                  <a:lnTo>
-                    <a:pt x="1282700" y="0"/>
-                  </a:lnTo>
-                  <a:close/>
-                </a:path>
-              </a:pathLst>
-            </a:custGeom>
-            <a:solidFill>
-              <a:srgbClr val="7E5F00"/>
-            </a:solidFill>
-          </p:spPr>
-          <p:txBody>
-            <a:bodyPr wrap="square" lIns="0" tIns="0" rIns="0" bIns="0" rtlCol="0"/>
-            <a:lstStyle/>
-            <a:p>
-              <a:endParaRPr dirty="0"/>
-            </a:p>
-          </p:txBody>
-        </p:sp>
-        <p:sp>
-          <p:nvSpPr>
-            <p:cNvPr id="8" name="object 16">
-              <a:extLst>
-                <a:ext uri="{FF2B5EF4-FFF2-40B4-BE49-F238E27FC236}">
-                  <a16:creationId xmlns:a16="http://schemas.microsoft.com/office/drawing/2014/main" id="{C48C049E-077C-8611-26B3-BAD471D2ED9D}"/>
-                </a:ext>
-              </a:extLst>
-            </p:cNvPr>
-            <p:cNvSpPr/>
-            <p:nvPr/>
-          </p:nvSpPr>
-          <p:spPr>
-            <a:xfrm>
-              <a:off x="3559175" y="9503664"/>
-              <a:ext cx="641350" cy="45720"/>
-            </a:xfrm>
-            <a:custGeom>
-              <a:avLst/>
-              <a:gdLst/>
-              <a:ahLst/>
-              <a:cxnLst/>
-              <a:rect l="l" t="t" r="r" b="b"/>
-              <a:pathLst>
-                <a:path w="641350" h="45720">
-                  <a:moveTo>
-                    <a:pt x="332602" y="45558"/>
-                  </a:moveTo>
-                  <a:lnTo>
-                    <a:pt x="308713" y="45558"/>
-                  </a:lnTo>
-                  <a:lnTo>
-                    <a:pt x="320659" y="45624"/>
-                  </a:lnTo>
-                  <a:lnTo>
-                    <a:pt x="332602" y="45558"/>
-                  </a:lnTo>
-                  <a:close/>
-                </a:path>
-                <a:path w="641350" h="45720">
-                  <a:moveTo>
-                    <a:pt x="280960" y="45403"/>
-                  </a:moveTo>
-                  <a:lnTo>
-                    <a:pt x="296005" y="45558"/>
-                  </a:lnTo>
-                  <a:lnTo>
-                    <a:pt x="308713" y="45558"/>
-                  </a:lnTo>
-                  <a:lnTo>
-                    <a:pt x="280960" y="45403"/>
-                  </a:lnTo>
-                  <a:close/>
-                </a:path>
-                <a:path w="641350" h="45720">
-                  <a:moveTo>
-                    <a:pt x="360436" y="45402"/>
-                  </a:moveTo>
-                  <a:lnTo>
-                    <a:pt x="332602" y="45558"/>
-                  </a:lnTo>
-                  <a:lnTo>
-                    <a:pt x="345344" y="45558"/>
-                  </a:lnTo>
-                  <a:lnTo>
-                    <a:pt x="360436" y="45402"/>
-                  </a:lnTo>
-                  <a:close/>
-                </a:path>
-                <a:path w="641350" h="45720">
-                  <a:moveTo>
-                    <a:pt x="257141" y="45157"/>
-                  </a:moveTo>
-                  <a:lnTo>
-                    <a:pt x="267203" y="45326"/>
-                  </a:lnTo>
-                  <a:lnTo>
-                    <a:pt x="280960" y="45403"/>
-                  </a:lnTo>
-                  <a:lnTo>
-                    <a:pt x="257141" y="45157"/>
-                  </a:lnTo>
-                  <a:close/>
-                </a:path>
-                <a:path w="641350" h="45720">
-                  <a:moveTo>
-                    <a:pt x="384083" y="45159"/>
-                  </a:moveTo>
-                  <a:lnTo>
-                    <a:pt x="360436" y="45402"/>
-                  </a:lnTo>
-                  <a:lnTo>
-                    <a:pt x="374104" y="45326"/>
-                  </a:lnTo>
-                  <a:lnTo>
-                    <a:pt x="384083" y="45159"/>
-                  </a:lnTo>
-                  <a:close/>
-                </a:path>
-                <a:path w="641350" h="45720">
-                  <a:moveTo>
-                    <a:pt x="412503" y="44682"/>
-                  </a:moveTo>
-                  <a:lnTo>
-                    <a:pt x="384083" y="45159"/>
-                  </a:lnTo>
-                  <a:lnTo>
-                    <a:pt x="394683" y="45049"/>
-                  </a:lnTo>
-                  <a:lnTo>
-                    <a:pt x="412503" y="44682"/>
-                  </a:lnTo>
-                  <a:close/>
-                </a:path>
-                <a:path w="641350" h="45720">
-                  <a:moveTo>
-                    <a:pt x="229129" y="44688"/>
-                  </a:moveTo>
-                  <a:lnTo>
-                    <a:pt x="246666" y="45049"/>
-                  </a:lnTo>
-                  <a:lnTo>
-                    <a:pt x="257141" y="45157"/>
-                  </a:lnTo>
-                  <a:lnTo>
-                    <a:pt x="229129" y="44688"/>
-                  </a:lnTo>
-                  <a:close/>
-                </a:path>
-                <a:path w="641350" h="45720">
-                  <a:moveTo>
-                    <a:pt x="205633" y="44204"/>
-                  </a:moveTo>
-                  <a:lnTo>
-                    <a:pt x="213740" y="44430"/>
-                  </a:lnTo>
-                  <a:lnTo>
-                    <a:pt x="229129" y="44688"/>
-                  </a:lnTo>
-                  <a:lnTo>
-                    <a:pt x="205633" y="44204"/>
-                  </a:lnTo>
-                  <a:close/>
-                </a:path>
-                <a:path w="641350" h="45720">
-                  <a:moveTo>
-                    <a:pt x="435403" y="44211"/>
-                  </a:moveTo>
-                  <a:lnTo>
-                    <a:pt x="412503" y="44682"/>
-                  </a:lnTo>
-                  <a:lnTo>
-                    <a:pt x="427535" y="44430"/>
-                  </a:lnTo>
-                  <a:lnTo>
-                    <a:pt x="435403" y="44211"/>
-                  </a:lnTo>
-                  <a:close/>
-                </a:path>
-                <a:path w="641350" h="45720">
-                  <a:moveTo>
-                    <a:pt x="465379" y="43373"/>
-                  </a:moveTo>
-                  <a:lnTo>
-                    <a:pt x="435403" y="44211"/>
-                  </a:lnTo>
-                  <a:lnTo>
-                    <a:pt x="444021" y="44033"/>
-                  </a:lnTo>
-                  <a:lnTo>
-                    <a:pt x="465379" y="43373"/>
-                  </a:lnTo>
-                  <a:close/>
-                </a:path>
-                <a:path w="641350" h="45720">
-                  <a:moveTo>
-                    <a:pt x="177012" y="43405"/>
-                  </a:moveTo>
-                  <a:lnTo>
-                    <a:pt x="197328" y="44033"/>
-                  </a:lnTo>
-                  <a:lnTo>
-                    <a:pt x="205633" y="44204"/>
-                  </a:lnTo>
-                  <a:lnTo>
-                    <a:pt x="177012" y="43405"/>
-                  </a:lnTo>
-                  <a:close/>
-                </a:path>
-                <a:path w="641350" h="45720">
-                  <a:moveTo>
-                    <a:pt x="160274" y="42888"/>
-                  </a:moveTo>
-                  <a:lnTo>
-                    <a:pt x="177012" y="43405"/>
-                  </a:lnTo>
-                  <a:lnTo>
-                    <a:pt x="160274" y="42888"/>
-                  </a:lnTo>
-                  <a:close/>
-                </a:path>
-                <a:path w="641350" h="45720">
-                  <a:moveTo>
-                    <a:pt x="480949" y="42892"/>
-                  </a:moveTo>
-                  <a:lnTo>
-                    <a:pt x="465379" y="43373"/>
-                  </a:lnTo>
-                  <a:lnTo>
-                    <a:pt x="480949" y="42938"/>
-                  </a:lnTo>
-                  <a:close/>
-                </a:path>
-                <a:path w="641350" h="45720">
-                  <a:moveTo>
-                    <a:pt x="480949" y="0"/>
-                  </a:moveTo>
-                  <a:lnTo>
-                    <a:pt x="480949" y="42892"/>
-                  </a:lnTo>
-                  <a:lnTo>
-                    <a:pt x="493358" y="42509"/>
-                  </a:lnTo>
-                  <a:lnTo>
-                    <a:pt x="542692" y="40476"/>
-                  </a:lnTo>
-                  <a:lnTo>
-                    <a:pt x="592023" y="37935"/>
-                  </a:lnTo>
-                  <a:lnTo>
-                    <a:pt x="641350" y="34886"/>
-                  </a:lnTo>
-                  <a:lnTo>
-                    <a:pt x="480949" y="0"/>
-                  </a:lnTo>
-                  <a:close/>
-                </a:path>
-                <a:path w="641350" h="45720">
-                  <a:moveTo>
-                    <a:pt x="160274" y="0"/>
-                  </a:moveTo>
-                  <a:lnTo>
-                    <a:pt x="0" y="34886"/>
-                  </a:lnTo>
-                  <a:lnTo>
-                    <a:pt x="49326" y="37935"/>
-                  </a:lnTo>
-                  <a:lnTo>
-                    <a:pt x="98657" y="40476"/>
-                  </a:lnTo>
-                  <a:lnTo>
-                    <a:pt x="147991" y="42509"/>
-                  </a:lnTo>
-                  <a:lnTo>
-                    <a:pt x="160274" y="42888"/>
-                  </a:lnTo>
-                  <a:lnTo>
-                    <a:pt x="160274" y="0"/>
-                  </a:lnTo>
-                  <a:close/>
-                </a:path>
-              </a:pathLst>
-            </a:custGeom>
-            <a:solidFill>
-              <a:srgbClr val="664D00"/>
-            </a:solidFill>
-          </p:spPr>
-          <p:txBody>
-            <a:bodyPr wrap="square" lIns="0" tIns="0" rIns="0" bIns="0" rtlCol="0"/>
-            <a:lstStyle/>
-            <a:p>
-              <a:endParaRPr/>
-            </a:p>
-          </p:txBody>
-        </p:sp>
-        <p:sp>
-          <p:nvSpPr>
-            <p:cNvPr id="9" name="object 17">
-              <a:extLst>
-                <a:ext uri="{FF2B5EF4-FFF2-40B4-BE49-F238E27FC236}">
-                  <a16:creationId xmlns:a16="http://schemas.microsoft.com/office/drawing/2014/main" id="{B20152E7-60FB-0504-ED39-EB0106D6D9A4}"/>
-                </a:ext>
-              </a:extLst>
-            </p:cNvPr>
-            <p:cNvSpPr/>
-            <p:nvPr/>
-          </p:nvSpPr>
-          <p:spPr>
-            <a:xfrm>
-              <a:off x="3238500" y="9463405"/>
-              <a:ext cx="1282700" cy="343535"/>
-            </a:xfrm>
-            <a:custGeom>
-              <a:avLst/>
-              <a:gdLst/>
-              <a:ahLst/>
-              <a:cxnLst/>
-              <a:rect l="l" t="t" r="r" b="b"/>
-              <a:pathLst>
-                <a:path w="1282700" h="343534">
-                  <a:moveTo>
-                    <a:pt x="0" y="0"/>
-                  </a:moveTo>
-                  <a:lnTo>
-                    <a:pt x="48085" y="6200"/>
-                  </a:lnTo>
-                  <a:lnTo>
-                    <a:pt x="96177" y="11917"/>
-                  </a:lnTo>
-                  <a:lnTo>
-                    <a:pt x="144274" y="17151"/>
-                  </a:lnTo>
-                  <a:lnTo>
-                    <a:pt x="192373" y="21901"/>
-                  </a:lnTo>
-                  <a:lnTo>
-                    <a:pt x="240474" y="26168"/>
-                  </a:lnTo>
-                  <a:lnTo>
-                    <a:pt x="288575" y="29952"/>
-                  </a:lnTo>
-                  <a:lnTo>
-                    <a:pt x="336674" y="33252"/>
-                  </a:lnTo>
-                  <a:lnTo>
-                    <a:pt x="384771" y="36070"/>
-                  </a:lnTo>
-                  <a:lnTo>
-                    <a:pt x="432863" y="38406"/>
-                  </a:lnTo>
-                  <a:lnTo>
-                    <a:pt x="480949" y="40259"/>
-                  </a:lnTo>
-                  <a:lnTo>
-                    <a:pt x="320675" y="75145"/>
-                  </a:lnTo>
-                  <a:lnTo>
-                    <a:pt x="370001" y="78194"/>
-                  </a:lnTo>
-                  <a:lnTo>
-                    <a:pt x="419332" y="80735"/>
-                  </a:lnTo>
-                  <a:lnTo>
-                    <a:pt x="468666" y="82768"/>
-                  </a:lnTo>
-                  <a:lnTo>
-                    <a:pt x="518003" y="84292"/>
-                  </a:lnTo>
-                  <a:lnTo>
-                    <a:pt x="567341" y="85308"/>
-                  </a:lnTo>
-                  <a:lnTo>
-                    <a:pt x="616680" y="85817"/>
-                  </a:lnTo>
-                  <a:lnTo>
-                    <a:pt x="666019" y="85817"/>
-                  </a:lnTo>
-                  <a:lnTo>
-                    <a:pt x="715358" y="85308"/>
-                  </a:lnTo>
-                  <a:lnTo>
-                    <a:pt x="764696" y="84292"/>
-                  </a:lnTo>
-                  <a:lnTo>
-                    <a:pt x="814033" y="82768"/>
-                  </a:lnTo>
-                  <a:lnTo>
-                    <a:pt x="863367" y="80735"/>
-                  </a:lnTo>
-                  <a:lnTo>
-                    <a:pt x="912698" y="78194"/>
-                  </a:lnTo>
-                  <a:lnTo>
-                    <a:pt x="962025" y="75145"/>
-                  </a:lnTo>
-                  <a:lnTo>
-                    <a:pt x="801624" y="40259"/>
-                  </a:lnTo>
-                  <a:lnTo>
-                    <a:pt x="849740" y="38406"/>
-                  </a:lnTo>
-                  <a:lnTo>
-                    <a:pt x="897851" y="36070"/>
-                  </a:lnTo>
-                  <a:lnTo>
-                    <a:pt x="945957" y="33252"/>
-                  </a:lnTo>
-                  <a:lnTo>
-                    <a:pt x="994060" y="29952"/>
-                  </a:lnTo>
-                  <a:lnTo>
-                    <a:pt x="1042161" y="26168"/>
-                  </a:lnTo>
-                  <a:lnTo>
-                    <a:pt x="1090263" y="21901"/>
-                  </a:lnTo>
-                  <a:lnTo>
-                    <a:pt x="1138366" y="17151"/>
-                  </a:lnTo>
-                  <a:lnTo>
-                    <a:pt x="1186472" y="11917"/>
-                  </a:lnTo>
-                  <a:lnTo>
-                    <a:pt x="1234583" y="6200"/>
-                  </a:lnTo>
-                  <a:lnTo>
-                    <a:pt x="1282700" y="0"/>
-                  </a:lnTo>
-                  <a:lnTo>
-                    <a:pt x="1122299" y="147612"/>
-                  </a:lnTo>
-                  <a:lnTo>
-                    <a:pt x="1282700" y="257657"/>
-                  </a:lnTo>
-                  <a:lnTo>
-                    <a:pt x="1229242" y="264515"/>
-                  </a:lnTo>
-                  <a:lnTo>
-                    <a:pt x="1175798" y="270777"/>
-                  </a:lnTo>
-                  <a:lnTo>
-                    <a:pt x="1122362" y="276442"/>
-                  </a:lnTo>
-                  <a:lnTo>
-                    <a:pt x="1068926" y="281511"/>
-                  </a:lnTo>
-                  <a:lnTo>
-                    <a:pt x="1015482" y="285985"/>
-                  </a:lnTo>
-                  <a:lnTo>
-                    <a:pt x="962025" y="289864"/>
-                  </a:lnTo>
-                  <a:lnTo>
-                    <a:pt x="962025" y="332803"/>
-                  </a:lnTo>
-                  <a:lnTo>
-                    <a:pt x="912698" y="335852"/>
-                  </a:lnTo>
-                  <a:lnTo>
-                    <a:pt x="863367" y="338393"/>
-                  </a:lnTo>
-                  <a:lnTo>
-                    <a:pt x="814033" y="340425"/>
-                  </a:lnTo>
-                  <a:lnTo>
-                    <a:pt x="764696" y="341950"/>
-                  </a:lnTo>
-                  <a:lnTo>
-                    <a:pt x="715358" y="342966"/>
-                  </a:lnTo>
-                  <a:lnTo>
-                    <a:pt x="666019" y="343474"/>
-                  </a:lnTo>
-                  <a:lnTo>
-                    <a:pt x="616680" y="343474"/>
-                  </a:lnTo>
-                  <a:lnTo>
-                    <a:pt x="567341" y="342966"/>
-                  </a:lnTo>
-                  <a:lnTo>
-                    <a:pt x="518003" y="341950"/>
-                  </a:lnTo>
-                  <a:lnTo>
-                    <a:pt x="468666" y="340425"/>
-                  </a:lnTo>
-                  <a:lnTo>
-                    <a:pt x="419332" y="338393"/>
-                  </a:lnTo>
-                  <a:lnTo>
-                    <a:pt x="370001" y="335852"/>
-                  </a:lnTo>
-                  <a:lnTo>
-                    <a:pt x="320675" y="332803"/>
-                  </a:lnTo>
-                  <a:lnTo>
-                    <a:pt x="320675" y="289864"/>
-                  </a:lnTo>
-                  <a:lnTo>
-                    <a:pt x="267217" y="285985"/>
-                  </a:lnTo>
-                  <a:lnTo>
-                    <a:pt x="213773" y="281511"/>
-                  </a:lnTo>
-                  <a:lnTo>
-                    <a:pt x="160337" y="276442"/>
-                  </a:lnTo>
-                  <a:lnTo>
-                    <a:pt x="106901" y="270777"/>
-                  </a:lnTo>
-                  <a:lnTo>
-                    <a:pt x="53457" y="264515"/>
-                  </a:lnTo>
-                  <a:lnTo>
-                    <a:pt x="0" y="257657"/>
-                  </a:lnTo>
-                  <a:lnTo>
-                    <a:pt x="160274" y="147612"/>
-                  </a:lnTo>
-                  <a:lnTo>
-                    <a:pt x="0" y="0"/>
-                  </a:lnTo>
-                  <a:close/>
-                </a:path>
-                <a:path w="1282700" h="343534">
-                  <a:moveTo>
-                    <a:pt x="320675" y="289864"/>
-                  </a:moveTo>
-                  <a:lnTo>
-                    <a:pt x="320675" y="75145"/>
-                  </a:lnTo>
-                </a:path>
-                <a:path w="1282700" h="343534">
-                  <a:moveTo>
-                    <a:pt x="962025" y="75145"/>
-                  </a:moveTo>
-                  <a:lnTo>
-                    <a:pt x="962025" y="289864"/>
-                  </a:lnTo>
-                </a:path>
-                <a:path w="1282700" h="343534">
-                  <a:moveTo>
-                    <a:pt x="480949" y="40259"/>
-                  </a:moveTo>
-                  <a:lnTo>
-                    <a:pt x="480949" y="83197"/>
-                  </a:lnTo>
-                </a:path>
-                <a:path w="1282700" h="343534">
-                  <a:moveTo>
-                    <a:pt x="801624" y="83197"/>
-                  </a:moveTo>
-                  <a:lnTo>
-                    <a:pt x="801624" y="40259"/>
-                  </a:lnTo>
-                </a:path>
-              </a:pathLst>
-            </a:custGeom>
-            <a:ln w="9525">
-              <a:solidFill>
-                <a:srgbClr val="FFC000"/>
-              </a:solidFill>
-            </a:ln>
-          </p:spPr>
-          <p:txBody>
-            <a:bodyPr wrap="square" lIns="0" tIns="0" rIns="0" bIns="0" rtlCol="0"/>
-            <a:lstStyle/>
-            <a:p>
-              <a:endParaRPr dirty="0"/>
-            </a:p>
-          </p:txBody>
-        </p:sp>
-      </p:grpSp>
-      <p:sp>
-        <p:nvSpPr>
-          <p:cNvPr id="10" name="CuadroTexto 9">
-            <a:extLst>
-              <a:ext uri="{FF2B5EF4-FFF2-40B4-BE49-F238E27FC236}">
-                <a16:creationId xmlns:a16="http://schemas.microsoft.com/office/drawing/2014/main" id="{9C1C8AC1-A569-C1FD-5C31-29C61A443DA0}"/>
-              </a:ext>
-            </a:extLst>
-          </p:cNvPr>
-          <p:cNvSpPr txBox="1"/>
-          <p:nvPr/>
-        </p:nvSpPr>
-        <p:spPr>
-          <a:xfrm>
-            <a:off x="6092823" y="6190755"/>
-            <a:ext cx="654464" cy="369332"/>
-          </a:xfrm>
-          <a:prstGeom prst="rect">
-            <a:avLst/>
-          </a:prstGeom>
-          <a:noFill/>
-        </p:spPr>
-        <p:txBody>
-          <a:bodyPr wrap="square" rtlCol="0">
-            <a:spAutoFit/>
-          </a:bodyPr>
-          <a:lstStyle/>
-          <a:p>
-            <a:pPr algn="ctr"/>
-            <a:r>
-              <a:rPr lang="es-MX" dirty="0">
-                <a:solidFill>
-                  <a:schemeClr val="bg1"/>
-                </a:solidFill>
-              </a:rPr>
-              <a:t>8</a:t>
-            </a:r>
-          </a:p>
-        </p:txBody>
-      </p:sp>
-    </p:spTree>
-    <p:extLst>
-      <p:ext uri="{BB962C8B-B14F-4D97-AF65-F5344CB8AC3E}">
-        <p14:creationId xmlns:p14="http://schemas.microsoft.com/office/powerpoint/2010/main" val="4289330406"/>
+        <p14:creationId xmlns:p14="http://schemas.microsoft.com/office/powerpoint/2010/main" val="1910739831"/>
       </p:ext>
     </p:extLst>
   </p:cSld>

--- a/assets/docs/Trimestre V/04_Manual_Usuario/cancheros manual usuario .pptx
+++ b/assets/docs/Trimestre V/04_Manual_Usuario/cancheros manual usuario .pptx
@@ -18,6 +18,8 @@
     <p:sldId id="262" r:id="rId12"/>
     <p:sldId id="269" r:id="rId13"/>
     <p:sldId id="263" r:id="rId14"/>
+    <p:sldId id="270" r:id="rId15"/>
+    <p:sldId id="271" r:id="rId16"/>
   </p:sldIdLst>
   <p:sldSz cx="12192000" cy="6858000"/>
   <p:notesSz cx="6858000" cy="9144000"/>
@@ -525,7 +527,7 @@
           <a:p>
             <a:fld id="{C79C15E1-9365-4DE8-962E-FAF14BB27C7C}" type="datetimeFigureOut">
               <a:rPr lang="es-MX" smtClean="0"/>
-              <a:t>11/09/2024</a:t>
+              <a:t>12/09/2024</a:t>
             </a:fld>
             <a:endParaRPr lang="es-MX"/>
           </a:p>
@@ -725,7 +727,7 @@
           <a:p>
             <a:fld id="{C79C15E1-9365-4DE8-962E-FAF14BB27C7C}" type="datetimeFigureOut">
               <a:rPr lang="es-MX" smtClean="0"/>
-              <a:t>11/09/2024</a:t>
+              <a:t>12/09/2024</a:t>
             </a:fld>
             <a:endParaRPr lang="es-MX"/>
           </a:p>
@@ -935,7 +937,7 @@
           <a:p>
             <a:fld id="{C79C15E1-9365-4DE8-962E-FAF14BB27C7C}" type="datetimeFigureOut">
               <a:rPr lang="es-MX" smtClean="0"/>
-              <a:t>11/09/2024</a:t>
+              <a:t>12/09/2024</a:t>
             </a:fld>
             <a:endParaRPr lang="es-MX"/>
           </a:p>
@@ -1135,7 +1137,7 @@
           <a:p>
             <a:fld id="{C79C15E1-9365-4DE8-962E-FAF14BB27C7C}" type="datetimeFigureOut">
               <a:rPr lang="es-MX" smtClean="0"/>
-              <a:t>11/09/2024</a:t>
+              <a:t>12/09/2024</a:t>
             </a:fld>
             <a:endParaRPr lang="es-MX"/>
           </a:p>
@@ -1411,7 +1413,7 @@
           <a:p>
             <a:fld id="{C79C15E1-9365-4DE8-962E-FAF14BB27C7C}" type="datetimeFigureOut">
               <a:rPr lang="es-MX" smtClean="0"/>
-              <a:t>11/09/2024</a:t>
+              <a:t>12/09/2024</a:t>
             </a:fld>
             <a:endParaRPr lang="es-MX"/>
           </a:p>
@@ -1679,7 +1681,7 @@
           <a:p>
             <a:fld id="{C79C15E1-9365-4DE8-962E-FAF14BB27C7C}" type="datetimeFigureOut">
               <a:rPr lang="es-MX" smtClean="0"/>
-              <a:t>11/09/2024</a:t>
+              <a:t>12/09/2024</a:t>
             </a:fld>
             <a:endParaRPr lang="es-MX"/>
           </a:p>
@@ -2094,7 +2096,7 @@
           <a:p>
             <a:fld id="{C79C15E1-9365-4DE8-962E-FAF14BB27C7C}" type="datetimeFigureOut">
               <a:rPr lang="es-MX" smtClean="0"/>
-              <a:t>11/09/2024</a:t>
+              <a:t>12/09/2024</a:t>
             </a:fld>
             <a:endParaRPr lang="es-MX"/>
           </a:p>
@@ -2236,7 +2238,7 @@
           <a:p>
             <a:fld id="{C79C15E1-9365-4DE8-962E-FAF14BB27C7C}" type="datetimeFigureOut">
               <a:rPr lang="es-MX" smtClean="0"/>
-              <a:t>11/09/2024</a:t>
+              <a:t>12/09/2024</a:t>
             </a:fld>
             <a:endParaRPr lang="es-MX"/>
           </a:p>
@@ -2349,7 +2351,7 @@
           <a:p>
             <a:fld id="{C79C15E1-9365-4DE8-962E-FAF14BB27C7C}" type="datetimeFigureOut">
               <a:rPr lang="es-MX" smtClean="0"/>
-              <a:t>11/09/2024</a:t>
+              <a:t>12/09/2024</a:t>
             </a:fld>
             <a:endParaRPr lang="es-MX"/>
           </a:p>
@@ -2662,7 +2664,7 @@
           <a:p>
             <a:fld id="{C79C15E1-9365-4DE8-962E-FAF14BB27C7C}" type="datetimeFigureOut">
               <a:rPr lang="es-MX" smtClean="0"/>
-              <a:t>11/09/2024</a:t>
+              <a:t>12/09/2024</a:t>
             </a:fld>
             <a:endParaRPr lang="es-MX"/>
           </a:p>
@@ -2951,7 +2953,7 @@
           <a:p>
             <a:fld id="{C79C15E1-9365-4DE8-962E-FAF14BB27C7C}" type="datetimeFigureOut">
               <a:rPr lang="es-MX" smtClean="0"/>
-              <a:t>11/09/2024</a:t>
+              <a:t>12/09/2024</a:t>
             </a:fld>
             <a:endParaRPr lang="es-MX"/>
           </a:p>
@@ -3194,7 +3196,7 @@
           <a:p>
             <a:fld id="{C79C15E1-9365-4DE8-962E-FAF14BB27C7C}" type="datetimeFigureOut">
               <a:rPr lang="es-MX" smtClean="0"/>
-              <a:t>11/09/2024</a:t>
+              <a:t>12/09/2024</a:t>
             </a:fld>
             <a:endParaRPr lang="es-MX"/>
           </a:p>
@@ -5732,6 +5734,16 @@
           <a:prstGeom prst="rect">
             <a:avLst/>
           </a:prstGeom>
+          <a:ln>
+            <a:noFill/>
+          </a:ln>
+          <a:effectLst>
+            <a:outerShdw blurRad="292100" dist="139700" dir="2700000" algn="tl" rotWithShape="0">
+              <a:srgbClr val="333333">
+                <a:alpha val="65000"/>
+              </a:srgbClr>
+            </a:outerShdw>
+          </a:effectLst>
         </p:spPr>
       </p:pic>
       <mc:AlternateContent xmlns:mc="http://schemas.openxmlformats.org/markup-compatibility/2006" xmlns:p14="http://schemas.microsoft.com/office/powerpoint/2010/main">
@@ -6821,6 +6833,16 @@
           <a:prstGeom prst="rect">
             <a:avLst/>
           </a:prstGeom>
+          <a:ln>
+            <a:noFill/>
+          </a:ln>
+          <a:effectLst>
+            <a:outerShdw blurRad="292100" dist="139700" dir="2700000" algn="tl" rotWithShape="0">
+              <a:srgbClr val="333333">
+                <a:alpha val="65000"/>
+              </a:srgbClr>
+            </a:outerShdw>
+          </a:effectLst>
         </p:spPr>
       </p:pic>
       <mc:AlternateContent xmlns:mc="http://schemas.openxmlformats.org/markup-compatibility/2006" xmlns:p14="http://schemas.microsoft.com/office/powerpoint/2010/main">
@@ -6919,7 +6941,7 @@
         <p:spPr>
           <a:xfrm>
             <a:off x="2037939" y="620915"/>
-            <a:ext cx="8764230" cy="400110"/>
+            <a:ext cx="8764230" cy="677108"/>
           </a:xfrm>
           <a:prstGeom prst="rect">
             <a:avLst/>
@@ -6958,7 +6980,7 @@
                 <a:latin typeface="Calibri"/>
                 <a:cs typeface="Calibri"/>
               </a:rPr>
-              <a:t>s diligenciaremos el formulario que nos aparece.</a:t>
+              <a:t>s diligenciaremos el formulario que nos aparece para dejar hecha nuestra reserva, y enviándonos un mensaje de reserva exitosa. </a:t>
             </a:r>
             <a:endParaRPr lang="es-MX" dirty="0"/>
           </a:p>
@@ -7813,11 +7835,103 @@
                   <a:schemeClr val="bg1"/>
                 </a:solidFill>
               </a:rPr>
-              <a:t>11</a:t>
+              <a:t>12</a:t>
             </a:r>
           </a:p>
         </p:txBody>
       </p:sp>
+      <p:pic>
+        <p:nvPicPr>
+          <p:cNvPr id="4" name="Imagen 3" descr="Interfaz de usuario gráfica, Aplicación&#10;&#10;Descripción generada automáticamente">
+            <a:extLst>
+              <a:ext uri="{FF2B5EF4-FFF2-40B4-BE49-F238E27FC236}">
+                <a16:creationId xmlns:a16="http://schemas.microsoft.com/office/drawing/2014/main" id="{31066A03-3CBF-A225-78DF-B914B1EF6BCD}"/>
+              </a:ext>
+            </a:extLst>
+          </p:cNvPr>
+          <p:cNvPicPr>
+            <a:picLocks noChangeAspect="1"/>
+          </p:cNvPicPr>
+          <p:nvPr/>
+        </p:nvPicPr>
+        <p:blipFill>
+          <a:blip r:embed="rId2">
+            <a:extLst>
+              <a:ext uri="{28A0092B-C50C-407E-A947-70E740481C1C}">
+                <a14:useLocalDpi xmlns:a14="http://schemas.microsoft.com/office/drawing/2010/main" val="0"/>
+              </a:ext>
+            </a:extLst>
+          </a:blip>
+          <a:stretch>
+            <a:fillRect/>
+          </a:stretch>
+        </p:blipFill>
+        <p:spPr>
+          <a:xfrm>
+            <a:off x="1313426" y="1415374"/>
+            <a:ext cx="3809175" cy="4608947"/>
+          </a:xfrm>
+          <a:prstGeom prst="rect">
+            <a:avLst/>
+          </a:prstGeom>
+          <a:ln>
+            <a:noFill/>
+          </a:ln>
+          <a:effectLst>
+            <a:outerShdw blurRad="292100" dist="139700" dir="2700000" algn="tl" rotWithShape="0">
+              <a:srgbClr val="333333">
+                <a:alpha val="65000"/>
+              </a:srgbClr>
+            </a:outerShdw>
+          </a:effectLst>
+        </p:spPr>
+      </p:pic>
+      <p:pic>
+        <p:nvPicPr>
+          <p:cNvPr id="11" name="Imagen 10" descr="Texto&#10;&#10;Descripción generada automáticamente">
+            <a:extLst>
+              <a:ext uri="{FF2B5EF4-FFF2-40B4-BE49-F238E27FC236}">
+                <a16:creationId xmlns:a16="http://schemas.microsoft.com/office/drawing/2014/main" id="{9F5A49A5-35EC-D8F5-8E33-623BEDE68D1A}"/>
+              </a:ext>
+            </a:extLst>
+          </p:cNvPr>
+          <p:cNvPicPr>
+            <a:picLocks noChangeAspect="1"/>
+          </p:cNvPicPr>
+          <p:nvPr/>
+        </p:nvPicPr>
+        <p:blipFill>
+          <a:blip r:embed="rId3">
+            <a:extLst>
+              <a:ext uri="{28A0092B-C50C-407E-A947-70E740481C1C}">
+                <a14:useLocalDpi xmlns:a14="http://schemas.microsoft.com/office/drawing/2010/main" val="0"/>
+              </a:ext>
+            </a:extLst>
+          </a:blip>
+          <a:stretch>
+            <a:fillRect/>
+          </a:stretch>
+        </p:blipFill>
+        <p:spPr>
+          <a:xfrm>
+            <a:off x="5775633" y="2241754"/>
+            <a:ext cx="5827097" cy="3466485"/>
+          </a:xfrm>
+          <a:prstGeom prst="rect">
+            <a:avLst/>
+          </a:prstGeom>
+          <a:ln>
+            <a:noFill/>
+          </a:ln>
+          <a:effectLst>
+            <a:outerShdw blurRad="292100" dist="139700" dir="2700000" algn="tl" rotWithShape="0">
+              <a:srgbClr val="333333">
+                <a:alpha val="65000"/>
+              </a:srgbClr>
+            </a:outerShdw>
+          </a:effectLst>
+        </p:spPr>
+      </p:pic>
     </p:spTree>
     <p:extLst>
       <p:ext uri="{BB962C8B-B14F-4D97-AF65-F5344CB8AC3E}">
@@ -7863,7 +7977,7 @@
         <p:spPr>
           <a:xfrm>
             <a:off x="2252815" y="597968"/>
-            <a:ext cx="7776087" cy="1231106"/>
+            <a:ext cx="7776087" cy="677108"/>
           </a:xfrm>
           <a:prstGeom prst="rect">
             <a:avLst/>
@@ -7909,7 +8023,7 @@
                 <a:latin typeface="Calibri"/>
                 <a:cs typeface="Calibri"/>
               </a:rPr>
-              <a:t> volvemos al menú en la parte donde nos dice “Cancelar tu reserva” damos clic y nos arrojara una tabla donde estarán nuestras reservas, le daremos clic en eliminar y nos arrojara a una vista que nos indicara la cancelación de esta. </a:t>
+              <a:t> volvemos al menú en la parte donde nos dice “Mis Reservas “</a:t>
             </a:r>
             <a:endParaRPr lang="es-MX" dirty="0"/>
           </a:p>
@@ -8764,15 +8878,2129 @@
                   <a:schemeClr val="bg1"/>
                 </a:solidFill>
               </a:rPr>
-              <a:t>12</a:t>
+              <a:t>13</a:t>
             </a:r>
           </a:p>
         </p:txBody>
       </p:sp>
+      <p:pic>
+        <p:nvPicPr>
+          <p:cNvPr id="4" name="Imagen 3" descr="Texto, Carta&#10;&#10;Descripción generada automáticamente">
+            <a:extLst>
+              <a:ext uri="{FF2B5EF4-FFF2-40B4-BE49-F238E27FC236}">
+                <a16:creationId xmlns:a16="http://schemas.microsoft.com/office/drawing/2014/main" id="{E91E0F4F-6A0B-1070-68C6-60B85748EAD3}"/>
+              </a:ext>
+            </a:extLst>
+          </p:cNvPr>
+          <p:cNvPicPr>
+            <a:picLocks noChangeAspect="1"/>
+          </p:cNvPicPr>
+          <p:nvPr/>
+        </p:nvPicPr>
+        <p:blipFill>
+          <a:blip r:embed="rId2">
+            <a:extLst>
+              <a:ext uri="{28A0092B-C50C-407E-A947-70E740481C1C}">
+                <a14:useLocalDpi xmlns:a14="http://schemas.microsoft.com/office/drawing/2010/main" val="0"/>
+              </a:ext>
+            </a:extLst>
+          </a:blip>
+          <a:stretch>
+            <a:fillRect/>
+          </a:stretch>
+        </p:blipFill>
+        <p:spPr>
+          <a:xfrm>
+            <a:off x="4987479" y="1312515"/>
+            <a:ext cx="2865151" cy="4791718"/>
+          </a:xfrm>
+          <a:prstGeom prst="rect">
+            <a:avLst/>
+          </a:prstGeom>
+          <a:ln>
+            <a:noFill/>
+          </a:ln>
+          <a:effectLst>
+            <a:outerShdw blurRad="292100" dist="139700" dir="2700000" algn="tl" rotWithShape="0">
+              <a:srgbClr val="333333">
+                <a:alpha val="65000"/>
+              </a:srgbClr>
+            </a:outerShdw>
+          </a:effectLst>
+        </p:spPr>
+      </p:pic>
     </p:spTree>
     <p:extLst>
       <p:ext uri="{BB962C8B-B14F-4D97-AF65-F5344CB8AC3E}">
         <p14:creationId xmlns:p14="http://schemas.microsoft.com/office/powerpoint/2010/main" val="4289330406"/>
+      </p:ext>
+    </p:extLst>
+  </p:cSld>
+  <p:clrMapOvr>
+    <a:masterClrMapping/>
+  </p:clrMapOvr>
+</p:sld>
+</file>
+
+<file path=ppt/slides/slide14.xml><?xml version="1.0" encoding="utf-8"?>
+<p:sld xmlns:a="http://schemas.openxmlformats.org/drawingml/2006/main" xmlns:r="http://schemas.openxmlformats.org/officeDocument/2006/relationships" xmlns:p="http://schemas.openxmlformats.org/presentationml/2006/main">
+  <p:cSld>
+    <p:spTree>
+      <p:nvGrpSpPr>
+        <p:cNvPr id="1" name=""/>
+        <p:cNvGrpSpPr/>
+        <p:nvPr/>
+      </p:nvGrpSpPr>
+      <p:grpSpPr>
+        <a:xfrm>
+          <a:off x="0" y="0"/>
+          <a:ext cx="0" cy="0"/>
+          <a:chOff x="0" y="0"/>
+          <a:chExt cx="0" cy="0"/>
+        </a:xfrm>
+      </p:grpSpPr>
+      <p:sp>
+        <p:nvSpPr>
+          <p:cNvPr id="3" name="CuadroTexto 2">
+            <a:extLst>
+              <a:ext uri="{FF2B5EF4-FFF2-40B4-BE49-F238E27FC236}">
+                <a16:creationId xmlns:a16="http://schemas.microsoft.com/office/drawing/2014/main" id="{E2985033-2463-63F1-516D-F7D9BBAF700C}"/>
+              </a:ext>
+            </a:extLst>
+          </p:cNvPr>
+          <p:cNvSpPr txBox="1"/>
+          <p:nvPr/>
+        </p:nvSpPr>
+        <p:spPr>
+          <a:xfrm>
+            <a:off x="2252815" y="597968"/>
+            <a:ext cx="7776087" cy="400110"/>
+          </a:xfrm>
+          <a:prstGeom prst="rect">
+            <a:avLst/>
+          </a:prstGeom>
+          <a:noFill/>
+        </p:spPr>
+        <p:txBody>
+          <a:bodyPr wrap="square">
+            <a:spAutoFit/>
+          </a:bodyPr>
+          <a:lstStyle/>
+          <a:p>
+            <a:r>
+              <a:rPr lang="es-MX" sz="2000" b="1" spc="-5" dirty="0">
+                <a:latin typeface="Calibri"/>
+                <a:cs typeface="Calibri"/>
+              </a:rPr>
+              <a:t>CANCELAR RESERVA.</a:t>
+            </a:r>
+            <a:r>
+              <a:rPr lang="es-MX" sz="2000" b="1" spc="190" dirty="0">
+                <a:latin typeface="Calibri"/>
+                <a:cs typeface="Calibri"/>
+              </a:rPr>
+              <a:t> 1. </a:t>
+            </a:r>
+            <a:r>
+              <a:rPr lang="es-MX" sz="1800" dirty="0">
+                <a:latin typeface="Calibri"/>
+                <a:cs typeface="Calibri"/>
+              </a:rPr>
+              <a:t>Nos saldrá la siguiente página:</a:t>
+            </a:r>
+            <a:endParaRPr lang="es-MX" dirty="0"/>
+          </a:p>
+        </p:txBody>
+      </p:sp>
+      <p:grpSp>
+        <p:nvGrpSpPr>
+          <p:cNvPr id="6" name="object 14">
+            <a:extLst>
+              <a:ext uri="{FF2B5EF4-FFF2-40B4-BE49-F238E27FC236}">
+                <a16:creationId xmlns:a16="http://schemas.microsoft.com/office/drawing/2014/main" id="{50FAC9D2-BA6B-702D-4D0B-04D75B45D340}"/>
+              </a:ext>
+            </a:extLst>
+          </p:cNvPr>
+          <p:cNvGrpSpPr/>
+          <p:nvPr/>
+        </p:nvGrpSpPr>
+        <p:grpSpPr>
+          <a:xfrm>
+            <a:off x="5778705" y="6141673"/>
+            <a:ext cx="1282700" cy="343535"/>
+            <a:chOff x="3238500" y="9463405"/>
+            <a:chExt cx="1282700" cy="343535"/>
+          </a:xfrm>
+        </p:grpSpPr>
+        <p:sp>
+          <p:nvSpPr>
+            <p:cNvPr id="7" name="object 15">
+              <a:extLst>
+                <a:ext uri="{FF2B5EF4-FFF2-40B4-BE49-F238E27FC236}">
+                  <a16:creationId xmlns:a16="http://schemas.microsoft.com/office/drawing/2014/main" id="{43839337-2D44-D681-4B5B-DE032DDA0F80}"/>
+                </a:ext>
+              </a:extLst>
+            </p:cNvPr>
+            <p:cNvSpPr/>
+            <p:nvPr/>
+          </p:nvSpPr>
+          <p:spPr>
+            <a:xfrm>
+              <a:off x="3238500" y="9463405"/>
+              <a:ext cx="1282700" cy="343535"/>
+            </a:xfrm>
+            <a:custGeom>
+              <a:avLst/>
+              <a:gdLst/>
+              <a:ahLst/>
+              <a:cxnLst/>
+              <a:rect l="l" t="t" r="r" b="b"/>
+              <a:pathLst>
+                <a:path w="1282700" h="343534">
+                  <a:moveTo>
+                    <a:pt x="1282700" y="0"/>
+                  </a:moveTo>
+                  <a:lnTo>
+                    <a:pt x="1234583" y="6200"/>
+                  </a:lnTo>
+                  <a:lnTo>
+                    <a:pt x="1186472" y="11917"/>
+                  </a:lnTo>
+                  <a:lnTo>
+                    <a:pt x="1138366" y="17151"/>
+                  </a:lnTo>
+                  <a:lnTo>
+                    <a:pt x="1090263" y="21901"/>
+                  </a:lnTo>
+                  <a:lnTo>
+                    <a:pt x="1042161" y="26168"/>
+                  </a:lnTo>
+                  <a:lnTo>
+                    <a:pt x="994060" y="29952"/>
+                  </a:lnTo>
+                  <a:lnTo>
+                    <a:pt x="945957" y="33252"/>
+                  </a:lnTo>
+                  <a:lnTo>
+                    <a:pt x="897851" y="36070"/>
+                  </a:lnTo>
+                  <a:lnTo>
+                    <a:pt x="849740" y="38406"/>
+                  </a:lnTo>
+                  <a:lnTo>
+                    <a:pt x="801624" y="40259"/>
+                  </a:lnTo>
+                  <a:lnTo>
+                    <a:pt x="962025" y="75145"/>
+                  </a:lnTo>
+                  <a:lnTo>
+                    <a:pt x="912698" y="78194"/>
+                  </a:lnTo>
+                  <a:lnTo>
+                    <a:pt x="863367" y="80735"/>
+                  </a:lnTo>
+                  <a:lnTo>
+                    <a:pt x="814033" y="82768"/>
+                  </a:lnTo>
+                  <a:lnTo>
+                    <a:pt x="764696" y="84292"/>
+                  </a:lnTo>
+                  <a:lnTo>
+                    <a:pt x="715358" y="85308"/>
+                  </a:lnTo>
+                  <a:lnTo>
+                    <a:pt x="666019" y="85817"/>
+                  </a:lnTo>
+                  <a:lnTo>
+                    <a:pt x="616680" y="85817"/>
+                  </a:lnTo>
+                  <a:lnTo>
+                    <a:pt x="567341" y="85308"/>
+                  </a:lnTo>
+                  <a:lnTo>
+                    <a:pt x="518003" y="84292"/>
+                  </a:lnTo>
+                  <a:lnTo>
+                    <a:pt x="468666" y="82768"/>
+                  </a:lnTo>
+                  <a:lnTo>
+                    <a:pt x="419332" y="80735"/>
+                  </a:lnTo>
+                  <a:lnTo>
+                    <a:pt x="370001" y="78194"/>
+                  </a:lnTo>
+                  <a:lnTo>
+                    <a:pt x="320675" y="75145"/>
+                  </a:lnTo>
+                  <a:lnTo>
+                    <a:pt x="480949" y="40259"/>
+                  </a:lnTo>
+                  <a:lnTo>
+                    <a:pt x="432863" y="38406"/>
+                  </a:lnTo>
+                  <a:lnTo>
+                    <a:pt x="384771" y="36070"/>
+                  </a:lnTo>
+                  <a:lnTo>
+                    <a:pt x="336674" y="33252"/>
+                  </a:lnTo>
+                  <a:lnTo>
+                    <a:pt x="288575" y="29952"/>
+                  </a:lnTo>
+                  <a:lnTo>
+                    <a:pt x="240474" y="26168"/>
+                  </a:lnTo>
+                  <a:lnTo>
+                    <a:pt x="192373" y="21901"/>
+                  </a:lnTo>
+                  <a:lnTo>
+                    <a:pt x="144274" y="17151"/>
+                  </a:lnTo>
+                  <a:lnTo>
+                    <a:pt x="96177" y="11917"/>
+                  </a:lnTo>
+                  <a:lnTo>
+                    <a:pt x="48085" y="6200"/>
+                  </a:lnTo>
+                  <a:lnTo>
+                    <a:pt x="0" y="0"/>
+                  </a:lnTo>
+                  <a:lnTo>
+                    <a:pt x="160274" y="147612"/>
+                  </a:lnTo>
+                  <a:lnTo>
+                    <a:pt x="0" y="257657"/>
+                  </a:lnTo>
+                  <a:lnTo>
+                    <a:pt x="53457" y="264515"/>
+                  </a:lnTo>
+                  <a:lnTo>
+                    <a:pt x="106901" y="270777"/>
+                  </a:lnTo>
+                  <a:lnTo>
+                    <a:pt x="160337" y="276442"/>
+                  </a:lnTo>
+                  <a:lnTo>
+                    <a:pt x="213773" y="281511"/>
+                  </a:lnTo>
+                  <a:lnTo>
+                    <a:pt x="267217" y="285985"/>
+                  </a:lnTo>
+                  <a:lnTo>
+                    <a:pt x="320675" y="289864"/>
+                  </a:lnTo>
+                  <a:lnTo>
+                    <a:pt x="320675" y="332803"/>
+                  </a:lnTo>
+                  <a:lnTo>
+                    <a:pt x="370001" y="335852"/>
+                  </a:lnTo>
+                  <a:lnTo>
+                    <a:pt x="419332" y="338393"/>
+                  </a:lnTo>
+                  <a:lnTo>
+                    <a:pt x="468666" y="340425"/>
+                  </a:lnTo>
+                  <a:lnTo>
+                    <a:pt x="518003" y="341950"/>
+                  </a:lnTo>
+                  <a:lnTo>
+                    <a:pt x="567341" y="342966"/>
+                  </a:lnTo>
+                  <a:lnTo>
+                    <a:pt x="616680" y="343474"/>
+                  </a:lnTo>
+                  <a:lnTo>
+                    <a:pt x="666019" y="343474"/>
+                  </a:lnTo>
+                  <a:lnTo>
+                    <a:pt x="715358" y="342966"/>
+                  </a:lnTo>
+                  <a:lnTo>
+                    <a:pt x="764696" y="341950"/>
+                  </a:lnTo>
+                  <a:lnTo>
+                    <a:pt x="814033" y="340425"/>
+                  </a:lnTo>
+                  <a:lnTo>
+                    <a:pt x="863367" y="338393"/>
+                  </a:lnTo>
+                  <a:lnTo>
+                    <a:pt x="912698" y="335852"/>
+                  </a:lnTo>
+                  <a:lnTo>
+                    <a:pt x="962025" y="332803"/>
+                  </a:lnTo>
+                  <a:lnTo>
+                    <a:pt x="962025" y="289864"/>
+                  </a:lnTo>
+                  <a:lnTo>
+                    <a:pt x="1015482" y="285985"/>
+                  </a:lnTo>
+                  <a:lnTo>
+                    <a:pt x="1068926" y="281511"/>
+                  </a:lnTo>
+                  <a:lnTo>
+                    <a:pt x="1122362" y="276442"/>
+                  </a:lnTo>
+                  <a:lnTo>
+                    <a:pt x="1175798" y="270777"/>
+                  </a:lnTo>
+                  <a:lnTo>
+                    <a:pt x="1229242" y="264515"/>
+                  </a:lnTo>
+                  <a:lnTo>
+                    <a:pt x="1282700" y="257657"/>
+                  </a:lnTo>
+                  <a:lnTo>
+                    <a:pt x="1122299" y="147612"/>
+                  </a:lnTo>
+                  <a:lnTo>
+                    <a:pt x="1282700" y="0"/>
+                  </a:lnTo>
+                  <a:close/>
+                </a:path>
+              </a:pathLst>
+            </a:custGeom>
+            <a:solidFill>
+              <a:srgbClr val="7E5F00"/>
+            </a:solidFill>
+          </p:spPr>
+          <p:txBody>
+            <a:bodyPr wrap="square" lIns="0" tIns="0" rIns="0" bIns="0" rtlCol="0"/>
+            <a:lstStyle/>
+            <a:p>
+              <a:endParaRPr dirty="0"/>
+            </a:p>
+          </p:txBody>
+        </p:sp>
+        <p:sp>
+          <p:nvSpPr>
+            <p:cNvPr id="8" name="object 16">
+              <a:extLst>
+                <a:ext uri="{FF2B5EF4-FFF2-40B4-BE49-F238E27FC236}">
+                  <a16:creationId xmlns:a16="http://schemas.microsoft.com/office/drawing/2014/main" id="{C48C049E-077C-8611-26B3-BAD471D2ED9D}"/>
+                </a:ext>
+              </a:extLst>
+            </p:cNvPr>
+            <p:cNvSpPr/>
+            <p:nvPr/>
+          </p:nvSpPr>
+          <p:spPr>
+            <a:xfrm>
+              <a:off x="3559175" y="9503664"/>
+              <a:ext cx="641350" cy="45720"/>
+            </a:xfrm>
+            <a:custGeom>
+              <a:avLst/>
+              <a:gdLst/>
+              <a:ahLst/>
+              <a:cxnLst/>
+              <a:rect l="l" t="t" r="r" b="b"/>
+              <a:pathLst>
+                <a:path w="641350" h="45720">
+                  <a:moveTo>
+                    <a:pt x="332602" y="45558"/>
+                  </a:moveTo>
+                  <a:lnTo>
+                    <a:pt x="308713" y="45558"/>
+                  </a:lnTo>
+                  <a:lnTo>
+                    <a:pt x="320659" y="45624"/>
+                  </a:lnTo>
+                  <a:lnTo>
+                    <a:pt x="332602" y="45558"/>
+                  </a:lnTo>
+                  <a:close/>
+                </a:path>
+                <a:path w="641350" h="45720">
+                  <a:moveTo>
+                    <a:pt x="280960" y="45403"/>
+                  </a:moveTo>
+                  <a:lnTo>
+                    <a:pt x="296005" y="45558"/>
+                  </a:lnTo>
+                  <a:lnTo>
+                    <a:pt x="308713" y="45558"/>
+                  </a:lnTo>
+                  <a:lnTo>
+                    <a:pt x="280960" y="45403"/>
+                  </a:lnTo>
+                  <a:close/>
+                </a:path>
+                <a:path w="641350" h="45720">
+                  <a:moveTo>
+                    <a:pt x="360436" y="45402"/>
+                  </a:moveTo>
+                  <a:lnTo>
+                    <a:pt x="332602" y="45558"/>
+                  </a:lnTo>
+                  <a:lnTo>
+                    <a:pt x="345344" y="45558"/>
+                  </a:lnTo>
+                  <a:lnTo>
+                    <a:pt x="360436" y="45402"/>
+                  </a:lnTo>
+                  <a:close/>
+                </a:path>
+                <a:path w="641350" h="45720">
+                  <a:moveTo>
+                    <a:pt x="257141" y="45157"/>
+                  </a:moveTo>
+                  <a:lnTo>
+                    <a:pt x="267203" y="45326"/>
+                  </a:lnTo>
+                  <a:lnTo>
+                    <a:pt x="280960" y="45403"/>
+                  </a:lnTo>
+                  <a:lnTo>
+                    <a:pt x="257141" y="45157"/>
+                  </a:lnTo>
+                  <a:close/>
+                </a:path>
+                <a:path w="641350" h="45720">
+                  <a:moveTo>
+                    <a:pt x="384083" y="45159"/>
+                  </a:moveTo>
+                  <a:lnTo>
+                    <a:pt x="360436" y="45402"/>
+                  </a:lnTo>
+                  <a:lnTo>
+                    <a:pt x="374104" y="45326"/>
+                  </a:lnTo>
+                  <a:lnTo>
+                    <a:pt x="384083" y="45159"/>
+                  </a:lnTo>
+                  <a:close/>
+                </a:path>
+                <a:path w="641350" h="45720">
+                  <a:moveTo>
+                    <a:pt x="412503" y="44682"/>
+                  </a:moveTo>
+                  <a:lnTo>
+                    <a:pt x="384083" y="45159"/>
+                  </a:lnTo>
+                  <a:lnTo>
+                    <a:pt x="394683" y="45049"/>
+                  </a:lnTo>
+                  <a:lnTo>
+                    <a:pt x="412503" y="44682"/>
+                  </a:lnTo>
+                  <a:close/>
+                </a:path>
+                <a:path w="641350" h="45720">
+                  <a:moveTo>
+                    <a:pt x="229129" y="44688"/>
+                  </a:moveTo>
+                  <a:lnTo>
+                    <a:pt x="246666" y="45049"/>
+                  </a:lnTo>
+                  <a:lnTo>
+                    <a:pt x="257141" y="45157"/>
+                  </a:lnTo>
+                  <a:lnTo>
+                    <a:pt x="229129" y="44688"/>
+                  </a:lnTo>
+                  <a:close/>
+                </a:path>
+                <a:path w="641350" h="45720">
+                  <a:moveTo>
+                    <a:pt x="205633" y="44204"/>
+                  </a:moveTo>
+                  <a:lnTo>
+                    <a:pt x="213740" y="44430"/>
+                  </a:lnTo>
+                  <a:lnTo>
+                    <a:pt x="229129" y="44688"/>
+                  </a:lnTo>
+                  <a:lnTo>
+                    <a:pt x="205633" y="44204"/>
+                  </a:lnTo>
+                  <a:close/>
+                </a:path>
+                <a:path w="641350" h="45720">
+                  <a:moveTo>
+                    <a:pt x="435403" y="44211"/>
+                  </a:moveTo>
+                  <a:lnTo>
+                    <a:pt x="412503" y="44682"/>
+                  </a:lnTo>
+                  <a:lnTo>
+                    <a:pt x="427535" y="44430"/>
+                  </a:lnTo>
+                  <a:lnTo>
+                    <a:pt x="435403" y="44211"/>
+                  </a:lnTo>
+                  <a:close/>
+                </a:path>
+                <a:path w="641350" h="45720">
+                  <a:moveTo>
+                    <a:pt x="465379" y="43373"/>
+                  </a:moveTo>
+                  <a:lnTo>
+                    <a:pt x="435403" y="44211"/>
+                  </a:lnTo>
+                  <a:lnTo>
+                    <a:pt x="444021" y="44033"/>
+                  </a:lnTo>
+                  <a:lnTo>
+                    <a:pt x="465379" y="43373"/>
+                  </a:lnTo>
+                  <a:close/>
+                </a:path>
+                <a:path w="641350" h="45720">
+                  <a:moveTo>
+                    <a:pt x="177012" y="43405"/>
+                  </a:moveTo>
+                  <a:lnTo>
+                    <a:pt x="197328" y="44033"/>
+                  </a:lnTo>
+                  <a:lnTo>
+                    <a:pt x="205633" y="44204"/>
+                  </a:lnTo>
+                  <a:lnTo>
+                    <a:pt x="177012" y="43405"/>
+                  </a:lnTo>
+                  <a:close/>
+                </a:path>
+                <a:path w="641350" h="45720">
+                  <a:moveTo>
+                    <a:pt x="160274" y="42888"/>
+                  </a:moveTo>
+                  <a:lnTo>
+                    <a:pt x="177012" y="43405"/>
+                  </a:lnTo>
+                  <a:lnTo>
+                    <a:pt x="160274" y="42888"/>
+                  </a:lnTo>
+                  <a:close/>
+                </a:path>
+                <a:path w="641350" h="45720">
+                  <a:moveTo>
+                    <a:pt x="480949" y="42892"/>
+                  </a:moveTo>
+                  <a:lnTo>
+                    <a:pt x="465379" y="43373"/>
+                  </a:lnTo>
+                  <a:lnTo>
+                    <a:pt x="480949" y="42938"/>
+                  </a:lnTo>
+                  <a:close/>
+                </a:path>
+                <a:path w="641350" h="45720">
+                  <a:moveTo>
+                    <a:pt x="480949" y="0"/>
+                  </a:moveTo>
+                  <a:lnTo>
+                    <a:pt x="480949" y="42892"/>
+                  </a:lnTo>
+                  <a:lnTo>
+                    <a:pt x="493358" y="42509"/>
+                  </a:lnTo>
+                  <a:lnTo>
+                    <a:pt x="542692" y="40476"/>
+                  </a:lnTo>
+                  <a:lnTo>
+                    <a:pt x="592023" y="37935"/>
+                  </a:lnTo>
+                  <a:lnTo>
+                    <a:pt x="641350" y="34886"/>
+                  </a:lnTo>
+                  <a:lnTo>
+                    <a:pt x="480949" y="0"/>
+                  </a:lnTo>
+                  <a:close/>
+                </a:path>
+                <a:path w="641350" h="45720">
+                  <a:moveTo>
+                    <a:pt x="160274" y="0"/>
+                  </a:moveTo>
+                  <a:lnTo>
+                    <a:pt x="0" y="34886"/>
+                  </a:lnTo>
+                  <a:lnTo>
+                    <a:pt x="49326" y="37935"/>
+                  </a:lnTo>
+                  <a:lnTo>
+                    <a:pt x="98657" y="40476"/>
+                  </a:lnTo>
+                  <a:lnTo>
+                    <a:pt x="147991" y="42509"/>
+                  </a:lnTo>
+                  <a:lnTo>
+                    <a:pt x="160274" y="42888"/>
+                  </a:lnTo>
+                  <a:lnTo>
+                    <a:pt x="160274" y="0"/>
+                  </a:lnTo>
+                  <a:close/>
+                </a:path>
+              </a:pathLst>
+            </a:custGeom>
+            <a:solidFill>
+              <a:srgbClr val="664D00"/>
+            </a:solidFill>
+          </p:spPr>
+          <p:txBody>
+            <a:bodyPr wrap="square" lIns="0" tIns="0" rIns="0" bIns="0" rtlCol="0"/>
+            <a:lstStyle/>
+            <a:p>
+              <a:endParaRPr/>
+            </a:p>
+          </p:txBody>
+        </p:sp>
+        <p:sp>
+          <p:nvSpPr>
+            <p:cNvPr id="9" name="object 17">
+              <a:extLst>
+                <a:ext uri="{FF2B5EF4-FFF2-40B4-BE49-F238E27FC236}">
+                  <a16:creationId xmlns:a16="http://schemas.microsoft.com/office/drawing/2014/main" id="{B20152E7-60FB-0504-ED39-EB0106D6D9A4}"/>
+                </a:ext>
+              </a:extLst>
+            </p:cNvPr>
+            <p:cNvSpPr/>
+            <p:nvPr/>
+          </p:nvSpPr>
+          <p:spPr>
+            <a:xfrm>
+              <a:off x="3238500" y="9463405"/>
+              <a:ext cx="1282700" cy="343535"/>
+            </a:xfrm>
+            <a:custGeom>
+              <a:avLst/>
+              <a:gdLst/>
+              <a:ahLst/>
+              <a:cxnLst/>
+              <a:rect l="l" t="t" r="r" b="b"/>
+              <a:pathLst>
+                <a:path w="1282700" h="343534">
+                  <a:moveTo>
+                    <a:pt x="0" y="0"/>
+                  </a:moveTo>
+                  <a:lnTo>
+                    <a:pt x="48085" y="6200"/>
+                  </a:lnTo>
+                  <a:lnTo>
+                    <a:pt x="96177" y="11917"/>
+                  </a:lnTo>
+                  <a:lnTo>
+                    <a:pt x="144274" y="17151"/>
+                  </a:lnTo>
+                  <a:lnTo>
+                    <a:pt x="192373" y="21901"/>
+                  </a:lnTo>
+                  <a:lnTo>
+                    <a:pt x="240474" y="26168"/>
+                  </a:lnTo>
+                  <a:lnTo>
+                    <a:pt x="288575" y="29952"/>
+                  </a:lnTo>
+                  <a:lnTo>
+                    <a:pt x="336674" y="33252"/>
+                  </a:lnTo>
+                  <a:lnTo>
+                    <a:pt x="384771" y="36070"/>
+                  </a:lnTo>
+                  <a:lnTo>
+                    <a:pt x="432863" y="38406"/>
+                  </a:lnTo>
+                  <a:lnTo>
+                    <a:pt x="480949" y="40259"/>
+                  </a:lnTo>
+                  <a:lnTo>
+                    <a:pt x="320675" y="75145"/>
+                  </a:lnTo>
+                  <a:lnTo>
+                    <a:pt x="370001" y="78194"/>
+                  </a:lnTo>
+                  <a:lnTo>
+                    <a:pt x="419332" y="80735"/>
+                  </a:lnTo>
+                  <a:lnTo>
+                    <a:pt x="468666" y="82768"/>
+                  </a:lnTo>
+                  <a:lnTo>
+                    <a:pt x="518003" y="84292"/>
+                  </a:lnTo>
+                  <a:lnTo>
+                    <a:pt x="567341" y="85308"/>
+                  </a:lnTo>
+                  <a:lnTo>
+                    <a:pt x="616680" y="85817"/>
+                  </a:lnTo>
+                  <a:lnTo>
+                    <a:pt x="666019" y="85817"/>
+                  </a:lnTo>
+                  <a:lnTo>
+                    <a:pt x="715358" y="85308"/>
+                  </a:lnTo>
+                  <a:lnTo>
+                    <a:pt x="764696" y="84292"/>
+                  </a:lnTo>
+                  <a:lnTo>
+                    <a:pt x="814033" y="82768"/>
+                  </a:lnTo>
+                  <a:lnTo>
+                    <a:pt x="863367" y="80735"/>
+                  </a:lnTo>
+                  <a:lnTo>
+                    <a:pt x="912698" y="78194"/>
+                  </a:lnTo>
+                  <a:lnTo>
+                    <a:pt x="962025" y="75145"/>
+                  </a:lnTo>
+                  <a:lnTo>
+                    <a:pt x="801624" y="40259"/>
+                  </a:lnTo>
+                  <a:lnTo>
+                    <a:pt x="849740" y="38406"/>
+                  </a:lnTo>
+                  <a:lnTo>
+                    <a:pt x="897851" y="36070"/>
+                  </a:lnTo>
+                  <a:lnTo>
+                    <a:pt x="945957" y="33252"/>
+                  </a:lnTo>
+                  <a:lnTo>
+                    <a:pt x="994060" y="29952"/>
+                  </a:lnTo>
+                  <a:lnTo>
+                    <a:pt x="1042161" y="26168"/>
+                  </a:lnTo>
+                  <a:lnTo>
+                    <a:pt x="1090263" y="21901"/>
+                  </a:lnTo>
+                  <a:lnTo>
+                    <a:pt x="1138366" y="17151"/>
+                  </a:lnTo>
+                  <a:lnTo>
+                    <a:pt x="1186472" y="11917"/>
+                  </a:lnTo>
+                  <a:lnTo>
+                    <a:pt x="1234583" y="6200"/>
+                  </a:lnTo>
+                  <a:lnTo>
+                    <a:pt x="1282700" y="0"/>
+                  </a:lnTo>
+                  <a:lnTo>
+                    <a:pt x="1122299" y="147612"/>
+                  </a:lnTo>
+                  <a:lnTo>
+                    <a:pt x="1282700" y="257657"/>
+                  </a:lnTo>
+                  <a:lnTo>
+                    <a:pt x="1229242" y="264515"/>
+                  </a:lnTo>
+                  <a:lnTo>
+                    <a:pt x="1175798" y="270777"/>
+                  </a:lnTo>
+                  <a:lnTo>
+                    <a:pt x="1122362" y="276442"/>
+                  </a:lnTo>
+                  <a:lnTo>
+                    <a:pt x="1068926" y="281511"/>
+                  </a:lnTo>
+                  <a:lnTo>
+                    <a:pt x="1015482" y="285985"/>
+                  </a:lnTo>
+                  <a:lnTo>
+                    <a:pt x="962025" y="289864"/>
+                  </a:lnTo>
+                  <a:lnTo>
+                    <a:pt x="962025" y="332803"/>
+                  </a:lnTo>
+                  <a:lnTo>
+                    <a:pt x="912698" y="335852"/>
+                  </a:lnTo>
+                  <a:lnTo>
+                    <a:pt x="863367" y="338393"/>
+                  </a:lnTo>
+                  <a:lnTo>
+                    <a:pt x="814033" y="340425"/>
+                  </a:lnTo>
+                  <a:lnTo>
+                    <a:pt x="764696" y="341950"/>
+                  </a:lnTo>
+                  <a:lnTo>
+                    <a:pt x="715358" y="342966"/>
+                  </a:lnTo>
+                  <a:lnTo>
+                    <a:pt x="666019" y="343474"/>
+                  </a:lnTo>
+                  <a:lnTo>
+                    <a:pt x="616680" y="343474"/>
+                  </a:lnTo>
+                  <a:lnTo>
+                    <a:pt x="567341" y="342966"/>
+                  </a:lnTo>
+                  <a:lnTo>
+                    <a:pt x="518003" y="341950"/>
+                  </a:lnTo>
+                  <a:lnTo>
+                    <a:pt x="468666" y="340425"/>
+                  </a:lnTo>
+                  <a:lnTo>
+                    <a:pt x="419332" y="338393"/>
+                  </a:lnTo>
+                  <a:lnTo>
+                    <a:pt x="370001" y="335852"/>
+                  </a:lnTo>
+                  <a:lnTo>
+                    <a:pt x="320675" y="332803"/>
+                  </a:lnTo>
+                  <a:lnTo>
+                    <a:pt x="320675" y="289864"/>
+                  </a:lnTo>
+                  <a:lnTo>
+                    <a:pt x="267217" y="285985"/>
+                  </a:lnTo>
+                  <a:lnTo>
+                    <a:pt x="213773" y="281511"/>
+                  </a:lnTo>
+                  <a:lnTo>
+                    <a:pt x="160337" y="276442"/>
+                  </a:lnTo>
+                  <a:lnTo>
+                    <a:pt x="106901" y="270777"/>
+                  </a:lnTo>
+                  <a:lnTo>
+                    <a:pt x="53457" y="264515"/>
+                  </a:lnTo>
+                  <a:lnTo>
+                    <a:pt x="0" y="257657"/>
+                  </a:lnTo>
+                  <a:lnTo>
+                    <a:pt x="160274" y="147612"/>
+                  </a:lnTo>
+                  <a:lnTo>
+                    <a:pt x="0" y="0"/>
+                  </a:lnTo>
+                  <a:close/>
+                </a:path>
+                <a:path w="1282700" h="343534">
+                  <a:moveTo>
+                    <a:pt x="320675" y="289864"/>
+                  </a:moveTo>
+                  <a:lnTo>
+                    <a:pt x="320675" y="75145"/>
+                  </a:lnTo>
+                </a:path>
+                <a:path w="1282700" h="343534">
+                  <a:moveTo>
+                    <a:pt x="962025" y="75145"/>
+                  </a:moveTo>
+                  <a:lnTo>
+                    <a:pt x="962025" y="289864"/>
+                  </a:lnTo>
+                </a:path>
+                <a:path w="1282700" h="343534">
+                  <a:moveTo>
+                    <a:pt x="480949" y="40259"/>
+                  </a:moveTo>
+                  <a:lnTo>
+                    <a:pt x="480949" y="83197"/>
+                  </a:lnTo>
+                </a:path>
+                <a:path w="1282700" h="343534">
+                  <a:moveTo>
+                    <a:pt x="801624" y="83197"/>
+                  </a:moveTo>
+                  <a:lnTo>
+                    <a:pt x="801624" y="40259"/>
+                  </a:lnTo>
+                </a:path>
+              </a:pathLst>
+            </a:custGeom>
+            <a:ln w="9525">
+              <a:solidFill>
+                <a:srgbClr val="FFC000"/>
+              </a:solidFill>
+            </a:ln>
+          </p:spPr>
+          <p:txBody>
+            <a:bodyPr wrap="square" lIns="0" tIns="0" rIns="0" bIns="0" rtlCol="0"/>
+            <a:lstStyle/>
+            <a:p>
+              <a:endParaRPr dirty="0"/>
+            </a:p>
+          </p:txBody>
+        </p:sp>
+      </p:grpSp>
+      <p:sp>
+        <p:nvSpPr>
+          <p:cNvPr id="10" name="CuadroTexto 9">
+            <a:extLst>
+              <a:ext uri="{FF2B5EF4-FFF2-40B4-BE49-F238E27FC236}">
+                <a16:creationId xmlns:a16="http://schemas.microsoft.com/office/drawing/2014/main" id="{9C1C8AC1-A569-C1FD-5C31-29C61A443DA0}"/>
+              </a:ext>
+            </a:extLst>
+          </p:cNvPr>
+          <p:cNvSpPr txBox="1"/>
+          <p:nvPr/>
+        </p:nvSpPr>
+        <p:spPr>
+          <a:xfrm>
+            <a:off x="6092823" y="6190755"/>
+            <a:ext cx="654464" cy="369332"/>
+          </a:xfrm>
+          <a:prstGeom prst="rect">
+            <a:avLst/>
+          </a:prstGeom>
+          <a:noFill/>
+        </p:spPr>
+        <p:txBody>
+          <a:bodyPr wrap="square" rtlCol="0">
+            <a:spAutoFit/>
+          </a:bodyPr>
+          <a:lstStyle/>
+          <a:p>
+            <a:pPr algn="ctr"/>
+            <a:r>
+              <a:rPr lang="es-MX" dirty="0">
+                <a:solidFill>
+                  <a:schemeClr val="bg1"/>
+                </a:solidFill>
+              </a:rPr>
+              <a:t>14</a:t>
+            </a:r>
+          </a:p>
+        </p:txBody>
+      </p:sp>
+      <p:pic>
+        <p:nvPicPr>
+          <p:cNvPr id="5" name="Imagen 4" descr="Interfaz de usuario gráfica, Aplicación&#10;&#10;Descripción generada automáticamente">
+            <a:extLst>
+              <a:ext uri="{FF2B5EF4-FFF2-40B4-BE49-F238E27FC236}">
+                <a16:creationId xmlns:a16="http://schemas.microsoft.com/office/drawing/2014/main" id="{07201153-ACC3-E2A2-FBBC-7FB1436FD7E2}"/>
+              </a:ext>
+            </a:extLst>
+          </p:cNvPr>
+          <p:cNvPicPr>
+            <a:picLocks noChangeAspect="1"/>
+          </p:cNvPicPr>
+          <p:nvPr/>
+        </p:nvPicPr>
+        <p:blipFill>
+          <a:blip r:embed="rId2">
+            <a:extLst>
+              <a:ext uri="{28A0092B-C50C-407E-A947-70E740481C1C}">
+                <a14:useLocalDpi xmlns:a14="http://schemas.microsoft.com/office/drawing/2010/main" val="0"/>
+              </a:ext>
+            </a:extLst>
+          </a:blip>
+          <a:stretch>
+            <a:fillRect/>
+          </a:stretch>
+        </p:blipFill>
+        <p:spPr>
+          <a:xfrm>
+            <a:off x="1711569" y="1136370"/>
+            <a:ext cx="8775622" cy="1915270"/>
+          </a:xfrm>
+          <a:prstGeom prst="rect">
+            <a:avLst/>
+          </a:prstGeom>
+          <a:ln>
+            <a:noFill/>
+          </a:ln>
+          <a:effectLst>
+            <a:outerShdw blurRad="292100" dist="139700" dir="2700000" algn="tl" rotWithShape="0">
+              <a:srgbClr val="333333">
+                <a:alpha val="65000"/>
+              </a:srgbClr>
+            </a:outerShdw>
+          </a:effectLst>
+        </p:spPr>
+      </p:pic>
+      <p:sp>
+        <p:nvSpPr>
+          <p:cNvPr id="11" name="CuadroTexto 10">
+            <a:extLst>
+              <a:ext uri="{FF2B5EF4-FFF2-40B4-BE49-F238E27FC236}">
+                <a16:creationId xmlns:a16="http://schemas.microsoft.com/office/drawing/2014/main" id="{FB1FBFE3-605A-718D-8EF6-3768796B26C4}"/>
+              </a:ext>
+            </a:extLst>
+          </p:cNvPr>
+          <p:cNvSpPr txBox="1"/>
+          <p:nvPr/>
+        </p:nvSpPr>
+        <p:spPr>
+          <a:xfrm>
+            <a:off x="496997" y="3650410"/>
+            <a:ext cx="5083422" cy="2031325"/>
+          </a:xfrm>
+          <a:prstGeom prst="rect">
+            <a:avLst/>
+          </a:prstGeom>
+          <a:noFill/>
+        </p:spPr>
+        <p:txBody>
+          <a:bodyPr wrap="square" rtlCol="0">
+            <a:spAutoFit/>
+          </a:bodyPr>
+          <a:lstStyle/>
+          <a:p>
+            <a:r>
+              <a:rPr lang="es-MX" dirty="0"/>
+              <a:t>2. Daremos clic donde dice cancelar reserva , y nos aparecerá en siguiente mensaje de alerta :</a:t>
+            </a:r>
+          </a:p>
+          <a:p>
+            <a:endParaRPr lang="es-MX" dirty="0"/>
+          </a:p>
+          <a:p>
+            <a:endParaRPr lang="es-MX" dirty="0"/>
+          </a:p>
+          <a:p>
+            <a:endParaRPr lang="es-MX" dirty="0"/>
+          </a:p>
+          <a:p>
+            <a:r>
+              <a:rPr lang="es-MX" dirty="0"/>
+              <a:t>3. Al cual le daremos clic donde dice “si, borrar” </a:t>
+            </a:r>
+          </a:p>
+          <a:p>
+            <a:r>
+              <a:rPr lang="es-MX" dirty="0"/>
+              <a:t>Si en realidad queremos cancelar la reserva.</a:t>
+            </a:r>
+          </a:p>
+        </p:txBody>
+      </p:sp>
+      <p:pic>
+        <p:nvPicPr>
+          <p:cNvPr id="13" name="Imagen 12" descr="Interfaz de usuario gráfica, Sitio web&#10;&#10;Descripción generada automáticamente">
+            <a:extLst>
+              <a:ext uri="{FF2B5EF4-FFF2-40B4-BE49-F238E27FC236}">
+                <a16:creationId xmlns:a16="http://schemas.microsoft.com/office/drawing/2014/main" id="{BD4DBE83-D405-4DDF-A8C4-1034A566F23D}"/>
+              </a:ext>
+            </a:extLst>
+          </p:cNvPr>
+          <p:cNvPicPr>
+            <a:picLocks noChangeAspect="1"/>
+          </p:cNvPicPr>
+          <p:nvPr/>
+        </p:nvPicPr>
+        <p:blipFill>
+          <a:blip r:embed="rId3">
+            <a:extLst>
+              <a:ext uri="{28A0092B-C50C-407E-A947-70E740481C1C}">
+                <a14:useLocalDpi xmlns:a14="http://schemas.microsoft.com/office/drawing/2010/main" val="0"/>
+              </a:ext>
+            </a:extLst>
+          </a:blip>
+          <a:stretch>
+            <a:fillRect/>
+          </a:stretch>
+        </p:blipFill>
+        <p:spPr>
+          <a:xfrm>
+            <a:off x="5580419" y="3239779"/>
+            <a:ext cx="5809894" cy="2713754"/>
+          </a:xfrm>
+          <a:prstGeom prst="rect">
+            <a:avLst/>
+          </a:prstGeom>
+          <a:ln>
+            <a:noFill/>
+          </a:ln>
+          <a:effectLst>
+            <a:outerShdw blurRad="292100" dist="139700" dir="2700000" algn="tl" rotWithShape="0">
+              <a:srgbClr val="333333">
+                <a:alpha val="65000"/>
+              </a:srgbClr>
+            </a:outerShdw>
+          </a:effectLst>
+        </p:spPr>
+      </p:pic>
+    </p:spTree>
+    <p:extLst>
+      <p:ext uri="{BB962C8B-B14F-4D97-AF65-F5344CB8AC3E}">
+        <p14:creationId xmlns:p14="http://schemas.microsoft.com/office/powerpoint/2010/main" val="2573728165"/>
+      </p:ext>
+    </p:extLst>
+  </p:cSld>
+  <p:clrMapOvr>
+    <a:masterClrMapping/>
+  </p:clrMapOvr>
+</p:sld>
+</file>
+
+<file path=ppt/slides/slide15.xml><?xml version="1.0" encoding="utf-8"?>
+<p:sld xmlns:a="http://schemas.openxmlformats.org/drawingml/2006/main" xmlns:r="http://schemas.openxmlformats.org/officeDocument/2006/relationships" xmlns:p="http://schemas.openxmlformats.org/presentationml/2006/main">
+  <p:cSld>
+    <p:spTree>
+      <p:nvGrpSpPr>
+        <p:cNvPr id="1" name=""/>
+        <p:cNvGrpSpPr/>
+        <p:nvPr/>
+      </p:nvGrpSpPr>
+      <p:grpSpPr>
+        <a:xfrm>
+          <a:off x="0" y="0"/>
+          <a:ext cx="0" cy="0"/>
+          <a:chOff x="0" y="0"/>
+          <a:chExt cx="0" cy="0"/>
+        </a:xfrm>
+      </p:grpSpPr>
+      <p:sp>
+        <p:nvSpPr>
+          <p:cNvPr id="3" name="CuadroTexto 2">
+            <a:extLst>
+              <a:ext uri="{FF2B5EF4-FFF2-40B4-BE49-F238E27FC236}">
+                <a16:creationId xmlns:a16="http://schemas.microsoft.com/office/drawing/2014/main" id="{E2985033-2463-63F1-516D-F7D9BBAF700C}"/>
+              </a:ext>
+            </a:extLst>
+          </p:cNvPr>
+          <p:cNvSpPr txBox="1"/>
+          <p:nvPr/>
+        </p:nvSpPr>
+        <p:spPr>
+          <a:xfrm>
+            <a:off x="2252815" y="597968"/>
+            <a:ext cx="7776087" cy="954107"/>
+          </a:xfrm>
+          <a:prstGeom prst="rect">
+            <a:avLst/>
+          </a:prstGeom>
+          <a:noFill/>
+        </p:spPr>
+        <p:txBody>
+          <a:bodyPr wrap="square">
+            <a:spAutoFit/>
+          </a:bodyPr>
+          <a:lstStyle/>
+          <a:p>
+            <a:r>
+              <a:rPr lang="es-MX" sz="2000" b="1" spc="-5" dirty="0">
+                <a:latin typeface="Calibri"/>
+                <a:cs typeface="Calibri"/>
+              </a:rPr>
+              <a:t>CERRAR SESION.</a:t>
+            </a:r>
+            <a:r>
+              <a:rPr lang="es-MX" sz="2000" b="1" spc="190" dirty="0">
+                <a:latin typeface="Calibri"/>
+                <a:cs typeface="Calibri"/>
+              </a:rPr>
+              <a:t> </a:t>
+            </a:r>
+            <a:r>
+              <a:rPr lang="es-MX" sz="1800" dirty="0">
+                <a:latin typeface="Calibri"/>
+                <a:cs typeface="Calibri"/>
+              </a:rPr>
+              <a:t> Nos quedaremos en la pagina inicial de nuestra sesión y le daremos clic al botón de “cerrar sesión” que aparece en la esquina superior derecha al lado de nuestro nombre. </a:t>
+            </a:r>
+            <a:endParaRPr lang="es-MX" dirty="0"/>
+          </a:p>
+        </p:txBody>
+      </p:sp>
+      <p:grpSp>
+        <p:nvGrpSpPr>
+          <p:cNvPr id="6" name="object 14">
+            <a:extLst>
+              <a:ext uri="{FF2B5EF4-FFF2-40B4-BE49-F238E27FC236}">
+                <a16:creationId xmlns:a16="http://schemas.microsoft.com/office/drawing/2014/main" id="{50FAC9D2-BA6B-702D-4D0B-04D75B45D340}"/>
+              </a:ext>
+            </a:extLst>
+          </p:cNvPr>
+          <p:cNvGrpSpPr/>
+          <p:nvPr/>
+        </p:nvGrpSpPr>
+        <p:grpSpPr>
+          <a:xfrm>
+            <a:off x="5778705" y="6141673"/>
+            <a:ext cx="1282700" cy="343535"/>
+            <a:chOff x="3238500" y="9463405"/>
+            <a:chExt cx="1282700" cy="343535"/>
+          </a:xfrm>
+        </p:grpSpPr>
+        <p:sp>
+          <p:nvSpPr>
+            <p:cNvPr id="7" name="object 15">
+              <a:extLst>
+                <a:ext uri="{FF2B5EF4-FFF2-40B4-BE49-F238E27FC236}">
+                  <a16:creationId xmlns:a16="http://schemas.microsoft.com/office/drawing/2014/main" id="{43839337-2D44-D681-4B5B-DE032DDA0F80}"/>
+                </a:ext>
+              </a:extLst>
+            </p:cNvPr>
+            <p:cNvSpPr/>
+            <p:nvPr/>
+          </p:nvSpPr>
+          <p:spPr>
+            <a:xfrm>
+              <a:off x="3238500" y="9463405"/>
+              <a:ext cx="1282700" cy="343535"/>
+            </a:xfrm>
+            <a:custGeom>
+              <a:avLst/>
+              <a:gdLst/>
+              <a:ahLst/>
+              <a:cxnLst/>
+              <a:rect l="l" t="t" r="r" b="b"/>
+              <a:pathLst>
+                <a:path w="1282700" h="343534">
+                  <a:moveTo>
+                    <a:pt x="1282700" y="0"/>
+                  </a:moveTo>
+                  <a:lnTo>
+                    <a:pt x="1234583" y="6200"/>
+                  </a:lnTo>
+                  <a:lnTo>
+                    <a:pt x="1186472" y="11917"/>
+                  </a:lnTo>
+                  <a:lnTo>
+                    <a:pt x="1138366" y="17151"/>
+                  </a:lnTo>
+                  <a:lnTo>
+                    <a:pt x="1090263" y="21901"/>
+                  </a:lnTo>
+                  <a:lnTo>
+                    <a:pt x="1042161" y="26168"/>
+                  </a:lnTo>
+                  <a:lnTo>
+                    <a:pt x="994060" y="29952"/>
+                  </a:lnTo>
+                  <a:lnTo>
+                    <a:pt x="945957" y="33252"/>
+                  </a:lnTo>
+                  <a:lnTo>
+                    <a:pt x="897851" y="36070"/>
+                  </a:lnTo>
+                  <a:lnTo>
+                    <a:pt x="849740" y="38406"/>
+                  </a:lnTo>
+                  <a:lnTo>
+                    <a:pt x="801624" y="40259"/>
+                  </a:lnTo>
+                  <a:lnTo>
+                    <a:pt x="962025" y="75145"/>
+                  </a:lnTo>
+                  <a:lnTo>
+                    <a:pt x="912698" y="78194"/>
+                  </a:lnTo>
+                  <a:lnTo>
+                    <a:pt x="863367" y="80735"/>
+                  </a:lnTo>
+                  <a:lnTo>
+                    <a:pt x="814033" y="82768"/>
+                  </a:lnTo>
+                  <a:lnTo>
+                    <a:pt x="764696" y="84292"/>
+                  </a:lnTo>
+                  <a:lnTo>
+                    <a:pt x="715358" y="85308"/>
+                  </a:lnTo>
+                  <a:lnTo>
+                    <a:pt x="666019" y="85817"/>
+                  </a:lnTo>
+                  <a:lnTo>
+                    <a:pt x="616680" y="85817"/>
+                  </a:lnTo>
+                  <a:lnTo>
+                    <a:pt x="567341" y="85308"/>
+                  </a:lnTo>
+                  <a:lnTo>
+                    <a:pt x="518003" y="84292"/>
+                  </a:lnTo>
+                  <a:lnTo>
+                    <a:pt x="468666" y="82768"/>
+                  </a:lnTo>
+                  <a:lnTo>
+                    <a:pt x="419332" y="80735"/>
+                  </a:lnTo>
+                  <a:lnTo>
+                    <a:pt x="370001" y="78194"/>
+                  </a:lnTo>
+                  <a:lnTo>
+                    <a:pt x="320675" y="75145"/>
+                  </a:lnTo>
+                  <a:lnTo>
+                    <a:pt x="480949" y="40259"/>
+                  </a:lnTo>
+                  <a:lnTo>
+                    <a:pt x="432863" y="38406"/>
+                  </a:lnTo>
+                  <a:lnTo>
+                    <a:pt x="384771" y="36070"/>
+                  </a:lnTo>
+                  <a:lnTo>
+                    <a:pt x="336674" y="33252"/>
+                  </a:lnTo>
+                  <a:lnTo>
+                    <a:pt x="288575" y="29952"/>
+                  </a:lnTo>
+                  <a:lnTo>
+                    <a:pt x="240474" y="26168"/>
+                  </a:lnTo>
+                  <a:lnTo>
+                    <a:pt x="192373" y="21901"/>
+                  </a:lnTo>
+                  <a:lnTo>
+                    <a:pt x="144274" y="17151"/>
+                  </a:lnTo>
+                  <a:lnTo>
+                    <a:pt x="96177" y="11917"/>
+                  </a:lnTo>
+                  <a:lnTo>
+                    <a:pt x="48085" y="6200"/>
+                  </a:lnTo>
+                  <a:lnTo>
+                    <a:pt x="0" y="0"/>
+                  </a:lnTo>
+                  <a:lnTo>
+                    <a:pt x="160274" y="147612"/>
+                  </a:lnTo>
+                  <a:lnTo>
+                    <a:pt x="0" y="257657"/>
+                  </a:lnTo>
+                  <a:lnTo>
+                    <a:pt x="53457" y="264515"/>
+                  </a:lnTo>
+                  <a:lnTo>
+                    <a:pt x="106901" y="270777"/>
+                  </a:lnTo>
+                  <a:lnTo>
+                    <a:pt x="160337" y="276442"/>
+                  </a:lnTo>
+                  <a:lnTo>
+                    <a:pt x="213773" y="281511"/>
+                  </a:lnTo>
+                  <a:lnTo>
+                    <a:pt x="267217" y="285985"/>
+                  </a:lnTo>
+                  <a:lnTo>
+                    <a:pt x="320675" y="289864"/>
+                  </a:lnTo>
+                  <a:lnTo>
+                    <a:pt x="320675" y="332803"/>
+                  </a:lnTo>
+                  <a:lnTo>
+                    <a:pt x="370001" y="335852"/>
+                  </a:lnTo>
+                  <a:lnTo>
+                    <a:pt x="419332" y="338393"/>
+                  </a:lnTo>
+                  <a:lnTo>
+                    <a:pt x="468666" y="340425"/>
+                  </a:lnTo>
+                  <a:lnTo>
+                    <a:pt x="518003" y="341950"/>
+                  </a:lnTo>
+                  <a:lnTo>
+                    <a:pt x="567341" y="342966"/>
+                  </a:lnTo>
+                  <a:lnTo>
+                    <a:pt x="616680" y="343474"/>
+                  </a:lnTo>
+                  <a:lnTo>
+                    <a:pt x="666019" y="343474"/>
+                  </a:lnTo>
+                  <a:lnTo>
+                    <a:pt x="715358" y="342966"/>
+                  </a:lnTo>
+                  <a:lnTo>
+                    <a:pt x="764696" y="341950"/>
+                  </a:lnTo>
+                  <a:lnTo>
+                    <a:pt x="814033" y="340425"/>
+                  </a:lnTo>
+                  <a:lnTo>
+                    <a:pt x="863367" y="338393"/>
+                  </a:lnTo>
+                  <a:lnTo>
+                    <a:pt x="912698" y="335852"/>
+                  </a:lnTo>
+                  <a:lnTo>
+                    <a:pt x="962025" y="332803"/>
+                  </a:lnTo>
+                  <a:lnTo>
+                    <a:pt x="962025" y="289864"/>
+                  </a:lnTo>
+                  <a:lnTo>
+                    <a:pt x="1015482" y="285985"/>
+                  </a:lnTo>
+                  <a:lnTo>
+                    <a:pt x="1068926" y="281511"/>
+                  </a:lnTo>
+                  <a:lnTo>
+                    <a:pt x="1122362" y="276442"/>
+                  </a:lnTo>
+                  <a:lnTo>
+                    <a:pt x="1175798" y="270777"/>
+                  </a:lnTo>
+                  <a:lnTo>
+                    <a:pt x="1229242" y="264515"/>
+                  </a:lnTo>
+                  <a:lnTo>
+                    <a:pt x="1282700" y="257657"/>
+                  </a:lnTo>
+                  <a:lnTo>
+                    <a:pt x="1122299" y="147612"/>
+                  </a:lnTo>
+                  <a:lnTo>
+                    <a:pt x="1282700" y="0"/>
+                  </a:lnTo>
+                  <a:close/>
+                </a:path>
+              </a:pathLst>
+            </a:custGeom>
+            <a:solidFill>
+              <a:srgbClr val="7E5F00"/>
+            </a:solidFill>
+          </p:spPr>
+          <p:txBody>
+            <a:bodyPr wrap="square" lIns="0" tIns="0" rIns="0" bIns="0" rtlCol="0"/>
+            <a:lstStyle/>
+            <a:p>
+              <a:endParaRPr dirty="0"/>
+            </a:p>
+          </p:txBody>
+        </p:sp>
+        <p:sp>
+          <p:nvSpPr>
+            <p:cNvPr id="8" name="object 16">
+              <a:extLst>
+                <a:ext uri="{FF2B5EF4-FFF2-40B4-BE49-F238E27FC236}">
+                  <a16:creationId xmlns:a16="http://schemas.microsoft.com/office/drawing/2014/main" id="{C48C049E-077C-8611-26B3-BAD471D2ED9D}"/>
+                </a:ext>
+              </a:extLst>
+            </p:cNvPr>
+            <p:cNvSpPr/>
+            <p:nvPr/>
+          </p:nvSpPr>
+          <p:spPr>
+            <a:xfrm>
+              <a:off x="3559175" y="9503664"/>
+              <a:ext cx="641350" cy="45720"/>
+            </a:xfrm>
+            <a:custGeom>
+              <a:avLst/>
+              <a:gdLst/>
+              <a:ahLst/>
+              <a:cxnLst/>
+              <a:rect l="l" t="t" r="r" b="b"/>
+              <a:pathLst>
+                <a:path w="641350" h="45720">
+                  <a:moveTo>
+                    <a:pt x="332602" y="45558"/>
+                  </a:moveTo>
+                  <a:lnTo>
+                    <a:pt x="308713" y="45558"/>
+                  </a:lnTo>
+                  <a:lnTo>
+                    <a:pt x="320659" y="45624"/>
+                  </a:lnTo>
+                  <a:lnTo>
+                    <a:pt x="332602" y="45558"/>
+                  </a:lnTo>
+                  <a:close/>
+                </a:path>
+                <a:path w="641350" h="45720">
+                  <a:moveTo>
+                    <a:pt x="280960" y="45403"/>
+                  </a:moveTo>
+                  <a:lnTo>
+                    <a:pt x="296005" y="45558"/>
+                  </a:lnTo>
+                  <a:lnTo>
+                    <a:pt x="308713" y="45558"/>
+                  </a:lnTo>
+                  <a:lnTo>
+                    <a:pt x="280960" y="45403"/>
+                  </a:lnTo>
+                  <a:close/>
+                </a:path>
+                <a:path w="641350" h="45720">
+                  <a:moveTo>
+                    <a:pt x="360436" y="45402"/>
+                  </a:moveTo>
+                  <a:lnTo>
+                    <a:pt x="332602" y="45558"/>
+                  </a:lnTo>
+                  <a:lnTo>
+                    <a:pt x="345344" y="45558"/>
+                  </a:lnTo>
+                  <a:lnTo>
+                    <a:pt x="360436" y="45402"/>
+                  </a:lnTo>
+                  <a:close/>
+                </a:path>
+                <a:path w="641350" h="45720">
+                  <a:moveTo>
+                    <a:pt x="257141" y="45157"/>
+                  </a:moveTo>
+                  <a:lnTo>
+                    <a:pt x="267203" y="45326"/>
+                  </a:lnTo>
+                  <a:lnTo>
+                    <a:pt x="280960" y="45403"/>
+                  </a:lnTo>
+                  <a:lnTo>
+                    <a:pt x="257141" y="45157"/>
+                  </a:lnTo>
+                  <a:close/>
+                </a:path>
+                <a:path w="641350" h="45720">
+                  <a:moveTo>
+                    <a:pt x="384083" y="45159"/>
+                  </a:moveTo>
+                  <a:lnTo>
+                    <a:pt x="360436" y="45402"/>
+                  </a:lnTo>
+                  <a:lnTo>
+                    <a:pt x="374104" y="45326"/>
+                  </a:lnTo>
+                  <a:lnTo>
+                    <a:pt x="384083" y="45159"/>
+                  </a:lnTo>
+                  <a:close/>
+                </a:path>
+                <a:path w="641350" h="45720">
+                  <a:moveTo>
+                    <a:pt x="412503" y="44682"/>
+                  </a:moveTo>
+                  <a:lnTo>
+                    <a:pt x="384083" y="45159"/>
+                  </a:lnTo>
+                  <a:lnTo>
+                    <a:pt x="394683" y="45049"/>
+                  </a:lnTo>
+                  <a:lnTo>
+                    <a:pt x="412503" y="44682"/>
+                  </a:lnTo>
+                  <a:close/>
+                </a:path>
+                <a:path w="641350" h="45720">
+                  <a:moveTo>
+                    <a:pt x="229129" y="44688"/>
+                  </a:moveTo>
+                  <a:lnTo>
+                    <a:pt x="246666" y="45049"/>
+                  </a:lnTo>
+                  <a:lnTo>
+                    <a:pt x="257141" y="45157"/>
+                  </a:lnTo>
+                  <a:lnTo>
+                    <a:pt x="229129" y="44688"/>
+                  </a:lnTo>
+                  <a:close/>
+                </a:path>
+                <a:path w="641350" h="45720">
+                  <a:moveTo>
+                    <a:pt x="205633" y="44204"/>
+                  </a:moveTo>
+                  <a:lnTo>
+                    <a:pt x="213740" y="44430"/>
+                  </a:lnTo>
+                  <a:lnTo>
+                    <a:pt x="229129" y="44688"/>
+                  </a:lnTo>
+                  <a:lnTo>
+                    <a:pt x="205633" y="44204"/>
+                  </a:lnTo>
+                  <a:close/>
+                </a:path>
+                <a:path w="641350" h="45720">
+                  <a:moveTo>
+                    <a:pt x="435403" y="44211"/>
+                  </a:moveTo>
+                  <a:lnTo>
+                    <a:pt x="412503" y="44682"/>
+                  </a:lnTo>
+                  <a:lnTo>
+                    <a:pt x="427535" y="44430"/>
+                  </a:lnTo>
+                  <a:lnTo>
+                    <a:pt x="435403" y="44211"/>
+                  </a:lnTo>
+                  <a:close/>
+                </a:path>
+                <a:path w="641350" h="45720">
+                  <a:moveTo>
+                    <a:pt x="465379" y="43373"/>
+                  </a:moveTo>
+                  <a:lnTo>
+                    <a:pt x="435403" y="44211"/>
+                  </a:lnTo>
+                  <a:lnTo>
+                    <a:pt x="444021" y="44033"/>
+                  </a:lnTo>
+                  <a:lnTo>
+                    <a:pt x="465379" y="43373"/>
+                  </a:lnTo>
+                  <a:close/>
+                </a:path>
+                <a:path w="641350" h="45720">
+                  <a:moveTo>
+                    <a:pt x="177012" y="43405"/>
+                  </a:moveTo>
+                  <a:lnTo>
+                    <a:pt x="197328" y="44033"/>
+                  </a:lnTo>
+                  <a:lnTo>
+                    <a:pt x="205633" y="44204"/>
+                  </a:lnTo>
+                  <a:lnTo>
+                    <a:pt x="177012" y="43405"/>
+                  </a:lnTo>
+                  <a:close/>
+                </a:path>
+                <a:path w="641350" h="45720">
+                  <a:moveTo>
+                    <a:pt x="160274" y="42888"/>
+                  </a:moveTo>
+                  <a:lnTo>
+                    <a:pt x="177012" y="43405"/>
+                  </a:lnTo>
+                  <a:lnTo>
+                    <a:pt x="160274" y="42888"/>
+                  </a:lnTo>
+                  <a:close/>
+                </a:path>
+                <a:path w="641350" h="45720">
+                  <a:moveTo>
+                    <a:pt x="480949" y="42892"/>
+                  </a:moveTo>
+                  <a:lnTo>
+                    <a:pt x="465379" y="43373"/>
+                  </a:lnTo>
+                  <a:lnTo>
+                    <a:pt x="480949" y="42938"/>
+                  </a:lnTo>
+                  <a:close/>
+                </a:path>
+                <a:path w="641350" h="45720">
+                  <a:moveTo>
+                    <a:pt x="480949" y="0"/>
+                  </a:moveTo>
+                  <a:lnTo>
+                    <a:pt x="480949" y="42892"/>
+                  </a:lnTo>
+                  <a:lnTo>
+                    <a:pt x="493358" y="42509"/>
+                  </a:lnTo>
+                  <a:lnTo>
+                    <a:pt x="542692" y="40476"/>
+                  </a:lnTo>
+                  <a:lnTo>
+                    <a:pt x="592023" y="37935"/>
+                  </a:lnTo>
+                  <a:lnTo>
+                    <a:pt x="641350" y="34886"/>
+                  </a:lnTo>
+                  <a:lnTo>
+                    <a:pt x="480949" y="0"/>
+                  </a:lnTo>
+                  <a:close/>
+                </a:path>
+                <a:path w="641350" h="45720">
+                  <a:moveTo>
+                    <a:pt x="160274" y="0"/>
+                  </a:moveTo>
+                  <a:lnTo>
+                    <a:pt x="0" y="34886"/>
+                  </a:lnTo>
+                  <a:lnTo>
+                    <a:pt x="49326" y="37935"/>
+                  </a:lnTo>
+                  <a:lnTo>
+                    <a:pt x="98657" y="40476"/>
+                  </a:lnTo>
+                  <a:lnTo>
+                    <a:pt x="147991" y="42509"/>
+                  </a:lnTo>
+                  <a:lnTo>
+                    <a:pt x="160274" y="42888"/>
+                  </a:lnTo>
+                  <a:lnTo>
+                    <a:pt x="160274" y="0"/>
+                  </a:lnTo>
+                  <a:close/>
+                </a:path>
+              </a:pathLst>
+            </a:custGeom>
+            <a:solidFill>
+              <a:srgbClr val="664D00"/>
+            </a:solidFill>
+          </p:spPr>
+          <p:txBody>
+            <a:bodyPr wrap="square" lIns="0" tIns="0" rIns="0" bIns="0" rtlCol="0"/>
+            <a:lstStyle/>
+            <a:p>
+              <a:endParaRPr/>
+            </a:p>
+          </p:txBody>
+        </p:sp>
+        <p:sp>
+          <p:nvSpPr>
+            <p:cNvPr id="9" name="object 17">
+              <a:extLst>
+                <a:ext uri="{FF2B5EF4-FFF2-40B4-BE49-F238E27FC236}">
+                  <a16:creationId xmlns:a16="http://schemas.microsoft.com/office/drawing/2014/main" id="{B20152E7-60FB-0504-ED39-EB0106D6D9A4}"/>
+                </a:ext>
+              </a:extLst>
+            </p:cNvPr>
+            <p:cNvSpPr/>
+            <p:nvPr/>
+          </p:nvSpPr>
+          <p:spPr>
+            <a:xfrm>
+              <a:off x="3238500" y="9463405"/>
+              <a:ext cx="1282700" cy="343535"/>
+            </a:xfrm>
+            <a:custGeom>
+              <a:avLst/>
+              <a:gdLst/>
+              <a:ahLst/>
+              <a:cxnLst/>
+              <a:rect l="l" t="t" r="r" b="b"/>
+              <a:pathLst>
+                <a:path w="1282700" h="343534">
+                  <a:moveTo>
+                    <a:pt x="0" y="0"/>
+                  </a:moveTo>
+                  <a:lnTo>
+                    <a:pt x="48085" y="6200"/>
+                  </a:lnTo>
+                  <a:lnTo>
+                    <a:pt x="96177" y="11917"/>
+                  </a:lnTo>
+                  <a:lnTo>
+                    <a:pt x="144274" y="17151"/>
+                  </a:lnTo>
+                  <a:lnTo>
+                    <a:pt x="192373" y="21901"/>
+                  </a:lnTo>
+                  <a:lnTo>
+                    <a:pt x="240474" y="26168"/>
+                  </a:lnTo>
+                  <a:lnTo>
+                    <a:pt x="288575" y="29952"/>
+                  </a:lnTo>
+                  <a:lnTo>
+                    <a:pt x="336674" y="33252"/>
+                  </a:lnTo>
+                  <a:lnTo>
+                    <a:pt x="384771" y="36070"/>
+                  </a:lnTo>
+                  <a:lnTo>
+                    <a:pt x="432863" y="38406"/>
+                  </a:lnTo>
+                  <a:lnTo>
+                    <a:pt x="480949" y="40259"/>
+                  </a:lnTo>
+                  <a:lnTo>
+                    <a:pt x="320675" y="75145"/>
+                  </a:lnTo>
+                  <a:lnTo>
+                    <a:pt x="370001" y="78194"/>
+                  </a:lnTo>
+                  <a:lnTo>
+                    <a:pt x="419332" y="80735"/>
+                  </a:lnTo>
+                  <a:lnTo>
+                    <a:pt x="468666" y="82768"/>
+                  </a:lnTo>
+                  <a:lnTo>
+                    <a:pt x="518003" y="84292"/>
+                  </a:lnTo>
+                  <a:lnTo>
+                    <a:pt x="567341" y="85308"/>
+                  </a:lnTo>
+                  <a:lnTo>
+                    <a:pt x="616680" y="85817"/>
+                  </a:lnTo>
+                  <a:lnTo>
+                    <a:pt x="666019" y="85817"/>
+                  </a:lnTo>
+                  <a:lnTo>
+                    <a:pt x="715358" y="85308"/>
+                  </a:lnTo>
+                  <a:lnTo>
+                    <a:pt x="764696" y="84292"/>
+                  </a:lnTo>
+                  <a:lnTo>
+                    <a:pt x="814033" y="82768"/>
+                  </a:lnTo>
+                  <a:lnTo>
+                    <a:pt x="863367" y="80735"/>
+                  </a:lnTo>
+                  <a:lnTo>
+                    <a:pt x="912698" y="78194"/>
+                  </a:lnTo>
+                  <a:lnTo>
+                    <a:pt x="962025" y="75145"/>
+                  </a:lnTo>
+                  <a:lnTo>
+                    <a:pt x="801624" y="40259"/>
+                  </a:lnTo>
+                  <a:lnTo>
+                    <a:pt x="849740" y="38406"/>
+                  </a:lnTo>
+                  <a:lnTo>
+                    <a:pt x="897851" y="36070"/>
+                  </a:lnTo>
+                  <a:lnTo>
+                    <a:pt x="945957" y="33252"/>
+                  </a:lnTo>
+                  <a:lnTo>
+                    <a:pt x="994060" y="29952"/>
+                  </a:lnTo>
+                  <a:lnTo>
+                    <a:pt x="1042161" y="26168"/>
+                  </a:lnTo>
+                  <a:lnTo>
+                    <a:pt x="1090263" y="21901"/>
+                  </a:lnTo>
+                  <a:lnTo>
+                    <a:pt x="1138366" y="17151"/>
+                  </a:lnTo>
+                  <a:lnTo>
+                    <a:pt x="1186472" y="11917"/>
+                  </a:lnTo>
+                  <a:lnTo>
+                    <a:pt x="1234583" y="6200"/>
+                  </a:lnTo>
+                  <a:lnTo>
+                    <a:pt x="1282700" y="0"/>
+                  </a:lnTo>
+                  <a:lnTo>
+                    <a:pt x="1122299" y="147612"/>
+                  </a:lnTo>
+                  <a:lnTo>
+                    <a:pt x="1282700" y="257657"/>
+                  </a:lnTo>
+                  <a:lnTo>
+                    <a:pt x="1229242" y="264515"/>
+                  </a:lnTo>
+                  <a:lnTo>
+                    <a:pt x="1175798" y="270777"/>
+                  </a:lnTo>
+                  <a:lnTo>
+                    <a:pt x="1122362" y="276442"/>
+                  </a:lnTo>
+                  <a:lnTo>
+                    <a:pt x="1068926" y="281511"/>
+                  </a:lnTo>
+                  <a:lnTo>
+                    <a:pt x="1015482" y="285985"/>
+                  </a:lnTo>
+                  <a:lnTo>
+                    <a:pt x="962025" y="289864"/>
+                  </a:lnTo>
+                  <a:lnTo>
+                    <a:pt x="962025" y="332803"/>
+                  </a:lnTo>
+                  <a:lnTo>
+                    <a:pt x="912698" y="335852"/>
+                  </a:lnTo>
+                  <a:lnTo>
+                    <a:pt x="863367" y="338393"/>
+                  </a:lnTo>
+                  <a:lnTo>
+                    <a:pt x="814033" y="340425"/>
+                  </a:lnTo>
+                  <a:lnTo>
+                    <a:pt x="764696" y="341950"/>
+                  </a:lnTo>
+                  <a:lnTo>
+                    <a:pt x="715358" y="342966"/>
+                  </a:lnTo>
+                  <a:lnTo>
+                    <a:pt x="666019" y="343474"/>
+                  </a:lnTo>
+                  <a:lnTo>
+                    <a:pt x="616680" y="343474"/>
+                  </a:lnTo>
+                  <a:lnTo>
+                    <a:pt x="567341" y="342966"/>
+                  </a:lnTo>
+                  <a:lnTo>
+                    <a:pt x="518003" y="341950"/>
+                  </a:lnTo>
+                  <a:lnTo>
+                    <a:pt x="468666" y="340425"/>
+                  </a:lnTo>
+                  <a:lnTo>
+                    <a:pt x="419332" y="338393"/>
+                  </a:lnTo>
+                  <a:lnTo>
+                    <a:pt x="370001" y="335852"/>
+                  </a:lnTo>
+                  <a:lnTo>
+                    <a:pt x="320675" y="332803"/>
+                  </a:lnTo>
+                  <a:lnTo>
+                    <a:pt x="320675" y="289864"/>
+                  </a:lnTo>
+                  <a:lnTo>
+                    <a:pt x="267217" y="285985"/>
+                  </a:lnTo>
+                  <a:lnTo>
+                    <a:pt x="213773" y="281511"/>
+                  </a:lnTo>
+                  <a:lnTo>
+                    <a:pt x="160337" y="276442"/>
+                  </a:lnTo>
+                  <a:lnTo>
+                    <a:pt x="106901" y="270777"/>
+                  </a:lnTo>
+                  <a:lnTo>
+                    <a:pt x="53457" y="264515"/>
+                  </a:lnTo>
+                  <a:lnTo>
+                    <a:pt x="0" y="257657"/>
+                  </a:lnTo>
+                  <a:lnTo>
+                    <a:pt x="160274" y="147612"/>
+                  </a:lnTo>
+                  <a:lnTo>
+                    <a:pt x="0" y="0"/>
+                  </a:lnTo>
+                  <a:close/>
+                </a:path>
+                <a:path w="1282700" h="343534">
+                  <a:moveTo>
+                    <a:pt x="320675" y="289864"/>
+                  </a:moveTo>
+                  <a:lnTo>
+                    <a:pt x="320675" y="75145"/>
+                  </a:lnTo>
+                </a:path>
+                <a:path w="1282700" h="343534">
+                  <a:moveTo>
+                    <a:pt x="962025" y="75145"/>
+                  </a:moveTo>
+                  <a:lnTo>
+                    <a:pt x="962025" y="289864"/>
+                  </a:lnTo>
+                </a:path>
+                <a:path w="1282700" h="343534">
+                  <a:moveTo>
+                    <a:pt x="480949" y="40259"/>
+                  </a:moveTo>
+                  <a:lnTo>
+                    <a:pt x="480949" y="83197"/>
+                  </a:lnTo>
+                </a:path>
+                <a:path w="1282700" h="343534">
+                  <a:moveTo>
+                    <a:pt x="801624" y="83197"/>
+                  </a:moveTo>
+                  <a:lnTo>
+                    <a:pt x="801624" y="40259"/>
+                  </a:lnTo>
+                </a:path>
+              </a:pathLst>
+            </a:custGeom>
+            <a:ln w="9525">
+              <a:solidFill>
+                <a:srgbClr val="FFC000"/>
+              </a:solidFill>
+            </a:ln>
+          </p:spPr>
+          <p:txBody>
+            <a:bodyPr wrap="square" lIns="0" tIns="0" rIns="0" bIns="0" rtlCol="0"/>
+            <a:lstStyle/>
+            <a:p>
+              <a:endParaRPr dirty="0"/>
+            </a:p>
+          </p:txBody>
+        </p:sp>
+      </p:grpSp>
+      <p:sp>
+        <p:nvSpPr>
+          <p:cNvPr id="10" name="CuadroTexto 9">
+            <a:extLst>
+              <a:ext uri="{FF2B5EF4-FFF2-40B4-BE49-F238E27FC236}">
+                <a16:creationId xmlns:a16="http://schemas.microsoft.com/office/drawing/2014/main" id="{9C1C8AC1-A569-C1FD-5C31-29C61A443DA0}"/>
+              </a:ext>
+            </a:extLst>
+          </p:cNvPr>
+          <p:cNvSpPr txBox="1"/>
+          <p:nvPr/>
+        </p:nvSpPr>
+        <p:spPr>
+          <a:xfrm>
+            <a:off x="6092823" y="6190755"/>
+            <a:ext cx="654464" cy="369332"/>
+          </a:xfrm>
+          <a:prstGeom prst="rect">
+            <a:avLst/>
+          </a:prstGeom>
+          <a:noFill/>
+        </p:spPr>
+        <p:txBody>
+          <a:bodyPr wrap="square" rtlCol="0">
+            <a:spAutoFit/>
+          </a:bodyPr>
+          <a:lstStyle/>
+          <a:p>
+            <a:pPr algn="ctr"/>
+            <a:r>
+              <a:rPr lang="es-MX" dirty="0">
+                <a:solidFill>
+                  <a:schemeClr val="bg1"/>
+                </a:solidFill>
+              </a:rPr>
+              <a:t>15</a:t>
+            </a:r>
+          </a:p>
+        </p:txBody>
+      </p:sp>
+      <p:pic>
+        <p:nvPicPr>
+          <p:cNvPr id="2" name="Imagen 1" descr="Interfaz de usuario gráfica, Sitio web&#10;&#10;Descripción generada automáticamente">
+            <a:extLst>
+              <a:ext uri="{FF2B5EF4-FFF2-40B4-BE49-F238E27FC236}">
+                <a16:creationId xmlns:a16="http://schemas.microsoft.com/office/drawing/2014/main" id="{241F6AAC-7C47-F16B-E884-EA5EAAF85D64}"/>
+              </a:ext>
+            </a:extLst>
+          </p:cNvPr>
+          <p:cNvPicPr>
+            <a:picLocks noChangeAspect="1"/>
+          </p:cNvPicPr>
+          <p:nvPr/>
+        </p:nvPicPr>
+        <p:blipFill>
+          <a:blip r:embed="rId2">
+            <a:extLst>
+              <a:ext uri="{28A0092B-C50C-407E-A947-70E740481C1C}">
+                <a14:useLocalDpi xmlns:a14="http://schemas.microsoft.com/office/drawing/2010/main" val="0"/>
+              </a:ext>
+            </a:extLst>
+          </a:blip>
+          <a:stretch>
+            <a:fillRect/>
+          </a:stretch>
+        </p:blipFill>
+        <p:spPr>
+          <a:xfrm>
+            <a:off x="2016857" y="1810121"/>
+            <a:ext cx="8572466" cy="4007628"/>
+          </a:xfrm>
+          <a:prstGeom prst="rect">
+            <a:avLst/>
+          </a:prstGeom>
+          <a:ln>
+            <a:noFill/>
+          </a:ln>
+          <a:effectLst>
+            <a:outerShdw blurRad="292100" dist="139700" dir="2700000" algn="tl" rotWithShape="0">
+              <a:srgbClr val="333333">
+                <a:alpha val="65000"/>
+              </a:srgbClr>
+            </a:outerShdw>
+          </a:effectLst>
+        </p:spPr>
+      </p:pic>
+    </p:spTree>
+    <p:extLst>
+      <p:ext uri="{BB962C8B-B14F-4D97-AF65-F5344CB8AC3E}">
+        <p14:creationId xmlns:p14="http://schemas.microsoft.com/office/powerpoint/2010/main" val="2961465963"/>
       </p:ext>
     </p:extLst>
   </p:cSld>
@@ -12423,34 +14651,6 @@
               </a:rPr>
               <a:t>usuario normal </a:t>
             </a:r>
-            <a:r>
-              <a:rPr lang="es-MX" sz="2000" spc="-5" dirty="0">
-                <a:latin typeface="Calibri"/>
-                <a:cs typeface="Calibri"/>
-              </a:rPr>
-              <a:t>y siendo</a:t>
-            </a:r>
-            <a:r>
-              <a:rPr sz="2000" dirty="0">
-                <a:latin typeface="Calibri"/>
-                <a:cs typeface="Calibri"/>
-              </a:rPr>
-              <a:t> </a:t>
-            </a:r>
-            <a:r>
-              <a:rPr sz="2000" spc="-5" dirty="0" err="1">
-                <a:latin typeface="Calibri"/>
-                <a:cs typeface="Calibri"/>
-              </a:rPr>
-              <a:t>administra</a:t>
-            </a:r>
-            <a:r>
-              <a:rPr lang="es-MX" sz="2000" spc="-5" dirty="0" err="1">
-                <a:latin typeface="Calibri"/>
-                <a:cs typeface="Calibri"/>
-              </a:rPr>
-              <a:t>dor</a:t>
-            </a:r>
             <a:endParaRPr lang="es-MX" sz="2000" spc="-5" dirty="0">
               <a:latin typeface="Calibri"/>
               <a:cs typeface="Calibri"/>
@@ -14399,6 +16599,16 @@
           <a:prstGeom prst="rect">
             <a:avLst/>
           </a:prstGeom>
+          <a:ln>
+            <a:noFill/>
+          </a:ln>
+          <a:effectLst>
+            <a:outerShdw blurRad="292100" dist="139700" dir="2700000" algn="tl" rotWithShape="0">
+              <a:srgbClr val="333333">
+                <a:alpha val="65000"/>
+              </a:srgbClr>
+            </a:outerShdw>
+          </a:effectLst>
         </p:spPr>
       </p:pic>
       <p:grpSp>
@@ -15537,6 +17747,16 @@
           <a:prstGeom prst="rect">
             <a:avLst/>
           </a:prstGeom>
+          <a:ln>
+            <a:noFill/>
+          </a:ln>
+          <a:effectLst>
+            <a:outerShdw blurRad="292100" dist="139700" dir="2700000" algn="tl" rotWithShape="0">
+              <a:srgbClr val="333333">
+                <a:alpha val="65000"/>
+              </a:srgbClr>
+            </a:outerShdw>
+          </a:effectLst>
         </p:spPr>
       </p:pic>
     </p:spTree>
@@ -16561,6 +18781,16 @@
           <a:prstGeom prst="rect">
             <a:avLst/>
           </a:prstGeom>
+          <a:ln>
+            <a:noFill/>
+          </a:ln>
+          <a:effectLst>
+            <a:outerShdw blurRad="292100" dist="139700" dir="2700000" algn="tl" rotWithShape="0">
+              <a:srgbClr val="333333">
+                <a:alpha val="65000"/>
+              </a:srgbClr>
+            </a:outerShdw>
+          </a:effectLst>
         </p:spPr>
       </p:pic>
       <p:pic>
@@ -16597,6 +18827,16 @@
           <a:prstGeom prst="rect">
             <a:avLst/>
           </a:prstGeom>
+          <a:ln>
+            <a:noFill/>
+          </a:ln>
+          <a:effectLst>
+            <a:outerShdw blurRad="292100" dist="139700" dir="2700000" algn="tl" rotWithShape="0">
+              <a:srgbClr val="333333">
+                <a:alpha val="65000"/>
+              </a:srgbClr>
+            </a:outerShdw>
+          </a:effectLst>
         </p:spPr>
       </p:pic>
     </p:spTree>
@@ -17612,6 +19852,16 @@
           <a:prstGeom prst="rect">
             <a:avLst/>
           </a:prstGeom>
+          <a:ln>
+            <a:noFill/>
+          </a:ln>
+          <a:effectLst>
+            <a:outerShdw blurRad="292100" dist="139700" dir="2700000" algn="tl" rotWithShape="0">
+              <a:srgbClr val="333333">
+                <a:alpha val="65000"/>
+              </a:srgbClr>
+            </a:outerShdw>
+          </a:effectLst>
         </p:spPr>
       </p:pic>
       <mc:AlternateContent xmlns:mc="http://schemas.openxmlformats.org/markup-compatibility/2006" xmlns:p14="http://schemas.microsoft.com/office/powerpoint/2010/main">
@@ -18837,6 +21087,16 @@
           <a:prstGeom prst="rect">
             <a:avLst/>
           </a:prstGeom>
+          <a:ln>
+            <a:noFill/>
+          </a:ln>
+          <a:effectLst>
+            <a:outerShdw blurRad="292100" dist="139700" dir="2700000" algn="tl" rotWithShape="0">
+              <a:srgbClr val="333333">
+                <a:alpha val="65000"/>
+              </a:srgbClr>
+            </a:outerShdw>
+          </a:effectLst>
         </p:spPr>
       </p:pic>
     </p:spTree>
@@ -19810,6 +22070,16 @@
           <a:prstGeom prst="rect">
             <a:avLst/>
           </a:prstGeom>
+          <a:ln>
+            <a:noFill/>
+          </a:ln>
+          <a:effectLst>
+            <a:outerShdw blurRad="292100" dist="139700" dir="2700000" algn="tl" rotWithShape="0">
+              <a:srgbClr val="333333">
+                <a:alpha val="65000"/>
+              </a:srgbClr>
+            </a:outerShdw>
+          </a:effectLst>
         </p:spPr>
       </p:pic>
     </p:spTree>
